--- a/Fase 3/Presentación final.pptx
+++ b/Fase 3/Presentación final.pptx
@@ -2,39 +2,39 @@
 <file path=ppt/presentation.xml><?xml version="1.0" encoding="utf-8"?>
 <p:presentation xmlns:a="http://schemas.openxmlformats.org/drawingml/2006/main" xmlns:r="http://schemas.openxmlformats.org/officeDocument/2006/relationships" xmlns:mc="http://schemas.openxmlformats.org/markup-compatibility/2006" xmlns:mv="urn:schemas-microsoft-com:mac:vml" xmlns:p="http://schemas.openxmlformats.org/presentationml/2006/main" xmlns:c="http://schemas.openxmlformats.org/drawingml/2006/chart" xmlns:dgm="http://schemas.openxmlformats.org/drawingml/2006/diagram" xmlns:o="urn:schemas-microsoft-com:office:office" xmlns:v="urn:schemas-microsoft-com:vml" xmlns:pvml="urn:schemas-microsoft-com:office:powerpoint" xmlns:com="http://schemas.openxmlformats.org/drawingml/2006/compatibility" xmlns:p14="http://schemas.microsoft.com/office/powerpoint/2010/main" xmlns:p15="http://schemas.microsoft.com/office/powerpoint/2012/main" xmlns:ahyp="http://schemas.microsoft.com/office/drawing/2018/hyperlinkcolor" autoCompressPictures="0" embedTrueTypeFonts="1" strictFirstAndLastChars="0" saveSubsetFonts="1">
   <p:sldMasterIdLst>
-    <p:sldMasterId id="2147483648" r:id="rId4"/>
+    <p:sldMasterId id="2147483648" r:id="rId5"/>
   </p:sldMasterIdLst>
   <p:notesMasterIdLst>
-    <p:notesMasterId r:id="rId5"/>
+    <p:notesMasterId r:id="rId6"/>
   </p:notesMasterIdLst>
   <p:sldIdLst>
-    <p:sldId id="256" r:id="rId6"/>
-    <p:sldId id="257" r:id="rId7"/>
-    <p:sldId id="258" r:id="rId8"/>
-    <p:sldId id="259" r:id="rId9"/>
-    <p:sldId id="260" r:id="rId10"/>
-    <p:sldId id="261" r:id="rId11"/>
-    <p:sldId id="262" r:id="rId12"/>
-    <p:sldId id="263" r:id="rId13"/>
-    <p:sldId id="264" r:id="rId14"/>
-    <p:sldId id="265" r:id="rId15"/>
-    <p:sldId id="266" r:id="rId16"/>
-    <p:sldId id="267" r:id="rId17"/>
-    <p:sldId id="268" r:id="rId18"/>
-    <p:sldId id="269" r:id="rId19"/>
-    <p:sldId id="270" r:id="rId20"/>
-    <p:sldId id="271" r:id="rId21"/>
-    <p:sldId id="272" r:id="rId22"/>
-    <p:sldId id="273" r:id="rId23"/>
-    <p:sldId id="274" r:id="rId24"/>
+    <p:sldId id="256" r:id="rId7"/>
+    <p:sldId id="257" r:id="rId8"/>
+    <p:sldId id="258" r:id="rId9"/>
+    <p:sldId id="259" r:id="rId10"/>
+    <p:sldId id="260" r:id="rId11"/>
+    <p:sldId id="261" r:id="rId12"/>
+    <p:sldId id="262" r:id="rId13"/>
+    <p:sldId id="263" r:id="rId14"/>
+    <p:sldId id="264" r:id="rId15"/>
+    <p:sldId id="265" r:id="rId16"/>
+    <p:sldId id="266" r:id="rId17"/>
+    <p:sldId id="267" r:id="rId18"/>
+    <p:sldId id="268" r:id="rId19"/>
+    <p:sldId id="269" r:id="rId20"/>
+    <p:sldId id="270" r:id="rId21"/>
+    <p:sldId id="271" r:id="rId22"/>
+    <p:sldId id="272" r:id="rId23"/>
+    <p:sldId id="273" r:id="rId24"/>
+    <p:sldId id="274" r:id="rId25"/>
   </p:sldIdLst>
   <p:sldSz cy="10287000" cx="18288000"/>
   <p:notesSz cx="6858000" cy="9144000"/>
   <p:embeddedFontLst>
     <p:embeddedFont>
       <p:font typeface="Montserrat"/>
-      <p:bold r:id="rId25"/>
-      <p:boldItalic r:id="rId26"/>
+      <p:bold r:id="rId26"/>
+      <p:boldItalic r:id="rId27"/>
     </p:embeddedFont>
   </p:embeddedFontLst>
   <p:defaultTextStyle>
@@ -282,7 +282,7 @@
       </p15:sldGuideLst>
     </p:ext>
     <p:ext uri="GoogleSlidesCustomDataVersion2">
-      <go:slidesCustomData xmlns:go="http://customooxmlschemas.google.com/" r:id="rId27" roundtripDataSignature="AMtx7mi49K0ubuZJMjaqraYNUaHYg9l6qg=="/>
+      <go:slidesCustomData xmlns:go="http://customooxmlschemas.google.com/" r:id="rId28" roundtripDataSignature="AMtx7mi6VVAjxtXQvb4+qCgL7Ylo1OSBhw=="/>
     </p:ext>
   </p:extLst>
 </p:presentation>
@@ -12766,63 +12766,9 @@
           <a:chExt cx="0" cy="0"/>
         </a:xfrm>
       </p:grpSpPr>
-      <p:graphicFrame>
-        <p:nvGraphicFramePr>
-          <p:cNvPr id="187" name="Google Shape;187;p11"/>
-          <p:cNvGraphicFramePr/>
-          <p:nvPr/>
-        </p:nvGraphicFramePr>
-        <p:xfrm>
-          <a:off x="1061858" y="3611529"/>
-          <a:ext cx="26403302" cy="5029199"/>
-        </p:xfrm>
-        <a:graphic>
-          <a:graphicData uri="http://schemas.openxmlformats.org/presentationml/2006/ole">
-            <mc:AlternateContent>
-              <mc:Choice Requires="v">
-                <p:oleObj r:id="rId4" imgH="5029199" imgW="26403302" progId="Excel.Sheet.12" spid="_x0000_s1">
-                  <p:embed/>
-                </p:oleObj>
-              </mc:Choice>
-              <mc:Fallback>
-                <p:oleObj r:id="rId5" imgH="5029199" imgW="26403302" progId="Excel.Sheet.12">
-                  <p:embed/>
-                  <p:pic>
-                    <p:nvPicPr>
-                      <p:cNvPr id="187" name="Google Shape;187;p11"/>
-                      <p:cNvPicPr preferRelativeResize="0"/>
-                      <p:nvPr/>
-                    </p:nvPicPr>
-                    <p:blipFill rotWithShape="1">
-                      <a:blip r:embed="rId6">
-                        <a:alphaModFix/>
-                      </a:blip>
-                      <a:srcRect b="0" l="0" r="0" t="0"/>
-                      <a:stretch/>
-                    </p:blipFill>
-                    <p:spPr>
-                      <a:xfrm>
-                        <a:off x="1061858" y="3611529"/>
-                        <a:ext cx="26403302" cy="5029199"/>
-                      </a:xfrm>
-                      <a:prstGeom prst="rect">
-                        <a:avLst/>
-                      </a:prstGeom>
-                      <a:noFill/>
-                      <a:ln>
-                        <a:noFill/>
-                      </a:ln>
-                    </p:spPr>
-                  </p:pic>
-                </p:oleObj>
-              </mc:Fallback>
-            </mc:AlternateContent>
-          </a:graphicData>
-        </a:graphic>
-      </p:graphicFrame>
       <p:sp>
         <p:nvSpPr>
-          <p:cNvPr id="188" name="Google Shape;188;p11"/>
+          <p:cNvPr id="187" name="Google Shape;187;p11"/>
           <p:cNvSpPr txBox="1"/>
           <p:nvPr/>
         </p:nvSpPr>
@@ -12875,7 +12821,7 @@
       </p:sp>
       <p:cxnSp>
         <p:nvCxnSpPr>
-          <p:cNvPr id="189" name="Google Shape;189;p11"/>
+          <p:cNvPr id="188" name="Google Shape;188;p11"/>
           <p:cNvCxnSpPr/>
           <p:nvPr/>
         </p:nvCxnSpPr>
@@ -12899,6 +12845,7213 @@
           </a:ln>
         </p:spPr>
       </p:cxnSp>
+      <p:graphicFrame>
+        <p:nvGraphicFramePr>
+          <p:cNvPr id="189" name="Google Shape;189;p11"/>
+          <p:cNvGraphicFramePr/>
+          <p:nvPr/>
+        </p:nvGraphicFramePr>
+        <p:xfrm>
+          <a:off x="2028075" y="4358025"/>
+          <a:ext cx="3000000" cy="3000000"/>
+        </p:xfrm>
+        <a:graphic>
+          <a:graphicData uri="http://schemas.openxmlformats.org/drawingml/2006/table">
+            <a:tbl>
+              <a:tblPr bandRow="1">
+                <a:noFill/>
+                <a:tableStyleId>{DC084E46-ECF8-4E6A-96B3-51DBD29C3997}</a:tableStyleId>
+              </a:tblPr>
+              <a:tblGrid>
+                <a:gridCol w="1751200"/>
+                <a:gridCol w="694750"/>
+                <a:gridCol w="676650"/>
+                <a:gridCol w="677925"/>
+                <a:gridCol w="681800"/>
+                <a:gridCol w="677925"/>
+                <a:gridCol w="677925"/>
+                <a:gridCol w="677925"/>
+                <a:gridCol w="677925"/>
+                <a:gridCol w="677925"/>
+                <a:gridCol w="677925"/>
+                <a:gridCol w="677925"/>
+                <a:gridCol w="677925"/>
+                <a:gridCol w="680525"/>
+                <a:gridCol w="680525"/>
+                <a:gridCol w="680525"/>
+                <a:gridCol w="398275"/>
+                <a:gridCol w="671450"/>
+                <a:gridCol w="680525"/>
+                <a:gridCol w="680525"/>
+              </a:tblGrid>
+              <a:tr h="314325">
+                <a:tc rowSpan="2">
+                  <a:txBody>
+                    <a:bodyPr/>
+                    <a:lstStyle/>
+                    <a:p>
+                      <a:pPr indent="0" lvl="0" marL="0" rtl="0" algn="just">
+                        <a:lnSpc>
+                          <a:spcPct val="150000"/>
+                        </a:lnSpc>
+                        <a:spcBef>
+                          <a:spcPts val="0"/>
+                        </a:spcBef>
+                        <a:spcAft>
+                          <a:spcPts val="800"/>
+                        </a:spcAft>
+                        <a:buNone/>
+                      </a:pPr>
+                      <a:r>
+                        <a:rPr b="1" lang="en-US" sz="800">
+                          <a:latin typeface="Calibri"/>
+                          <a:ea typeface="Calibri"/>
+                          <a:cs typeface="Calibri"/>
+                          <a:sym typeface="Calibri"/>
+                        </a:rPr>
+                        <a:t>Actividad</a:t>
+                      </a:r>
+                      <a:endParaRPr b="1" sz="800">
+                        <a:latin typeface="Calibri"/>
+                        <a:ea typeface="Calibri"/>
+                        <a:cs typeface="Calibri"/>
+                        <a:sym typeface="Calibri"/>
+                      </a:endParaRPr>
+                    </a:p>
+                  </a:txBody>
+                  <a:tcPr marT="0" marB="0" marR="68575" marL="68575"/>
+                </a:tc>
+                <a:tc gridSpan="4">
+                  <a:txBody>
+                    <a:bodyPr/>
+                    <a:lstStyle/>
+                    <a:p>
+                      <a:pPr indent="0" lvl="0" marL="0" rtl="0" algn="ctr">
+                        <a:lnSpc>
+                          <a:spcPct val="150000"/>
+                        </a:lnSpc>
+                        <a:spcBef>
+                          <a:spcPts val="0"/>
+                        </a:spcBef>
+                        <a:spcAft>
+                          <a:spcPts val="800"/>
+                        </a:spcAft>
+                        <a:buNone/>
+                      </a:pPr>
+                      <a:r>
+                        <a:rPr b="1" lang="en-US" sz="800">
+                          <a:latin typeface="Calibri"/>
+                          <a:ea typeface="Calibri"/>
+                          <a:cs typeface="Calibri"/>
+                          <a:sym typeface="Calibri"/>
+                        </a:rPr>
+                        <a:t>Fase 1</a:t>
+                      </a:r>
+                      <a:endParaRPr b="1" sz="800">
+                        <a:latin typeface="Calibri"/>
+                        <a:ea typeface="Calibri"/>
+                        <a:cs typeface="Calibri"/>
+                        <a:sym typeface="Calibri"/>
+                      </a:endParaRPr>
+                    </a:p>
+                  </a:txBody>
+                  <a:tcPr marT="0" marB="0" marR="68575" marL="68575">
+                    <a:solidFill>
+                      <a:srgbClr val="E2EFD9"/>
+                    </a:solidFill>
+                  </a:tcPr>
+                </a:tc>
+                <a:tc hMerge="1"/>
+                <a:tc hMerge="1"/>
+                <a:tc hMerge="1"/>
+                <a:tc gridSpan="12">
+                  <a:txBody>
+                    <a:bodyPr/>
+                    <a:lstStyle/>
+                    <a:p>
+                      <a:pPr indent="0" lvl="0" marL="0" rtl="0" algn="ctr">
+                        <a:lnSpc>
+                          <a:spcPct val="150000"/>
+                        </a:lnSpc>
+                        <a:spcBef>
+                          <a:spcPts val="0"/>
+                        </a:spcBef>
+                        <a:spcAft>
+                          <a:spcPts val="800"/>
+                        </a:spcAft>
+                        <a:buNone/>
+                      </a:pPr>
+                      <a:r>
+                        <a:rPr b="1" lang="en-US" sz="800">
+                          <a:latin typeface="Calibri"/>
+                          <a:ea typeface="Calibri"/>
+                          <a:cs typeface="Calibri"/>
+                          <a:sym typeface="Calibri"/>
+                        </a:rPr>
+                        <a:t>Fase 2</a:t>
+                      </a:r>
+                      <a:endParaRPr b="1" sz="800">
+                        <a:latin typeface="Calibri"/>
+                        <a:ea typeface="Calibri"/>
+                        <a:cs typeface="Calibri"/>
+                        <a:sym typeface="Calibri"/>
+                      </a:endParaRPr>
+                    </a:p>
+                  </a:txBody>
+                  <a:tcPr marT="0" marB="0" marR="68575" marL="68575">
+                    <a:solidFill>
+                      <a:srgbClr val="FFF2CC"/>
+                    </a:solidFill>
+                  </a:tcPr>
+                </a:tc>
+                <a:tc hMerge="1"/>
+                <a:tc hMerge="1"/>
+                <a:tc hMerge="1"/>
+                <a:tc hMerge="1"/>
+                <a:tc hMerge="1"/>
+                <a:tc hMerge="1"/>
+                <a:tc hMerge="1"/>
+                <a:tc hMerge="1"/>
+                <a:tc hMerge="1"/>
+                <a:tc hMerge="1"/>
+                <a:tc hMerge="1"/>
+                <a:tc gridSpan="3">
+                  <a:txBody>
+                    <a:bodyPr/>
+                    <a:lstStyle/>
+                    <a:p>
+                      <a:pPr indent="0" lvl="0" marL="0" rtl="0" algn="ctr">
+                        <a:lnSpc>
+                          <a:spcPct val="150000"/>
+                        </a:lnSpc>
+                        <a:spcBef>
+                          <a:spcPts val="0"/>
+                        </a:spcBef>
+                        <a:spcAft>
+                          <a:spcPts val="800"/>
+                        </a:spcAft>
+                        <a:buNone/>
+                      </a:pPr>
+                      <a:r>
+                        <a:rPr b="1" lang="en-US" sz="800">
+                          <a:latin typeface="Calibri"/>
+                          <a:ea typeface="Calibri"/>
+                          <a:cs typeface="Calibri"/>
+                          <a:sym typeface="Calibri"/>
+                        </a:rPr>
+                        <a:t>Fase 3</a:t>
+                      </a:r>
+                      <a:endParaRPr b="1" sz="800">
+                        <a:latin typeface="Calibri"/>
+                        <a:ea typeface="Calibri"/>
+                        <a:cs typeface="Calibri"/>
+                        <a:sym typeface="Calibri"/>
+                      </a:endParaRPr>
+                    </a:p>
+                  </a:txBody>
+                  <a:tcPr marT="0" marB="0" marR="68575" marL="68575">
+                    <a:solidFill>
+                      <a:srgbClr val="FBE5D5"/>
+                    </a:solidFill>
+                  </a:tcPr>
+                </a:tc>
+                <a:tc hMerge="1"/>
+                <a:tc hMerge="1"/>
+              </a:tr>
+              <a:tr h="314325">
+                <a:tc vMerge="1"/>
+                <a:tc>
+                  <a:txBody>
+                    <a:bodyPr/>
+                    <a:lstStyle/>
+                    <a:p>
+                      <a:pPr indent="0" lvl="0" marL="0" rtl="0" algn="ctr">
+                        <a:lnSpc>
+                          <a:spcPct val="150000"/>
+                        </a:lnSpc>
+                        <a:spcBef>
+                          <a:spcPts val="0"/>
+                        </a:spcBef>
+                        <a:spcAft>
+                          <a:spcPts val="800"/>
+                        </a:spcAft>
+                        <a:buNone/>
+                      </a:pPr>
+                      <a:r>
+                        <a:rPr b="1" lang="en-US" sz="800">
+                          <a:latin typeface="Calibri"/>
+                          <a:ea typeface="Calibri"/>
+                          <a:cs typeface="Calibri"/>
+                          <a:sym typeface="Calibri"/>
+                        </a:rPr>
+                        <a:t>S 1</a:t>
+                      </a:r>
+                      <a:endParaRPr b="1" sz="800">
+                        <a:latin typeface="Calibri"/>
+                        <a:ea typeface="Calibri"/>
+                        <a:cs typeface="Calibri"/>
+                        <a:sym typeface="Calibri"/>
+                      </a:endParaRPr>
+                    </a:p>
+                  </a:txBody>
+                  <a:tcPr marT="0" marB="0" marR="68575" marL="68575"/>
+                </a:tc>
+                <a:tc>
+                  <a:txBody>
+                    <a:bodyPr/>
+                    <a:lstStyle/>
+                    <a:p>
+                      <a:pPr indent="0" lvl="0" marL="0" rtl="0" algn="ctr">
+                        <a:lnSpc>
+                          <a:spcPct val="150000"/>
+                        </a:lnSpc>
+                        <a:spcBef>
+                          <a:spcPts val="0"/>
+                        </a:spcBef>
+                        <a:spcAft>
+                          <a:spcPts val="800"/>
+                        </a:spcAft>
+                        <a:buNone/>
+                      </a:pPr>
+                      <a:r>
+                        <a:rPr b="1" lang="en-US" sz="800">
+                          <a:latin typeface="Calibri"/>
+                          <a:ea typeface="Calibri"/>
+                          <a:cs typeface="Calibri"/>
+                          <a:sym typeface="Calibri"/>
+                        </a:rPr>
+                        <a:t>S 2</a:t>
+                      </a:r>
+                      <a:endParaRPr b="1" sz="800">
+                        <a:latin typeface="Calibri"/>
+                        <a:ea typeface="Calibri"/>
+                        <a:cs typeface="Calibri"/>
+                        <a:sym typeface="Calibri"/>
+                      </a:endParaRPr>
+                    </a:p>
+                  </a:txBody>
+                  <a:tcPr marT="0" marB="0" marR="68575" marL="68575"/>
+                </a:tc>
+                <a:tc>
+                  <a:txBody>
+                    <a:bodyPr/>
+                    <a:lstStyle/>
+                    <a:p>
+                      <a:pPr indent="0" lvl="0" marL="0" rtl="0" algn="ctr">
+                        <a:lnSpc>
+                          <a:spcPct val="150000"/>
+                        </a:lnSpc>
+                        <a:spcBef>
+                          <a:spcPts val="0"/>
+                        </a:spcBef>
+                        <a:spcAft>
+                          <a:spcPts val="800"/>
+                        </a:spcAft>
+                        <a:buNone/>
+                      </a:pPr>
+                      <a:r>
+                        <a:rPr b="1" lang="en-US" sz="800">
+                          <a:latin typeface="Calibri"/>
+                          <a:ea typeface="Calibri"/>
+                          <a:cs typeface="Calibri"/>
+                          <a:sym typeface="Calibri"/>
+                        </a:rPr>
+                        <a:t>S 3</a:t>
+                      </a:r>
+                      <a:endParaRPr b="1" sz="800">
+                        <a:latin typeface="Calibri"/>
+                        <a:ea typeface="Calibri"/>
+                        <a:cs typeface="Calibri"/>
+                        <a:sym typeface="Calibri"/>
+                      </a:endParaRPr>
+                    </a:p>
+                  </a:txBody>
+                  <a:tcPr marT="0" marB="0" marR="68575" marL="68575"/>
+                </a:tc>
+                <a:tc>
+                  <a:txBody>
+                    <a:bodyPr/>
+                    <a:lstStyle/>
+                    <a:p>
+                      <a:pPr indent="0" lvl="0" marL="0" rtl="0" algn="ctr">
+                        <a:lnSpc>
+                          <a:spcPct val="150000"/>
+                        </a:lnSpc>
+                        <a:spcBef>
+                          <a:spcPts val="0"/>
+                        </a:spcBef>
+                        <a:spcAft>
+                          <a:spcPts val="800"/>
+                        </a:spcAft>
+                        <a:buNone/>
+                      </a:pPr>
+                      <a:r>
+                        <a:rPr b="1" lang="en-US" sz="800">
+                          <a:latin typeface="Calibri"/>
+                          <a:ea typeface="Calibri"/>
+                          <a:cs typeface="Calibri"/>
+                          <a:sym typeface="Calibri"/>
+                        </a:rPr>
+                        <a:t>S 4</a:t>
+                      </a:r>
+                      <a:endParaRPr b="1" sz="800">
+                        <a:latin typeface="Calibri"/>
+                        <a:ea typeface="Calibri"/>
+                        <a:cs typeface="Calibri"/>
+                        <a:sym typeface="Calibri"/>
+                      </a:endParaRPr>
+                    </a:p>
+                  </a:txBody>
+                  <a:tcPr marT="0" marB="0" marR="68575" marL="68575"/>
+                </a:tc>
+                <a:tc>
+                  <a:txBody>
+                    <a:bodyPr/>
+                    <a:lstStyle/>
+                    <a:p>
+                      <a:pPr indent="0" lvl="0" marL="0" rtl="0" algn="ctr">
+                        <a:lnSpc>
+                          <a:spcPct val="150000"/>
+                        </a:lnSpc>
+                        <a:spcBef>
+                          <a:spcPts val="0"/>
+                        </a:spcBef>
+                        <a:spcAft>
+                          <a:spcPts val="800"/>
+                        </a:spcAft>
+                        <a:buNone/>
+                      </a:pPr>
+                      <a:r>
+                        <a:rPr b="1" lang="en-US" sz="800">
+                          <a:latin typeface="Calibri"/>
+                          <a:ea typeface="Calibri"/>
+                          <a:cs typeface="Calibri"/>
+                          <a:sym typeface="Calibri"/>
+                        </a:rPr>
+                        <a:t>S 5</a:t>
+                      </a:r>
+                      <a:endParaRPr b="1" sz="800">
+                        <a:latin typeface="Calibri"/>
+                        <a:ea typeface="Calibri"/>
+                        <a:cs typeface="Calibri"/>
+                        <a:sym typeface="Calibri"/>
+                      </a:endParaRPr>
+                    </a:p>
+                  </a:txBody>
+                  <a:tcPr marT="0" marB="0" marR="68575" marL="68575"/>
+                </a:tc>
+                <a:tc>
+                  <a:txBody>
+                    <a:bodyPr/>
+                    <a:lstStyle/>
+                    <a:p>
+                      <a:pPr indent="0" lvl="0" marL="0" rtl="0" algn="ctr">
+                        <a:lnSpc>
+                          <a:spcPct val="150000"/>
+                        </a:lnSpc>
+                        <a:spcBef>
+                          <a:spcPts val="0"/>
+                        </a:spcBef>
+                        <a:spcAft>
+                          <a:spcPts val="800"/>
+                        </a:spcAft>
+                        <a:buNone/>
+                      </a:pPr>
+                      <a:r>
+                        <a:rPr b="1" lang="en-US" sz="800">
+                          <a:latin typeface="Calibri"/>
+                          <a:ea typeface="Calibri"/>
+                          <a:cs typeface="Calibri"/>
+                          <a:sym typeface="Calibri"/>
+                        </a:rPr>
+                        <a:t>S 6</a:t>
+                      </a:r>
+                      <a:endParaRPr b="1" sz="800">
+                        <a:latin typeface="Calibri"/>
+                        <a:ea typeface="Calibri"/>
+                        <a:cs typeface="Calibri"/>
+                        <a:sym typeface="Calibri"/>
+                      </a:endParaRPr>
+                    </a:p>
+                  </a:txBody>
+                  <a:tcPr marT="0" marB="0" marR="68575" marL="68575"/>
+                </a:tc>
+                <a:tc>
+                  <a:txBody>
+                    <a:bodyPr/>
+                    <a:lstStyle/>
+                    <a:p>
+                      <a:pPr indent="0" lvl="0" marL="0" rtl="0" algn="ctr">
+                        <a:lnSpc>
+                          <a:spcPct val="150000"/>
+                        </a:lnSpc>
+                        <a:spcBef>
+                          <a:spcPts val="0"/>
+                        </a:spcBef>
+                        <a:spcAft>
+                          <a:spcPts val="800"/>
+                        </a:spcAft>
+                        <a:buNone/>
+                      </a:pPr>
+                      <a:r>
+                        <a:rPr b="1" lang="en-US" sz="800">
+                          <a:latin typeface="Calibri"/>
+                          <a:ea typeface="Calibri"/>
+                          <a:cs typeface="Calibri"/>
+                          <a:sym typeface="Calibri"/>
+                        </a:rPr>
+                        <a:t>S 7</a:t>
+                      </a:r>
+                      <a:endParaRPr b="1" sz="800">
+                        <a:latin typeface="Calibri"/>
+                        <a:ea typeface="Calibri"/>
+                        <a:cs typeface="Calibri"/>
+                        <a:sym typeface="Calibri"/>
+                      </a:endParaRPr>
+                    </a:p>
+                  </a:txBody>
+                  <a:tcPr marT="0" marB="0" marR="68575" marL="68575"/>
+                </a:tc>
+                <a:tc>
+                  <a:txBody>
+                    <a:bodyPr/>
+                    <a:lstStyle/>
+                    <a:p>
+                      <a:pPr indent="0" lvl="0" marL="0" rtl="0" algn="ctr">
+                        <a:lnSpc>
+                          <a:spcPct val="150000"/>
+                        </a:lnSpc>
+                        <a:spcBef>
+                          <a:spcPts val="0"/>
+                        </a:spcBef>
+                        <a:spcAft>
+                          <a:spcPts val="800"/>
+                        </a:spcAft>
+                        <a:buNone/>
+                      </a:pPr>
+                      <a:r>
+                        <a:rPr b="1" lang="en-US" sz="800">
+                          <a:latin typeface="Calibri"/>
+                          <a:ea typeface="Calibri"/>
+                          <a:cs typeface="Calibri"/>
+                          <a:sym typeface="Calibri"/>
+                        </a:rPr>
+                        <a:t>S 8</a:t>
+                      </a:r>
+                      <a:endParaRPr b="1" sz="800">
+                        <a:latin typeface="Calibri"/>
+                        <a:ea typeface="Calibri"/>
+                        <a:cs typeface="Calibri"/>
+                        <a:sym typeface="Calibri"/>
+                      </a:endParaRPr>
+                    </a:p>
+                  </a:txBody>
+                  <a:tcPr marT="0" marB="0" marR="68575" marL="68575"/>
+                </a:tc>
+                <a:tc>
+                  <a:txBody>
+                    <a:bodyPr/>
+                    <a:lstStyle/>
+                    <a:p>
+                      <a:pPr indent="0" lvl="0" marL="0" rtl="0" algn="ctr">
+                        <a:lnSpc>
+                          <a:spcPct val="150000"/>
+                        </a:lnSpc>
+                        <a:spcBef>
+                          <a:spcPts val="0"/>
+                        </a:spcBef>
+                        <a:spcAft>
+                          <a:spcPts val="800"/>
+                        </a:spcAft>
+                        <a:buNone/>
+                      </a:pPr>
+                      <a:r>
+                        <a:rPr b="1" lang="en-US" sz="800">
+                          <a:latin typeface="Calibri"/>
+                          <a:ea typeface="Calibri"/>
+                          <a:cs typeface="Calibri"/>
+                          <a:sym typeface="Calibri"/>
+                        </a:rPr>
+                        <a:t>S 9</a:t>
+                      </a:r>
+                      <a:endParaRPr b="1" sz="800">
+                        <a:latin typeface="Calibri"/>
+                        <a:ea typeface="Calibri"/>
+                        <a:cs typeface="Calibri"/>
+                        <a:sym typeface="Calibri"/>
+                      </a:endParaRPr>
+                    </a:p>
+                  </a:txBody>
+                  <a:tcPr marT="0" marB="0" marR="68575" marL="68575"/>
+                </a:tc>
+                <a:tc>
+                  <a:txBody>
+                    <a:bodyPr/>
+                    <a:lstStyle/>
+                    <a:p>
+                      <a:pPr indent="0" lvl="0" marL="0" rtl="0" algn="ctr">
+                        <a:lnSpc>
+                          <a:spcPct val="150000"/>
+                        </a:lnSpc>
+                        <a:spcBef>
+                          <a:spcPts val="0"/>
+                        </a:spcBef>
+                        <a:spcAft>
+                          <a:spcPts val="800"/>
+                        </a:spcAft>
+                        <a:buNone/>
+                      </a:pPr>
+                      <a:r>
+                        <a:rPr b="1" lang="en-US" sz="800">
+                          <a:latin typeface="Calibri"/>
+                          <a:ea typeface="Calibri"/>
+                          <a:cs typeface="Calibri"/>
+                          <a:sym typeface="Calibri"/>
+                        </a:rPr>
+                        <a:t>S 10</a:t>
+                      </a:r>
+                      <a:endParaRPr b="1" sz="800">
+                        <a:latin typeface="Calibri"/>
+                        <a:ea typeface="Calibri"/>
+                        <a:cs typeface="Calibri"/>
+                        <a:sym typeface="Calibri"/>
+                      </a:endParaRPr>
+                    </a:p>
+                  </a:txBody>
+                  <a:tcPr marT="0" marB="0" marR="68575" marL="68575"/>
+                </a:tc>
+                <a:tc>
+                  <a:txBody>
+                    <a:bodyPr/>
+                    <a:lstStyle/>
+                    <a:p>
+                      <a:pPr indent="0" lvl="0" marL="0" rtl="0" algn="ctr">
+                        <a:lnSpc>
+                          <a:spcPct val="150000"/>
+                        </a:lnSpc>
+                        <a:spcBef>
+                          <a:spcPts val="0"/>
+                        </a:spcBef>
+                        <a:spcAft>
+                          <a:spcPts val="800"/>
+                        </a:spcAft>
+                        <a:buNone/>
+                      </a:pPr>
+                      <a:r>
+                        <a:rPr b="1" lang="en-US" sz="800">
+                          <a:latin typeface="Calibri"/>
+                          <a:ea typeface="Calibri"/>
+                          <a:cs typeface="Calibri"/>
+                          <a:sym typeface="Calibri"/>
+                        </a:rPr>
+                        <a:t>S 11</a:t>
+                      </a:r>
+                      <a:endParaRPr b="1" sz="800">
+                        <a:latin typeface="Calibri"/>
+                        <a:ea typeface="Calibri"/>
+                        <a:cs typeface="Calibri"/>
+                        <a:sym typeface="Calibri"/>
+                      </a:endParaRPr>
+                    </a:p>
+                  </a:txBody>
+                  <a:tcPr marT="0" marB="0" marR="68575" marL="68575"/>
+                </a:tc>
+                <a:tc>
+                  <a:txBody>
+                    <a:bodyPr/>
+                    <a:lstStyle/>
+                    <a:p>
+                      <a:pPr indent="0" lvl="0" marL="0" rtl="0" algn="ctr">
+                        <a:lnSpc>
+                          <a:spcPct val="150000"/>
+                        </a:lnSpc>
+                        <a:spcBef>
+                          <a:spcPts val="0"/>
+                        </a:spcBef>
+                        <a:spcAft>
+                          <a:spcPts val="800"/>
+                        </a:spcAft>
+                        <a:buNone/>
+                      </a:pPr>
+                      <a:r>
+                        <a:rPr b="1" lang="en-US" sz="800">
+                          <a:latin typeface="Calibri"/>
+                          <a:ea typeface="Calibri"/>
+                          <a:cs typeface="Calibri"/>
+                          <a:sym typeface="Calibri"/>
+                        </a:rPr>
+                        <a:t>S 12</a:t>
+                      </a:r>
+                      <a:endParaRPr b="1" sz="800">
+                        <a:latin typeface="Calibri"/>
+                        <a:ea typeface="Calibri"/>
+                        <a:cs typeface="Calibri"/>
+                        <a:sym typeface="Calibri"/>
+                      </a:endParaRPr>
+                    </a:p>
+                  </a:txBody>
+                  <a:tcPr marT="0" marB="0" marR="68575" marL="68575"/>
+                </a:tc>
+                <a:tc>
+                  <a:txBody>
+                    <a:bodyPr/>
+                    <a:lstStyle/>
+                    <a:p>
+                      <a:pPr indent="0" lvl="0" marL="0" rtl="0" algn="ctr">
+                        <a:lnSpc>
+                          <a:spcPct val="150000"/>
+                        </a:lnSpc>
+                        <a:spcBef>
+                          <a:spcPts val="0"/>
+                        </a:spcBef>
+                        <a:spcAft>
+                          <a:spcPts val="800"/>
+                        </a:spcAft>
+                        <a:buNone/>
+                      </a:pPr>
+                      <a:r>
+                        <a:rPr b="1" lang="en-US" sz="800">
+                          <a:latin typeface="Calibri"/>
+                          <a:ea typeface="Calibri"/>
+                          <a:cs typeface="Calibri"/>
+                          <a:sym typeface="Calibri"/>
+                        </a:rPr>
+                        <a:t>S 13</a:t>
+                      </a:r>
+                      <a:endParaRPr b="1" sz="800">
+                        <a:latin typeface="Calibri"/>
+                        <a:ea typeface="Calibri"/>
+                        <a:cs typeface="Calibri"/>
+                        <a:sym typeface="Calibri"/>
+                      </a:endParaRPr>
+                    </a:p>
+                  </a:txBody>
+                  <a:tcPr marT="0" marB="0" marR="68575" marL="68575"/>
+                </a:tc>
+                <a:tc>
+                  <a:txBody>
+                    <a:bodyPr/>
+                    <a:lstStyle/>
+                    <a:p>
+                      <a:pPr indent="0" lvl="0" marL="0" rtl="0" algn="ctr">
+                        <a:lnSpc>
+                          <a:spcPct val="150000"/>
+                        </a:lnSpc>
+                        <a:spcBef>
+                          <a:spcPts val="0"/>
+                        </a:spcBef>
+                        <a:spcAft>
+                          <a:spcPts val="800"/>
+                        </a:spcAft>
+                        <a:buNone/>
+                      </a:pPr>
+                      <a:r>
+                        <a:rPr b="1" lang="en-US" sz="800">
+                          <a:latin typeface="Calibri"/>
+                          <a:ea typeface="Calibri"/>
+                          <a:cs typeface="Calibri"/>
+                          <a:sym typeface="Calibri"/>
+                        </a:rPr>
+                        <a:t>S 14</a:t>
+                      </a:r>
+                      <a:endParaRPr b="1" sz="800">
+                        <a:latin typeface="Calibri"/>
+                        <a:ea typeface="Calibri"/>
+                        <a:cs typeface="Calibri"/>
+                        <a:sym typeface="Calibri"/>
+                      </a:endParaRPr>
+                    </a:p>
+                  </a:txBody>
+                  <a:tcPr marT="0" marB="0" marR="68575" marL="68575"/>
+                </a:tc>
+                <a:tc>
+                  <a:txBody>
+                    <a:bodyPr/>
+                    <a:lstStyle/>
+                    <a:p>
+                      <a:pPr indent="0" lvl="0" marL="0" rtl="0" algn="ctr">
+                        <a:lnSpc>
+                          <a:spcPct val="150000"/>
+                        </a:lnSpc>
+                        <a:spcBef>
+                          <a:spcPts val="0"/>
+                        </a:spcBef>
+                        <a:spcAft>
+                          <a:spcPts val="800"/>
+                        </a:spcAft>
+                        <a:buNone/>
+                      </a:pPr>
+                      <a:r>
+                        <a:rPr b="1" lang="en-US" sz="800">
+                          <a:latin typeface="Calibri"/>
+                          <a:ea typeface="Calibri"/>
+                          <a:cs typeface="Calibri"/>
+                          <a:sym typeface="Calibri"/>
+                        </a:rPr>
+                        <a:t>S 15</a:t>
+                      </a:r>
+                      <a:endParaRPr b="1" sz="800">
+                        <a:latin typeface="Calibri"/>
+                        <a:ea typeface="Calibri"/>
+                        <a:cs typeface="Calibri"/>
+                        <a:sym typeface="Calibri"/>
+                      </a:endParaRPr>
+                    </a:p>
+                  </a:txBody>
+                  <a:tcPr marT="0" marB="0" marR="68575" marL="68575"/>
+                </a:tc>
+                <a:tc gridSpan="2">
+                  <a:txBody>
+                    <a:bodyPr/>
+                    <a:lstStyle/>
+                    <a:p>
+                      <a:pPr indent="0" lvl="0" marL="0" rtl="0" algn="ctr">
+                        <a:lnSpc>
+                          <a:spcPct val="150000"/>
+                        </a:lnSpc>
+                        <a:spcBef>
+                          <a:spcPts val="0"/>
+                        </a:spcBef>
+                        <a:spcAft>
+                          <a:spcPts val="800"/>
+                        </a:spcAft>
+                        <a:buNone/>
+                      </a:pPr>
+                      <a:r>
+                        <a:rPr b="1" lang="en-US" sz="800">
+                          <a:latin typeface="Calibri"/>
+                          <a:ea typeface="Calibri"/>
+                          <a:cs typeface="Calibri"/>
+                          <a:sym typeface="Calibri"/>
+                        </a:rPr>
+                        <a:t>S 16</a:t>
+                      </a:r>
+                      <a:endParaRPr b="1" sz="800">
+                        <a:latin typeface="Calibri"/>
+                        <a:ea typeface="Calibri"/>
+                        <a:cs typeface="Calibri"/>
+                        <a:sym typeface="Calibri"/>
+                      </a:endParaRPr>
+                    </a:p>
+                  </a:txBody>
+                  <a:tcPr marT="0" marB="0" marR="68575" marL="68575"/>
+                </a:tc>
+                <a:tc hMerge="1"/>
+                <a:tc>
+                  <a:txBody>
+                    <a:bodyPr/>
+                    <a:lstStyle/>
+                    <a:p>
+                      <a:pPr indent="0" lvl="0" marL="0" rtl="0" algn="ctr">
+                        <a:lnSpc>
+                          <a:spcPct val="150000"/>
+                        </a:lnSpc>
+                        <a:spcBef>
+                          <a:spcPts val="0"/>
+                        </a:spcBef>
+                        <a:spcAft>
+                          <a:spcPts val="800"/>
+                        </a:spcAft>
+                        <a:buNone/>
+                      </a:pPr>
+                      <a:r>
+                        <a:rPr b="1" lang="en-US" sz="800">
+                          <a:latin typeface="Calibri"/>
+                          <a:ea typeface="Calibri"/>
+                          <a:cs typeface="Calibri"/>
+                          <a:sym typeface="Calibri"/>
+                        </a:rPr>
+                        <a:t>S 17</a:t>
+                      </a:r>
+                      <a:endParaRPr b="1" sz="800">
+                        <a:latin typeface="Calibri"/>
+                        <a:ea typeface="Calibri"/>
+                        <a:cs typeface="Calibri"/>
+                        <a:sym typeface="Calibri"/>
+                      </a:endParaRPr>
+                    </a:p>
+                  </a:txBody>
+                  <a:tcPr marT="0" marB="0" marR="68575" marL="68575"/>
+                </a:tc>
+                <a:tc>
+                  <a:txBody>
+                    <a:bodyPr/>
+                    <a:lstStyle/>
+                    <a:p>
+                      <a:pPr indent="0" lvl="0" marL="0" rtl="0" algn="ctr">
+                        <a:lnSpc>
+                          <a:spcPct val="150000"/>
+                        </a:lnSpc>
+                        <a:spcBef>
+                          <a:spcPts val="0"/>
+                        </a:spcBef>
+                        <a:spcAft>
+                          <a:spcPts val="800"/>
+                        </a:spcAft>
+                        <a:buNone/>
+                      </a:pPr>
+                      <a:r>
+                        <a:rPr b="1" lang="en-US" sz="800">
+                          <a:latin typeface="Calibri"/>
+                          <a:ea typeface="Calibri"/>
+                          <a:cs typeface="Calibri"/>
+                          <a:sym typeface="Calibri"/>
+                        </a:rPr>
+                        <a:t>S 18</a:t>
+                      </a:r>
+                      <a:endParaRPr b="1" sz="800">
+                        <a:latin typeface="Calibri"/>
+                        <a:ea typeface="Calibri"/>
+                        <a:cs typeface="Calibri"/>
+                        <a:sym typeface="Calibri"/>
+                      </a:endParaRPr>
+                    </a:p>
+                  </a:txBody>
+                  <a:tcPr marT="0" marB="0" marR="68575" marL="68575"/>
+                </a:tc>
+              </a:tr>
+              <a:tr h="272425">
+                <a:tc>
+                  <a:txBody>
+                    <a:bodyPr/>
+                    <a:lstStyle/>
+                    <a:p>
+                      <a:pPr indent="0" lvl="0" marL="0" rtl="0" algn="just">
+                        <a:lnSpc>
+                          <a:spcPct val="107916"/>
+                        </a:lnSpc>
+                        <a:spcBef>
+                          <a:spcPts val="0"/>
+                        </a:spcBef>
+                        <a:spcAft>
+                          <a:spcPts val="800"/>
+                        </a:spcAft>
+                        <a:buNone/>
+                      </a:pPr>
+                      <a:r>
+                        <a:rPr lang="en-US" sz="900">
+                          <a:latin typeface="Calibri"/>
+                          <a:ea typeface="Calibri"/>
+                          <a:cs typeface="Calibri"/>
+                          <a:sym typeface="Calibri"/>
+                        </a:rPr>
+                        <a:t>Análisis de requerimientos (ERS)</a:t>
+                      </a:r>
+                      <a:endParaRPr sz="900">
+                        <a:latin typeface="Calibri"/>
+                        <a:ea typeface="Calibri"/>
+                        <a:cs typeface="Calibri"/>
+                        <a:sym typeface="Calibri"/>
+                      </a:endParaRPr>
+                    </a:p>
+                  </a:txBody>
+                  <a:tcPr marT="0" marB="0" marR="68575" marL="68575"/>
+                </a:tc>
+                <a:tc>
+                  <a:txBody>
+                    <a:bodyPr/>
+                    <a:lstStyle/>
+                    <a:p>
+                      <a:pPr indent="0" lvl="0" marL="0" rtl="0" algn="just">
+                        <a:lnSpc>
+                          <a:spcPct val="150000"/>
+                        </a:lnSpc>
+                        <a:spcBef>
+                          <a:spcPts val="0"/>
+                        </a:spcBef>
+                        <a:spcAft>
+                          <a:spcPts val="800"/>
+                        </a:spcAft>
+                        <a:buNone/>
+                      </a:pPr>
+                      <a:r>
+                        <a:t/>
+                      </a:r>
+                      <a:endParaRPr b="1" sz="800">
+                        <a:latin typeface="Calibri"/>
+                        <a:ea typeface="Calibri"/>
+                        <a:cs typeface="Calibri"/>
+                        <a:sym typeface="Calibri"/>
+                      </a:endParaRPr>
+                    </a:p>
+                  </a:txBody>
+                  <a:tcPr marT="0" marB="0" marR="68575" marL="68575">
+                    <a:solidFill>
+                      <a:srgbClr val="E2EFD9"/>
+                    </a:solidFill>
+                  </a:tcPr>
+                </a:tc>
+                <a:tc>
+                  <a:txBody>
+                    <a:bodyPr/>
+                    <a:lstStyle/>
+                    <a:p>
+                      <a:pPr indent="0" lvl="0" marL="0" rtl="0" algn="just">
+                        <a:lnSpc>
+                          <a:spcPct val="150000"/>
+                        </a:lnSpc>
+                        <a:spcBef>
+                          <a:spcPts val="0"/>
+                        </a:spcBef>
+                        <a:spcAft>
+                          <a:spcPts val="800"/>
+                        </a:spcAft>
+                        <a:buNone/>
+                      </a:pPr>
+                      <a:r>
+                        <a:t/>
+                      </a:r>
+                      <a:endParaRPr b="1" sz="800">
+                        <a:latin typeface="Calibri"/>
+                        <a:ea typeface="Calibri"/>
+                        <a:cs typeface="Calibri"/>
+                        <a:sym typeface="Calibri"/>
+                      </a:endParaRPr>
+                    </a:p>
+                  </a:txBody>
+                  <a:tcPr marT="0" marB="0" marR="68575" marL="68575">
+                    <a:solidFill>
+                      <a:srgbClr val="E2EFD9"/>
+                    </a:solidFill>
+                  </a:tcPr>
+                </a:tc>
+                <a:tc>
+                  <a:txBody>
+                    <a:bodyPr/>
+                    <a:lstStyle/>
+                    <a:p>
+                      <a:pPr indent="0" lvl="0" marL="0" rtl="0" algn="just">
+                        <a:lnSpc>
+                          <a:spcPct val="150000"/>
+                        </a:lnSpc>
+                        <a:spcBef>
+                          <a:spcPts val="0"/>
+                        </a:spcBef>
+                        <a:spcAft>
+                          <a:spcPts val="800"/>
+                        </a:spcAft>
+                        <a:buNone/>
+                      </a:pPr>
+                      <a:r>
+                        <a:t/>
+                      </a:r>
+                      <a:endParaRPr b="1" sz="800">
+                        <a:latin typeface="Calibri"/>
+                        <a:ea typeface="Calibri"/>
+                        <a:cs typeface="Calibri"/>
+                        <a:sym typeface="Calibri"/>
+                      </a:endParaRPr>
+                    </a:p>
+                  </a:txBody>
+                  <a:tcPr marT="0" marB="0" marR="68575" marL="68575">
+                    <a:solidFill>
+                      <a:srgbClr val="FFFFFF"/>
+                    </a:solidFill>
+                  </a:tcPr>
+                </a:tc>
+                <a:tc>
+                  <a:txBody>
+                    <a:bodyPr/>
+                    <a:lstStyle/>
+                    <a:p>
+                      <a:pPr indent="0" lvl="0" marL="0" rtl="0" algn="just">
+                        <a:lnSpc>
+                          <a:spcPct val="150000"/>
+                        </a:lnSpc>
+                        <a:spcBef>
+                          <a:spcPts val="0"/>
+                        </a:spcBef>
+                        <a:spcAft>
+                          <a:spcPts val="800"/>
+                        </a:spcAft>
+                        <a:buNone/>
+                      </a:pPr>
+                      <a:r>
+                        <a:t/>
+                      </a:r>
+                      <a:endParaRPr b="1" sz="800">
+                        <a:latin typeface="Calibri"/>
+                        <a:ea typeface="Calibri"/>
+                        <a:cs typeface="Calibri"/>
+                        <a:sym typeface="Calibri"/>
+                      </a:endParaRPr>
+                    </a:p>
+                  </a:txBody>
+                  <a:tcPr marT="0" marB="0" marR="68575" marL="68575">
+                    <a:solidFill>
+                      <a:srgbClr val="FFFFFF"/>
+                    </a:solidFill>
+                  </a:tcPr>
+                </a:tc>
+                <a:tc>
+                  <a:txBody>
+                    <a:bodyPr/>
+                    <a:lstStyle/>
+                    <a:p>
+                      <a:pPr indent="0" lvl="0" marL="0" rtl="0" algn="just">
+                        <a:lnSpc>
+                          <a:spcPct val="150000"/>
+                        </a:lnSpc>
+                        <a:spcBef>
+                          <a:spcPts val="0"/>
+                        </a:spcBef>
+                        <a:spcAft>
+                          <a:spcPts val="800"/>
+                        </a:spcAft>
+                        <a:buNone/>
+                      </a:pPr>
+                      <a:r>
+                        <a:t/>
+                      </a:r>
+                      <a:endParaRPr b="1" sz="800">
+                        <a:latin typeface="Calibri"/>
+                        <a:ea typeface="Calibri"/>
+                        <a:cs typeface="Calibri"/>
+                        <a:sym typeface="Calibri"/>
+                      </a:endParaRPr>
+                    </a:p>
+                  </a:txBody>
+                  <a:tcPr marT="0" marB="0" marR="68575" marL="68575"/>
+                </a:tc>
+                <a:tc>
+                  <a:txBody>
+                    <a:bodyPr/>
+                    <a:lstStyle/>
+                    <a:p>
+                      <a:pPr indent="0" lvl="0" marL="0" rtl="0" algn="just">
+                        <a:lnSpc>
+                          <a:spcPct val="150000"/>
+                        </a:lnSpc>
+                        <a:spcBef>
+                          <a:spcPts val="0"/>
+                        </a:spcBef>
+                        <a:spcAft>
+                          <a:spcPts val="800"/>
+                        </a:spcAft>
+                        <a:buNone/>
+                      </a:pPr>
+                      <a:r>
+                        <a:t/>
+                      </a:r>
+                      <a:endParaRPr b="1" sz="800">
+                        <a:latin typeface="Calibri"/>
+                        <a:ea typeface="Calibri"/>
+                        <a:cs typeface="Calibri"/>
+                        <a:sym typeface="Calibri"/>
+                      </a:endParaRPr>
+                    </a:p>
+                  </a:txBody>
+                  <a:tcPr marT="0" marB="0" marR="68575" marL="68575"/>
+                </a:tc>
+                <a:tc>
+                  <a:txBody>
+                    <a:bodyPr/>
+                    <a:lstStyle/>
+                    <a:p>
+                      <a:pPr indent="0" lvl="0" marL="0" rtl="0" algn="just">
+                        <a:lnSpc>
+                          <a:spcPct val="150000"/>
+                        </a:lnSpc>
+                        <a:spcBef>
+                          <a:spcPts val="0"/>
+                        </a:spcBef>
+                        <a:spcAft>
+                          <a:spcPts val="800"/>
+                        </a:spcAft>
+                        <a:buNone/>
+                      </a:pPr>
+                      <a:r>
+                        <a:t/>
+                      </a:r>
+                      <a:endParaRPr b="1" sz="800">
+                        <a:latin typeface="Calibri"/>
+                        <a:ea typeface="Calibri"/>
+                        <a:cs typeface="Calibri"/>
+                        <a:sym typeface="Calibri"/>
+                      </a:endParaRPr>
+                    </a:p>
+                  </a:txBody>
+                  <a:tcPr marT="0" marB="0" marR="68575" marL="68575"/>
+                </a:tc>
+                <a:tc>
+                  <a:txBody>
+                    <a:bodyPr/>
+                    <a:lstStyle/>
+                    <a:p>
+                      <a:pPr indent="0" lvl="0" marL="0" rtl="0" algn="just">
+                        <a:lnSpc>
+                          <a:spcPct val="150000"/>
+                        </a:lnSpc>
+                        <a:spcBef>
+                          <a:spcPts val="0"/>
+                        </a:spcBef>
+                        <a:spcAft>
+                          <a:spcPts val="800"/>
+                        </a:spcAft>
+                        <a:buNone/>
+                      </a:pPr>
+                      <a:r>
+                        <a:t/>
+                      </a:r>
+                      <a:endParaRPr b="1" sz="800">
+                        <a:latin typeface="Calibri"/>
+                        <a:ea typeface="Calibri"/>
+                        <a:cs typeface="Calibri"/>
+                        <a:sym typeface="Calibri"/>
+                      </a:endParaRPr>
+                    </a:p>
+                  </a:txBody>
+                  <a:tcPr marT="0" marB="0" marR="68575" marL="68575"/>
+                </a:tc>
+                <a:tc>
+                  <a:txBody>
+                    <a:bodyPr/>
+                    <a:lstStyle/>
+                    <a:p>
+                      <a:pPr indent="0" lvl="0" marL="0" rtl="0" algn="just">
+                        <a:lnSpc>
+                          <a:spcPct val="150000"/>
+                        </a:lnSpc>
+                        <a:spcBef>
+                          <a:spcPts val="0"/>
+                        </a:spcBef>
+                        <a:spcAft>
+                          <a:spcPts val="800"/>
+                        </a:spcAft>
+                        <a:buNone/>
+                      </a:pPr>
+                      <a:r>
+                        <a:t/>
+                      </a:r>
+                      <a:endParaRPr b="1" sz="800">
+                        <a:latin typeface="Calibri"/>
+                        <a:ea typeface="Calibri"/>
+                        <a:cs typeface="Calibri"/>
+                        <a:sym typeface="Calibri"/>
+                      </a:endParaRPr>
+                    </a:p>
+                  </a:txBody>
+                  <a:tcPr marT="0" marB="0" marR="68575" marL="68575"/>
+                </a:tc>
+                <a:tc>
+                  <a:txBody>
+                    <a:bodyPr/>
+                    <a:lstStyle/>
+                    <a:p>
+                      <a:pPr indent="0" lvl="0" marL="0" rtl="0" algn="just">
+                        <a:lnSpc>
+                          <a:spcPct val="150000"/>
+                        </a:lnSpc>
+                        <a:spcBef>
+                          <a:spcPts val="0"/>
+                        </a:spcBef>
+                        <a:spcAft>
+                          <a:spcPts val="800"/>
+                        </a:spcAft>
+                        <a:buNone/>
+                      </a:pPr>
+                      <a:r>
+                        <a:t/>
+                      </a:r>
+                      <a:endParaRPr b="1" sz="800">
+                        <a:latin typeface="Calibri"/>
+                        <a:ea typeface="Calibri"/>
+                        <a:cs typeface="Calibri"/>
+                        <a:sym typeface="Calibri"/>
+                      </a:endParaRPr>
+                    </a:p>
+                  </a:txBody>
+                  <a:tcPr marT="0" marB="0" marR="68575" marL="68575"/>
+                </a:tc>
+                <a:tc>
+                  <a:txBody>
+                    <a:bodyPr/>
+                    <a:lstStyle/>
+                    <a:p>
+                      <a:pPr indent="0" lvl="0" marL="0" rtl="0" algn="just">
+                        <a:lnSpc>
+                          <a:spcPct val="150000"/>
+                        </a:lnSpc>
+                        <a:spcBef>
+                          <a:spcPts val="0"/>
+                        </a:spcBef>
+                        <a:spcAft>
+                          <a:spcPts val="800"/>
+                        </a:spcAft>
+                        <a:buNone/>
+                      </a:pPr>
+                      <a:r>
+                        <a:t/>
+                      </a:r>
+                      <a:endParaRPr b="1" sz="800">
+                        <a:latin typeface="Calibri"/>
+                        <a:ea typeface="Calibri"/>
+                        <a:cs typeface="Calibri"/>
+                        <a:sym typeface="Calibri"/>
+                      </a:endParaRPr>
+                    </a:p>
+                  </a:txBody>
+                  <a:tcPr marT="0" marB="0" marR="68575" marL="68575"/>
+                </a:tc>
+                <a:tc>
+                  <a:txBody>
+                    <a:bodyPr/>
+                    <a:lstStyle/>
+                    <a:p>
+                      <a:pPr indent="0" lvl="0" marL="0" rtl="0" algn="just">
+                        <a:lnSpc>
+                          <a:spcPct val="150000"/>
+                        </a:lnSpc>
+                        <a:spcBef>
+                          <a:spcPts val="0"/>
+                        </a:spcBef>
+                        <a:spcAft>
+                          <a:spcPts val="800"/>
+                        </a:spcAft>
+                        <a:buNone/>
+                      </a:pPr>
+                      <a:r>
+                        <a:t/>
+                      </a:r>
+                      <a:endParaRPr b="1" sz="800">
+                        <a:latin typeface="Calibri"/>
+                        <a:ea typeface="Calibri"/>
+                        <a:cs typeface="Calibri"/>
+                        <a:sym typeface="Calibri"/>
+                      </a:endParaRPr>
+                    </a:p>
+                  </a:txBody>
+                  <a:tcPr marT="0" marB="0" marR="68575" marL="68575"/>
+                </a:tc>
+                <a:tc>
+                  <a:txBody>
+                    <a:bodyPr/>
+                    <a:lstStyle/>
+                    <a:p>
+                      <a:pPr indent="0" lvl="0" marL="0" rtl="0" algn="just">
+                        <a:lnSpc>
+                          <a:spcPct val="150000"/>
+                        </a:lnSpc>
+                        <a:spcBef>
+                          <a:spcPts val="0"/>
+                        </a:spcBef>
+                        <a:spcAft>
+                          <a:spcPts val="800"/>
+                        </a:spcAft>
+                        <a:buNone/>
+                      </a:pPr>
+                      <a:r>
+                        <a:t/>
+                      </a:r>
+                      <a:endParaRPr b="1" sz="800">
+                        <a:latin typeface="Calibri"/>
+                        <a:ea typeface="Calibri"/>
+                        <a:cs typeface="Calibri"/>
+                        <a:sym typeface="Calibri"/>
+                      </a:endParaRPr>
+                    </a:p>
+                  </a:txBody>
+                  <a:tcPr marT="0" marB="0" marR="68575" marL="68575"/>
+                </a:tc>
+                <a:tc>
+                  <a:txBody>
+                    <a:bodyPr/>
+                    <a:lstStyle/>
+                    <a:p>
+                      <a:pPr indent="0" lvl="0" marL="0" rtl="0" algn="just">
+                        <a:lnSpc>
+                          <a:spcPct val="150000"/>
+                        </a:lnSpc>
+                        <a:spcBef>
+                          <a:spcPts val="0"/>
+                        </a:spcBef>
+                        <a:spcAft>
+                          <a:spcPts val="800"/>
+                        </a:spcAft>
+                        <a:buNone/>
+                      </a:pPr>
+                      <a:r>
+                        <a:t/>
+                      </a:r>
+                      <a:endParaRPr b="1" sz="800">
+                        <a:latin typeface="Calibri"/>
+                        <a:ea typeface="Calibri"/>
+                        <a:cs typeface="Calibri"/>
+                        <a:sym typeface="Calibri"/>
+                      </a:endParaRPr>
+                    </a:p>
+                  </a:txBody>
+                  <a:tcPr marT="0" marB="0" marR="68575" marL="68575"/>
+                </a:tc>
+                <a:tc>
+                  <a:txBody>
+                    <a:bodyPr/>
+                    <a:lstStyle/>
+                    <a:p>
+                      <a:pPr indent="0" lvl="0" marL="0" rtl="0" algn="just">
+                        <a:lnSpc>
+                          <a:spcPct val="150000"/>
+                        </a:lnSpc>
+                        <a:spcBef>
+                          <a:spcPts val="0"/>
+                        </a:spcBef>
+                        <a:spcAft>
+                          <a:spcPts val="800"/>
+                        </a:spcAft>
+                        <a:buNone/>
+                      </a:pPr>
+                      <a:r>
+                        <a:t/>
+                      </a:r>
+                      <a:endParaRPr b="1" sz="800">
+                        <a:latin typeface="Calibri"/>
+                        <a:ea typeface="Calibri"/>
+                        <a:cs typeface="Calibri"/>
+                        <a:sym typeface="Calibri"/>
+                      </a:endParaRPr>
+                    </a:p>
+                  </a:txBody>
+                  <a:tcPr marT="0" marB="0" marR="68575" marL="68575"/>
+                </a:tc>
+                <a:tc gridSpan="2">
+                  <a:txBody>
+                    <a:bodyPr/>
+                    <a:lstStyle/>
+                    <a:p>
+                      <a:pPr indent="0" lvl="0" marL="0" rtl="0" algn="just">
+                        <a:lnSpc>
+                          <a:spcPct val="150000"/>
+                        </a:lnSpc>
+                        <a:spcBef>
+                          <a:spcPts val="0"/>
+                        </a:spcBef>
+                        <a:spcAft>
+                          <a:spcPts val="800"/>
+                        </a:spcAft>
+                        <a:buNone/>
+                      </a:pPr>
+                      <a:r>
+                        <a:t/>
+                      </a:r>
+                      <a:endParaRPr b="1" sz="800">
+                        <a:latin typeface="Calibri"/>
+                        <a:ea typeface="Calibri"/>
+                        <a:cs typeface="Calibri"/>
+                        <a:sym typeface="Calibri"/>
+                      </a:endParaRPr>
+                    </a:p>
+                  </a:txBody>
+                  <a:tcPr marT="0" marB="0" marR="68575" marL="68575"/>
+                </a:tc>
+                <a:tc hMerge="1"/>
+                <a:tc>
+                  <a:txBody>
+                    <a:bodyPr/>
+                    <a:lstStyle/>
+                    <a:p>
+                      <a:pPr indent="0" lvl="0" marL="0" rtl="0" algn="just">
+                        <a:lnSpc>
+                          <a:spcPct val="150000"/>
+                        </a:lnSpc>
+                        <a:spcBef>
+                          <a:spcPts val="0"/>
+                        </a:spcBef>
+                        <a:spcAft>
+                          <a:spcPts val="800"/>
+                        </a:spcAft>
+                        <a:buNone/>
+                      </a:pPr>
+                      <a:r>
+                        <a:t/>
+                      </a:r>
+                      <a:endParaRPr b="1" sz="800">
+                        <a:latin typeface="Calibri"/>
+                        <a:ea typeface="Calibri"/>
+                        <a:cs typeface="Calibri"/>
+                        <a:sym typeface="Calibri"/>
+                      </a:endParaRPr>
+                    </a:p>
+                  </a:txBody>
+                  <a:tcPr marT="0" marB="0" marR="68575" marL="68575"/>
+                </a:tc>
+                <a:tc>
+                  <a:txBody>
+                    <a:bodyPr/>
+                    <a:lstStyle/>
+                    <a:p>
+                      <a:pPr indent="0" lvl="0" marL="0" rtl="0" algn="just">
+                        <a:lnSpc>
+                          <a:spcPct val="150000"/>
+                        </a:lnSpc>
+                        <a:spcBef>
+                          <a:spcPts val="0"/>
+                        </a:spcBef>
+                        <a:spcAft>
+                          <a:spcPts val="800"/>
+                        </a:spcAft>
+                        <a:buNone/>
+                      </a:pPr>
+                      <a:r>
+                        <a:t/>
+                      </a:r>
+                      <a:endParaRPr b="1" sz="800">
+                        <a:latin typeface="Calibri"/>
+                        <a:ea typeface="Calibri"/>
+                        <a:cs typeface="Calibri"/>
+                        <a:sym typeface="Calibri"/>
+                      </a:endParaRPr>
+                    </a:p>
+                  </a:txBody>
+                  <a:tcPr marT="0" marB="0" marR="68575" marL="68575"/>
+                </a:tc>
+              </a:tr>
+              <a:tr h="440050">
+                <a:tc>
+                  <a:txBody>
+                    <a:bodyPr/>
+                    <a:lstStyle/>
+                    <a:p>
+                      <a:pPr indent="0" lvl="0" marL="0" rtl="0" algn="just">
+                        <a:lnSpc>
+                          <a:spcPct val="107916"/>
+                        </a:lnSpc>
+                        <a:spcBef>
+                          <a:spcPts val="0"/>
+                        </a:spcBef>
+                        <a:spcAft>
+                          <a:spcPts val="800"/>
+                        </a:spcAft>
+                        <a:buNone/>
+                      </a:pPr>
+                      <a:r>
+                        <a:rPr lang="en-US" sz="900">
+                          <a:latin typeface="Calibri"/>
+                          <a:ea typeface="Calibri"/>
+                          <a:cs typeface="Calibri"/>
+                          <a:sym typeface="Calibri"/>
+                        </a:rPr>
+                        <a:t>Planificación y control del proyecto</a:t>
+                      </a:r>
+                      <a:endParaRPr sz="900">
+                        <a:latin typeface="Calibri"/>
+                        <a:ea typeface="Calibri"/>
+                        <a:cs typeface="Calibri"/>
+                        <a:sym typeface="Calibri"/>
+                      </a:endParaRPr>
+                    </a:p>
+                  </a:txBody>
+                  <a:tcPr marT="0" marB="0" marR="68575" marL="68575"/>
+                </a:tc>
+                <a:tc>
+                  <a:txBody>
+                    <a:bodyPr/>
+                    <a:lstStyle/>
+                    <a:p>
+                      <a:pPr indent="0" lvl="0" marL="0" rtl="0" algn="just">
+                        <a:lnSpc>
+                          <a:spcPct val="150000"/>
+                        </a:lnSpc>
+                        <a:spcBef>
+                          <a:spcPts val="0"/>
+                        </a:spcBef>
+                        <a:spcAft>
+                          <a:spcPts val="800"/>
+                        </a:spcAft>
+                        <a:buNone/>
+                      </a:pPr>
+                      <a:r>
+                        <a:t/>
+                      </a:r>
+                      <a:endParaRPr b="1" sz="800">
+                        <a:latin typeface="Calibri"/>
+                        <a:ea typeface="Calibri"/>
+                        <a:cs typeface="Calibri"/>
+                        <a:sym typeface="Calibri"/>
+                      </a:endParaRPr>
+                    </a:p>
+                  </a:txBody>
+                  <a:tcPr marT="0" marB="0" marR="68575" marL="68575">
+                    <a:solidFill>
+                      <a:srgbClr val="E2EFD9"/>
+                    </a:solidFill>
+                  </a:tcPr>
+                </a:tc>
+                <a:tc>
+                  <a:txBody>
+                    <a:bodyPr/>
+                    <a:lstStyle/>
+                    <a:p>
+                      <a:pPr indent="0" lvl="0" marL="0" rtl="0" algn="just">
+                        <a:lnSpc>
+                          <a:spcPct val="150000"/>
+                        </a:lnSpc>
+                        <a:spcBef>
+                          <a:spcPts val="0"/>
+                        </a:spcBef>
+                        <a:spcAft>
+                          <a:spcPts val="800"/>
+                        </a:spcAft>
+                        <a:buNone/>
+                      </a:pPr>
+                      <a:r>
+                        <a:t/>
+                      </a:r>
+                      <a:endParaRPr b="1" sz="800">
+                        <a:latin typeface="Calibri"/>
+                        <a:ea typeface="Calibri"/>
+                        <a:cs typeface="Calibri"/>
+                        <a:sym typeface="Calibri"/>
+                      </a:endParaRPr>
+                    </a:p>
+                  </a:txBody>
+                  <a:tcPr marT="0" marB="0" marR="68575" marL="68575">
+                    <a:solidFill>
+                      <a:srgbClr val="E2EFD9"/>
+                    </a:solidFill>
+                  </a:tcPr>
+                </a:tc>
+                <a:tc>
+                  <a:txBody>
+                    <a:bodyPr/>
+                    <a:lstStyle/>
+                    <a:p>
+                      <a:pPr indent="0" lvl="0" marL="0" rtl="0" algn="just">
+                        <a:lnSpc>
+                          <a:spcPct val="150000"/>
+                        </a:lnSpc>
+                        <a:spcBef>
+                          <a:spcPts val="0"/>
+                        </a:spcBef>
+                        <a:spcAft>
+                          <a:spcPts val="800"/>
+                        </a:spcAft>
+                        <a:buNone/>
+                      </a:pPr>
+                      <a:r>
+                        <a:t/>
+                      </a:r>
+                      <a:endParaRPr b="1" sz="800">
+                        <a:latin typeface="Calibri"/>
+                        <a:ea typeface="Calibri"/>
+                        <a:cs typeface="Calibri"/>
+                        <a:sym typeface="Calibri"/>
+                      </a:endParaRPr>
+                    </a:p>
+                  </a:txBody>
+                  <a:tcPr marT="0" marB="0" marR="68575" marL="68575">
+                    <a:solidFill>
+                      <a:srgbClr val="E2EFD9"/>
+                    </a:solidFill>
+                  </a:tcPr>
+                </a:tc>
+                <a:tc>
+                  <a:txBody>
+                    <a:bodyPr/>
+                    <a:lstStyle/>
+                    <a:p>
+                      <a:pPr indent="0" lvl="0" marL="0" rtl="0" algn="just">
+                        <a:lnSpc>
+                          <a:spcPct val="150000"/>
+                        </a:lnSpc>
+                        <a:spcBef>
+                          <a:spcPts val="0"/>
+                        </a:spcBef>
+                        <a:spcAft>
+                          <a:spcPts val="800"/>
+                        </a:spcAft>
+                        <a:buNone/>
+                      </a:pPr>
+                      <a:r>
+                        <a:t/>
+                      </a:r>
+                      <a:endParaRPr b="1" sz="800">
+                        <a:latin typeface="Calibri"/>
+                        <a:ea typeface="Calibri"/>
+                        <a:cs typeface="Calibri"/>
+                        <a:sym typeface="Calibri"/>
+                      </a:endParaRPr>
+                    </a:p>
+                  </a:txBody>
+                  <a:tcPr marT="0" marB="0" marR="68575" marL="68575">
+                    <a:solidFill>
+                      <a:srgbClr val="E2EFD9"/>
+                    </a:solidFill>
+                  </a:tcPr>
+                </a:tc>
+                <a:tc>
+                  <a:txBody>
+                    <a:bodyPr/>
+                    <a:lstStyle/>
+                    <a:p>
+                      <a:pPr indent="0" lvl="0" marL="0" rtl="0" algn="just">
+                        <a:lnSpc>
+                          <a:spcPct val="150000"/>
+                        </a:lnSpc>
+                        <a:spcBef>
+                          <a:spcPts val="0"/>
+                        </a:spcBef>
+                        <a:spcAft>
+                          <a:spcPts val="800"/>
+                        </a:spcAft>
+                        <a:buNone/>
+                      </a:pPr>
+                      <a:r>
+                        <a:t/>
+                      </a:r>
+                      <a:endParaRPr b="1" sz="800">
+                        <a:latin typeface="Calibri"/>
+                        <a:ea typeface="Calibri"/>
+                        <a:cs typeface="Calibri"/>
+                        <a:sym typeface="Calibri"/>
+                      </a:endParaRPr>
+                    </a:p>
+                  </a:txBody>
+                  <a:tcPr marT="0" marB="0" marR="68575" marL="68575">
+                    <a:solidFill>
+                      <a:srgbClr val="FFF2CC"/>
+                    </a:solidFill>
+                  </a:tcPr>
+                </a:tc>
+                <a:tc>
+                  <a:txBody>
+                    <a:bodyPr/>
+                    <a:lstStyle/>
+                    <a:p>
+                      <a:pPr indent="0" lvl="0" marL="0" rtl="0" algn="just">
+                        <a:lnSpc>
+                          <a:spcPct val="150000"/>
+                        </a:lnSpc>
+                        <a:spcBef>
+                          <a:spcPts val="0"/>
+                        </a:spcBef>
+                        <a:spcAft>
+                          <a:spcPts val="800"/>
+                        </a:spcAft>
+                        <a:buNone/>
+                      </a:pPr>
+                      <a:r>
+                        <a:t/>
+                      </a:r>
+                      <a:endParaRPr b="1" sz="800">
+                        <a:latin typeface="Calibri"/>
+                        <a:ea typeface="Calibri"/>
+                        <a:cs typeface="Calibri"/>
+                        <a:sym typeface="Calibri"/>
+                      </a:endParaRPr>
+                    </a:p>
+                  </a:txBody>
+                  <a:tcPr marT="0" marB="0" marR="68575" marL="68575">
+                    <a:solidFill>
+                      <a:srgbClr val="FFF2CC"/>
+                    </a:solidFill>
+                  </a:tcPr>
+                </a:tc>
+                <a:tc>
+                  <a:txBody>
+                    <a:bodyPr/>
+                    <a:lstStyle/>
+                    <a:p>
+                      <a:pPr indent="0" lvl="0" marL="0" rtl="0" algn="just">
+                        <a:lnSpc>
+                          <a:spcPct val="150000"/>
+                        </a:lnSpc>
+                        <a:spcBef>
+                          <a:spcPts val="0"/>
+                        </a:spcBef>
+                        <a:spcAft>
+                          <a:spcPts val="800"/>
+                        </a:spcAft>
+                        <a:buNone/>
+                      </a:pPr>
+                      <a:r>
+                        <a:t/>
+                      </a:r>
+                      <a:endParaRPr b="1" sz="800">
+                        <a:latin typeface="Calibri"/>
+                        <a:ea typeface="Calibri"/>
+                        <a:cs typeface="Calibri"/>
+                        <a:sym typeface="Calibri"/>
+                      </a:endParaRPr>
+                    </a:p>
+                  </a:txBody>
+                  <a:tcPr marT="0" marB="0" marR="68575" marL="68575">
+                    <a:solidFill>
+                      <a:srgbClr val="FFF2CC"/>
+                    </a:solidFill>
+                  </a:tcPr>
+                </a:tc>
+                <a:tc>
+                  <a:txBody>
+                    <a:bodyPr/>
+                    <a:lstStyle/>
+                    <a:p>
+                      <a:pPr indent="0" lvl="0" marL="0" rtl="0" algn="just">
+                        <a:lnSpc>
+                          <a:spcPct val="150000"/>
+                        </a:lnSpc>
+                        <a:spcBef>
+                          <a:spcPts val="0"/>
+                        </a:spcBef>
+                        <a:spcAft>
+                          <a:spcPts val="800"/>
+                        </a:spcAft>
+                        <a:buNone/>
+                      </a:pPr>
+                      <a:r>
+                        <a:t/>
+                      </a:r>
+                      <a:endParaRPr b="1" sz="800">
+                        <a:latin typeface="Calibri"/>
+                        <a:ea typeface="Calibri"/>
+                        <a:cs typeface="Calibri"/>
+                        <a:sym typeface="Calibri"/>
+                      </a:endParaRPr>
+                    </a:p>
+                  </a:txBody>
+                  <a:tcPr marT="0" marB="0" marR="68575" marL="68575">
+                    <a:solidFill>
+                      <a:srgbClr val="FFF2CC"/>
+                    </a:solidFill>
+                  </a:tcPr>
+                </a:tc>
+                <a:tc>
+                  <a:txBody>
+                    <a:bodyPr/>
+                    <a:lstStyle/>
+                    <a:p>
+                      <a:pPr indent="0" lvl="0" marL="0" rtl="0" algn="just">
+                        <a:lnSpc>
+                          <a:spcPct val="150000"/>
+                        </a:lnSpc>
+                        <a:spcBef>
+                          <a:spcPts val="0"/>
+                        </a:spcBef>
+                        <a:spcAft>
+                          <a:spcPts val="800"/>
+                        </a:spcAft>
+                        <a:buNone/>
+                      </a:pPr>
+                      <a:r>
+                        <a:t/>
+                      </a:r>
+                      <a:endParaRPr b="1" sz="800">
+                        <a:latin typeface="Calibri"/>
+                        <a:ea typeface="Calibri"/>
+                        <a:cs typeface="Calibri"/>
+                        <a:sym typeface="Calibri"/>
+                      </a:endParaRPr>
+                    </a:p>
+                  </a:txBody>
+                  <a:tcPr marT="0" marB="0" marR="68575" marL="68575">
+                    <a:solidFill>
+                      <a:srgbClr val="FFF2CC"/>
+                    </a:solidFill>
+                  </a:tcPr>
+                </a:tc>
+                <a:tc>
+                  <a:txBody>
+                    <a:bodyPr/>
+                    <a:lstStyle/>
+                    <a:p>
+                      <a:pPr indent="0" lvl="0" marL="0" rtl="0" algn="just">
+                        <a:lnSpc>
+                          <a:spcPct val="150000"/>
+                        </a:lnSpc>
+                        <a:spcBef>
+                          <a:spcPts val="0"/>
+                        </a:spcBef>
+                        <a:spcAft>
+                          <a:spcPts val="800"/>
+                        </a:spcAft>
+                        <a:buNone/>
+                      </a:pPr>
+                      <a:r>
+                        <a:t/>
+                      </a:r>
+                      <a:endParaRPr b="1" sz="800">
+                        <a:latin typeface="Calibri"/>
+                        <a:ea typeface="Calibri"/>
+                        <a:cs typeface="Calibri"/>
+                        <a:sym typeface="Calibri"/>
+                      </a:endParaRPr>
+                    </a:p>
+                  </a:txBody>
+                  <a:tcPr marT="0" marB="0" marR="68575" marL="68575">
+                    <a:solidFill>
+                      <a:srgbClr val="FFF2CC"/>
+                    </a:solidFill>
+                  </a:tcPr>
+                </a:tc>
+                <a:tc>
+                  <a:txBody>
+                    <a:bodyPr/>
+                    <a:lstStyle/>
+                    <a:p>
+                      <a:pPr indent="0" lvl="0" marL="0" rtl="0" algn="just">
+                        <a:lnSpc>
+                          <a:spcPct val="150000"/>
+                        </a:lnSpc>
+                        <a:spcBef>
+                          <a:spcPts val="0"/>
+                        </a:spcBef>
+                        <a:spcAft>
+                          <a:spcPts val="800"/>
+                        </a:spcAft>
+                        <a:buNone/>
+                      </a:pPr>
+                      <a:r>
+                        <a:t/>
+                      </a:r>
+                      <a:endParaRPr b="1" sz="800">
+                        <a:latin typeface="Calibri"/>
+                        <a:ea typeface="Calibri"/>
+                        <a:cs typeface="Calibri"/>
+                        <a:sym typeface="Calibri"/>
+                      </a:endParaRPr>
+                    </a:p>
+                  </a:txBody>
+                  <a:tcPr marT="0" marB="0" marR="68575" marL="68575">
+                    <a:solidFill>
+                      <a:srgbClr val="FFF2CC"/>
+                    </a:solidFill>
+                  </a:tcPr>
+                </a:tc>
+                <a:tc>
+                  <a:txBody>
+                    <a:bodyPr/>
+                    <a:lstStyle/>
+                    <a:p>
+                      <a:pPr indent="0" lvl="0" marL="0" rtl="0" algn="just">
+                        <a:lnSpc>
+                          <a:spcPct val="150000"/>
+                        </a:lnSpc>
+                        <a:spcBef>
+                          <a:spcPts val="0"/>
+                        </a:spcBef>
+                        <a:spcAft>
+                          <a:spcPts val="800"/>
+                        </a:spcAft>
+                        <a:buNone/>
+                      </a:pPr>
+                      <a:r>
+                        <a:t/>
+                      </a:r>
+                      <a:endParaRPr b="1" sz="800">
+                        <a:latin typeface="Calibri"/>
+                        <a:ea typeface="Calibri"/>
+                        <a:cs typeface="Calibri"/>
+                        <a:sym typeface="Calibri"/>
+                      </a:endParaRPr>
+                    </a:p>
+                  </a:txBody>
+                  <a:tcPr marT="0" marB="0" marR="68575" marL="68575">
+                    <a:solidFill>
+                      <a:srgbClr val="FFF2CC"/>
+                    </a:solidFill>
+                  </a:tcPr>
+                </a:tc>
+                <a:tc>
+                  <a:txBody>
+                    <a:bodyPr/>
+                    <a:lstStyle/>
+                    <a:p>
+                      <a:pPr indent="0" lvl="0" marL="0" rtl="0" algn="just">
+                        <a:lnSpc>
+                          <a:spcPct val="150000"/>
+                        </a:lnSpc>
+                        <a:spcBef>
+                          <a:spcPts val="0"/>
+                        </a:spcBef>
+                        <a:spcAft>
+                          <a:spcPts val="800"/>
+                        </a:spcAft>
+                        <a:buNone/>
+                      </a:pPr>
+                      <a:r>
+                        <a:t/>
+                      </a:r>
+                      <a:endParaRPr b="1" sz="800">
+                        <a:latin typeface="Calibri"/>
+                        <a:ea typeface="Calibri"/>
+                        <a:cs typeface="Calibri"/>
+                        <a:sym typeface="Calibri"/>
+                      </a:endParaRPr>
+                    </a:p>
+                  </a:txBody>
+                  <a:tcPr marT="0" marB="0" marR="68575" marL="68575">
+                    <a:solidFill>
+                      <a:srgbClr val="FFF2CC"/>
+                    </a:solidFill>
+                  </a:tcPr>
+                </a:tc>
+                <a:tc>
+                  <a:txBody>
+                    <a:bodyPr/>
+                    <a:lstStyle/>
+                    <a:p>
+                      <a:pPr indent="0" lvl="0" marL="0" rtl="0" algn="just">
+                        <a:lnSpc>
+                          <a:spcPct val="150000"/>
+                        </a:lnSpc>
+                        <a:spcBef>
+                          <a:spcPts val="0"/>
+                        </a:spcBef>
+                        <a:spcAft>
+                          <a:spcPts val="800"/>
+                        </a:spcAft>
+                        <a:buNone/>
+                      </a:pPr>
+                      <a:r>
+                        <a:t/>
+                      </a:r>
+                      <a:endParaRPr b="1" sz="800">
+                        <a:latin typeface="Calibri"/>
+                        <a:ea typeface="Calibri"/>
+                        <a:cs typeface="Calibri"/>
+                        <a:sym typeface="Calibri"/>
+                      </a:endParaRPr>
+                    </a:p>
+                  </a:txBody>
+                  <a:tcPr marT="0" marB="0" marR="68575" marL="68575">
+                    <a:solidFill>
+                      <a:srgbClr val="FFF2CC"/>
+                    </a:solidFill>
+                  </a:tcPr>
+                </a:tc>
+                <a:tc>
+                  <a:txBody>
+                    <a:bodyPr/>
+                    <a:lstStyle/>
+                    <a:p>
+                      <a:pPr indent="0" lvl="0" marL="0" rtl="0" algn="just">
+                        <a:lnSpc>
+                          <a:spcPct val="150000"/>
+                        </a:lnSpc>
+                        <a:spcBef>
+                          <a:spcPts val="0"/>
+                        </a:spcBef>
+                        <a:spcAft>
+                          <a:spcPts val="800"/>
+                        </a:spcAft>
+                        <a:buNone/>
+                      </a:pPr>
+                      <a:r>
+                        <a:t/>
+                      </a:r>
+                      <a:endParaRPr b="1" sz="800">
+                        <a:latin typeface="Calibri"/>
+                        <a:ea typeface="Calibri"/>
+                        <a:cs typeface="Calibri"/>
+                        <a:sym typeface="Calibri"/>
+                      </a:endParaRPr>
+                    </a:p>
+                  </a:txBody>
+                  <a:tcPr marT="0" marB="0" marR="68575" marL="68575">
+                    <a:solidFill>
+                      <a:srgbClr val="FFF2CC"/>
+                    </a:solidFill>
+                  </a:tcPr>
+                </a:tc>
+                <a:tc gridSpan="2">
+                  <a:txBody>
+                    <a:bodyPr/>
+                    <a:lstStyle/>
+                    <a:p>
+                      <a:pPr indent="0" lvl="0" marL="0" rtl="0" algn="just">
+                        <a:lnSpc>
+                          <a:spcPct val="150000"/>
+                        </a:lnSpc>
+                        <a:spcBef>
+                          <a:spcPts val="0"/>
+                        </a:spcBef>
+                        <a:spcAft>
+                          <a:spcPts val="800"/>
+                        </a:spcAft>
+                        <a:buNone/>
+                      </a:pPr>
+                      <a:r>
+                        <a:t/>
+                      </a:r>
+                      <a:endParaRPr b="1" sz="800">
+                        <a:latin typeface="Calibri"/>
+                        <a:ea typeface="Calibri"/>
+                        <a:cs typeface="Calibri"/>
+                        <a:sym typeface="Calibri"/>
+                      </a:endParaRPr>
+                    </a:p>
+                  </a:txBody>
+                  <a:tcPr marT="0" marB="0" marR="68575" marL="68575">
+                    <a:solidFill>
+                      <a:srgbClr val="FBE5D5"/>
+                    </a:solidFill>
+                  </a:tcPr>
+                </a:tc>
+                <a:tc hMerge="1"/>
+                <a:tc>
+                  <a:txBody>
+                    <a:bodyPr/>
+                    <a:lstStyle/>
+                    <a:p>
+                      <a:pPr indent="0" lvl="0" marL="0" rtl="0" algn="just">
+                        <a:lnSpc>
+                          <a:spcPct val="150000"/>
+                        </a:lnSpc>
+                        <a:spcBef>
+                          <a:spcPts val="0"/>
+                        </a:spcBef>
+                        <a:spcAft>
+                          <a:spcPts val="800"/>
+                        </a:spcAft>
+                        <a:buNone/>
+                      </a:pPr>
+                      <a:r>
+                        <a:t/>
+                      </a:r>
+                      <a:endParaRPr b="1" sz="800">
+                        <a:latin typeface="Calibri"/>
+                        <a:ea typeface="Calibri"/>
+                        <a:cs typeface="Calibri"/>
+                        <a:sym typeface="Calibri"/>
+                      </a:endParaRPr>
+                    </a:p>
+                  </a:txBody>
+                  <a:tcPr marT="0" marB="0" marR="68575" marL="68575">
+                    <a:solidFill>
+                      <a:srgbClr val="FBE5D5"/>
+                    </a:solidFill>
+                  </a:tcPr>
+                </a:tc>
+                <a:tc>
+                  <a:txBody>
+                    <a:bodyPr/>
+                    <a:lstStyle/>
+                    <a:p>
+                      <a:pPr indent="0" lvl="0" marL="0" rtl="0" algn="just">
+                        <a:lnSpc>
+                          <a:spcPct val="150000"/>
+                        </a:lnSpc>
+                        <a:spcBef>
+                          <a:spcPts val="0"/>
+                        </a:spcBef>
+                        <a:spcAft>
+                          <a:spcPts val="800"/>
+                        </a:spcAft>
+                        <a:buNone/>
+                      </a:pPr>
+                      <a:r>
+                        <a:t/>
+                      </a:r>
+                      <a:endParaRPr b="1" sz="800">
+                        <a:latin typeface="Calibri"/>
+                        <a:ea typeface="Calibri"/>
+                        <a:cs typeface="Calibri"/>
+                        <a:sym typeface="Calibri"/>
+                      </a:endParaRPr>
+                    </a:p>
+                  </a:txBody>
+                  <a:tcPr marT="0" marB="0" marR="68575" marL="68575">
+                    <a:solidFill>
+                      <a:srgbClr val="FBE5D5"/>
+                    </a:solidFill>
+                  </a:tcPr>
+                </a:tc>
+              </a:tr>
+              <a:tr h="440050">
+                <a:tc>
+                  <a:txBody>
+                    <a:bodyPr/>
+                    <a:lstStyle/>
+                    <a:p>
+                      <a:pPr indent="0" lvl="0" marL="0" rtl="0" algn="just">
+                        <a:lnSpc>
+                          <a:spcPct val="107916"/>
+                        </a:lnSpc>
+                        <a:spcBef>
+                          <a:spcPts val="0"/>
+                        </a:spcBef>
+                        <a:spcAft>
+                          <a:spcPts val="800"/>
+                        </a:spcAft>
+                        <a:buNone/>
+                      </a:pPr>
+                      <a:r>
+                        <a:rPr lang="en-US" sz="900">
+                          <a:latin typeface="Calibri"/>
+                          <a:ea typeface="Calibri"/>
+                          <a:cs typeface="Calibri"/>
+                          <a:sym typeface="Calibri"/>
+                        </a:rPr>
+                        <a:t>Diseño y creación de base de datos</a:t>
+                      </a:r>
+                      <a:endParaRPr sz="900">
+                        <a:latin typeface="Calibri"/>
+                        <a:ea typeface="Calibri"/>
+                        <a:cs typeface="Calibri"/>
+                        <a:sym typeface="Calibri"/>
+                      </a:endParaRPr>
+                    </a:p>
+                  </a:txBody>
+                  <a:tcPr marT="0" marB="0" marR="68575" marL="68575"/>
+                </a:tc>
+                <a:tc>
+                  <a:txBody>
+                    <a:bodyPr/>
+                    <a:lstStyle/>
+                    <a:p>
+                      <a:pPr indent="0" lvl="0" marL="0" rtl="0" algn="just">
+                        <a:lnSpc>
+                          <a:spcPct val="150000"/>
+                        </a:lnSpc>
+                        <a:spcBef>
+                          <a:spcPts val="0"/>
+                        </a:spcBef>
+                        <a:spcAft>
+                          <a:spcPts val="800"/>
+                        </a:spcAft>
+                        <a:buNone/>
+                      </a:pPr>
+                      <a:r>
+                        <a:t/>
+                      </a:r>
+                      <a:endParaRPr b="1" sz="800">
+                        <a:latin typeface="Calibri"/>
+                        <a:ea typeface="Calibri"/>
+                        <a:cs typeface="Calibri"/>
+                        <a:sym typeface="Calibri"/>
+                      </a:endParaRPr>
+                    </a:p>
+                  </a:txBody>
+                  <a:tcPr marT="0" marB="0" marR="68575" marL="68575"/>
+                </a:tc>
+                <a:tc>
+                  <a:txBody>
+                    <a:bodyPr/>
+                    <a:lstStyle/>
+                    <a:p>
+                      <a:pPr indent="0" lvl="0" marL="0" rtl="0" algn="just">
+                        <a:lnSpc>
+                          <a:spcPct val="150000"/>
+                        </a:lnSpc>
+                        <a:spcBef>
+                          <a:spcPts val="0"/>
+                        </a:spcBef>
+                        <a:spcAft>
+                          <a:spcPts val="800"/>
+                        </a:spcAft>
+                        <a:buNone/>
+                      </a:pPr>
+                      <a:r>
+                        <a:t/>
+                      </a:r>
+                      <a:endParaRPr b="1" sz="800">
+                        <a:latin typeface="Calibri"/>
+                        <a:ea typeface="Calibri"/>
+                        <a:cs typeface="Calibri"/>
+                        <a:sym typeface="Calibri"/>
+                      </a:endParaRPr>
+                    </a:p>
+                  </a:txBody>
+                  <a:tcPr marT="0" marB="0" marR="68575" marL="68575"/>
+                </a:tc>
+                <a:tc>
+                  <a:txBody>
+                    <a:bodyPr/>
+                    <a:lstStyle/>
+                    <a:p>
+                      <a:pPr indent="0" lvl="0" marL="0" rtl="0" algn="just">
+                        <a:lnSpc>
+                          <a:spcPct val="150000"/>
+                        </a:lnSpc>
+                        <a:spcBef>
+                          <a:spcPts val="0"/>
+                        </a:spcBef>
+                        <a:spcAft>
+                          <a:spcPts val="800"/>
+                        </a:spcAft>
+                        <a:buNone/>
+                      </a:pPr>
+                      <a:r>
+                        <a:t/>
+                      </a:r>
+                      <a:endParaRPr b="1" sz="800">
+                        <a:latin typeface="Calibri"/>
+                        <a:ea typeface="Calibri"/>
+                        <a:cs typeface="Calibri"/>
+                        <a:sym typeface="Calibri"/>
+                      </a:endParaRPr>
+                    </a:p>
+                  </a:txBody>
+                  <a:tcPr marT="0" marB="0" marR="68575" marL="68575">
+                    <a:solidFill>
+                      <a:srgbClr val="E2EFD9"/>
+                    </a:solidFill>
+                  </a:tcPr>
+                </a:tc>
+                <a:tc>
+                  <a:txBody>
+                    <a:bodyPr/>
+                    <a:lstStyle/>
+                    <a:p>
+                      <a:pPr indent="0" lvl="0" marL="0" rtl="0" algn="just">
+                        <a:lnSpc>
+                          <a:spcPct val="150000"/>
+                        </a:lnSpc>
+                        <a:spcBef>
+                          <a:spcPts val="0"/>
+                        </a:spcBef>
+                        <a:spcAft>
+                          <a:spcPts val="800"/>
+                        </a:spcAft>
+                        <a:buNone/>
+                      </a:pPr>
+                      <a:r>
+                        <a:t/>
+                      </a:r>
+                      <a:endParaRPr b="1" sz="800">
+                        <a:latin typeface="Calibri"/>
+                        <a:ea typeface="Calibri"/>
+                        <a:cs typeface="Calibri"/>
+                        <a:sym typeface="Calibri"/>
+                      </a:endParaRPr>
+                    </a:p>
+                  </a:txBody>
+                  <a:tcPr marT="0" marB="0" marR="68575" marL="68575">
+                    <a:solidFill>
+                      <a:srgbClr val="E2EFD9"/>
+                    </a:solidFill>
+                  </a:tcPr>
+                </a:tc>
+                <a:tc>
+                  <a:txBody>
+                    <a:bodyPr/>
+                    <a:lstStyle/>
+                    <a:p>
+                      <a:pPr indent="0" lvl="0" marL="0" rtl="0" algn="just">
+                        <a:lnSpc>
+                          <a:spcPct val="150000"/>
+                        </a:lnSpc>
+                        <a:spcBef>
+                          <a:spcPts val="0"/>
+                        </a:spcBef>
+                        <a:spcAft>
+                          <a:spcPts val="800"/>
+                        </a:spcAft>
+                        <a:buNone/>
+                      </a:pPr>
+                      <a:r>
+                        <a:t/>
+                      </a:r>
+                      <a:endParaRPr b="1" sz="800">
+                        <a:latin typeface="Calibri"/>
+                        <a:ea typeface="Calibri"/>
+                        <a:cs typeface="Calibri"/>
+                        <a:sym typeface="Calibri"/>
+                      </a:endParaRPr>
+                    </a:p>
+                  </a:txBody>
+                  <a:tcPr marT="0" marB="0" marR="68575" marL="68575">
+                    <a:solidFill>
+                      <a:srgbClr val="FFFFFF"/>
+                    </a:solidFill>
+                  </a:tcPr>
+                </a:tc>
+                <a:tc>
+                  <a:txBody>
+                    <a:bodyPr/>
+                    <a:lstStyle/>
+                    <a:p>
+                      <a:pPr indent="0" lvl="0" marL="0" rtl="0" algn="just">
+                        <a:lnSpc>
+                          <a:spcPct val="150000"/>
+                        </a:lnSpc>
+                        <a:spcBef>
+                          <a:spcPts val="0"/>
+                        </a:spcBef>
+                        <a:spcAft>
+                          <a:spcPts val="800"/>
+                        </a:spcAft>
+                        <a:buNone/>
+                      </a:pPr>
+                      <a:r>
+                        <a:t/>
+                      </a:r>
+                      <a:endParaRPr b="1" sz="800">
+                        <a:latin typeface="Calibri"/>
+                        <a:ea typeface="Calibri"/>
+                        <a:cs typeface="Calibri"/>
+                        <a:sym typeface="Calibri"/>
+                      </a:endParaRPr>
+                    </a:p>
+                  </a:txBody>
+                  <a:tcPr marT="0" marB="0" marR="68575" marL="68575">
+                    <a:solidFill>
+                      <a:srgbClr val="FFFFFF"/>
+                    </a:solidFill>
+                  </a:tcPr>
+                </a:tc>
+                <a:tc>
+                  <a:txBody>
+                    <a:bodyPr/>
+                    <a:lstStyle/>
+                    <a:p>
+                      <a:pPr indent="0" lvl="0" marL="0" rtl="0" algn="just">
+                        <a:lnSpc>
+                          <a:spcPct val="150000"/>
+                        </a:lnSpc>
+                        <a:spcBef>
+                          <a:spcPts val="0"/>
+                        </a:spcBef>
+                        <a:spcAft>
+                          <a:spcPts val="800"/>
+                        </a:spcAft>
+                        <a:buNone/>
+                      </a:pPr>
+                      <a:r>
+                        <a:t/>
+                      </a:r>
+                      <a:endParaRPr b="1" sz="800">
+                        <a:latin typeface="Calibri"/>
+                        <a:ea typeface="Calibri"/>
+                        <a:cs typeface="Calibri"/>
+                        <a:sym typeface="Calibri"/>
+                      </a:endParaRPr>
+                    </a:p>
+                  </a:txBody>
+                  <a:tcPr marT="0" marB="0" marR="68575" marL="68575">
+                    <a:solidFill>
+                      <a:srgbClr val="FFFFFF"/>
+                    </a:solidFill>
+                  </a:tcPr>
+                </a:tc>
+                <a:tc>
+                  <a:txBody>
+                    <a:bodyPr/>
+                    <a:lstStyle/>
+                    <a:p>
+                      <a:pPr indent="0" lvl="0" marL="0" rtl="0" algn="just">
+                        <a:lnSpc>
+                          <a:spcPct val="150000"/>
+                        </a:lnSpc>
+                        <a:spcBef>
+                          <a:spcPts val="0"/>
+                        </a:spcBef>
+                        <a:spcAft>
+                          <a:spcPts val="800"/>
+                        </a:spcAft>
+                        <a:buNone/>
+                      </a:pPr>
+                      <a:r>
+                        <a:t/>
+                      </a:r>
+                      <a:endParaRPr b="1" sz="800">
+                        <a:latin typeface="Calibri"/>
+                        <a:ea typeface="Calibri"/>
+                        <a:cs typeface="Calibri"/>
+                        <a:sym typeface="Calibri"/>
+                      </a:endParaRPr>
+                    </a:p>
+                  </a:txBody>
+                  <a:tcPr marT="0" marB="0" marR="68575" marL="68575">
+                    <a:solidFill>
+                      <a:srgbClr val="FFFFFF"/>
+                    </a:solidFill>
+                  </a:tcPr>
+                </a:tc>
+                <a:tc>
+                  <a:txBody>
+                    <a:bodyPr/>
+                    <a:lstStyle/>
+                    <a:p>
+                      <a:pPr indent="0" lvl="0" marL="0" rtl="0" algn="just">
+                        <a:lnSpc>
+                          <a:spcPct val="150000"/>
+                        </a:lnSpc>
+                        <a:spcBef>
+                          <a:spcPts val="0"/>
+                        </a:spcBef>
+                        <a:spcAft>
+                          <a:spcPts val="800"/>
+                        </a:spcAft>
+                        <a:buNone/>
+                      </a:pPr>
+                      <a:r>
+                        <a:t/>
+                      </a:r>
+                      <a:endParaRPr b="1" sz="800">
+                        <a:latin typeface="Calibri"/>
+                        <a:ea typeface="Calibri"/>
+                        <a:cs typeface="Calibri"/>
+                        <a:sym typeface="Calibri"/>
+                      </a:endParaRPr>
+                    </a:p>
+                  </a:txBody>
+                  <a:tcPr marT="0" marB="0" marR="68575" marL="68575">
+                    <a:solidFill>
+                      <a:srgbClr val="FFFFFF"/>
+                    </a:solidFill>
+                  </a:tcPr>
+                </a:tc>
+                <a:tc>
+                  <a:txBody>
+                    <a:bodyPr/>
+                    <a:lstStyle/>
+                    <a:p>
+                      <a:pPr indent="0" lvl="0" marL="0" rtl="0" algn="just">
+                        <a:lnSpc>
+                          <a:spcPct val="150000"/>
+                        </a:lnSpc>
+                        <a:spcBef>
+                          <a:spcPts val="0"/>
+                        </a:spcBef>
+                        <a:spcAft>
+                          <a:spcPts val="800"/>
+                        </a:spcAft>
+                        <a:buNone/>
+                      </a:pPr>
+                      <a:r>
+                        <a:t/>
+                      </a:r>
+                      <a:endParaRPr b="1" sz="800">
+                        <a:latin typeface="Calibri"/>
+                        <a:ea typeface="Calibri"/>
+                        <a:cs typeface="Calibri"/>
+                        <a:sym typeface="Calibri"/>
+                      </a:endParaRPr>
+                    </a:p>
+                  </a:txBody>
+                  <a:tcPr marT="0" marB="0" marR="68575" marL="68575">
+                    <a:solidFill>
+                      <a:srgbClr val="FFFFFF"/>
+                    </a:solidFill>
+                  </a:tcPr>
+                </a:tc>
+                <a:tc>
+                  <a:txBody>
+                    <a:bodyPr/>
+                    <a:lstStyle/>
+                    <a:p>
+                      <a:pPr indent="0" lvl="0" marL="0" rtl="0" algn="just">
+                        <a:lnSpc>
+                          <a:spcPct val="150000"/>
+                        </a:lnSpc>
+                        <a:spcBef>
+                          <a:spcPts val="0"/>
+                        </a:spcBef>
+                        <a:spcAft>
+                          <a:spcPts val="800"/>
+                        </a:spcAft>
+                        <a:buNone/>
+                      </a:pPr>
+                      <a:r>
+                        <a:t/>
+                      </a:r>
+                      <a:endParaRPr b="1" sz="800">
+                        <a:latin typeface="Calibri"/>
+                        <a:ea typeface="Calibri"/>
+                        <a:cs typeface="Calibri"/>
+                        <a:sym typeface="Calibri"/>
+                      </a:endParaRPr>
+                    </a:p>
+                  </a:txBody>
+                  <a:tcPr marT="0" marB="0" marR="68575" marL="68575">
+                    <a:solidFill>
+                      <a:srgbClr val="FFFFFF"/>
+                    </a:solidFill>
+                  </a:tcPr>
+                </a:tc>
+                <a:tc>
+                  <a:txBody>
+                    <a:bodyPr/>
+                    <a:lstStyle/>
+                    <a:p>
+                      <a:pPr indent="0" lvl="0" marL="0" rtl="0" algn="just">
+                        <a:lnSpc>
+                          <a:spcPct val="150000"/>
+                        </a:lnSpc>
+                        <a:spcBef>
+                          <a:spcPts val="0"/>
+                        </a:spcBef>
+                        <a:spcAft>
+                          <a:spcPts val="800"/>
+                        </a:spcAft>
+                        <a:buNone/>
+                      </a:pPr>
+                      <a:r>
+                        <a:t/>
+                      </a:r>
+                      <a:endParaRPr b="1" sz="800">
+                        <a:latin typeface="Calibri"/>
+                        <a:ea typeface="Calibri"/>
+                        <a:cs typeface="Calibri"/>
+                        <a:sym typeface="Calibri"/>
+                      </a:endParaRPr>
+                    </a:p>
+                  </a:txBody>
+                  <a:tcPr marT="0" marB="0" marR="68575" marL="68575">
+                    <a:solidFill>
+                      <a:srgbClr val="FFFFFF"/>
+                    </a:solidFill>
+                  </a:tcPr>
+                </a:tc>
+                <a:tc>
+                  <a:txBody>
+                    <a:bodyPr/>
+                    <a:lstStyle/>
+                    <a:p>
+                      <a:pPr indent="0" lvl="0" marL="0" rtl="0" algn="just">
+                        <a:lnSpc>
+                          <a:spcPct val="150000"/>
+                        </a:lnSpc>
+                        <a:spcBef>
+                          <a:spcPts val="0"/>
+                        </a:spcBef>
+                        <a:spcAft>
+                          <a:spcPts val="800"/>
+                        </a:spcAft>
+                        <a:buNone/>
+                      </a:pPr>
+                      <a:r>
+                        <a:t/>
+                      </a:r>
+                      <a:endParaRPr b="1" sz="800">
+                        <a:latin typeface="Calibri"/>
+                        <a:ea typeface="Calibri"/>
+                        <a:cs typeface="Calibri"/>
+                        <a:sym typeface="Calibri"/>
+                      </a:endParaRPr>
+                    </a:p>
+                  </a:txBody>
+                  <a:tcPr marT="0" marB="0" marR="68575" marL="68575">
+                    <a:solidFill>
+                      <a:srgbClr val="FFFFFF"/>
+                    </a:solidFill>
+                  </a:tcPr>
+                </a:tc>
+                <a:tc>
+                  <a:txBody>
+                    <a:bodyPr/>
+                    <a:lstStyle/>
+                    <a:p>
+                      <a:pPr indent="0" lvl="0" marL="0" rtl="0" algn="just">
+                        <a:lnSpc>
+                          <a:spcPct val="150000"/>
+                        </a:lnSpc>
+                        <a:spcBef>
+                          <a:spcPts val="0"/>
+                        </a:spcBef>
+                        <a:spcAft>
+                          <a:spcPts val="800"/>
+                        </a:spcAft>
+                        <a:buNone/>
+                      </a:pPr>
+                      <a:r>
+                        <a:t/>
+                      </a:r>
+                      <a:endParaRPr b="1" sz="800">
+                        <a:latin typeface="Calibri"/>
+                        <a:ea typeface="Calibri"/>
+                        <a:cs typeface="Calibri"/>
+                        <a:sym typeface="Calibri"/>
+                      </a:endParaRPr>
+                    </a:p>
+                  </a:txBody>
+                  <a:tcPr marT="0" marB="0" marR="68575" marL="68575">
+                    <a:solidFill>
+                      <a:srgbClr val="FFFFFF"/>
+                    </a:solidFill>
+                  </a:tcPr>
+                </a:tc>
+                <a:tc>
+                  <a:txBody>
+                    <a:bodyPr/>
+                    <a:lstStyle/>
+                    <a:p>
+                      <a:pPr indent="0" lvl="0" marL="0" rtl="0" algn="just">
+                        <a:lnSpc>
+                          <a:spcPct val="150000"/>
+                        </a:lnSpc>
+                        <a:spcBef>
+                          <a:spcPts val="0"/>
+                        </a:spcBef>
+                        <a:spcAft>
+                          <a:spcPts val="800"/>
+                        </a:spcAft>
+                        <a:buNone/>
+                      </a:pPr>
+                      <a:r>
+                        <a:t/>
+                      </a:r>
+                      <a:endParaRPr b="1" sz="800">
+                        <a:latin typeface="Calibri"/>
+                        <a:ea typeface="Calibri"/>
+                        <a:cs typeface="Calibri"/>
+                        <a:sym typeface="Calibri"/>
+                      </a:endParaRPr>
+                    </a:p>
+                  </a:txBody>
+                  <a:tcPr marT="0" marB="0" marR="68575" marL="68575">
+                    <a:solidFill>
+                      <a:srgbClr val="FFFFFF"/>
+                    </a:solidFill>
+                  </a:tcPr>
+                </a:tc>
+                <a:tc gridSpan="2">
+                  <a:txBody>
+                    <a:bodyPr/>
+                    <a:lstStyle/>
+                    <a:p>
+                      <a:pPr indent="0" lvl="0" marL="0" rtl="0" algn="just">
+                        <a:lnSpc>
+                          <a:spcPct val="150000"/>
+                        </a:lnSpc>
+                        <a:spcBef>
+                          <a:spcPts val="0"/>
+                        </a:spcBef>
+                        <a:spcAft>
+                          <a:spcPts val="800"/>
+                        </a:spcAft>
+                        <a:buNone/>
+                      </a:pPr>
+                      <a:r>
+                        <a:t/>
+                      </a:r>
+                      <a:endParaRPr b="1" sz="800">
+                        <a:latin typeface="Calibri"/>
+                        <a:ea typeface="Calibri"/>
+                        <a:cs typeface="Calibri"/>
+                        <a:sym typeface="Calibri"/>
+                      </a:endParaRPr>
+                    </a:p>
+                  </a:txBody>
+                  <a:tcPr marT="0" marB="0" marR="68575" marL="68575">
+                    <a:solidFill>
+                      <a:srgbClr val="FFFFFF"/>
+                    </a:solidFill>
+                  </a:tcPr>
+                </a:tc>
+                <a:tc hMerge="1"/>
+                <a:tc>
+                  <a:txBody>
+                    <a:bodyPr/>
+                    <a:lstStyle/>
+                    <a:p>
+                      <a:pPr indent="0" lvl="0" marL="0" rtl="0" algn="just">
+                        <a:lnSpc>
+                          <a:spcPct val="150000"/>
+                        </a:lnSpc>
+                        <a:spcBef>
+                          <a:spcPts val="0"/>
+                        </a:spcBef>
+                        <a:spcAft>
+                          <a:spcPts val="800"/>
+                        </a:spcAft>
+                        <a:buNone/>
+                      </a:pPr>
+                      <a:r>
+                        <a:t/>
+                      </a:r>
+                      <a:endParaRPr b="1" sz="800">
+                        <a:latin typeface="Calibri"/>
+                        <a:ea typeface="Calibri"/>
+                        <a:cs typeface="Calibri"/>
+                        <a:sym typeface="Calibri"/>
+                      </a:endParaRPr>
+                    </a:p>
+                  </a:txBody>
+                  <a:tcPr marT="0" marB="0" marR="68575" marL="68575">
+                    <a:solidFill>
+                      <a:srgbClr val="FFFFFF"/>
+                    </a:solidFill>
+                  </a:tcPr>
+                </a:tc>
+                <a:tc>
+                  <a:txBody>
+                    <a:bodyPr/>
+                    <a:lstStyle/>
+                    <a:p>
+                      <a:pPr indent="0" lvl="0" marL="0" rtl="0" algn="just">
+                        <a:lnSpc>
+                          <a:spcPct val="150000"/>
+                        </a:lnSpc>
+                        <a:spcBef>
+                          <a:spcPts val="0"/>
+                        </a:spcBef>
+                        <a:spcAft>
+                          <a:spcPts val="800"/>
+                        </a:spcAft>
+                        <a:buNone/>
+                      </a:pPr>
+                      <a:r>
+                        <a:t/>
+                      </a:r>
+                      <a:endParaRPr b="1" sz="800">
+                        <a:latin typeface="Calibri"/>
+                        <a:ea typeface="Calibri"/>
+                        <a:cs typeface="Calibri"/>
+                        <a:sym typeface="Calibri"/>
+                      </a:endParaRPr>
+                    </a:p>
+                  </a:txBody>
+                  <a:tcPr marT="0" marB="0" marR="68575" marL="68575">
+                    <a:solidFill>
+                      <a:srgbClr val="FFFFFF"/>
+                    </a:solidFill>
+                  </a:tcPr>
+                </a:tc>
+              </a:tr>
+              <a:tr h="272425">
+                <a:tc>
+                  <a:txBody>
+                    <a:bodyPr/>
+                    <a:lstStyle/>
+                    <a:p>
+                      <a:pPr indent="0" lvl="0" marL="0" rtl="0" algn="just">
+                        <a:lnSpc>
+                          <a:spcPct val="107916"/>
+                        </a:lnSpc>
+                        <a:spcBef>
+                          <a:spcPts val="0"/>
+                        </a:spcBef>
+                        <a:spcAft>
+                          <a:spcPts val="800"/>
+                        </a:spcAft>
+                        <a:buNone/>
+                      </a:pPr>
+                      <a:r>
+                        <a:rPr lang="en-US" sz="900">
+                          <a:latin typeface="Calibri"/>
+                          <a:ea typeface="Calibri"/>
+                          <a:cs typeface="Calibri"/>
+                          <a:sym typeface="Calibri"/>
+                        </a:rPr>
+                        <a:t>Diseño de arquitectura (DAS)</a:t>
+                      </a:r>
+                      <a:endParaRPr sz="900">
+                        <a:latin typeface="Calibri"/>
+                        <a:ea typeface="Calibri"/>
+                        <a:cs typeface="Calibri"/>
+                        <a:sym typeface="Calibri"/>
+                      </a:endParaRPr>
+                    </a:p>
+                  </a:txBody>
+                  <a:tcPr marT="0" marB="0" marR="68575" marL="68575"/>
+                </a:tc>
+                <a:tc>
+                  <a:txBody>
+                    <a:bodyPr/>
+                    <a:lstStyle/>
+                    <a:p>
+                      <a:pPr indent="0" lvl="0" marL="0" rtl="0" algn="just">
+                        <a:lnSpc>
+                          <a:spcPct val="150000"/>
+                        </a:lnSpc>
+                        <a:spcBef>
+                          <a:spcPts val="0"/>
+                        </a:spcBef>
+                        <a:spcAft>
+                          <a:spcPts val="800"/>
+                        </a:spcAft>
+                        <a:buNone/>
+                      </a:pPr>
+                      <a:r>
+                        <a:t/>
+                      </a:r>
+                      <a:endParaRPr b="1" sz="800">
+                        <a:latin typeface="Calibri"/>
+                        <a:ea typeface="Calibri"/>
+                        <a:cs typeface="Calibri"/>
+                        <a:sym typeface="Calibri"/>
+                      </a:endParaRPr>
+                    </a:p>
+                  </a:txBody>
+                  <a:tcPr marT="0" marB="0" marR="68575" marL="68575"/>
+                </a:tc>
+                <a:tc>
+                  <a:txBody>
+                    <a:bodyPr/>
+                    <a:lstStyle/>
+                    <a:p>
+                      <a:pPr indent="0" lvl="0" marL="0" rtl="0" algn="just">
+                        <a:lnSpc>
+                          <a:spcPct val="150000"/>
+                        </a:lnSpc>
+                        <a:spcBef>
+                          <a:spcPts val="0"/>
+                        </a:spcBef>
+                        <a:spcAft>
+                          <a:spcPts val="800"/>
+                        </a:spcAft>
+                        <a:buNone/>
+                      </a:pPr>
+                      <a:r>
+                        <a:t/>
+                      </a:r>
+                      <a:endParaRPr b="1" sz="800">
+                        <a:latin typeface="Calibri"/>
+                        <a:ea typeface="Calibri"/>
+                        <a:cs typeface="Calibri"/>
+                        <a:sym typeface="Calibri"/>
+                      </a:endParaRPr>
+                    </a:p>
+                  </a:txBody>
+                  <a:tcPr marT="0" marB="0" marR="68575" marL="68575"/>
+                </a:tc>
+                <a:tc>
+                  <a:txBody>
+                    <a:bodyPr/>
+                    <a:lstStyle/>
+                    <a:p>
+                      <a:pPr indent="0" lvl="0" marL="0" rtl="0" algn="just">
+                        <a:lnSpc>
+                          <a:spcPct val="150000"/>
+                        </a:lnSpc>
+                        <a:spcBef>
+                          <a:spcPts val="0"/>
+                        </a:spcBef>
+                        <a:spcAft>
+                          <a:spcPts val="800"/>
+                        </a:spcAft>
+                        <a:buNone/>
+                      </a:pPr>
+                      <a:r>
+                        <a:t/>
+                      </a:r>
+                      <a:endParaRPr b="1" sz="800">
+                        <a:latin typeface="Calibri"/>
+                        <a:ea typeface="Calibri"/>
+                        <a:cs typeface="Calibri"/>
+                        <a:sym typeface="Calibri"/>
+                      </a:endParaRPr>
+                    </a:p>
+                  </a:txBody>
+                  <a:tcPr marT="0" marB="0" marR="68575" marL="68575"/>
+                </a:tc>
+                <a:tc>
+                  <a:txBody>
+                    <a:bodyPr/>
+                    <a:lstStyle/>
+                    <a:p>
+                      <a:pPr indent="0" lvl="0" marL="0" rtl="0" algn="just">
+                        <a:lnSpc>
+                          <a:spcPct val="150000"/>
+                        </a:lnSpc>
+                        <a:spcBef>
+                          <a:spcPts val="0"/>
+                        </a:spcBef>
+                        <a:spcAft>
+                          <a:spcPts val="800"/>
+                        </a:spcAft>
+                        <a:buNone/>
+                      </a:pPr>
+                      <a:r>
+                        <a:t/>
+                      </a:r>
+                      <a:endParaRPr b="1" sz="800">
+                        <a:latin typeface="Calibri"/>
+                        <a:ea typeface="Calibri"/>
+                        <a:cs typeface="Calibri"/>
+                        <a:sym typeface="Calibri"/>
+                      </a:endParaRPr>
+                    </a:p>
+                  </a:txBody>
+                  <a:tcPr marT="0" marB="0" marR="68575" marL="68575">
+                    <a:solidFill>
+                      <a:srgbClr val="E2EFD9"/>
+                    </a:solidFill>
+                  </a:tcPr>
+                </a:tc>
+                <a:tc>
+                  <a:txBody>
+                    <a:bodyPr/>
+                    <a:lstStyle/>
+                    <a:p>
+                      <a:pPr indent="0" lvl="0" marL="0" rtl="0" algn="just">
+                        <a:lnSpc>
+                          <a:spcPct val="150000"/>
+                        </a:lnSpc>
+                        <a:spcBef>
+                          <a:spcPts val="0"/>
+                        </a:spcBef>
+                        <a:spcAft>
+                          <a:spcPts val="800"/>
+                        </a:spcAft>
+                        <a:buNone/>
+                      </a:pPr>
+                      <a:r>
+                        <a:t/>
+                      </a:r>
+                      <a:endParaRPr b="1" sz="800">
+                        <a:latin typeface="Calibri"/>
+                        <a:ea typeface="Calibri"/>
+                        <a:cs typeface="Calibri"/>
+                        <a:sym typeface="Calibri"/>
+                      </a:endParaRPr>
+                    </a:p>
+                  </a:txBody>
+                  <a:tcPr marT="0" marB="0" marR="68575" marL="68575">
+                    <a:solidFill>
+                      <a:srgbClr val="FFFFFF"/>
+                    </a:solidFill>
+                  </a:tcPr>
+                </a:tc>
+                <a:tc>
+                  <a:txBody>
+                    <a:bodyPr/>
+                    <a:lstStyle/>
+                    <a:p>
+                      <a:pPr indent="0" lvl="0" marL="0" rtl="0" algn="just">
+                        <a:lnSpc>
+                          <a:spcPct val="150000"/>
+                        </a:lnSpc>
+                        <a:spcBef>
+                          <a:spcPts val="0"/>
+                        </a:spcBef>
+                        <a:spcAft>
+                          <a:spcPts val="800"/>
+                        </a:spcAft>
+                        <a:buNone/>
+                      </a:pPr>
+                      <a:r>
+                        <a:t/>
+                      </a:r>
+                      <a:endParaRPr b="1" sz="800">
+                        <a:latin typeface="Calibri"/>
+                        <a:ea typeface="Calibri"/>
+                        <a:cs typeface="Calibri"/>
+                        <a:sym typeface="Calibri"/>
+                      </a:endParaRPr>
+                    </a:p>
+                  </a:txBody>
+                  <a:tcPr marT="0" marB="0" marR="68575" marL="68575">
+                    <a:solidFill>
+                      <a:srgbClr val="FFFFFF"/>
+                    </a:solidFill>
+                  </a:tcPr>
+                </a:tc>
+                <a:tc>
+                  <a:txBody>
+                    <a:bodyPr/>
+                    <a:lstStyle/>
+                    <a:p>
+                      <a:pPr indent="0" lvl="0" marL="0" rtl="0" algn="just">
+                        <a:lnSpc>
+                          <a:spcPct val="150000"/>
+                        </a:lnSpc>
+                        <a:spcBef>
+                          <a:spcPts val="0"/>
+                        </a:spcBef>
+                        <a:spcAft>
+                          <a:spcPts val="800"/>
+                        </a:spcAft>
+                        <a:buNone/>
+                      </a:pPr>
+                      <a:r>
+                        <a:t/>
+                      </a:r>
+                      <a:endParaRPr b="1" sz="800">
+                        <a:latin typeface="Calibri"/>
+                        <a:ea typeface="Calibri"/>
+                        <a:cs typeface="Calibri"/>
+                        <a:sym typeface="Calibri"/>
+                      </a:endParaRPr>
+                    </a:p>
+                  </a:txBody>
+                  <a:tcPr marT="0" marB="0" marR="68575" marL="68575">
+                    <a:solidFill>
+                      <a:srgbClr val="FFFFFF"/>
+                    </a:solidFill>
+                  </a:tcPr>
+                </a:tc>
+                <a:tc>
+                  <a:txBody>
+                    <a:bodyPr/>
+                    <a:lstStyle/>
+                    <a:p>
+                      <a:pPr indent="0" lvl="0" marL="0" rtl="0" algn="just">
+                        <a:lnSpc>
+                          <a:spcPct val="150000"/>
+                        </a:lnSpc>
+                        <a:spcBef>
+                          <a:spcPts val="0"/>
+                        </a:spcBef>
+                        <a:spcAft>
+                          <a:spcPts val="800"/>
+                        </a:spcAft>
+                        <a:buNone/>
+                      </a:pPr>
+                      <a:r>
+                        <a:t/>
+                      </a:r>
+                      <a:endParaRPr b="1" sz="800">
+                        <a:latin typeface="Calibri"/>
+                        <a:ea typeface="Calibri"/>
+                        <a:cs typeface="Calibri"/>
+                        <a:sym typeface="Calibri"/>
+                      </a:endParaRPr>
+                    </a:p>
+                  </a:txBody>
+                  <a:tcPr marT="0" marB="0" marR="68575" marL="68575">
+                    <a:solidFill>
+                      <a:srgbClr val="FFFFFF"/>
+                    </a:solidFill>
+                  </a:tcPr>
+                </a:tc>
+                <a:tc>
+                  <a:txBody>
+                    <a:bodyPr/>
+                    <a:lstStyle/>
+                    <a:p>
+                      <a:pPr indent="0" lvl="0" marL="0" rtl="0" algn="just">
+                        <a:lnSpc>
+                          <a:spcPct val="150000"/>
+                        </a:lnSpc>
+                        <a:spcBef>
+                          <a:spcPts val="0"/>
+                        </a:spcBef>
+                        <a:spcAft>
+                          <a:spcPts val="800"/>
+                        </a:spcAft>
+                        <a:buNone/>
+                      </a:pPr>
+                      <a:r>
+                        <a:t/>
+                      </a:r>
+                      <a:endParaRPr b="1" sz="800">
+                        <a:latin typeface="Calibri"/>
+                        <a:ea typeface="Calibri"/>
+                        <a:cs typeface="Calibri"/>
+                        <a:sym typeface="Calibri"/>
+                      </a:endParaRPr>
+                    </a:p>
+                  </a:txBody>
+                  <a:tcPr marT="0" marB="0" marR="68575" marL="68575">
+                    <a:solidFill>
+                      <a:srgbClr val="FFFFFF"/>
+                    </a:solidFill>
+                  </a:tcPr>
+                </a:tc>
+                <a:tc>
+                  <a:txBody>
+                    <a:bodyPr/>
+                    <a:lstStyle/>
+                    <a:p>
+                      <a:pPr indent="0" lvl="0" marL="0" rtl="0" algn="just">
+                        <a:lnSpc>
+                          <a:spcPct val="150000"/>
+                        </a:lnSpc>
+                        <a:spcBef>
+                          <a:spcPts val="0"/>
+                        </a:spcBef>
+                        <a:spcAft>
+                          <a:spcPts val="800"/>
+                        </a:spcAft>
+                        <a:buNone/>
+                      </a:pPr>
+                      <a:r>
+                        <a:t/>
+                      </a:r>
+                      <a:endParaRPr b="1" sz="800">
+                        <a:latin typeface="Calibri"/>
+                        <a:ea typeface="Calibri"/>
+                        <a:cs typeface="Calibri"/>
+                        <a:sym typeface="Calibri"/>
+                      </a:endParaRPr>
+                    </a:p>
+                  </a:txBody>
+                  <a:tcPr marT="0" marB="0" marR="68575" marL="68575">
+                    <a:solidFill>
+                      <a:srgbClr val="FFFFFF"/>
+                    </a:solidFill>
+                  </a:tcPr>
+                </a:tc>
+                <a:tc>
+                  <a:txBody>
+                    <a:bodyPr/>
+                    <a:lstStyle/>
+                    <a:p>
+                      <a:pPr indent="0" lvl="0" marL="0" rtl="0" algn="just">
+                        <a:lnSpc>
+                          <a:spcPct val="150000"/>
+                        </a:lnSpc>
+                        <a:spcBef>
+                          <a:spcPts val="0"/>
+                        </a:spcBef>
+                        <a:spcAft>
+                          <a:spcPts val="800"/>
+                        </a:spcAft>
+                        <a:buNone/>
+                      </a:pPr>
+                      <a:r>
+                        <a:t/>
+                      </a:r>
+                      <a:endParaRPr b="1" sz="800">
+                        <a:latin typeface="Calibri"/>
+                        <a:ea typeface="Calibri"/>
+                        <a:cs typeface="Calibri"/>
+                        <a:sym typeface="Calibri"/>
+                      </a:endParaRPr>
+                    </a:p>
+                  </a:txBody>
+                  <a:tcPr marT="0" marB="0" marR="68575" marL="68575">
+                    <a:solidFill>
+                      <a:srgbClr val="FFFFFF"/>
+                    </a:solidFill>
+                  </a:tcPr>
+                </a:tc>
+                <a:tc>
+                  <a:txBody>
+                    <a:bodyPr/>
+                    <a:lstStyle/>
+                    <a:p>
+                      <a:pPr indent="0" lvl="0" marL="0" rtl="0" algn="just">
+                        <a:lnSpc>
+                          <a:spcPct val="150000"/>
+                        </a:lnSpc>
+                        <a:spcBef>
+                          <a:spcPts val="0"/>
+                        </a:spcBef>
+                        <a:spcAft>
+                          <a:spcPts val="800"/>
+                        </a:spcAft>
+                        <a:buNone/>
+                      </a:pPr>
+                      <a:r>
+                        <a:t/>
+                      </a:r>
+                      <a:endParaRPr b="1" sz="800">
+                        <a:latin typeface="Calibri"/>
+                        <a:ea typeface="Calibri"/>
+                        <a:cs typeface="Calibri"/>
+                        <a:sym typeface="Calibri"/>
+                      </a:endParaRPr>
+                    </a:p>
+                  </a:txBody>
+                  <a:tcPr marT="0" marB="0" marR="68575" marL="68575">
+                    <a:solidFill>
+                      <a:srgbClr val="FFFFFF"/>
+                    </a:solidFill>
+                  </a:tcPr>
+                </a:tc>
+                <a:tc>
+                  <a:txBody>
+                    <a:bodyPr/>
+                    <a:lstStyle/>
+                    <a:p>
+                      <a:pPr indent="0" lvl="0" marL="0" rtl="0" algn="just">
+                        <a:lnSpc>
+                          <a:spcPct val="150000"/>
+                        </a:lnSpc>
+                        <a:spcBef>
+                          <a:spcPts val="0"/>
+                        </a:spcBef>
+                        <a:spcAft>
+                          <a:spcPts val="800"/>
+                        </a:spcAft>
+                        <a:buNone/>
+                      </a:pPr>
+                      <a:r>
+                        <a:t/>
+                      </a:r>
+                      <a:endParaRPr b="1" sz="800">
+                        <a:latin typeface="Calibri"/>
+                        <a:ea typeface="Calibri"/>
+                        <a:cs typeface="Calibri"/>
+                        <a:sym typeface="Calibri"/>
+                      </a:endParaRPr>
+                    </a:p>
+                  </a:txBody>
+                  <a:tcPr marT="0" marB="0" marR="68575" marL="68575">
+                    <a:solidFill>
+                      <a:srgbClr val="FFFFFF"/>
+                    </a:solidFill>
+                  </a:tcPr>
+                </a:tc>
+                <a:tc>
+                  <a:txBody>
+                    <a:bodyPr/>
+                    <a:lstStyle/>
+                    <a:p>
+                      <a:pPr indent="0" lvl="0" marL="0" rtl="0" algn="just">
+                        <a:lnSpc>
+                          <a:spcPct val="150000"/>
+                        </a:lnSpc>
+                        <a:spcBef>
+                          <a:spcPts val="0"/>
+                        </a:spcBef>
+                        <a:spcAft>
+                          <a:spcPts val="800"/>
+                        </a:spcAft>
+                        <a:buNone/>
+                      </a:pPr>
+                      <a:r>
+                        <a:t/>
+                      </a:r>
+                      <a:endParaRPr b="1" sz="800">
+                        <a:latin typeface="Calibri"/>
+                        <a:ea typeface="Calibri"/>
+                        <a:cs typeface="Calibri"/>
+                        <a:sym typeface="Calibri"/>
+                      </a:endParaRPr>
+                    </a:p>
+                  </a:txBody>
+                  <a:tcPr marT="0" marB="0" marR="68575" marL="68575">
+                    <a:solidFill>
+                      <a:srgbClr val="FFFFFF"/>
+                    </a:solidFill>
+                  </a:tcPr>
+                </a:tc>
+                <a:tc>
+                  <a:txBody>
+                    <a:bodyPr/>
+                    <a:lstStyle/>
+                    <a:p>
+                      <a:pPr indent="0" lvl="0" marL="0" rtl="0" algn="just">
+                        <a:lnSpc>
+                          <a:spcPct val="150000"/>
+                        </a:lnSpc>
+                        <a:spcBef>
+                          <a:spcPts val="0"/>
+                        </a:spcBef>
+                        <a:spcAft>
+                          <a:spcPts val="800"/>
+                        </a:spcAft>
+                        <a:buNone/>
+                      </a:pPr>
+                      <a:r>
+                        <a:t/>
+                      </a:r>
+                      <a:endParaRPr b="1" sz="800">
+                        <a:latin typeface="Calibri"/>
+                        <a:ea typeface="Calibri"/>
+                        <a:cs typeface="Calibri"/>
+                        <a:sym typeface="Calibri"/>
+                      </a:endParaRPr>
+                    </a:p>
+                  </a:txBody>
+                  <a:tcPr marT="0" marB="0" marR="68575" marL="68575">
+                    <a:solidFill>
+                      <a:srgbClr val="FFFFFF"/>
+                    </a:solidFill>
+                  </a:tcPr>
+                </a:tc>
+                <a:tc gridSpan="2">
+                  <a:txBody>
+                    <a:bodyPr/>
+                    <a:lstStyle/>
+                    <a:p>
+                      <a:pPr indent="0" lvl="0" marL="0" rtl="0" algn="just">
+                        <a:lnSpc>
+                          <a:spcPct val="150000"/>
+                        </a:lnSpc>
+                        <a:spcBef>
+                          <a:spcPts val="0"/>
+                        </a:spcBef>
+                        <a:spcAft>
+                          <a:spcPts val="800"/>
+                        </a:spcAft>
+                        <a:buNone/>
+                      </a:pPr>
+                      <a:r>
+                        <a:t/>
+                      </a:r>
+                      <a:endParaRPr b="1" sz="800">
+                        <a:latin typeface="Calibri"/>
+                        <a:ea typeface="Calibri"/>
+                        <a:cs typeface="Calibri"/>
+                        <a:sym typeface="Calibri"/>
+                      </a:endParaRPr>
+                    </a:p>
+                  </a:txBody>
+                  <a:tcPr marT="0" marB="0" marR="68575" marL="68575">
+                    <a:solidFill>
+                      <a:srgbClr val="FFFFFF"/>
+                    </a:solidFill>
+                  </a:tcPr>
+                </a:tc>
+                <a:tc hMerge="1"/>
+                <a:tc>
+                  <a:txBody>
+                    <a:bodyPr/>
+                    <a:lstStyle/>
+                    <a:p>
+                      <a:pPr indent="0" lvl="0" marL="0" rtl="0" algn="just">
+                        <a:lnSpc>
+                          <a:spcPct val="150000"/>
+                        </a:lnSpc>
+                        <a:spcBef>
+                          <a:spcPts val="0"/>
+                        </a:spcBef>
+                        <a:spcAft>
+                          <a:spcPts val="800"/>
+                        </a:spcAft>
+                        <a:buNone/>
+                      </a:pPr>
+                      <a:r>
+                        <a:t/>
+                      </a:r>
+                      <a:endParaRPr b="1" sz="800">
+                        <a:latin typeface="Calibri"/>
+                        <a:ea typeface="Calibri"/>
+                        <a:cs typeface="Calibri"/>
+                        <a:sym typeface="Calibri"/>
+                      </a:endParaRPr>
+                    </a:p>
+                  </a:txBody>
+                  <a:tcPr marT="0" marB="0" marR="68575" marL="68575">
+                    <a:solidFill>
+                      <a:srgbClr val="FFFFFF"/>
+                    </a:solidFill>
+                  </a:tcPr>
+                </a:tc>
+                <a:tc>
+                  <a:txBody>
+                    <a:bodyPr/>
+                    <a:lstStyle/>
+                    <a:p>
+                      <a:pPr indent="0" lvl="0" marL="0" rtl="0" algn="just">
+                        <a:lnSpc>
+                          <a:spcPct val="150000"/>
+                        </a:lnSpc>
+                        <a:spcBef>
+                          <a:spcPts val="0"/>
+                        </a:spcBef>
+                        <a:spcAft>
+                          <a:spcPts val="800"/>
+                        </a:spcAft>
+                        <a:buNone/>
+                      </a:pPr>
+                      <a:r>
+                        <a:t/>
+                      </a:r>
+                      <a:endParaRPr b="1" sz="800">
+                        <a:latin typeface="Calibri"/>
+                        <a:ea typeface="Calibri"/>
+                        <a:cs typeface="Calibri"/>
+                        <a:sym typeface="Calibri"/>
+                      </a:endParaRPr>
+                    </a:p>
+                  </a:txBody>
+                  <a:tcPr marT="0" marB="0" marR="68575" marL="68575">
+                    <a:solidFill>
+                      <a:srgbClr val="FFFFFF"/>
+                    </a:solidFill>
+                  </a:tcPr>
+                </a:tc>
+              </a:tr>
+              <a:tr h="440050">
+                <a:tc>
+                  <a:txBody>
+                    <a:bodyPr/>
+                    <a:lstStyle/>
+                    <a:p>
+                      <a:pPr indent="0" lvl="0" marL="0" rtl="0" algn="just">
+                        <a:lnSpc>
+                          <a:spcPct val="107916"/>
+                        </a:lnSpc>
+                        <a:spcBef>
+                          <a:spcPts val="0"/>
+                        </a:spcBef>
+                        <a:spcAft>
+                          <a:spcPts val="800"/>
+                        </a:spcAft>
+                        <a:buNone/>
+                      </a:pPr>
+                      <a:r>
+                        <a:rPr lang="en-US" sz="900">
+                          <a:latin typeface="Calibri"/>
+                          <a:ea typeface="Calibri"/>
+                          <a:cs typeface="Calibri"/>
+                          <a:sym typeface="Calibri"/>
+                        </a:rPr>
+                        <a:t>Integración de datos y procesamiento</a:t>
+                      </a:r>
+                      <a:endParaRPr sz="900">
+                        <a:latin typeface="Calibri"/>
+                        <a:ea typeface="Calibri"/>
+                        <a:cs typeface="Calibri"/>
+                        <a:sym typeface="Calibri"/>
+                      </a:endParaRPr>
+                    </a:p>
+                  </a:txBody>
+                  <a:tcPr marT="0" marB="0" marR="68575" marL="68575"/>
+                </a:tc>
+                <a:tc>
+                  <a:txBody>
+                    <a:bodyPr/>
+                    <a:lstStyle/>
+                    <a:p>
+                      <a:pPr indent="0" lvl="0" marL="0" rtl="0" algn="just">
+                        <a:lnSpc>
+                          <a:spcPct val="150000"/>
+                        </a:lnSpc>
+                        <a:spcBef>
+                          <a:spcPts val="0"/>
+                        </a:spcBef>
+                        <a:spcAft>
+                          <a:spcPts val="800"/>
+                        </a:spcAft>
+                        <a:buNone/>
+                      </a:pPr>
+                      <a:r>
+                        <a:t/>
+                      </a:r>
+                      <a:endParaRPr b="1" sz="800">
+                        <a:latin typeface="Calibri"/>
+                        <a:ea typeface="Calibri"/>
+                        <a:cs typeface="Calibri"/>
+                        <a:sym typeface="Calibri"/>
+                      </a:endParaRPr>
+                    </a:p>
+                  </a:txBody>
+                  <a:tcPr marT="0" marB="0" marR="68575" marL="68575"/>
+                </a:tc>
+                <a:tc>
+                  <a:txBody>
+                    <a:bodyPr/>
+                    <a:lstStyle/>
+                    <a:p>
+                      <a:pPr indent="0" lvl="0" marL="0" rtl="0" algn="just">
+                        <a:lnSpc>
+                          <a:spcPct val="150000"/>
+                        </a:lnSpc>
+                        <a:spcBef>
+                          <a:spcPts val="0"/>
+                        </a:spcBef>
+                        <a:spcAft>
+                          <a:spcPts val="800"/>
+                        </a:spcAft>
+                        <a:buNone/>
+                      </a:pPr>
+                      <a:r>
+                        <a:t/>
+                      </a:r>
+                      <a:endParaRPr b="1" sz="800">
+                        <a:latin typeface="Calibri"/>
+                        <a:ea typeface="Calibri"/>
+                        <a:cs typeface="Calibri"/>
+                        <a:sym typeface="Calibri"/>
+                      </a:endParaRPr>
+                    </a:p>
+                  </a:txBody>
+                  <a:tcPr marT="0" marB="0" marR="68575" marL="68575"/>
+                </a:tc>
+                <a:tc>
+                  <a:txBody>
+                    <a:bodyPr/>
+                    <a:lstStyle/>
+                    <a:p>
+                      <a:pPr indent="0" lvl="0" marL="0" rtl="0" algn="just">
+                        <a:lnSpc>
+                          <a:spcPct val="150000"/>
+                        </a:lnSpc>
+                        <a:spcBef>
+                          <a:spcPts val="0"/>
+                        </a:spcBef>
+                        <a:spcAft>
+                          <a:spcPts val="800"/>
+                        </a:spcAft>
+                        <a:buNone/>
+                      </a:pPr>
+                      <a:r>
+                        <a:t/>
+                      </a:r>
+                      <a:endParaRPr b="1" sz="800">
+                        <a:latin typeface="Calibri"/>
+                        <a:ea typeface="Calibri"/>
+                        <a:cs typeface="Calibri"/>
+                        <a:sym typeface="Calibri"/>
+                      </a:endParaRPr>
+                    </a:p>
+                  </a:txBody>
+                  <a:tcPr marT="0" marB="0" marR="68575" marL="68575"/>
+                </a:tc>
+                <a:tc>
+                  <a:txBody>
+                    <a:bodyPr/>
+                    <a:lstStyle/>
+                    <a:p>
+                      <a:pPr indent="0" lvl="0" marL="0" rtl="0" algn="just">
+                        <a:lnSpc>
+                          <a:spcPct val="150000"/>
+                        </a:lnSpc>
+                        <a:spcBef>
+                          <a:spcPts val="0"/>
+                        </a:spcBef>
+                        <a:spcAft>
+                          <a:spcPts val="800"/>
+                        </a:spcAft>
+                        <a:buNone/>
+                      </a:pPr>
+                      <a:r>
+                        <a:t/>
+                      </a:r>
+                      <a:endParaRPr b="1" sz="800">
+                        <a:latin typeface="Calibri"/>
+                        <a:ea typeface="Calibri"/>
+                        <a:cs typeface="Calibri"/>
+                        <a:sym typeface="Calibri"/>
+                      </a:endParaRPr>
+                    </a:p>
+                  </a:txBody>
+                  <a:tcPr marT="0" marB="0" marR="68575" marL="68575"/>
+                </a:tc>
+                <a:tc>
+                  <a:txBody>
+                    <a:bodyPr/>
+                    <a:lstStyle/>
+                    <a:p>
+                      <a:pPr indent="0" lvl="0" marL="0" rtl="0" algn="just">
+                        <a:lnSpc>
+                          <a:spcPct val="150000"/>
+                        </a:lnSpc>
+                        <a:spcBef>
+                          <a:spcPts val="0"/>
+                        </a:spcBef>
+                        <a:spcAft>
+                          <a:spcPts val="800"/>
+                        </a:spcAft>
+                        <a:buNone/>
+                      </a:pPr>
+                      <a:r>
+                        <a:t/>
+                      </a:r>
+                      <a:endParaRPr b="1" sz="800">
+                        <a:latin typeface="Calibri"/>
+                        <a:ea typeface="Calibri"/>
+                        <a:cs typeface="Calibri"/>
+                        <a:sym typeface="Calibri"/>
+                      </a:endParaRPr>
+                    </a:p>
+                  </a:txBody>
+                  <a:tcPr marT="0" marB="0" marR="68575" marL="68575">
+                    <a:solidFill>
+                      <a:srgbClr val="FFF2CC"/>
+                    </a:solidFill>
+                  </a:tcPr>
+                </a:tc>
+                <a:tc>
+                  <a:txBody>
+                    <a:bodyPr/>
+                    <a:lstStyle/>
+                    <a:p>
+                      <a:pPr indent="0" lvl="0" marL="0" rtl="0" algn="just">
+                        <a:lnSpc>
+                          <a:spcPct val="150000"/>
+                        </a:lnSpc>
+                        <a:spcBef>
+                          <a:spcPts val="0"/>
+                        </a:spcBef>
+                        <a:spcAft>
+                          <a:spcPts val="800"/>
+                        </a:spcAft>
+                        <a:buNone/>
+                      </a:pPr>
+                      <a:r>
+                        <a:t/>
+                      </a:r>
+                      <a:endParaRPr b="1" sz="800">
+                        <a:latin typeface="Calibri"/>
+                        <a:ea typeface="Calibri"/>
+                        <a:cs typeface="Calibri"/>
+                        <a:sym typeface="Calibri"/>
+                      </a:endParaRPr>
+                    </a:p>
+                  </a:txBody>
+                  <a:tcPr marT="0" marB="0" marR="68575" marL="68575">
+                    <a:solidFill>
+                      <a:srgbClr val="FFF2CC"/>
+                    </a:solidFill>
+                  </a:tcPr>
+                </a:tc>
+                <a:tc>
+                  <a:txBody>
+                    <a:bodyPr/>
+                    <a:lstStyle/>
+                    <a:p>
+                      <a:pPr indent="0" lvl="0" marL="0" rtl="0" algn="just">
+                        <a:lnSpc>
+                          <a:spcPct val="150000"/>
+                        </a:lnSpc>
+                        <a:spcBef>
+                          <a:spcPts val="0"/>
+                        </a:spcBef>
+                        <a:spcAft>
+                          <a:spcPts val="800"/>
+                        </a:spcAft>
+                        <a:buNone/>
+                      </a:pPr>
+                      <a:r>
+                        <a:t/>
+                      </a:r>
+                      <a:endParaRPr b="1" sz="800">
+                        <a:latin typeface="Calibri"/>
+                        <a:ea typeface="Calibri"/>
+                        <a:cs typeface="Calibri"/>
+                        <a:sym typeface="Calibri"/>
+                      </a:endParaRPr>
+                    </a:p>
+                  </a:txBody>
+                  <a:tcPr marT="0" marB="0" marR="68575" marL="68575">
+                    <a:solidFill>
+                      <a:srgbClr val="FFFFFF"/>
+                    </a:solidFill>
+                  </a:tcPr>
+                </a:tc>
+                <a:tc>
+                  <a:txBody>
+                    <a:bodyPr/>
+                    <a:lstStyle/>
+                    <a:p>
+                      <a:pPr indent="0" lvl="0" marL="0" rtl="0" algn="just">
+                        <a:lnSpc>
+                          <a:spcPct val="150000"/>
+                        </a:lnSpc>
+                        <a:spcBef>
+                          <a:spcPts val="0"/>
+                        </a:spcBef>
+                        <a:spcAft>
+                          <a:spcPts val="800"/>
+                        </a:spcAft>
+                        <a:buNone/>
+                      </a:pPr>
+                      <a:r>
+                        <a:t/>
+                      </a:r>
+                      <a:endParaRPr b="1" sz="800">
+                        <a:latin typeface="Calibri"/>
+                        <a:ea typeface="Calibri"/>
+                        <a:cs typeface="Calibri"/>
+                        <a:sym typeface="Calibri"/>
+                      </a:endParaRPr>
+                    </a:p>
+                  </a:txBody>
+                  <a:tcPr marT="0" marB="0" marR="68575" marL="68575">
+                    <a:solidFill>
+                      <a:srgbClr val="FFFFFF"/>
+                    </a:solidFill>
+                  </a:tcPr>
+                </a:tc>
+                <a:tc>
+                  <a:txBody>
+                    <a:bodyPr/>
+                    <a:lstStyle/>
+                    <a:p>
+                      <a:pPr indent="0" lvl="0" marL="0" rtl="0" algn="just">
+                        <a:lnSpc>
+                          <a:spcPct val="150000"/>
+                        </a:lnSpc>
+                        <a:spcBef>
+                          <a:spcPts val="0"/>
+                        </a:spcBef>
+                        <a:spcAft>
+                          <a:spcPts val="800"/>
+                        </a:spcAft>
+                        <a:buNone/>
+                      </a:pPr>
+                      <a:r>
+                        <a:t/>
+                      </a:r>
+                      <a:endParaRPr b="1" sz="800">
+                        <a:latin typeface="Calibri"/>
+                        <a:ea typeface="Calibri"/>
+                        <a:cs typeface="Calibri"/>
+                        <a:sym typeface="Calibri"/>
+                      </a:endParaRPr>
+                    </a:p>
+                  </a:txBody>
+                  <a:tcPr marT="0" marB="0" marR="68575" marL="68575">
+                    <a:solidFill>
+                      <a:srgbClr val="FFFFFF"/>
+                    </a:solidFill>
+                  </a:tcPr>
+                </a:tc>
+                <a:tc>
+                  <a:txBody>
+                    <a:bodyPr/>
+                    <a:lstStyle/>
+                    <a:p>
+                      <a:pPr indent="0" lvl="0" marL="0" rtl="0" algn="just">
+                        <a:lnSpc>
+                          <a:spcPct val="150000"/>
+                        </a:lnSpc>
+                        <a:spcBef>
+                          <a:spcPts val="0"/>
+                        </a:spcBef>
+                        <a:spcAft>
+                          <a:spcPts val="800"/>
+                        </a:spcAft>
+                        <a:buNone/>
+                      </a:pPr>
+                      <a:r>
+                        <a:t/>
+                      </a:r>
+                      <a:endParaRPr b="1" sz="800">
+                        <a:latin typeface="Calibri"/>
+                        <a:ea typeface="Calibri"/>
+                        <a:cs typeface="Calibri"/>
+                        <a:sym typeface="Calibri"/>
+                      </a:endParaRPr>
+                    </a:p>
+                  </a:txBody>
+                  <a:tcPr marT="0" marB="0" marR="68575" marL="68575">
+                    <a:solidFill>
+                      <a:srgbClr val="FFFFFF"/>
+                    </a:solidFill>
+                  </a:tcPr>
+                </a:tc>
+                <a:tc>
+                  <a:txBody>
+                    <a:bodyPr/>
+                    <a:lstStyle/>
+                    <a:p>
+                      <a:pPr indent="0" lvl="0" marL="0" rtl="0" algn="just">
+                        <a:lnSpc>
+                          <a:spcPct val="150000"/>
+                        </a:lnSpc>
+                        <a:spcBef>
+                          <a:spcPts val="0"/>
+                        </a:spcBef>
+                        <a:spcAft>
+                          <a:spcPts val="800"/>
+                        </a:spcAft>
+                        <a:buNone/>
+                      </a:pPr>
+                      <a:r>
+                        <a:t/>
+                      </a:r>
+                      <a:endParaRPr b="1" sz="800">
+                        <a:latin typeface="Calibri"/>
+                        <a:ea typeface="Calibri"/>
+                        <a:cs typeface="Calibri"/>
+                        <a:sym typeface="Calibri"/>
+                      </a:endParaRPr>
+                    </a:p>
+                  </a:txBody>
+                  <a:tcPr marT="0" marB="0" marR="68575" marL="68575">
+                    <a:solidFill>
+                      <a:srgbClr val="FFFFFF"/>
+                    </a:solidFill>
+                  </a:tcPr>
+                </a:tc>
+                <a:tc>
+                  <a:txBody>
+                    <a:bodyPr/>
+                    <a:lstStyle/>
+                    <a:p>
+                      <a:pPr indent="0" lvl="0" marL="0" rtl="0" algn="just">
+                        <a:lnSpc>
+                          <a:spcPct val="150000"/>
+                        </a:lnSpc>
+                        <a:spcBef>
+                          <a:spcPts val="0"/>
+                        </a:spcBef>
+                        <a:spcAft>
+                          <a:spcPts val="800"/>
+                        </a:spcAft>
+                        <a:buNone/>
+                      </a:pPr>
+                      <a:r>
+                        <a:t/>
+                      </a:r>
+                      <a:endParaRPr b="1" sz="800">
+                        <a:latin typeface="Calibri"/>
+                        <a:ea typeface="Calibri"/>
+                        <a:cs typeface="Calibri"/>
+                        <a:sym typeface="Calibri"/>
+                      </a:endParaRPr>
+                    </a:p>
+                  </a:txBody>
+                  <a:tcPr marT="0" marB="0" marR="68575" marL="68575">
+                    <a:solidFill>
+                      <a:srgbClr val="FFFFFF"/>
+                    </a:solidFill>
+                  </a:tcPr>
+                </a:tc>
+                <a:tc>
+                  <a:txBody>
+                    <a:bodyPr/>
+                    <a:lstStyle/>
+                    <a:p>
+                      <a:pPr indent="0" lvl="0" marL="0" rtl="0" algn="just">
+                        <a:lnSpc>
+                          <a:spcPct val="150000"/>
+                        </a:lnSpc>
+                        <a:spcBef>
+                          <a:spcPts val="0"/>
+                        </a:spcBef>
+                        <a:spcAft>
+                          <a:spcPts val="800"/>
+                        </a:spcAft>
+                        <a:buNone/>
+                      </a:pPr>
+                      <a:r>
+                        <a:t/>
+                      </a:r>
+                      <a:endParaRPr b="1" sz="800">
+                        <a:latin typeface="Calibri"/>
+                        <a:ea typeface="Calibri"/>
+                        <a:cs typeface="Calibri"/>
+                        <a:sym typeface="Calibri"/>
+                      </a:endParaRPr>
+                    </a:p>
+                  </a:txBody>
+                  <a:tcPr marT="0" marB="0" marR="68575" marL="68575">
+                    <a:solidFill>
+                      <a:srgbClr val="FFFFFF"/>
+                    </a:solidFill>
+                  </a:tcPr>
+                </a:tc>
+                <a:tc>
+                  <a:txBody>
+                    <a:bodyPr/>
+                    <a:lstStyle/>
+                    <a:p>
+                      <a:pPr indent="0" lvl="0" marL="0" rtl="0" algn="just">
+                        <a:lnSpc>
+                          <a:spcPct val="150000"/>
+                        </a:lnSpc>
+                        <a:spcBef>
+                          <a:spcPts val="0"/>
+                        </a:spcBef>
+                        <a:spcAft>
+                          <a:spcPts val="800"/>
+                        </a:spcAft>
+                        <a:buNone/>
+                      </a:pPr>
+                      <a:r>
+                        <a:t/>
+                      </a:r>
+                      <a:endParaRPr b="1" sz="800">
+                        <a:latin typeface="Calibri"/>
+                        <a:ea typeface="Calibri"/>
+                        <a:cs typeface="Calibri"/>
+                        <a:sym typeface="Calibri"/>
+                      </a:endParaRPr>
+                    </a:p>
+                  </a:txBody>
+                  <a:tcPr marT="0" marB="0" marR="68575" marL="68575">
+                    <a:solidFill>
+                      <a:srgbClr val="FFFFFF"/>
+                    </a:solidFill>
+                  </a:tcPr>
+                </a:tc>
+                <a:tc>
+                  <a:txBody>
+                    <a:bodyPr/>
+                    <a:lstStyle/>
+                    <a:p>
+                      <a:pPr indent="0" lvl="0" marL="0" rtl="0" algn="just">
+                        <a:lnSpc>
+                          <a:spcPct val="150000"/>
+                        </a:lnSpc>
+                        <a:spcBef>
+                          <a:spcPts val="0"/>
+                        </a:spcBef>
+                        <a:spcAft>
+                          <a:spcPts val="800"/>
+                        </a:spcAft>
+                        <a:buNone/>
+                      </a:pPr>
+                      <a:r>
+                        <a:t/>
+                      </a:r>
+                      <a:endParaRPr b="1" sz="800">
+                        <a:latin typeface="Calibri"/>
+                        <a:ea typeface="Calibri"/>
+                        <a:cs typeface="Calibri"/>
+                        <a:sym typeface="Calibri"/>
+                      </a:endParaRPr>
+                    </a:p>
+                  </a:txBody>
+                  <a:tcPr marT="0" marB="0" marR="68575" marL="68575">
+                    <a:solidFill>
+                      <a:srgbClr val="FFFFFF"/>
+                    </a:solidFill>
+                  </a:tcPr>
+                </a:tc>
+                <a:tc gridSpan="2">
+                  <a:txBody>
+                    <a:bodyPr/>
+                    <a:lstStyle/>
+                    <a:p>
+                      <a:pPr indent="0" lvl="0" marL="0" rtl="0" algn="just">
+                        <a:lnSpc>
+                          <a:spcPct val="150000"/>
+                        </a:lnSpc>
+                        <a:spcBef>
+                          <a:spcPts val="0"/>
+                        </a:spcBef>
+                        <a:spcAft>
+                          <a:spcPts val="800"/>
+                        </a:spcAft>
+                        <a:buNone/>
+                      </a:pPr>
+                      <a:r>
+                        <a:t/>
+                      </a:r>
+                      <a:endParaRPr b="1" sz="800">
+                        <a:latin typeface="Calibri"/>
+                        <a:ea typeface="Calibri"/>
+                        <a:cs typeface="Calibri"/>
+                        <a:sym typeface="Calibri"/>
+                      </a:endParaRPr>
+                    </a:p>
+                  </a:txBody>
+                  <a:tcPr marT="0" marB="0" marR="68575" marL="68575">
+                    <a:solidFill>
+                      <a:srgbClr val="FFFFFF"/>
+                    </a:solidFill>
+                  </a:tcPr>
+                </a:tc>
+                <a:tc hMerge="1"/>
+                <a:tc>
+                  <a:txBody>
+                    <a:bodyPr/>
+                    <a:lstStyle/>
+                    <a:p>
+                      <a:pPr indent="0" lvl="0" marL="0" rtl="0" algn="just">
+                        <a:lnSpc>
+                          <a:spcPct val="150000"/>
+                        </a:lnSpc>
+                        <a:spcBef>
+                          <a:spcPts val="0"/>
+                        </a:spcBef>
+                        <a:spcAft>
+                          <a:spcPts val="800"/>
+                        </a:spcAft>
+                        <a:buNone/>
+                      </a:pPr>
+                      <a:r>
+                        <a:t/>
+                      </a:r>
+                      <a:endParaRPr b="1" sz="800">
+                        <a:latin typeface="Calibri"/>
+                        <a:ea typeface="Calibri"/>
+                        <a:cs typeface="Calibri"/>
+                        <a:sym typeface="Calibri"/>
+                      </a:endParaRPr>
+                    </a:p>
+                  </a:txBody>
+                  <a:tcPr marT="0" marB="0" marR="68575" marL="68575">
+                    <a:solidFill>
+                      <a:srgbClr val="FFFFFF"/>
+                    </a:solidFill>
+                  </a:tcPr>
+                </a:tc>
+                <a:tc>
+                  <a:txBody>
+                    <a:bodyPr/>
+                    <a:lstStyle/>
+                    <a:p>
+                      <a:pPr indent="0" lvl="0" marL="0" rtl="0" algn="just">
+                        <a:lnSpc>
+                          <a:spcPct val="150000"/>
+                        </a:lnSpc>
+                        <a:spcBef>
+                          <a:spcPts val="0"/>
+                        </a:spcBef>
+                        <a:spcAft>
+                          <a:spcPts val="800"/>
+                        </a:spcAft>
+                        <a:buNone/>
+                      </a:pPr>
+                      <a:r>
+                        <a:t/>
+                      </a:r>
+                      <a:endParaRPr b="1" sz="800">
+                        <a:latin typeface="Calibri"/>
+                        <a:ea typeface="Calibri"/>
+                        <a:cs typeface="Calibri"/>
+                        <a:sym typeface="Calibri"/>
+                      </a:endParaRPr>
+                    </a:p>
+                  </a:txBody>
+                  <a:tcPr marT="0" marB="0" marR="68575" marL="68575">
+                    <a:solidFill>
+                      <a:srgbClr val="FFFFFF"/>
+                    </a:solidFill>
+                  </a:tcPr>
+                </a:tc>
+              </a:tr>
+              <a:tr h="440050">
+                <a:tc>
+                  <a:txBody>
+                    <a:bodyPr/>
+                    <a:lstStyle/>
+                    <a:p>
+                      <a:pPr indent="0" lvl="0" marL="0" rtl="0" algn="just">
+                        <a:lnSpc>
+                          <a:spcPct val="107916"/>
+                        </a:lnSpc>
+                        <a:spcBef>
+                          <a:spcPts val="0"/>
+                        </a:spcBef>
+                        <a:spcAft>
+                          <a:spcPts val="800"/>
+                        </a:spcAft>
+                        <a:buNone/>
+                      </a:pPr>
+                      <a:r>
+                        <a:rPr lang="en-US" sz="900">
+                          <a:latin typeface="Calibri"/>
+                          <a:ea typeface="Calibri"/>
+                          <a:cs typeface="Calibri"/>
+                          <a:sym typeface="Calibri"/>
+                        </a:rPr>
+                        <a:t>Desarrollo de front-end y back-end</a:t>
+                      </a:r>
+                      <a:endParaRPr sz="900">
+                        <a:latin typeface="Calibri"/>
+                        <a:ea typeface="Calibri"/>
+                        <a:cs typeface="Calibri"/>
+                        <a:sym typeface="Calibri"/>
+                      </a:endParaRPr>
+                    </a:p>
+                  </a:txBody>
+                  <a:tcPr marT="0" marB="0" marR="68575" marL="68575"/>
+                </a:tc>
+                <a:tc>
+                  <a:txBody>
+                    <a:bodyPr/>
+                    <a:lstStyle/>
+                    <a:p>
+                      <a:pPr indent="0" lvl="0" marL="0" rtl="0" algn="just">
+                        <a:lnSpc>
+                          <a:spcPct val="150000"/>
+                        </a:lnSpc>
+                        <a:spcBef>
+                          <a:spcPts val="0"/>
+                        </a:spcBef>
+                        <a:spcAft>
+                          <a:spcPts val="800"/>
+                        </a:spcAft>
+                        <a:buNone/>
+                      </a:pPr>
+                      <a:r>
+                        <a:t/>
+                      </a:r>
+                      <a:endParaRPr b="1" sz="800">
+                        <a:latin typeface="Calibri"/>
+                        <a:ea typeface="Calibri"/>
+                        <a:cs typeface="Calibri"/>
+                        <a:sym typeface="Calibri"/>
+                      </a:endParaRPr>
+                    </a:p>
+                  </a:txBody>
+                  <a:tcPr marT="0" marB="0" marR="68575" marL="68575"/>
+                </a:tc>
+                <a:tc>
+                  <a:txBody>
+                    <a:bodyPr/>
+                    <a:lstStyle/>
+                    <a:p>
+                      <a:pPr indent="0" lvl="0" marL="0" rtl="0" algn="just">
+                        <a:lnSpc>
+                          <a:spcPct val="150000"/>
+                        </a:lnSpc>
+                        <a:spcBef>
+                          <a:spcPts val="0"/>
+                        </a:spcBef>
+                        <a:spcAft>
+                          <a:spcPts val="800"/>
+                        </a:spcAft>
+                        <a:buNone/>
+                      </a:pPr>
+                      <a:r>
+                        <a:t/>
+                      </a:r>
+                      <a:endParaRPr b="1" sz="800">
+                        <a:latin typeface="Calibri"/>
+                        <a:ea typeface="Calibri"/>
+                        <a:cs typeface="Calibri"/>
+                        <a:sym typeface="Calibri"/>
+                      </a:endParaRPr>
+                    </a:p>
+                  </a:txBody>
+                  <a:tcPr marT="0" marB="0" marR="68575" marL="68575"/>
+                </a:tc>
+                <a:tc>
+                  <a:txBody>
+                    <a:bodyPr/>
+                    <a:lstStyle/>
+                    <a:p>
+                      <a:pPr indent="0" lvl="0" marL="0" rtl="0" algn="just">
+                        <a:lnSpc>
+                          <a:spcPct val="150000"/>
+                        </a:lnSpc>
+                        <a:spcBef>
+                          <a:spcPts val="0"/>
+                        </a:spcBef>
+                        <a:spcAft>
+                          <a:spcPts val="800"/>
+                        </a:spcAft>
+                        <a:buNone/>
+                      </a:pPr>
+                      <a:r>
+                        <a:t/>
+                      </a:r>
+                      <a:endParaRPr b="1" sz="800">
+                        <a:latin typeface="Calibri"/>
+                        <a:ea typeface="Calibri"/>
+                        <a:cs typeface="Calibri"/>
+                        <a:sym typeface="Calibri"/>
+                      </a:endParaRPr>
+                    </a:p>
+                  </a:txBody>
+                  <a:tcPr marT="0" marB="0" marR="68575" marL="68575"/>
+                </a:tc>
+                <a:tc>
+                  <a:txBody>
+                    <a:bodyPr/>
+                    <a:lstStyle/>
+                    <a:p>
+                      <a:pPr indent="0" lvl="0" marL="0" rtl="0" algn="just">
+                        <a:lnSpc>
+                          <a:spcPct val="150000"/>
+                        </a:lnSpc>
+                        <a:spcBef>
+                          <a:spcPts val="0"/>
+                        </a:spcBef>
+                        <a:spcAft>
+                          <a:spcPts val="800"/>
+                        </a:spcAft>
+                        <a:buNone/>
+                      </a:pPr>
+                      <a:r>
+                        <a:t/>
+                      </a:r>
+                      <a:endParaRPr b="1" sz="800">
+                        <a:latin typeface="Calibri"/>
+                        <a:ea typeface="Calibri"/>
+                        <a:cs typeface="Calibri"/>
+                        <a:sym typeface="Calibri"/>
+                      </a:endParaRPr>
+                    </a:p>
+                  </a:txBody>
+                  <a:tcPr marT="0" marB="0" marR="68575" marL="68575"/>
+                </a:tc>
+                <a:tc>
+                  <a:txBody>
+                    <a:bodyPr/>
+                    <a:lstStyle/>
+                    <a:p>
+                      <a:pPr indent="0" lvl="0" marL="0" rtl="0" algn="just">
+                        <a:lnSpc>
+                          <a:spcPct val="150000"/>
+                        </a:lnSpc>
+                        <a:spcBef>
+                          <a:spcPts val="0"/>
+                        </a:spcBef>
+                        <a:spcAft>
+                          <a:spcPts val="800"/>
+                        </a:spcAft>
+                        <a:buNone/>
+                      </a:pPr>
+                      <a:r>
+                        <a:t/>
+                      </a:r>
+                      <a:endParaRPr b="1" sz="800">
+                        <a:latin typeface="Calibri"/>
+                        <a:ea typeface="Calibri"/>
+                        <a:cs typeface="Calibri"/>
+                        <a:sym typeface="Calibri"/>
+                      </a:endParaRPr>
+                    </a:p>
+                  </a:txBody>
+                  <a:tcPr marT="0" marB="0" marR="68575" marL="68575">
+                    <a:solidFill>
+                      <a:srgbClr val="FFFFFF"/>
+                    </a:solidFill>
+                  </a:tcPr>
+                </a:tc>
+                <a:tc>
+                  <a:txBody>
+                    <a:bodyPr/>
+                    <a:lstStyle/>
+                    <a:p>
+                      <a:pPr indent="0" lvl="0" marL="0" rtl="0" algn="just">
+                        <a:lnSpc>
+                          <a:spcPct val="150000"/>
+                        </a:lnSpc>
+                        <a:spcBef>
+                          <a:spcPts val="0"/>
+                        </a:spcBef>
+                        <a:spcAft>
+                          <a:spcPts val="800"/>
+                        </a:spcAft>
+                        <a:buNone/>
+                      </a:pPr>
+                      <a:r>
+                        <a:t/>
+                      </a:r>
+                      <a:endParaRPr b="1" sz="800">
+                        <a:latin typeface="Calibri"/>
+                        <a:ea typeface="Calibri"/>
+                        <a:cs typeface="Calibri"/>
+                        <a:sym typeface="Calibri"/>
+                      </a:endParaRPr>
+                    </a:p>
+                  </a:txBody>
+                  <a:tcPr marT="0" marB="0" marR="68575" marL="68575">
+                    <a:solidFill>
+                      <a:srgbClr val="FFF2CC"/>
+                    </a:solidFill>
+                  </a:tcPr>
+                </a:tc>
+                <a:tc>
+                  <a:txBody>
+                    <a:bodyPr/>
+                    <a:lstStyle/>
+                    <a:p>
+                      <a:pPr indent="0" lvl="0" marL="0" rtl="0" algn="just">
+                        <a:lnSpc>
+                          <a:spcPct val="150000"/>
+                        </a:lnSpc>
+                        <a:spcBef>
+                          <a:spcPts val="0"/>
+                        </a:spcBef>
+                        <a:spcAft>
+                          <a:spcPts val="800"/>
+                        </a:spcAft>
+                        <a:buNone/>
+                      </a:pPr>
+                      <a:r>
+                        <a:t/>
+                      </a:r>
+                      <a:endParaRPr b="1" sz="800">
+                        <a:latin typeface="Calibri"/>
+                        <a:ea typeface="Calibri"/>
+                        <a:cs typeface="Calibri"/>
+                        <a:sym typeface="Calibri"/>
+                      </a:endParaRPr>
+                    </a:p>
+                  </a:txBody>
+                  <a:tcPr marT="0" marB="0" marR="68575" marL="68575">
+                    <a:solidFill>
+                      <a:srgbClr val="FFF2CC"/>
+                    </a:solidFill>
+                  </a:tcPr>
+                </a:tc>
+                <a:tc>
+                  <a:txBody>
+                    <a:bodyPr/>
+                    <a:lstStyle/>
+                    <a:p>
+                      <a:pPr indent="0" lvl="0" marL="0" rtl="0" algn="just">
+                        <a:lnSpc>
+                          <a:spcPct val="150000"/>
+                        </a:lnSpc>
+                        <a:spcBef>
+                          <a:spcPts val="0"/>
+                        </a:spcBef>
+                        <a:spcAft>
+                          <a:spcPts val="800"/>
+                        </a:spcAft>
+                        <a:buNone/>
+                      </a:pPr>
+                      <a:r>
+                        <a:t/>
+                      </a:r>
+                      <a:endParaRPr b="1" sz="800">
+                        <a:latin typeface="Calibri"/>
+                        <a:ea typeface="Calibri"/>
+                        <a:cs typeface="Calibri"/>
+                        <a:sym typeface="Calibri"/>
+                      </a:endParaRPr>
+                    </a:p>
+                  </a:txBody>
+                  <a:tcPr marT="0" marB="0" marR="68575" marL="68575">
+                    <a:solidFill>
+                      <a:srgbClr val="FFF2CC"/>
+                    </a:solidFill>
+                  </a:tcPr>
+                </a:tc>
+                <a:tc>
+                  <a:txBody>
+                    <a:bodyPr/>
+                    <a:lstStyle/>
+                    <a:p>
+                      <a:pPr indent="0" lvl="0" marL="0" rtl="0" algn="just">
+                        <a:lnSpc>
+                          <a:spcPct val="150000"/>
+                        </a:lnSpc>
+                        <a:spcBef>
+                          <a:spcPts val="0"/>
+                        </a:spcBef>
+                        <a:spcAft>
+                          <a:spcPts val="800"/>
+                        </a:spcAft>
+                        <a:buNone/>
+                      </a:pPr>
+                      <a:r>
+                        <a:t/>
+                      </a:r>
+                      <a:endParaRPr b="1" sz="800">
+                        <a:latin typeface="Calibri"/>
+                        <a:ea typeface="Calibri"/>
+                        <a:cs typeface="Calibri"/>
+                        <a:sym typeface="Calibri"/>
+                      </a:endParaRPr>
+                    </a:p>
+                  </a:txBody>
+                  <a:tcPr marT="0" marB="0" marR="68575" marL="68575">
+                    <a:solidFill>
+                      <a:srgbClr val="FFF2CC"/>
+                    </a:solidFill>
+                  </a:tcPr>
+                </a:tc>
+                <a:tc>
+                  <a:txBody>
+                    <a:bodyPr/>
+                    <a:lstStyle/>
+                    <a:p>
+                      <a:pPr indent="0" lvl="0" marL="0" rtl="0" algn="just">
+                        <a:lnSpc>
+                          <a:spcPct val="150000"/>
+                        </a:lnSpc>
+                        <a:spcBef>
+                          <a:spcPts val="0"/>
+                        </a:spcBef>
+                        <a:spcAft>
+                          <a:spcPts val="800"/>
+                        </a:spcAft>
+                        <a:buNone/>
+                      </a:pPr>
+                      <a:r>
+                        <a:t/>
+                      </a:r>
+                      <a:endParaRPr b="1" sz="800">
+                        <a:latin typeface="Calibri"/>
+                        <a:ea typeface="Calibri"/>
+                        <a:cs typeface="Calibri"/>
+                        <a:sym typeface="Calibri"/>
+                      </a:endParaRPr>
+                    </a:p>
+                  </a:txBody>
+                  <a:tcPr marT="0" marB="0" marR="68575" marL="68575">
+                    <a:solidFill>
+                      <a:srgbClr val="FFF2CC"/>
+                    </a:solidFill>
+                  </a:tcPr>
+                </a:tc>
+                <a:tc>
+                  <a:txBody>
+                    <a:bodyPr/>
+                    <a:lstStyle/>
+                    <a:p>
+                      <a:pPr indent="0" lvl="0" marL="0" rtl="0" algn="just">
+                        <a:lnSpc>
+                          <a:spcPct val="150000"/>
+                        </a:lnSpc>
+                        <a:spcBef>
+                          <a:spcPts val="0"/>
+                        </a:spcBef>
+                        <a:spcAft>
+                          <a:spcPts val="800"/>
+                        </a:spcAft>
+                        <a:buNone/>
+                      </a:pPr>
+                      <a:r>
+                        <a:t/>
+                      </a:r>
+                      <a:endParaRPr b="1" sz="800">
+                        <a:latin typeface="Calibri"/>
+                        <a:ea typeface="Calibri"/>
+                        <a:cs typeface="Calibri"/>
+                        <a:sym typeface="Calibri"/>
+                      </a:endParaRPr>
+                    </a:p>
+                  </a:txBody>
+                  <a:tcPr marT="0" marB="0" marR="68575" marL="68575">
+                    <a:solidFill>
+                      <a:srgbClr val="FFF2CC"/>
+                    </a:solidFill>
+                  </a:tcPr>
+                </a:tc>
+                <a:tc>
+                  <a:txBody>
+                    <a:bodyPr/>
+                    <a:lstStyle/>
+                    <a:p>
+                      <a:pPr indent="0" lvl="0" marL="0" rtl="0" algn="just">
+                        <a:lnSpc>
+                          <a:spcPct val="150000"/>
+                        </a:lnSpc>
+                        <a:spcBef>
+                          <a:spcPts val="0"/>
+                        </a:spcBef>
+                        <a:spcAft>
+                          <a:spcPts val="800"/>
+                        </a:spcAft>
+                        <a:buNone/>
+                      </a:pPr>
+                      <a:r>
+                        <a:t/>
+                      </a:r>
+                      <a:endParaRPr b="1" sz="800">
+                        <a:latin typeface="Calibri"/>
+                        <a:ea typeface="Calibri"/>
+                        <a:cs typeface="Calibri"/>
+                        <a:sym typeface="Calibri"/>
+                      </a:endParaRPr>
+                    </a:p>
+                  </a:txBody>
+                  <a:tcPr marT="0" marB="0" marR="68575" marL="68575">
+                    <a:solidFill>
+                      <a:srgbClr val="FFF2CC"/>
+                    </a:solidFill>
+                  </a:tcPr>
+                </a:tc>
+                <a:tc>
+                  <a:txBody>
+                    <a:bodyPr/>
+                    <a:lstStyle/>
+                    <a:p>
+                      <a:pPr indent="0" lvl="0" marL="0" rtl="0" algn="just">
+                        <a:lnSpc>
+                          <a:spcPct val="150000"/>
+                        </a:lnSpc>
+                        <a:spcBef>
+                          <a:spcPts val="0"/>
+                        </a:spcBef>
+                        <a:spcAft>
+                          <a:spcPts val="800"/>
+                        </a:spcAft>
+                        <a:buNone/>
+                      </a:pPr>
+                      <a:r>
+                        <a:t/>
+                      </a:r>
+                      <a:endParaRPr b="1" sz="800">
+                        <a:latin typeface="Calibri"/>
+                        <a:ea typeface="Calibri"/>
+                        <a:cs typeface="Calibri"/>
+                        <a:sym typeface="Calibri"/>
+                      </a:endParaRPr>
+                    </a:p>
+                  </a:txBody>
+                  <a:tcPr marT="0" marB="0" marR="68575" marL="68575">
+                    <a:solidFill>
+                      <a:srgbClr val="FFF2CC"/>
+                    </a:solidFill>
+                  </a:tcPr>
+                </a:tc>
+                <a:tc>
+                  <a:txBody>
+                    <a:bodyPr/>
+                    <a:lstStyle/>
+                    <a:p>
+                      <a:pPr indent="0" lvl="0" marL="0" rtl="0" algn="just">
+                        <a:lnSpc>
+                          <a:spcPct val="150000"/>
+                        </a:lnSpc>
+                        <a:spcBef>
+                          <a:spcPts val="0"/>
+                        </a:spcBef>
+                        <a:spcAft>
+                          <a:spcPts val="800"/>
+                        </a:spcAft>
+                        <a:buNone/>
+                      </a:pPr>
+                      <a:r>
+                        <a:t/>
+                      </a:r>
+                      <a:endParaRPr b="1" sz="800">
+                        <a:latin typeface="Calibri"/>
+                        <a:ea typeface="Calibri"/>
+                        <a:cs typeface="Calibri"/>
+                        <a:sym typeface="Calibri"/>
+                      </a:endParaRPr>
+                    </a:p>
+                  </a:txBody>
+                  <a:tcPr marT="0" marB="0" marR="68575" marL="68575">
+                    <a:solidFill>
+                      <a:srgbClr val="FFF2CC"/>
+                    </a:solidFill>
+                  </a:tcPr>
+                </a:tc>
+                <a:tc>
+                  <a:txBody>
+                    <a:bodyPr/>
+                    <a:lstStyle/>
+                    <a:p>
+                      <a:pPr indent="0" lvl="0" marL="0" rtl="0" algn="just">
+                        <a:lnSpc>
+                          <a:spcPct val="150000"/>
+                        </a:lnSpc>
+                        <a:spcBef>
+                          <a:spcPts val="0"/>
+                        </a:spcBef>
+                        <a:spcAft>
+                          <a:spcPts val="800"/>
+                        </a:spcAft>
+                        <a:buNone/>
+                      </a:pPr>
+                      <a:r>
+                        <a:t/>
+                      </a:r>
+                      <a:endParaRPr b="1" sz="800">
+                        <a:latin typeface="Calibri"/>
+                        <a:ea typeface="Calibri"/>
+                        <a:cs typeface="Calibri"/>
+                        <a:sym typeface="Calibri"/>
+                      </a:endParaRPr>
+                    </a:p>
+                  </a:txBody>
+                  <a:tcPr marT="0" marB="0" marR="68575" marL="68575">
+                    <a:solidFill>
+                      <a:srgbClr val="FFF2CC"/>
+                    </a:solidFill>
+                  </a:tcPr>
+                </a:tc>
+                <a:tc gridSpan="2">
+                  <a:txBody>
+                    <a:bodyPr/>
+                    <a:lstStyle/>
+                    <a:p>
+                      <a:pPr indent="0" lvl="0" marL="0" rtl="0" algn="just">
+                        <a:lnSpc>
+                          <a:spcPct val="150000"/>
+                        </a:lnSpc>
+                        <a:spcBef>
+                          <a:spcPts val="0"/>
+                        </a:spcBef>
+                        <a:spcAft>
+                          <a:spcPts val="800"/>
+                        </a:spcAft>
+                        <a:buNone/>
+                      </a:pPr>
+                      <a:r>
+                        <a:t/>
+                      </a:r>
+                      <a:endParaRPr b="1" sz="800">
+                        <a:latin typeface="Calibri"/>
+                        <a:ea typeface="Calibri"/>
+                        <a:cs typeface="Calibri"/>
+                        <a:sym typeface="Calibri"/>
+                      </a:endParaRPr>
+                    </a:p>
+                  </a:txBody>
+                  <a:tcPr marT="0" marB="0" marR="68575" marL="68575">
+                    <a:solidFill>
+                      <a:srgbClr val="FFFFFF"/>
+                    </a:solidFill>
+                  </a:tcPr>
+                </a:tc>
+                <a:tc hMerge="1"/>
+                <a:tc>
+                  <a:txBody>
+                    <a:bodyPr/>
+                    <a:lstStyle/>
+                    <a:p>
+                      <a:pPr indent="0" lvl="0" marL="0" rtl="0" algn="just">
+                        <a:lnSpc>
+                          <a:spcPct val="150000"/>
+                        </a:lnSpc>
+                        <a:spcBef>
+                          <a:spcPts val="0"/>
+                        </a:spcBef>
+                        <a:spcAft>
+                          <a:spcPts val="800"/>
+                        </a:spcAft>
+                        <a:buNone/>
+                      </a:pPr>
+                      <a:r>
+                        <a:t/>
+                      </a:r>
+                      <a:endParaRPr b="1" sz="800">
+                        <a:latin typeface="Calibri"/>
+                        <a:ea typeface="Calibri"/>
+                        <a:cs typeface="Calibri"/>
+                        <a:sym typeface="Calibri"/>
+                      </a:endParaRPr>
+                    </a:p>
+                  </a:txBody>
+                  <a:tcPr marT="0" marB="0" marR="68575" marL="68575">
+                    <a:solidFill>
+                      <a:srgbClr val="FFFFFF"/>
+                    </a:solidFill>
+                  </a:tcPr>
+                </a:tc>
+                <a:tc>
+                  <a:txBody>
+                    <a:bodyPr/>
+                    <a:lstStyle/>
+                    <a:p>
+                      <a:pPr indent="0" lvl="0" marL="0" rtl="0" algn="just">
+                        <a:lnSpc>
+                          <a:spcPct val="150000"/>
+                        </a:lnSpc>
+                        <a:spcBef>
+                          <a:spcPts val="0"/>
+                        </a:spcBef>
+                        <a:spcAft>
+                          <a:spcPts val="800"/>
+                        </a:spcAft>
+                        <a:buNone/>
+                      </a:pPr>
+                      <a:r>
+                        <a:t/>
+                      </a:r>
+                      <a:endParaRPr b="1" sz="800">
+                        <a:latin typeface="Calibri"/>
+                        <a:ea typeface="Calibri"/>
+                        <a:cs typeface="Calibri"/>
+                        <a:sym typeface="Calibri"/>
+                      </a:endParaRPr>
+                    </a:p>
+                  </a:txBody>
+                  <a:tcPr marT="0" marB="0" marR="68575" marL="68575">
+                    <a:solidFill>
+                      <a:srgbClr val="FFFFFF"/>
+                    </a:solidFill>
+                  </a:tcPr>
+                </a:tc>
+              </a:tr>
+              <a:tr h="272425">
+                <a:tc>
+                  <a:txBody>
+                    <a:bodyPr/>
+                    <a:lstStyle/>
+                    <a:p>
+                      <a:pPr indent="0" lvl="0" marL="0" rtl="0" algn="just">
+                        <a:lnSpc>
+                          <a:spcPct val="107916"/>
+                        </a:lnSpc>
+                        <a:spcBef>
+                          <a:spcPts val="0"/>
+                        </a:spcBef>
+                        <a:spcAft>
+                          <a:spcPts val="800"/>
+                        </a:spcAft>
+                        <a:buNone/>
+                      </a:pPr>
+                      <a:r>
+                        <a:rPr lang="en-US" sz="900">
+                          <a:latin typeface="Calibri"/>
+                          <a:ea typeface="Calibri"/>
+                          <a:cs typeface="Calibri"/>
+                          <a:sym typeface="Calibri"/>
+                        </a:rPr>
+                        <a:t>Programación SQL</a:t>
+                      </a:r>
+                      <a:endParaRPr sz="900">
+                        <a:latin typeface="Calibri"/>
+                        <a:ea typeface="Calibri"/>
+                        <a:cs typeface="Calibri"/>
+                        <a:sym typeface="Calibri"/>
+                      </a:endParaRPr>
+                    </a:p>
+                  </a:txBody>
+                  <a:tcPr marT="0" marB="0" marR="68575" marL="68575"/>
+                </a:tc>
+                <a:tc>
+                  <a:txBody>
+                    <a:bodyPr/>
+                    <a:lstStyle/>
+                    <a:p>
+                      <a:pPr indent="0" lvl="0" marL="0" rtl="0" algn="just">
+                        <a:lnSpc>
+                          <a:spcPct val="150000"/>
+                        </a:lnSpc>
+                        <a:spcBef>
+                          <a:spcPts val="0"/>
+                        </a:spcBef>
+                        <a:spcAft>
+                          <a:spcPts val="800"/>
+                        </a:spcAft>
+                        <a:buNone/>
+                      </a:pPr>
+                      <a:r>
+                        <a:t/>
+                      </a:r>
+                      <a:endParaRPr b="1" sz="800">
+                        <a:latin typeface="Calibri"/>
+                        <a:ea typeface="Calibri"/>
+                        <a:cs typeface="Calibri"/>
+                        <a:sym typeface="Calibri"/>
+                      </a:endParaRPr>
+                    </a:p>
+                  </a:txBody>
+                  <a:tcPr marT="0" marB="0" marR="68575" marL="68575"/>
+                </a:tc>
+                <a:tc>
+                  <a:txBody>
+                    <a:bodyPr/>
+                    <a:lstStyle/>
+                    <a:p>
+                      <a:pPr indent="0" lvl="0" marL="0" rtl="0" algn="just">
+                        <a:lnSpc>
+                          <a:spcPct val="150000"/>
+                        </a:lnSpc>
+                        <a:spcBef>
+                          <a:spcPts val="0"/>
+                        </a:spcBef>
+                        <a:spcAft>
+                          <a:spcPts val="800"/>
+                        </a:spcAft>
+                        <a:buNone/>
+                      </a:pPr>
+                      <a:r>
+                        <a:t/>
+                      </a:r>
+                      <a:endParaRPr b="1" sz="800">
+                        <a:latin typeface="Calibri"/>
+                        <a:ea typeface="Calibri"/>
+                        <a:cs typeface="Calibri"/>
+                        <a:sym typeface="Calibri"/>
+                      </a:endParaRPr>
+                    </a:p>
+                  </a:txBody>
+                  <a:tcPr marT="0" marB="0" marR="68575" marL="68575"/>
+                </a:tc>
+                <a:tc>
+                  <a:txBody>
+                    <a:bodyPr/>
+                    <a:lstStyle/>
+                    <a:p>
+                      <a:pPr indent="0" lvl="0" marL="0" rtl="0" algn="just">
+                        <a:lnSpc>
+                          <a:spcPct val="150000"/>
+                        </a:lnSpc>
+                        <a:spcBef>
+                          <a:spcPts val="0"/>
+                        </a:spcBef>
+                        <a:spcAft>
+                          <a:spcPts val="800"/>
+                        </a:spcAft>
+                        <a:buNone/>
+                      </a:pPr>
+                      <a:r>
+                        <a:t/>
+                      </a:r>
+                      <a:endParaRPr b="1" sz="800">
+                        <a:latin typeface="Calibri"/>
+                        <a:ea typeface="Calibri"/>
+                        <a:cs typeface="Calibri"/>
+                        <a:sym typeface="Calibri"/>
+                      </a:endParaRPr>
+                    </a:p>
+                  </a:txBody>
+                  <a:tcPr marT="0" marB="0" marR="68575" marL="68575"/>
+                </a:tc>
+                <a:tc>
+                  <a:txBody>
+                    <a:bodyPr/>
+                    <a:lstStyle/>
+                    <a:p>
+                      <a:pPr indent="0" lvl="0" marL="0" rtl="0" algn="just">
+                        <a:lnSpc>
+                          <a:spcPct val="150000"/>
+                        </a:lnSpc>
+                        <a:spcBef>
+                          <a:spcPts val="0"/>
+                        </a:spcBef>
+                        <a:spcAft>
+                          <a:spcPts val="800"/>
+                        </a:spcAft>
+                        <a:buNone/>
+                      </a:pPr>
+                      <a:r>
+                        <a:t/>
+                      </a:r>
+                      <a:endParaRPr b="1" sz="800">
+                        <a:latin typeface="Calibri"/>
+                        <a:ea typeface="Calibri"/>
+                        <a:cs typeface="Calibri"/>
+                        <a:sym typeface="Calibri"/>
+                      </a:endParaRPr>
+                    </a:p>
+                  </a:txBody>
+                  <a:tcPr marT="0" marB="0" marR="68575" marL="68575"/>
+                </a:tc>
+                <a:tc>
+                  <a:txBody>
+                    <a:bodyPr/>
+                    <a:lstStyle/>
+                    <a:p>
+                      <a:pPr indent="0" lvl="0" marL="0" rtl="0" algn="just">
+                        <a:lnSpc>
+                          <a:spcPct val="150000"/>
+                        </a:lnSpc>
+                        <a:spcBef>
+                          <a:spcPts val="0"/>
+                        </a:spcBef>
+                        <a:spcAft>
+                          <a:spcPts val="800"/>
+                        </a:spcAft>
+                        <a:buNone/>
+                      </a:pPr>
+                      <a:r>
+                        <a:t/>
+                      </a:r>
+                      <a:endParaRPr b="1" sz="800">
+                        <a:latin typeface="Calibri"/>
+                        <a:ea typeface="Calibri"/>
+                        <a:cs typeface="Calibri"/>
+                        <a:sym typeface="Calibri"/>
+                      </a:endParaRPr>
+                    </a:p>
+                  </a:txBody>
+                  <a:tcPr marT="0" marB="0" marR="68575" marL="68575">
+                    <a:solidFill>
+                      <a:srgbClr val="FFFFFF"/>
+                    </a:solidFill>
+                  </a:tcPr>
+                </a:tc>
+                <a:tc>
+                  <a:txBody>
+                    <a:bodyPr/>
+                    <a:lstStyle/>
+                    <a:p>
+                      <a:pPr indent="0" lvl="0" marL="0" rtl="0" algn="just">
+                        <a:lnSpc>
+                          <a:spcPct val="150000"/>
+                        </a:lnSpc>
+                        <a:spcBef>
+                          <a:spcPts val="0"/>
+                        </a:spcBef>
+                        <a:spcAft>
+                          <a:spcPts val="800"/>
+                        </a:spcAft>
+                        <a:buNone/>
+                      </a:pPr>
+                      <a:r>
+                        <a:t/>
+                      </a:r>
+                      <a:endParaRPr b="1" sz="800">
+                        <a:latin typeface="Calibri"/>
+                        <a:ea typeface="Calibri"/>
+                        <a:cs typeface="Calibri"/>
+                        <a:sym typeface="Calibri"/>
+                      </a:endParaRPr>
+                    </a:p>
+                  </a:txBody>
+                  <a:tcPr marT="0" marB="0" marR="68575" marL="68575">
+                    <a:solidFill>
+                      <a:srgbClr val="FFFFFF"/>
+                    </a:solidFill>
+                  </a:tcPr>
+                </a:tc>
+                <a:tc>
+                  <a:txBody>
+                    <a:bodyPr/>
+                    <a:lstStyle/>
+                    <a:p>
+                      <a:pPr indent="0" lvl="0" marL="0" rtl="0" algn="just">
+                        <a:lnSpc>
+                          <a:spcPct val="150000"/>
+                        </a:lnSpc>
+                        <a:spcBef>
+                          <a:spcPts val="0"/>
+                        </a:spcBef>
+                        <a:spcAft>
+                          <a:spcPts val="800"/>
+                        </a:spcAft>
+                        <a:buNone/>
+                      </a:pPr>
+                      <a:r>
+                        <a:t/>
+                      </a:r>
+                      <a:endParaRPr b="1" sz="800">
+                        <a:latin typeface="Calibri"/>
+                        <a:ea typeface="Calibri"/>
+                        <a:cs typeface="Calibri"/>
+                        <a:sym typeface="Calibri"/>
+                      </a:endParaRPr>
+                    </a:p>
+                  </a:txBody>
+                  <a:tcPr marT="0" marB="0" marR="68575" marL="68575">
+                    <a:solidFill>
+                      <a:srgbClr val="FFFFFF"/>
+                    </a:solidFill>
+                  </a:tcPr>
+                </a:tc>
+                <a:tc>
+                  <a:txBody>
+                    <a:bodyPr/>
+                    <a:lstStyle/>
+                    <a:p>
+                      <a:pPr indent="0" lvl="0" marL="0" rtl="0" algn="just">
+                        <a:lnSpc>
+                          <a:spcPct val="150000"/>
+                        </a:lnSpc>
+                        <a:spcBef>
+                          <a:spcPts val="0"/>
+                        </a:spcBef>
+                        <a:spcAft>
+                          <a:spcPts val="800"/>
+                        </a:spcAft>
+                        <a:buNone/>
+                      </a:pPr>
+                      <a:r>
+                        <a:t/>
+                      </a:r>
+                      <a:endParaRPr b="1" sz="800">
+                        <a:latin typeface="Calibri"/>
+                        <a:ea typeface="Calibri"/>
+                        <a:cs typeface="Calibri"/>
+                        <a:sym typeface="Calibri"/>
+                      </a:endParaRPr>
+                    </a:p>
+                  </a:txBody>
+                  <a:tcPr marT="0" marB="0" marR="68575" marL="68575">
+                    <a:solidFill>
+                      <a:srgbClr val="FFFFFF"/>
+                    </a:solidFill>
+                  </a:tcPr>
+                </a:tc>
+                <a:tc>
+                  <a:txBody>
+                    <a:bodyPr/>
+                    <a:lstStyle/>
+                    <a:p>
+                      <a:pPr indent="0" lvl="0" marL="0" rtl="0" algn="just">
+                        <a:lnSpc>
+                          <a:spcPct val="150000"/>
+                        </a:lnSpc>
+                        <a:spcBef>
+                          <a:spcPts val="0"/>
+                        </a:spcBef>
+                        <a:spcAft>
+                          <a:spcPts val="800"/>
+                        </a:spcAft>
+                        <a:buNone/>
+                      </a:pPr>
+                      <a:r>
+                        <a:t/>
+                      </a:r>
+                      <a:endParaRPr b="1" sz="800">
+                        <a:latin typeface="Calibri"/>
+                        <a:ea typeface="Calibri"/>
+                        <a:cs typeface="Calibri"/>
+                        <a:sym typeface="Calibri"/>
+                      </a:endParaRPr>
+                    </a:p>
+                  </a:txBody>
+                  <a:tcPr marT="0" marB="0" marR="68575" marL="68575">
+                    <a:solidFill>
+                      <a:srgbClr val="FFF2CC"/>
+                    </a:solidFill>
+                  </a:tcPr>
+                </a:tc>
+                <a:tc>
+                  <a:txBody>
+                    <a:bodyPr/>
+                    <a:lstStyle/>
+                    <a:p>
+                      <a:pPr indent="0" lvl="0" marL="0" rtl="0" algn="just">
+                        <a:lnSpc>
+                          <a:spcPct val="150000"/>
+                        </a:lnSpc>
+                        <a:spcBef>
+                          <a:spcPts val="0"/>
+                        </a:spcBef>
+                        <a:spcAft>
+                          <a:spcPts val="800"/>
+                        </a:spcAft>
+                        <a:buNone/>
+                      </a:pPr>
+                      <a:r>
+                        <a:t/>
+                      </a:r>
+                      <a:endParaRPr b="1" sz="800">
+                        <a:latin typeface="Calibri"/>
+                        <a:ea typeface="Calibri"/>
+                        <a:cs typeface="Calibri"/>
+                        <a:sym typeface="Calibri"/>
+                      </a:endParaRPr>
+                    </a:p>
+                  </a:txBody>
+                  <a:tcPr marT="0" marB="0" marR="68575" marL="68575">
+                    <a:solidFill>
+                      <a:srgbClr val="FFFFFF"/>
+                    </a:solidFill>
+                  </a:tcPr>
+                </a:tc>
+                <a:tc>
+                  <a:txBody>
+                    <a:bodyPr/>
+                    <a:lstStyle/>
+                    <a:p>
+                      <a:pPr indent="0" lvl="0" marL="0" rtl="0" algn="just">
+                        <a:lnSpc>
+                          <a:spcPct val="150000"/>
+                        </a:lnSpc>
+                        <a:spcBef>
+                          <a:spcPts val="0"/>
+                        </a:spcBef>
+                        <a:spcAft>
+                          <a:spcPts val="800"/>
+                        </a:spcAft>
+                        <a:buNone/>
+                      </a:pPr>
+                      <a:r>
+                        <a:t/>
+                      </a:r>
+                      <a:endParaRPr b="1" sz="800">
+                        <a:latin typeface="Calibri"/>
+                        <a:ea typeface="Calibri"/>
+                        <a:cs typeface="Calibri"/>
+                        <a:sym typeface="Calibri"/>
+                      </a:endParaRPr>
+                    </a:p>
+                  </a:txBody>
+                  <a:tcPr marT="0" marB="0" marR="68575" marL="68575">
+                    <a:solidFill>
+                      <a:srgbClr val="FFFFFF"/>
+                    </a:solidFill>
+                  </a:tcPr>
+                </a:tc>
+                <a:tc>
+                  <a:txBody>
+                    <a:bodyPr/>
+                    <a:lstStyle/>
+                    <a:p>
+                      <a:pPr indent="0" lvl="0" marL="0" rtl="0" algn="just">
+                        <a:lnSpc>
+                          <a:spcPct val="150000"/>
+                        </a:lnSpc>
+                        <a:spcBef>
+                          <a:spcPts val="0"/>
+                        </a:spcBef>
+                        <a:spcAft>
+                          <a:spcPts val="800"/>
+                        </a:spcAft>
+                        <a:buNone/>
+                      </a:pPr>
+                      <a:r>
+                        <a:t/>
+                      </a:r>
+                      <a:endParaRPr b="1" sz="800">
+                        <a:latin typeface="Calibri"/>
+                        <a:ea typeface="Calibri"/>
+                        <a:cs typeface="Calibri"/>
+                        <a:sym typeface="Calibri"/>
+                      </a:endParaRPr>
+                    </a:p>
+                  </a:txBody>
+                  <a:tcPr marT="0" marB="0" marR="68575" marL="68575">
+                    <a:solidFill>
+                      <a:srgbClr val="FFFFFF"/>
+                    </a:solidFill>
+                  </a:tcPr>
+                </a:tc>
+                <a:tc>
+                  <a:txBody>
+                    <a:bodyPr/>
+                    <a:lstStyle/>
+                    <a:p>
+                      <a:pPr indent="0" lvl="0" marL="0" rtl="0" algn="just">
+                        <a:lnSpc>
+                          <a:spcPct val="150000"/>
+                        </a:lnSpc>
+                        <a:spcBef>
+                          <a:spcPts val="0"/>
+                        </a:spcBef>
+                        <a:spcAft>
+                          <a:spcPts val="800"/>
+                        </a:spcAft>
+                        <a:buNone/>
+                      </a:pPr>
+                      <a:r>
+                        <a:t/>
+                      </a:r>
+                      <a:endParaRPr b="1" sz="800">
+                        <a:latin typeface="Calibri"/>
+                        <a:ea typeface="Calibri"/>
+                        <a:cs typeface="Calibri"/>
+                        <a:sym typeface="Calibri"/>
+                      </a:endParaRPr>
+                    </a:p>
+                  </a:txBody>
+                  <a:tcPr marT="0" marB="0" marR="68575" marL="68575">
+                    <a:solidFill>
+                      <a:srgbClr val="FFFFFF"/>
+                    </a:solidFill>
+                  </a:tcPr>
+                </a:tc>
+                <a:tc>
+                  <a:txBody>
+                    <a:bodyPr/>
+                    <a:lstStyle/>
+                    <a:p>
+                      <a:pPr indent="0" lvl="0" marL="0" rtl="0" algn="just">
+                        <a:lnSpc>
+                          <a:spcPct val="150000"/>
+                        </a:lnSpc>
+                        <a:spcBef>
+                          <a:spcPts val="0"/>
+                        </a:spcBef>
+                        <a:spcAft>
+                          <a:spcPts val="800"/>
+                        </a:spcAft>
+                        <a:buNone/>
+                      </a:pPr>
+                      <a:r>
+                        <a:t/>
+                      </a:r>
+                      <a:endParaRPr b="1" sz="800">
+                        <a:latin typeface="Calibri"/>
+                        <a:ea typeface="Calibri"/>
+                        <a:cs typeface="Calibri"/>
+                        <a:sym typeface="Calibri"/>
+                      </a:endParaRPr>
+                    </a:p>
+                  </a:txBody>
+                  <a:tcPr marT="0" marB="0" marR="68575" marL="68575">
+                    <a:solidFill>
+                      <a:srgbClr val="FFFFFF"/>
+                    </a:solidFill>
+                  </a:tcPr>
+                </a:tc>
+                <a:tc>
+                  <a:txBody>
+                    <a:bodyPr/>
+                    <a:lstStyle/>
+                    <a:p>
+                      <a:pPr indent="0" lvl="0" marL="0" rtl="0" algn="just">
+                        <a:lnSpc>
+                          <a:spcPct val="150000"/>
+                        </a:lnSpc>
+                        <a:spcBef>
+                          <a:spcPts val="0"/>
+                        </a:spcBef>
+                        <a:spcAft>
+                          <a:spcPts val="800"/>
+                        </a:spcAft>
+                        <a:buNone/>
+                      </a:pPr>
+                      <a:r>
+                        <a:t/>
+                      </a:r>
+                      <a:endParaRPr b="1" sz="800">
+                        <a:latin typeface="Calibri"/>
+                        <a:ea typeface="Calibri"/>
+                        <a:cs typeface="Calibri"/>
+                        <a:sym typeface="Calibri"/>
+                      </a:endParaRPr>
+                    </a:p>
+                  </a:txBody>
+                  <a:tcPr marT="0" marB="0" marR="68575" marL="68575">
+                    <a:solidFill>
+                      <a:srgbClr val="FFFFFF"/>
+                    </a:solidFill>
+                  </a:tcPr>
+                </a:tc>
+                <a:tc gridSpan="2">
+                  <a:txBody>
+                    <a:bodyPr/>
+                    <a:lstStyle/>
+                    <a:p>
+                      <a:pPr indent="0" lvl="0" marL="0" rtl="0" algn="just">
+                        <a:lnSpc>
+                          <a:spcPct val="150000"/>
+                        </a:lnSpc>
+                        <a:spcBef>
+                          <a:spcPts val="0"/>
+                        </a:spcBef>
+                        <a:spcAft>
+                          <a:spcPts val="800"/>
+                        </a:spcAft>
+                        <a:buNone/>
+                      </a:pPr>
+                      <a:r>
+                        <a:t/>
+                      </a:r>
+                      <a:endParaRPr b="1" sz="800">
+                        <a:latin typeface="Calibri"/>
+                        <a:ea typeface="Calibri"/>
+                        <a:cs typeface="Calibri"/>
+                        <a:sym typeface="Calibri"/>
+                      </a:endParaRPr>
+                    </a:p>
+                  </a:txBody>
+                  <a:tcPr marT="0" marB="0" marR="68575" marL="68575">
+                    <a:solidFill>
+                      <a:srgbClr val="FFFFFF"/>
+                    </a:solidFill>
+                  </a:tcPr>
+                </a:tc>
+                <a:tc hMerge="1"/>
+                <a:tc>
+                  <a:txBody>
+                    <a:bodyPr/>
+                    <a:lstStyle/>
+                    <a:p>
+                      <a:pPr indent="0" lvl="0" marL="0" rtl="0" algn="just">
+                        <a:lnSpc>
+                          <a:spcPct val="150000"/>
+                        </a:lnSpc>
+                        <a:spcBef>
+                          <a:spcPts val="0"/>
+                        </a:spcBef>
+                        <a:spcAft>
+                          <a:spcPts val="800"/>
+                        </a:spcAft>
+                        <a:buNone/>
+                      </a:pPr>
+                      <a:r>
+                        <a:t/>
+                      </a:r>
+                      <a:endParaRPr b="1" sz="800">
+                        <a:latin typeface="Calibri"/>
+                        <a:ea typeface="Calibri"/>
+                        <a:cs typeface="Calibri"/>
+                        <a:sym typeface="Calibri"/>
+                      </a:endParaRPr>
+                    </a:p>
+                  </a:txBody>
+                  <a:tcPr marT="0" marB="0" marR="68575" marL="68575">
+                    <a:solidFill>
+                      <a:srgbClr val="FFFFFF"/>
+                    </a:solidFill>
+                  </a:tcPr>
+                </a:tc>
+                <a:tc>
+                  <a:txBody>
+                    <a:bodyPr/>
+                    <a:lstStyle/>
+                    <a:p>
+                      <a:pPr indent="0" lvl="0" marL="0" rtl="0" algn="just">
+                        <a:lnSpc>
+                          <a:spcPct val="150000"/>
+                        </a:lnSpc>
+                        <a:spcBef>
+                          <a:spcPts val="0"/>
+                        </a:spcBef>
+                        <a:spcAft>
+                          <a:spcPts val="800"/>
+                        </a:spcAft>
+                        <a:buNone/>
+                      </a:pPr>
+                      <a:r>
+                        <a:t/>
+                      </a:r>
+                      <a:endParaRPr b="1" sz="800">
+                        <a:latin typeface="Calibri"/>
+                        <a:ea typeface="Calibri"/>
+                        <a:cs typeface="Calibri"/>
+                        <a:sym typeface="Calibri"/>
+                      </a:endParaRPr>
+                    </a:p>
+                  </a:txBody>
+                  <a:tcPr marT="0" marB="0" marR="68575" marL="68575">
+                    <a:solidFill>
+                      <a:srgbClr val="FFFFFF"/>
+                    </a:solidFill>
+                  </a:tcPr>
+                </a:tc>
+              </a:tr>
+              <a:tr h="440050">
+                <a:tc>
+                  <a:txBody>
+                    <a:bodyPr/>
+                    <a:lstStyle/>
+                    <a:p>
+                      <a:pPr indent="0" lvl="0" marL="0" rtl="0" algn="just">
+                        <a:lnSpc>
+                          <a:spcPct val="107916"/>
+                        </a:lnSpc>
+                        <a:spcBef>
+                          <a:spcPts val="0"/>
+                        </a:spcBef>
+                        <a:spcAft>
+                          <a:spcPts val="800"/>
+                        </a:spcAft>
+                        <a:buNone/>
+                      </a:pPr>
+                      <a:r>
+                        <a:rPr lang="en-US" sz="900">
+                          <a:latin typeface="Calibri"/>
+                          <a:ea typeface="Calibri"/>
+                          <a:cs typeface="Calibri"/>
+                          <a:sym typeface="Calibri"/>
+                        </a:rPr>
+                        <a:t>Integración de agentes inteligentes</a:t>
+                      </a:r>
+                      <a:endParaRPr sz="900">
+                        <a:latin typeface="Calibri"/>
+                        <a:ea typeface="Calibri"/>
+                        <a:cs typeface="Calibri"/>
+                        <a:sym typeface="Calibri"/>
+                      </a:endParaRPr>
+                    </a:p>
+                  </a:txBody>
+                  <a:tcPr marT="0" marB="0" marR="68575" marL="68575"/>
+                </a:tc>
+                <a:tc>
+                  <a:txBody>
+                    <a:bodyPr/>
+                    <a:lstStyle/>
+                    <a:p>
+                      <a:pPr indent="0" lvl="0" marL="0" rtl="0" algn="just">
+                        <a:lnSpc>
+                          <a:spcPct val="150000"/>
+                        </a:lnSpc>
+                        <a:spcBef>
+                          <a:spcPts val="0"/>
+                        </a:spcBef>
+                        <a:spcAft>
+                          <a:spcPts val="800"/>
+                        </a:spcAft>
+                        <a:buNone/>
+                      </a:pPr>
+                      <a:r>
+                        <a:t/>
+                      </a:r>
+                      <a:endParaRPr b="1" sz="800">
+                        <a:latin typeface="Calibri"/>
+                        <a:ea typeface="Calibri"/>
+                        <a:cs typeface="Calibri"/>
+                        <a:sym typeface="Calibri"/>
+                      </a:endParaRPr>
+                    </a:p>
+                  </a:txBody>
+                  <a:tcPr marT="0" marB="0" marR="68575" marL="68575"/>
+                </a:tc>
+                <a:tc>
+                  <a:txBody>
+                    <a:bodyPr/>
+                    <a:lstStyle/>
+                    <a:p>
+                      <a:pPr indent="0" lvl="0" marL="0" rtl="0" algn="just">
+                        <a:lnSpc>
+                          <a:spcPct val="150000"/>
+                        </a:lnSpc>
+                        <a:spcBef>
+                          <a:spcPts val="0"/>
+                        </a:spcBef>
+                        <a:spcAft>
+                          <a:spcPts val="800"/>
+                        </a:spcAft>
+                        <a:buNone/>
+                      </a:pPr>
+                      <a:r>
+                        <a:t/>
+                      </a:r>
+                      <a:endParaRPr b="1" sz="800">
+                        <a:latin typeface="Calibri"/>
+                        <a:ea typeface="Calibri"/>
+                        <a:cs typeface="Calibri"/>
+                        <a:sym typeface="Calibri"/>
+                      </a:endParaRPr>
+                    </a:p>
+                  </a:txBody>
+                  <a:tcPr marT="0" marB="0" marR="68575" marL="68575"/>
+                </a:tc>
+                <a:tc>
+                  <a:txBody>
+                    <a:bodyPr/>
+                    <a:lstStyle/>
+                    <a:p>
+                      <a:pPr indent="0" lvl="0" marL="0" rtl="0" algn="just">
+                        <a:lnSpc>
+                          <a:spcPct val="150000"/>
+                        </a:lnSpc>
+                        <a:spcBef>
+                          <a:spcPts val="0"/>
+                        </a:spcBef>
+                        <a:spcAft>
+                          <a:spcPts val="800"/>
+                        </a:spcAft>
+                        <a:buNone/>
+                      </a:pPr>
+                      <a:r>
+                        <a:t/>
+                      </a:r>
+                      <a:endParaRPr b="1" sz="800">
+                        <a:latin typeface="Calibri"/>
+                        <a:ea typeface="Calibri"/>
+                        <a:cs typeface="Calibri"/>
+                        <a:sym typeface="Calibri"/>
+                      </a:endParaRPr>
+                    </a:p>
+                  </a:txBody>
+                  <a:tcPr marT="0" marB="0" marR="68575" marL="68575"/>
+                </a:tc>
+                <a:tc>
+                  <a:txBody>
+                    <a:bodyPr/>
+                    <a:lstStyle/>
+                    <a:p>
+                      <a:pPr indent="0" lvl="0" marL="0" rtl="0" algn="just">
+                        <a:lnSpc>
+                          <a:spcPct val="150000"/>
+                        </a:lnSpc>
+                        <a:spcBef>
+                          <a:spcPts val="0"/>
+                        </a:spcBef>
+                        <a:spcAft>
+                          <a:spcPts val="800"/>
+                        </a:spcAft>
+                        <a:buNone/>
+                      </a:pPr>
+                      <a:r>
+                        <a:t/>
+                      </a:r>
+                      <a:endParaRPr b="1" sz="800">
+                        <a:latin typeface="Calibri"/>
+                        <a:ea typeface="Calibri"/>
+                        <a:cs typeface="Calibri"/>
+                        <a:sym typeface="Calibri"/>
+                      </a:endParaRPr>
+                    </a:p>
+                  </a:txBody>
+                  <a:tcPr marT="0" marB="0" marR="68575" marL="68575"/>
+                </a:tc>
+                <a:tc>
+                  <a:txBody>
+                    <a:bodyPr/>
+                    <a:lstStyle/>
+                    <a:p>
+                      <a:pPr indent="0" lvl="0" marL="0" rtl="0" algn="just">
+                        <a:lnSpc>
+                          <a:spcPct val="150000"/>
+                        </a:lnSpc>
+                        <a:spcBef>
+                          <a:spcPts val="0"/>
+                        </a:spcBef>
+                        <a:spcAft>
+                          <a:spcPts val="800"/>
+                        </a:spcAft>
+                        <a:buNone/>
+                      </a:pPr>
+                      <a:r>
+                        <a:t/>
+                      </a:r>
+                      <a:endParaRPr b="1" sz="800">
+                        <a:latin typeface="Calibri"/>
+                        <a:ea typeface="Calibri"/>
+                        <a:cs typeface="Calibri"/>
+                        <a:sym typeface="Calibri"/>
+                      </a:endParaRPr>
+                    </a:p>
+                  </a:txBody>
+                  <a:tcPr marT="0" marB="0" marR="68575" marL="68575">
+                    <a:solidFill>
+                      <a:srgbClr val="FFFFFF"/>
+                    </a:solidFill>
+                  </a:tcPr>
+                </a:tc>
+                <a:tc>
+                  <a:txBody>
+                    <a:bodyPr/>
+                    <a:lstStyle/>
+                    <a:p>
+                      <a:pPr indent="0" lvl="0" marL="0" rtl="0" algn="just">
+                        <a:lnSpc>
+                          <a:spcPct val="150000"/>
+                        </a:lnSpc>
+                        <a:spcBef>
+                          <a:spcPts val="0"/>
+                        </a:spcBef>
+                        <a:spcAft>
+                          <a:spcPts val="800"/>
+                        </a:spcAft>
+                        <a:buNone/>
+                      </a:pPr>
+                      <a:r>
+                        <a:t/>
+                      </a:r>
+                      <a:endParaRPr b="1" sz="800">
+                        <a:latin typeface="Calibri"/>
+                        <a:ea typeface="Calibri"/>
+                        <a:cs typeface="Calibri"/>
+                        <a:sym typeface="Calibri"/>
+                      </a:endParaRPr>
+                    </a:p>
+                  </a:txBody>
+                  <a:tcPr marT="0" marB="0" marR="68575" marL="68575">
+                    <a:solidFill>
+                      <a:srgbClr val="FFFFFF"/>
+                    </a:solidFill>
+                  </a:tcPr>
+                </a:tc>
+                <a:tc>
+                  <a:txBody>
+                    <a:bodyPr/>
+                    <a:lstStyle/>
+                    <a:p>
+                      <a:pPr indent="0" lvl="0" marL="0" rtl="0" algn="just">
+                        <a:lnSpc>
+                          <a:spcPct val="150000"/>
+                        </a:lnSpc>
+                        <a:spcBef>
+                          <a:spcPts val="0"/>
+                        </a:spcBef>
+                        <a:spcAft>
+                          <a:spcPts val="800"/>
+                        </a:spcAft>
+                        <a:buNone/>
+                      </a:pPr>
+                      <a:r>
+                        <a:t/>
+                      </a:r>
+                      <a:endParaRPr b="1" sz="800">
+                        <a:latin typeface="Calibri"/>
+                        <a:ea typeface="Calibri"/>
+                        <a:cs typeface="Calibri"/>
+                        <a:sym typeface="Calibri"/>
+                      </a:endParaRPr>
+                    </a:p>
+                  </a:txBody>
+                  <a:tcPr marT="0" marB="0" marR="68575" marL="68575">
+                    <a:solidFill>
+                      <a:srgbClr val="FFFFFF"/>
+                    </a:solidFill>
+                  </a:tcPr>
+                </a:tc>
+                <a:tc>
+                  <a:txBody>
+                    <a:bodyPr/>
+                    <a:lstStyle/>
+                    <a:p>
+                      <a:pPr indent="0" lvl="0" marL="0" rtl="0" algn="just">
+                        <a:lnSpc>
+                          <a:spcPct val="150000"/>
+                        </a:lnSpc>
+                        <a:spcBef>
+                          <a:spcPts val="0"/>
+                        </a:spcBef>
+                        <a:spcAft>
+                          <a:spcPts val="800"/>
+                        </a:spcAft>
+                        <a:buNone/>
+                      </a:pPr>
+                      <a:r>
+                        <a:t/>
+                      </a:r>
+                      <a:endParaRPr b="1" sz="800">
+                        <a:latin typeface="Calibri"/>
+                        <a:ea typeface="Calibri"/>
+                        <a:cs typeface="Calibri"/>
+                        <a:sym typeface="Calibri"/>
+                      </a:endParaRPr>
+                    </a:p>
+                  </a:txBody>
+                  <a:tcPr marT="0" marB="0" marR="68575" marL="68575">
+                    <a:solidFill>
+                      <a:srgbClr val="FFFFFF"/>
+                    </a:solidFill>
+                  </a:tcPr>
+                </a:tc>
+                <a:tc>
+                  <a:txBody>
+                    <a:bodyPr/>
+                    <a:lstStyle/>
+                    <a:p>
+                      <a:pPr indent="0" lvl="0" marL="0" rtl="0" algn="just">
+                        <a:lnSpc>
+                          <a:spcPct val="150000"/>
+                        </a:lnSpc>
+                        <a:spcBef>
+                          <a:spcPts val="0"/>
+                        </a:spcBef>
+                        <a:spcAft>
+                          <a:spcPts val="800"/>
+                        </a:spcAft>
+                        <a:buNone/>
+                      </a:pPr>
+                      <a:r>
+                        <a:t/>
+                      </a:r>
+                      <a:endParaRPr b="1" sz="800">
+                        <a:latin typeface="Calibri"/>
+                        <a:ea typeface="Calibri"/>
+                        <a:cs typeface="Calibri"/>
+                        <a:sym typeface="Calibri"/>
+                      </a:endParaRPr>
+                    </a:p>
+                  </a:txBody>
+                  <a:tcPr marT="0" marB="0" marR="68575" marL="68575">
+                    <a:solidFill>
+                      <a:srgbClr val="FFFFFF"/>
+                    </a:solidFill>
+                  </a:tcPr>
+                </a:tc>
+                <a:tc>
+                  <a:txBody>
+                    <a:bodyPr/>
+                    <a:lstStyle/>
+                    <a:p>
+                      <a:pPr indent="0" lvl="0" marL="0" rtl="0" algn="just">
+                        <a:lnSpc>
+                          <a:spcPct val="150000"/>
+                        </a:lnSpc>
+                        <a:spcBef>
+                          <a:spcPts val="0"/>
+                        </a:spcBef>
+                        <a:spcAft>
+                          <a:spcPts val="800"/>
+                        </a:spcAft>
+                        <a:buNone/>
+                      </a:pPr>
+                      <a:r>
+                        <a:t/>
+                      </a:r>
+                      <a:endParaRPr b="1" sz="800">
+                        <a:latin typeface="Calibri"/>
+                        <a:ea typeface="Calibri"/>
+                        <a:cs typeface="Calibri"/>
+                        <a:sym typeface="Calibri"/>
+                      </a:endParaRPr>
+                    </a:p>
+                  </a:txBody>
+                  <a:tcPr marT="0" marB="0" marR="68575" marL="68575">
+                    <a:solidFill>
+                      <a:srgbClr val="FFFFFF"/>
+                    </a:solidFill>
+                  </a:tcPr>
+                </a:tc>
+                <a:tc>
+                  <a:txBody>
+                    <a:bodyPr/>
+                    <a:lstStyle/>
+                    <a:p>
+                      <a:pPr indent="0" lvl="0" marL="0" rtl="0" algn="just">
+                        <a:lnSpc>
+                          <a:spcPct val="150000"/>
+                        </a:lnSpc>
+                        <a:spcBef>
+                          <a:spcPts val="0"/>
+                        </a:spcBef>
+                        <a:spcAft>
+                          <a:spcPts val="800"/>
+                        </a:spcAft>
+                        <a:buNone/>
+                      </a:pPr>
+                      <a:r>
+                        <a:t/>
+                      </a:r>
+                      <a:endParaRPr b="1" sz="800">
+                        <a:latin typeface="Calibri"/>
+                        <a:ea typeface="Calibri"/>
+                        <a:cs typeface="Calibri"/>
+                        <a:sym typeface="Calibri"/>
+                      </a:endParaRPr>
+                    </a:p>
+                  </a:txBody>
+                  <a:tcPr marT="0" marB="0" marR="68575" marL="68575">
+                    <a:solidFill>
+                      <a:srgbClr val="FFF2CC"/>
+                    </a:solidFill>
+                  </a:tcPr>
+                </a:tc>
+                <a:tc>
+                  <a:txBody>
+                    <a:bodyPr/>
+                    <a:lstStyle/>
+                    <a:p>
+                      <a:pPr indent="0" lvl="0" marL="0" rtl="0" algn="just">
+                        <a:lnSpc>
+                          <a:spcPct val="150000"/>
+                        </a:lnSpc>
+                        <a:spcBef>
+                          <a:spcPts val="0"/>
+                        </a:spcBef>
+                        <a:spcAft>
+                          <a:spcPts val="800"/>
+                        </a:spcAft>
+                        <a:buNone/>
+                      </a:pPr>
+                      <a:r>
+                        <a:t/>
+                      </a:r>
+                      <a:endParaRPr b="1" sz="800">
+                        <a:latin typeface="Calibri"/>
+                        <a:ea typeface="Calibri"/>
+                        <a:cs typeface="Calibri"/>
+                        <a:sym typeface="Calibri"/>
+                      </a:endParaRPr>
+                    </a:p>
+                  </a:txBody>
+                  <a:tcPr marT="0" marB="0" marR="68575" marL="68575">
+                    <a:solidFill>
+                      <a:srgbClr val="FFF2CC"/>
+                    </a:solidFill>
+                  </a:tcPr>
+                </a:tc>
+                <a:tc>
+                  <a:txBody>
+                    <a:bodyPr/>
+                    <a:lstStyle/>
+                    <a:p>
+                      <a:pPr indent="0" lvl="0" marL="0" rtl="0" algn="just">
+                        <a:lnSpc>
+                          <a:spcPct val="150000"/>
+                        </a:lnSpc>
+                        <a:spcBef>
+                          <a:spcPts val="0"/>
+                        </a:spcBef>
+                        <a:spcAft>
+                          <a:spcPts val="800"/>
+                        </a:spcAft>
+                        <a:buNone/>
+                      </a:pPr>
+                      <a:r>
+                        <a:t/>
+                      </a:r>
+                      <a:endParaRPr b="1" sz="800">
+                        <a:latin typeface="Calibri"/>
+                        <a:ea typeface="Calibri"/>
+                        <a:cs typeface="Calibri"/>
+                        <a:sym typeface="Calibri"/>
+                      </a:endParaRPr>
+                    </a:p>
+                  </a:txBody>
+                  <a:tcPr marT="0" marB="0" marR="68575" marL="68575">
+                    <a:solidFill>
+                      <a:srgbClr val="FFF2CC"/>
+                    </a:solidFill>
+                  </a:tcPr>
+                </a:tc>
+                <a:tc>
+                  <a:txBody>
+                    <a:bodyPr/>
+                    <a:lstStyle/>
+                    <a:p>
+                      <a:pPr indent="0" lvl="0" marL="0" rtl="0" algn="just">
+                        <a:lnSpc>
+                          <a:spcPct val="150000"/>
+                        </a:lnSpc>
+                        <a:spcBef>
+                          <a:spcPts val="0"/>
+                        </a:spcBef>
+                        <a:spcAft>
+                          <a:spcPts val="800"/>
+                        </a:spcAft>
+                        <a:buNone/>
+                      </a:pPr>
+                      <a:r>
+                        <a:t/>
+                      </a:r>
+                      <a:endParaRPr b="1" sz="800">
+                        <a:latin typeface="Calibri"/>
+                        <a:ea typeface="Calibri"/>
+                        <a:cs typeface="Calibri"/>
+                        <a:sym typeface="Calibri"/>
+                      </a:endParaRPr>
+                    </a:p>
+                  </a:txBody>
+                  <a:tcPr marT="0" marB="0" marR="68575" marL="68575">
+                    <a:solidFill>
+                      <a:srgbClr val="FFF2CC"/>
+                    </a:solidFill>
+                  </a:tcPr>
+                </a:tc>
+                <a:tc>
+                  <a:txBody>
+                    <a:bodyPr/>
+                    <a:lstStyle/>
+                    <a:p>
+                      <a:pPr indent="0" lvl="0" marL="0" rtl="0" algn="just">
+                        <a:lnSpc>
+                          <a:spcPct val="150000"/>
+                        </a:lnSpc>
+                        <a:spcBef>
+                          <a:spcPts val="0"/>
+                        </a:spcBef>
+                        <a:spcAft>
+                          <a:spcPts val="800"/>
+                        </a:spcAft>
+                        <a:buNone/>
+                      </a:pPr>
+                      <a:r>
+                        <a:t/>
+                      </a:r>
+                      <a:endParaRPr b="1" sz="800">
+                        <a:latin typeface="Calibri"/>
+                        <a:ea typeface="Calibri"/>
+                        <a:cs typeface="Calibri"/>
+                        <a:sym typeface="Calibri"/>
+                      </a:endParaRPr>
+                    </a:p>
+                  </a:txBody>
+                  <a:tcPr marT="0" marB="0" marR="68575" marL="68575">
+                    <a:solidFill>
+                      <a:srgbClr val="FFFFFF"/>
+                    </a:solidFill>
+                  </a:tcPr>
+                </a:tc>
+                <a:tc gridSpan="2">
+                  <a:txBody>
+                    <a:bodyPr/>
+                    <a:lstStyle/>
+                    <a:p>
+                      <a:pPr indent="0" lvl="0" marL="0" rtl="0" algn="just">
+                        <a:lnSpc>
+                          <a:spcPct val="150000"/>
+                        </a:lnSpc>
+                        <a:spcBef>
+                          <a:spcPts val="0"/>
+                        </a:spcBef>
+                        <a:spcAft>
+                          <a:spcPts val="800"/>
+                        </a:spcAft>
+                        <a:buNone/>
+                      </a:pPr>
+                      <a:r>
+                        <a:t/>
+                      </a:r>
+                      <a:endParaRPr b="1" sz="800">
+                        <a:latin typeface="Calibri"/>
+                        <a:ea typeface="Calibri"/>
+                        <a:cs typeface="Calibri"/>
+                        <a:sym typeface="Calibri"/>
+                      </a:endParaRPr>
+                    </a:p>
+                  </a:txBody>
+                  <a:tcPr marT="0" marB="0" marR="68575" marL="68575">
+                    <a:solidFill>
+                      <a:srgbClr val="FFFFFF"/>
+                    </a:solidFill>
+                  </a:tcPr>
+                </a:tc>
+                <a:tc hMerge="1"/>
+                <a:tc>
+                  <a:txBody>
+                    <a:bodyPr/>
+                    <a:lstStyle/>
+                    <a:p>
+                      <a:pPr indent="0" lvl="0" marL="0" rtl="0" algn="just">
+                        <a:lnSpc>
+                          <a:spcPct val="150000"/>
+                        </a:lnSpc>
+                        <a:spcBef>
+                          <a:spcPts val="0"/>
+                        </a:spcBef>
+                        <a:spcAft>
+                          <a:spcPts val="800"/>
+                        </a:spcAft>
+                        <a:buNone/>
+                      </a:pPr>
+                      <a:r>
+                        <a:t/>
+                      </a:r>
+                      <a:endParaRPr b="1" sz="800">
+                        <a:latin typeface="Calibri"/>
+                        <a:ea typeface="Calibri"/>
+                        <a:cs typeface="Calibri"/>
+                        <a:sym typeface="Calibri"/>
+                      </a:endParaRPr>
+                    </a:p>
+                  </a:txBody>
+                  <a:tcPr marT="0" marB="0" marR="68575" marL="68575">
+                    <a:solidFill>
+                      <a:srgbClr val="FFFFFF"/>
+                    </a:solidFill>
+                  </a:tcPr>
+                </a:tc>
+                <a:tc>
+                  <a:txBody>
+                    <a:bodyPr/>
+                    <a:lstStyle/>
+                    <a:p>
+                      <a:pPr indent="0" lvl="0" marL="0" rtl="0" algn="just">
+                        <a:lnSpc>
+                          <a:spcPct val="150000"/>
+                        </a:lnSpc>
+                        <a:spcBef>
+                          <a:spcPts val="0"/>
+                        </a:spcBef>
+                        <a:spcAft>
+                          <a:spcPts val="800"/>
+                        </a:spcAft>
+                        <a:buNone/>
+                      </a:pPr>
+                      <a:r>
+                        <a:t/>
+                      </a:r>
+                      <a:endParaRPr b="1" sz="800">
+                        <a:latin typeface="Calibri"/>
+                        <a:ea typeface="Calibri"/>
+                        <a:cs typeface="Calibri"/>
+                        <a:sym typeface="Calibri"/>
+                      </a:endParaRPr>
+                    </a:p>
+                  </a:txBody>
+                  <a:tcPr marT="0" marB="0" marR="68575" marL="68575">
+                    <a:solidFill>
+                      <a:srgbClr val="FFFFFF"/>
+                    </a:solidFill>
+                  </a:tcPr>
+                </a:tc>
+              </a:tr>
+              <a:tr h="272425">
+                <a:tc>
+                  <a:txBody>
+                    <a:bodyPr/>
+                    <a:lstStyle/>
+                    <a:p>
+                      <a:pPr indent="0" lvl="0" marL="0" rtl="0" algn="just">
+                        <a:lnSpc>
+                          <a:spcPct val="107916"/>
+                        </a:lnSpc>
+                        <a:spcBef>
+                          <a:spcPts val="0"/>
+                        </a:spcBef>
+                        <a:spcAft>
+                          <a:spcPts val="800"/>
+                        </a:spcAft>
+                        <a:buNone/>
+                      </a:pPr>
+                      <a:r>
+                        <a:rPr lang="en-US" sz="900">
+                          <a:latin typeface="Calibri"/>
+                          <a:ea typeface="Calibri"/>
+                          <a:cs typeface="Calibri"/>
+                          <a:sym typeface="Calibri"/>
+                        </a:rPr>
+                        <a:t>Despliegue en Azure</a:t>
+                      </a:r>
+                      <a:endParaRPr sz="900">
+                        <a:latin typeface="Calibri"/>
+                        <a:ea typeface="Calibri"/>
+                        <a:cs typeface="Calibri"/>
+                        <a:sym typeface="Calibri"/>
+                      </a:endParaRPr>
+                    </a:p>
+                  </a:txBody>
+                  <a:tcPr marT="0" marB="0" marR="68575" marL="68575"/>
+                </a:tc>
+                <a:tc>
+                  <a:txBody>
+                    <a:bodyPr/>
+                    <a:lstStyle/>
+                    <a:p>
+                      <a:pPr indent="0" lvl="0" marL="0" rtl="0" algn="just">
+                        <a:lnSpc>
+                          <a:spcPct val="150000"/>
+                        </a:lnSpc>
+                        <a:spcBef>
+                          <a:spcPts val="0"/>
+                        </a:spcBef>
+                        <a:spcAft>
+                          <a:spcPts val="800"/>
+                        </a:spcAft>
+                        <a:buNone/>
+                      </a:pPr>
+                      <a:r>
+                        <a:t/>
+                      </a:r>
+                      <a:endParaRPr b="1" sz="800">
+                        <a:latin typeface="Calibri"/>
+                        <a:ea typeface="Calibri"/>
+                        <a:cs typeface="Calibri"/>
+                        <a:sym typeface="Calibri"/>
+                      </a:endParaRPr>
+                    </a:p>
+                  </a:txBody>
+                  <a:tcPr marT="0" marB="0" marR="68575" marL="68575"/>
+                </a:tc>
+                <a:tc>
+                  <a:txBody>
+                    <a:bodyPr/>
+                    <a:lstStyle/>
+                    <a:p>
+                      <a:pPr indent="0" lvl="0" marL="0" rtl="0" algn="just">
+                        <a:lnSpc>
+                          <a:spcPct val="150000"/>
+                        </a:lnSpc>
+                        <a:spcBef>
+                          <a:spcPts val="0"/>
+                        </a:spcBef>
+                        <a:spcAft>
+                          <a:spcPts val="800"/>
+                        </a:spcAft>
+                        <a:buNone/>
+                      </a:pPr>
+                      <a:r>
+                        <a:t/>
+                      </a:r>
+                      <a:endParaRPr b="1" sz="800">
+                        <a:latin typeface="Calibri"/>
+                        <a:ea typeface="Calibri"/>
+                        <a:cs typeface="Calibri"/>
+                        <a:sym typeface="Calibri"/>
+                      </a:endParaRPr>
+                    </a:p>
+                  </a:txBody>
+                  <a:tcPr marT="0" marB="0" marR="68575" marL="68575"/>
+                </a:tc>
+                <a:tc>
+                  <a:txBody>
+                    <a:bodyPr/>
+                    <a:lstStyle/>
+                    <a:p>
+                      <a:pPr indent="0" lvl="0" marL="0" rtl="0" algn="just">
+                        <a:lnSpc>
+                          <a:spcPct val="150000"/>
+                        </a:lnSpc>
+                        <a:spcBef>
+                          <a:spcPts val="0"/>
+                        </a:spcBef>
+                        <a:spcAft>
+                          <a:spcPts val="800"/>
+                        </a:spcAft>
+                        <a:buNone/>
+                      </a:pPr>
+                      <a:r>
+                        <a:t/>
+                      </a:r>
+                      <a:endParaRPr b="1" sz="800">
+                        <a:latin typeface="Calibri"/>
+                        <a:ea typeface="Calibri"/>
+                        <a:cs typeface="Calibri"/>
+                        <a:sym typeface="Calibri"/>
+                      </a:endParaRPr>
+                    </a:p>
+                  </a:txBody>
+                  <a:tcPr marT="0" marB="0" marR="68575" marL="68575"/>
+                </a:tc>
+                <a:tc>
+                  <a:txBody>
+                    <a:bodyPr/>
+                    <a:lstStyle/>
+                    <a:p>
+                      <a:pPr indent="0" lvl="0" marL="0" rtl="0" algn="just">
+                        <a:lnSpc>
+                          <a:spcPct val="150000"/>
+                        </a:lnSpc>
+                        <a:spcBef>
+                          <a:spcPts val="0"/>
+                        </a:spcBef>
+                        <a:spcAft>
+                          <a:spcPts val="800"/>
+                        </a:spcAft>
+                        <a:buNone/>
+                      </a:pPr>
+                      <a:r>
+                        <a:t/>
+                      </a:r>
+                      <a:endParaRPr b="1" sz="800">
+                        <a:latin typeface="Calibri"/>
+                        <a:ea typeface="Calibri"/>
+                        <a:cs typeface="Calibri"/>
+                        <a:sym typeface="Calibri"/>
+                      </a:endParaRPr>
+                    </a:p>
+                  </a:txBody>
+                  <a:tcPr marT="0" marB="0" marR="68575" marL="68575"/>
+                </a:tc>
+                <a:tc>
+                  <a:txBody>
+                    <a:bodyPr/>
+                    <a:lstStyle/>
+                    <a:p>
+                      <a:pPr indent="0" lvl="0" marL="0" rtl="0" algn="just">
+                        <a:lnSpc>
+                          <a:spcPct val="150000"/>
+                        </a:lnSpc>
+                        <a:spcBef>
+                          <a:spcPts val="0"/>
+                        </a:spcBef>
+                        <a:spcAft>
+                          <a:spcPts val="800"/>
+                        </a:spcAft>
+                        <a:buNone/>
+                      </a:pPr>
+                      <a:r>
+                        <a:t/>
+                      </a:r>
+                      <a:endParaRPr b="1" sz="800">
+                        <a:latin typeface="Calibri"/>
+                        <a:ea typeface="Calibri"/>
+                        <a:cs typeface="Calibri"/>
+                        <a:sym typeface="Calibri"/>
+                      </a:endParaRPr>
+                    </a:p>
+                  </a:txBody>
+                  <a:tcPr marT="0" marB="0" marR="68575" marL="68575">
+                    <a:solidFill>
+                      <a:srgbClr val="FFFFFF"/>
+                    </a:solidFill>
+                  </a:tcPr>
+                </a:tc>
+                <a:tc>
+                  <a:txBody>
+                    <a:bodyPr/>
+                    <a:lstStyle/>
+                    <a:p>
+                      <a:pPr indent="0" lvl="0" marL="0" rtl="0" algn="just">
+                        <a:lnSpc>
+                          <a:spcPct val="150000"/>
+                        </a:lnSpc>
+                        <a:spcBef>
+                          <a:spcPts val="0"/>
+                        </a:spcBef>
+                        <a:spcAft>
+                          <a:spcPts val="800"/>
+                        </a:spcAft>
+                        <a:buNone/>
+                      </a:pPr>
+                      <a:r>
+                        <a:t/>
+                      </a:r>
+                      <a:endParaRPr b="1" sz="800">
+                        <a:latin typeface="Calibri"/>
+                        <a:ea typeface="Calibri"/>
+                        <a:cs typeface="Calibri"/>
+                        <a:sym typeface="Calibri"/>
+                      </a:endParaRPr>
+                    </a:p>
+                  </a:txBody>
+                  <a:tcPr marT="0" marB="0" marR="68575" marL="68575">
+                    <a:solidFill>
+                      <a:srgbClr val="FFFFFF"/>
+                    </a:solidFill>
+                  </a:tcPr>
+                </a:tc>
+                <a:tc>
+                  <a:txBody>
+                    <a:bodyPr/>
+                    <a:lstStyle/>
+                    <a:p>
+                      <a:pPr indent="0" lvl="0" marL="0" rtl="0" algn="just">
+                        <a:lnSpc>
+                          <a:spcPct val="150000"/>
+                        </a:lnSpc>
+                        <a:spcBef>
+                          <a:spcPts val="0"/>
+                        </a:spcBef>
+                        <a:spcAft>
+                          <a:spcPts val="800"/>
+                        </a:spcAft>
+                        <a:buNone/>
+                      </a:pPr>
+                      <a:r>
+                        <a:t/>
+                      </a:r>
+                      <a:endParaRPr b="1" sz="800">
+                        <a:latin typeface="Calibri"/>
+                        <a:ea typeface="Calibri"/>
+                        <a:cs typeface="Calibri"/>
+                        <a:sym typeface="Calibri"/>
+                      </a:endParaRPr>
+                    </a:p>
+                  </a:txBody>
+                  <a:tcPr marT="0" marB="0" marR="68575" marL="68575">
+                    <a:solidFill>
+                      <a:srgbClr val="FFFFFF"/>
+                    </a:solidFill>
+                  </a:tcPr>
+                </a:tc>
+                <a:tc>
+                  <a:txBody>
+                    <a:bodyPr/>
+                    <a:lstStyle/>
+                    <a:p>
+                      <a:pPr indent="0" lvl="0" marL="0" rtl="0" algn="just">
+                        <a:lnSpc>
+                          <a:spcPct val="150000"/>
+                        </a:lnSpc>
+                        <a:spcBef>
+                          <a:spcPts val="0"/>
+                        </a:spcBef>
+                        <a:spcAft>
+                          <a:spcPts val="800"/>
+                        </a:spcAft>
+                        <a:buNone/>
+                      </a:pPr>
+                      <a:r>
+                        <a:t/>
+                      </a:r>
+                      <a:endParaRPr b="1" sz="800">
+                        <a:latin typeface="Calibri"/>
+                        <a:ea typeface="Calibri"/>
+                        <a:cs typeface="Calibri"/>
+                        <a:sym typeface="Calibri"/>
+                      </a:endParaRPr>
+                    </a:p>
+                  </a:txBody>
+                  <a:tcPr marT="0" marB="0" marR="68575" marL="68575">
+                    <a:solidFill>
+                      <a:srgbClr val="FFFFFF"/>
+                    </a:solidFill>
+                  </a:tcPr>
+                </a:tc>
+                <a:tc>
+                  <a:txBody>
+                    <a:bodyPr/>
+                    <a:lstStyle/>
+                    <a:p>
+                      <a:pPr indent="0" lvl="0" marL="0" rtl="0" algn="just">
+                        <a:lnSpc>
+                          <a:spcPct val="150000"/>
+                        </a:lnSpc>
+                        <a:spcBef>
+                          <a:spcPts val="0"/>
+                        </a:spcBef>
+                        <a:spcAft>
+                          <a:spcPts val="800"/>
+                        </a:spcAft>
+                        <a:buNone/>
+                      </a:pPr>
+                      <a:r>
+                        <a:t/>
+                      </a:r>
+                      <a:endParaRPr b="1" sz="800">
+                        <a:latin typeface="Calibri"/>
+                        <a:ea typeface="Calibri"/>
+                        <a:cs typeface="Calibri"/>
+                        <a:sym typeface="Calibri"/>
+                      </a:endParaRPr>
+                    </a:p>
+                  </a:txBody>
+                  <a:tcPr marT="0" marB="0" marR="68575" marL="68575">
+                    <a:solidFill>
+                      <a:srgbClr val="FFFFFF"/>
+                    </a:solidFill>
+                  </a:tcPr>
+                </a:tc>
+                <a:tc>
+                  <a:txBody>
+                    <a:bodyPr/>
+                    <a:lstStyle/>
+                    <a:p>
+                      <a:pPr indent="0" lvl="0" marL="0" rtl="0" algn="just">
+                        <a:lnSpc>
+                          <a:spcPct val="150000"/>
+                        </a:lnSpc>
+                        <a:spcBef>
+                          <a:spcPts val="0"/>
+                        </a:spcBef>
+                        <a:spcAft>
+                          <a:spcPts val="800"/>
+                        </a:spcAft>
+                        <a:buNone/>
+                      </a:pPr>
+                      <a:r>
+                        <a:t/>
+                      </a:r>
+                      <a:endParaRPr b="1" sz="800">
+                        <a:latin typeface="Calibri"/>
+                        <a:ea typeface="Calibri"/>
+                        <a:cs typeface="Calibri"/>
+                        <a:sym typeface="Calibri"/>
+                      </a:endParaRPr>
+                    </a:p>
+                  </a:txBody>
+                  <a:tcPr marT="0" marB="0" marR="68575" marL="68575">
+                    <a:solidFill>
+                      <a:srgbClr val="FFFFFF"/>
+                    </a:solidFill>
+                  </a:tcPr>
+                </a:tc>
+                <a:tc>
+                  <a:txBody>
+                    <a:bodyPr/>
+                    <a:lstStyle/>
+                    <a:p>
+                      <a:pPr indent="0" lvl="0" marL="0" rtl="0" algn="just">
+                        <a:lnSpc>
+                          <a:spcPct val="150000"/>
+                        </a:lnSpc>
+                        <a:spcBef>
+                          <a:spcPts val="0"/>
+                        </a:spcBef>
+                        <a:spcAft>
+                          <a:spcPts val="800"/>
+                        </a:spcAft>
+                        <a:buNone/>
+                      </a:pPr>
+                      <a:r>
+                        <a:t/>
+                      </a:r>
+                      <a:endParaRPr b="1" sz="800">
+                        <a:latin typeface="Calibri"/>
+                        <a:ea typeface="Calibri"/>
+                        <a:cs typeface="Calibri"/>
+                        <a:sym typeface="Calibri"/>
+                      </a:endParaRPr>
+                    </a:p>
+                  </a:txBody>
+                  <a:tcPr marT="0" marB="0" marR="68575" marL="68575">
+                    <a:solidFill>
+                      <a:srgbClr val="FFFFFF"/>
+                    </a:solidFill>
+                  </a:tcPr>
+                </a:tc>
+                <a:tc>
+                  <a:txBody>
+                    <a:bodyPr/>
+                    <a:lstStyle/>
+                    <a:p>
+                      <a:pPr indent="0" lvl="0" marL="0" rtl="0" algn="just">
+                        <a:lnSpc>
+                          <a:spcPct val="150000"/>
+                        </a:lnSpc>
+                        <a:spcBef>
+                          <a:spcPts val="0"/>
+                        </a:spcBef>
+                        <a:spcAft>
+                          <a:spcPts val="800"/>
+                        </a:spcAft>
+                        <a:buNone/>
+                      </a:pPr>
+                      <a:r>
+                        <a:t/>
+                      </a:r>
+                      <a:endParaRPr b="1" sz="800">
+                        <a:latin typeface="Calibri"/>
+                        <a:ea typeface="Calibri"/>
+                        <a:cs typeface="Calibri"/>
+                        <a:sym typeface="Calibri"/>
+                      </a:endParaRPr>
+                    </a:p>
+                  </a:txBody>
+                  <a:tcPr marT="0" marB="0" marR="68575" marL="68575">
+                    <a:solidFill>
+                      <a:srgbClr val="FFFFFF"/>
+                    </a:solidFill>
+                  </a:tcPr>
+                </a:tc>
+                <a:tc>
+                  <a:txBody>
+                    <a:bodyPr/>
+                    <a:lstStyle/>
+                    <a:p>
+                      <a:pPr indent="0" lvl="0" marL="0" rtl="0" algn="just">
+                        <a:lnSpc>
+                          <a:spcPct val="150000"/>
+                        </a:lnSpc>
+                        <a:spcBef>
+                          <a:spcPts val="0"/>
+                        </a:spcBef>
+                        <a:spcAft>
+                          <a:spcPts val="800"/>
+                        </a:spcAft>
+                        <a:buNone/>
+                      </a:pPr>
+                      <a:r>
+                        <a:t/>
+                      </a:r>
+                      <a:endParaRPr b="1" sz="800">
+                        <a:latin typeface="Calibri"/>
+                        <a:ea typeface="Calibri"/>
+                        <a:cs typeface="Calibri"/>
+                        <a:sym typeface="Calibri"/>
+                      </a:endParaRPr>
+                    </a:p>
+                  </a:txBody>
+                  <a:tcPr marT="0" marB="0" marR="68575" marL="68575">
+                    <a:solidFill>
+                      <a:srgbClr val="FFFFFF"/>
+                    </a:solidFill>
+                  </a:tcPr>
+                </a:tc>
+                <a:tc>
+                  <a:txBody>
+                    <a:bodyPr/>
+                    <a:lstStyle/>
+                    <a:p>
+                      <a:pPr indent="0" lvl="0" marL="0" rtl="0" algn="just">
+                        <a:lnSpc>
+                          <a:spcPct val="150000"/>
+                        </a:lnSpc>
+                        <a:spcBef>
+                          <a:spcPts val="0"/>
+                        </a:spcBef>
+                        <a:spcAft>
+                          <a:spcPts val="800"/>
+                        </a:spcAft>
+                        <a:buNone/>
+                      </a:pPr>
+                      <a:r>
+                        <a:t/>
+                      </a:r>
+                      <a:endParaRPr b="1" sz="800">
+                        <a:latin typeface="Calibri"/>
+                        <a:ea typeface="Calibri"/>
+                        <a:cs typeface="Calibri"/>
+                        <a:sym typeface="Calibri"/>
+                      </a:endParaRPr>
+                    </a:p>
+                  </a:txBody>
+                  <a:tcPr marT="0" marB="0" marR="68575" marL="68575">
+                    <a:solidFill>
+                      <a:srgbClr val="FFFFFF"/>
+                    </a:solidFill>
+                  </a:tcPr>
+                </a:tc>
+                <a:tc>
+                  <a:txBody>
+                    <a:bodyPr/>
+                    <a:lstStyle/>
+                    <a:p>
+                      <a:pPr indent="0" lvl="0" marL="0" rtl="0" algn="just">
+                        <a:lnSpc>
+                          <a:spcPct val="150000"/>
+                        </a:lnSpc>
+                        <a:spcBef>
+                          <a:spcPts val="0"/>
+                        </a:spcBef>
+                        <a:spcAft>
+                          <a:spcPts val="800"/>
+                        </a:spcAft>
+                        <a:buNone/>
+                      </a:pPr>
+                      <a:r>
+                        <a:t/>
+                      </a:r>
+                      <a:endParaRPr b="1" sz="800">
+                        <a:latin typeface="Calibri"/>
+                        <a:ea typeface="Calibri"/>
+                        <a:cs typeface="Calibri"/>
+                        <a:sym typeface="Calibri"/>
+                      </a:endParaRPr>
+                    </a:p>
+                  </a:txBody>
+                  <a:tcPr marT="0" marB="0" marR="68575" marL="68575">
+                    <a:solidFill>
+                      <a:srgbClr val="FFF2CC"/>
+                    </a:solidFill>
+                  </a:tcPr>
+                </a:tc>
+                <a:tc gridSpan="2">
+                  <a:txBody>
+                    <a:bodyPr/>
+                    <a:lstStyle/>
+                    <a:p>
+                      <a:pPr indent="0" lvl="0" marL="0" rtl="0" algn="just">
+                        <a:lnSpc>
+                          <a:spcPct val="150000"/>
+                        </a:lnSpc>
+                        <a:spcBef>
+                          <a:spcPts val="0"/>
+                        </a:spcBef>
+                        <a:spcAft>
+                          <a:spcPts val="800"/>
+                        </a:spcAft>
+                        <a:buNone/>
+                      </a:pPr>
+                      <a:r>
+                        <a:t/>
+                      </a:r>
+                      <a:endParaRPr b="1" sz="800">
+                        <a:latin typeface="Calibri"/>
+                        <a:ea typeface="Calibri"/>
+                        <a:cs typeface="Calibri"/>
+                        <a:sym typeface="Calibri"/>
+                      </a:endParaRPr>
+                    </a:p>
+                  </a:txBody>
+                  <a:tcPr marT="0" marB="0" marR="68575" marL="68575">
+                    <a:solidFill>
+                      <a:srgbClr val="F4CCCC"/>
+                    </a:solidFill>
+                  </a:tcPr>
+                </a:tc>
+                <a:tc hMerge="1"/>
+                <a:tc>
+                  <a:txBody>
+                    <a:bodyPr/>
+                    <a:lstStyle/>
+                    <a:p>
+                      <a:pPr indent="0" lvl="0" marL="0" rtl="0" algn="just">
+                        <a:lnSpc>
+                          <a:spcPct val="150000"/>
+                        </a:lnSpc>
+                        <a:spcBef>
+                          <a:spcPts val="0"/>
+                        </a:spcBef>
+                        <a:spcAft>
+                          <a:spcPts val="800"/>
+                        </a:spcAft>
+                        <a:buNone/>
+                      </a:pPr>
+                      <a:r>
+                        <a:t/>
+                      </a:r>
+                      <a:endParaRPr b="1" sz="800">
+                        <a:latin typeface="Calibri"/>
+                        <a:ea typeface="Calibri"/>
+                        <a:cs typeface="Calibri"/>
+                        <a:sym typeface="Calibri"/>
+                      </a:endParaRPr>
+                    </a:p>
+                  </a:txBody>
+                  <a:tcPr marT="0" marB="0" marR="68575" marL="68575">
+                    <a:solidFill>
+                      <a:srgbClr val="F4CCCC"/>
+                    </a:solidFill>
+                  </a:tcPr>
+                </a:tc>
+                <a:tc>
+                  <a:txBody>
+                    <a:bodyPr/>
+                    <a:lstStyle/>
+                    <a:p>
+                      <a:pPr indent="0" lvl="0" marL="0" rtl="0" algn="just">
+                        <a:lnSpc>
+                          <a:spcPct val="150000"/>
+                        </a:lnSpc>
+                        <a:spcBef>
+                          <a:spcPts val="0"/>
+                        </a:spcBef>
+                        <a:spcAft>
+                          <a:spcPts val="800"/>
+                        </a:spcAft>
+                        <a:buNone/>
+                      </a:pPr>
+                      <a:r>
+                        <a:t/>
+                      </a:r>
+                      <a:endParaRPr b="1" sz="800">
+                        <a:latin typeface="Calibri"/>
+                        <a:ea typeface="Calibri"/>
+                        <a:cs typeface="Calibri"/>
+                        <a:sym typeface="Calibri"/>
+                      </a:endParaRPr>
+                    </a:p>
+                  </a:txBody>
+                  <a:tcPr marT="0" marB="0" marR="68575" marL="68575">
+                    <a:solidFill>
+                      <a:srgbClr val="FFFFFF"/>
+                    </a:solidFill>
+                  </a:tcPr>
+                </a:tc>
+              </a:tr>
+              <a:tr h="272425">
+                <a:tc>
+                  <a:txBody>
+                    <a:bodyPr/>
+                    <a:lstStyle/>
+                    <a:p>
+                      <a:pPr indent="0" lvl="0" marL="0" rtl="0" algn="just">
+                        <a:lnSpc>
+                          <a:spcPct val="107916"/>
+                        </a:lnSpc>
+                        <a:spcBef>
+                          <a:spcPts val="0"/>
+                        </a:spcBef>
+                        <a:spcAft>
+                          <a:spcPts val="800"/>
+                        </a:spcAft>
+                        <a:buNone/>
+                      </a:pPr>
+                      <a:r>
+                        <a:rPr lang="en-US" sz="900">
+                          <a:latin typeface="Calibri"/>
+                          <a:ea typeface="Calibri"/>
+                          <a:cs typeface="Calibri"/>
+                          <a:sym typeface="Calibri"/>
+                        </a:rPr>
+                        <a:t>Validación de seguridad</a:t>
+                      </a:r>
+                      <a:endParaRPr sz="900">
+                        <a:latin typeface="Calibri"/>
+                        <a:ea typeface="Calibri"/>
+                        <a:cs typeface="Calibri"/>
+                        <a:sym typeface="Calibri"/>
+                      </a:endParaRPr>
+                    </a:p>
+                  </a:txBody>
+                  <a:tcPr marT="0" marB="0" marR="68575" marL="68575"/>
+                </a:tc>
+                <a:tc>
+                  <a:txBody>
+                    <a:bodyPr/>
+                    <a:lstStyle/>
+                    <a:p>
+                      <a:pPr indent="0" lvl="0" marL="0" rtl="0" algn="just">
+                        <a:lnSpc>
+                          <a:spcPct val="150000"/>
+                        </a:lnSpc>
+                        <a:spcBef>
+                          <a:spcPts val="0"/>
+                        </a:spcBef>
+                        <a:spcAft>
+                          <a:spcPts val="800"/>
+                        </a:spcAft>
+                        <a:buNone/>
+                      </a:pPr>
+                      <a:r>
+                        <a:t/>
+                      </a:r>
+                      <a:endParaRPr b="1" sz="800">
+                        <a:latin typeface="Calibri"/>
+                        <a:ea typeface="Calibri"/>
+                        <a:cs typeface="Calibri"/>
+                        <a:sym typeface="Calibri"/>
+                      </a:endParaRPr>
+                    </a:p>
+                  </a:txBody>
+                  <a:tcPr marT="0" marB="0" marR="68575" marL="68575"/>
+                </a:tc>
+                <a:tc>
+                  <a:txBody>
+                    <a:bodyPr/>
+                    <a:lstStyle/>
+                    <a:p>
+                      <a:pPr indent="0" lvl="0" marL="0" rtl="0" algn="just">
+                        <a:lnSpc>
+                          <a:spcPct val="150000"/>
+                        </a:lnSpc>
+                        <a:spcBef>
+                          <a:spcPts val="0"/>
+                        </a:spcBef>
+                        <a:spcAft>
+                          <a:spcPts val="800"/>
+                        </a:spcAft>
+                        <a:buNone/>
+                      </a:pPr>
+                      <a:r>
+                        <a:t/>
+                      </a:r>
+                      <a:endParaRPr b="1" sz="800">
+                        <a:latin typeface="Calibri"/>
+                        <a:ea typeface="Calibri"/>
+                        <a:cs typeface="Calibri"/>
+                        <a:sym typeface="Calibri"/>
+                      </a:endParaRPr>
+                    </a:p>
+                  </a:txBody>
+                  <a:tcPr marT="0" marB="0" marR="68575" marL="68575"/>
+                </a:tc>
+                <a:tc>
+                  <a:txBody>
+                    <a:bodyPr/>
+                    <a:lstStyle/>
+                    <a:p>
+                      <a:pPr indent="0" lvl="0" marL="0" rtl="0" algn="just">
+                        <a:lnSpc>
+                          <a:spcPct val="150000"/>
+                        </a:lnSpc>
+                        <a:spcBef>
+                          <a:spcPts val="0"/>
+                        </a:spcBef>
+                        <a:spcAft>
+                          <a:spcPts val="800"/>
+                        </a:spcAft>
+                        <a:buNone/>
+                      </a:pPr>
+                      <a:r>
+                        <a:t/>
+                      </a:r>
+                      <a:endParaRPr b="1" sz="800">
+                        <a:latin typeface="Calibri"/>
+                        <a:ea typeface="Calibri"/>
+                        <a:cs typeface="Calibri"/>
+                        <a:sym typeface="Calibri"/>
+                      </a:endParaRPr>
+                    </a:p>
+                  </a:txBody>
+                  <a:tcPr marT="0" marB="0" marR="68575" marL="68575"/>
+                </a:tc>
+                <a:tc>
+                  <a:txBody>
+                    <a:bodyPr/>
+                    <a:lstStyle/>
+                    <a:p>
+                      <a:pPr indent="0" lvl="0" marL="0" rtl="0" algn="just">
+                        <a:lnSpc>
+                          <a:spcPct val="150000"/>
+                        </a:lnSpc>
+                        <a:spcBef>
+                          <a:spcPts val="0"/>
+                        </a:spcBef>
+                        <a:spcAft>
+                          <a:spcPts val="800"/>
+                        </a:spcAft>
+                        <a:buNone/>
+                      </a:pPr>
+                      <a:r>
+                        <a:t/>
+                      </a:r>
+                      <a:endParaRPr b="1" sz="800">
+                        <a:latin typeface="Calibri"/>
+                        <a:ea typeface="Calibri"/>
+                        <a:cs typeface="Calibri"/>
+                        <a:sym typeface="Calibri"/>
+                      </a:endParaRPr>
+                    </a:p>
+                  </a:txBody>
+                  <a:tcPr marT="0" marB="0" marR="68575" marL="68575"/>
+                </a:tc>
+                <a:tc>
+                  <a:txBody>
+                    <a:bodyPr/>
+                    <a:lstStyle/>
+                    <a:p>
+                      <a:pPr indent="0" lvl="0" marL="0" rtl="0" algn="just">
+                        <a:lnSpc>
+                          <a:spcPct val="150000"/>
+                        </a:lnSpc>
+                        <a:spcBef>
+                          <a:spcPts val="0"/>
+                        </a:spcBef>
+                        <a:spcAft>
+                          <a:spcPts val="800"/>
+                        </a:spcAft>
+                        <a:buNone/>
+                      </a:pPr>
+                      <a:r>
+                        <a:t/>
+                      </a:r>
+                      <a:endParaRPr b="1" sz="800">
+                        <a:latin typeface="Calibri"/>
+                        <a:ea typeface="Calibri"/>
+                        <a:cs typeface="Calibri"/>
+                        <a:sym typeface="Calibri"/>
+                      </a:endParaRPr>
+                    </a:p>
+                  </a:txBody>
+                  <a:tcPr marT="0" marB="0" marR="68575" marL="68575">
+                    <a:solidFill>
+                      <a:srgbClr val="FFFFFF"/>
+                    </a:solidFill>
+                  </a:tcPr>
+                </a:tc>
+                <a:tc>
+                  <a:txBody>
+                    <a:bodyPr/>
+                    <a:lstStyle/>
+                    <a:p>
+                      <a:pPr indent="0" lvl="0" marL="0" rtl="0" algn="just">
+                        <a:lnSpc>
+                          <a:spcPct val="150000"/>
+                        </a:lnSpc>
+                        <a:spcBef>
+                          <a:spcPts val="0"/>
+                        </a:spcBef>
+                        <a:spcAft>
+                          <a:spcPts val="800"/>
+                        </a:spcAft>
+                        <a:buNone/>
+                      </a:pPr>
+                      <a:r>
+                        <a:t/>
+                      </a:r>
+                      <a:endParaRPr b="1" sz="800">
+                        <a:latin typeface="Calibri"/>
+                        <a:ea typeface="Calibri"/>
+                        <a:cs typeface="Calibri"/>
+                        <a:sym typeface="Calibri"/>
+                      </a:endParaRPr>
+                    </a:p>
+                  </a:txBody>
+                  <a:tcPr marT="0" marB="0" marR="68575" marL="68575">
+                    <a:solidFill>
+                      <a:srgbClr val="FFFFFF"/>
+                    </a:solidFill>
+                  </a:tcPr>
+                </a:tc>
+                <a:tc>
+                  <a:txBody>
+                    <a:bodyPr/>
+                    <a:lstStyle/>
+                    <a:p>
+                      <a:pPr indent="0" lvl="0" marL="0" rtl="0" algn="just">
+                        <a:lnSpc>
+                          <a:spcPct val="150000"/>
+                        </a:lnSpc>
+                        <a:spcBef>
+                          <a:spcPts val="0"/>
+                        </a:spcBef>
+                        <a:spcAft>
+                          <a:spcPts val="800"/>
+                        </a:spcAft>
+                        <a:buNone/>
+                      </a:pPr>
+                      <a:r>
+                        <a:t/>
+                      </a:r>
+                      <a:endParaRPr b="1" sz="800">
+                        <a:latin typeface="Calibri"/>
+                        <a:ea typeface="Calibri"/>
+                        <a:cs typeface="Calibri"/>
+                        <a:sym typeface="Calibri"/>
+                      </a:endParaRPr>
+                    </a:p>
+                  </a:txBody>
+                  <a:tcPr marT="0" marB="0" marR="68575" marL="68575">
+                    <a:solidFill>
+                      <a:srgbClr val="FFFFFF"/>
+                    </a:solidFill>
+                  </a:tcPr>
+                </a:tc>
+                <a:tc>
+                  <a:txBody>
+                    <a:bodyPr/>
+                    <a:lstStyle/>
+                    <a:p>
+                      <a:pPr indent="0" lvl="0" marL="0" rtl="0" algn="just">
+                        <a:lnSpc>
+                          <a:spcPct val="150000"/>
+                        </a:lnSpc>
+                        <a:spcBef>
+                          <a:spcPts val="0"/>
+                        </a:spcBef>
+                        <a:spcAft>
+                          <a:spcPts val="800"/>
+                        </a:spcAft>
+                        <a:buNone/>
+                      </a:pPr>
+                      <a:r>
+                        <a:t/>
+                      </a:r>
+                      <a:endParaRPr b="1" sz="800">
+                        <a:latin typeface="Calibri"/>
+                        <a:ea typeface="Calibri"/>
+                        <a:cs typeface="Calibri"/>
+                        <a:sym typeface="Calibri"/>
+                      </a:endParaRPr>
+                    </a:p>
+                  </a:txBody>
+                  <a:tcPr marT="0" marB="0" marR="68575" marL="68575">
+                    <a:solidFill>
+                      <a:srgbClr val="FFFFFF"/>
+                    </a:solidFill>
+                  </a:tcPr>
+                </a:tc>
+                <a:tc>
+                  <a:txBody>
+                    <a:bodyPr/>
+                    <a:lstStyle/>
+                    <a:p>
+                      <a:pPr indent="0" lvl="0" marL="0" rtl="0" algn="just">
+                        <a:lnSpc>
+                          <a:spcPct val="150000"/>
+                        </a:lnSpc>
+                        <a:spcBef>
+                          <a:spcPts val="0"/>
+                        </a:spcBef>
+                        <a:spcAft>
+                          <a:spcPts val="800"/>
+                        </a:spcAft>
+                        <a:buNone/>
+                      </a:pPr>
+                      <a:r>
+                        <a:t/>
+                      </a:r>
+                      <a:endParaRPr b="1" sz="800">
+                        <a:latin typeface="Calibri"/>
+                        <a:ea typeface="Calibri"/>
+                        <a:cs typeface="Calibri"/>
+                        <a:sym typeface="Calibri"/>
+                      </a:endParaRPr>
+                    </a:p>
+                  </a:txBody>
+                  <a:tcPr marT="0" marB="0" marR="68575" marL="68575">
+                    <a:solidFill>
+                      <a:srgbClr val="FFFFFF"/>
+                    </a:solidFill>
+                  </a:tcPr>
+                </a:tc>
+                <a:tc>
+                  <a:txBody>
+                    <a:bodyPr/>
+                    <a:lstStyle/>
+                    <a:p>
+                      <a:pPr indent="0" lvl="0" marL="0" rtl="0" algn="just">
+                        <a:lnSpc>
+                          <a:spcPct val="150000"/>
+                        </a:lnSpc>
+                        <a:spcBef>
+                          <a:spcPts val="0"/>
+                        </a:spcBef>
+                        <a:spcAft>
+                          <a:spcPts val="800"/>
+                        </a:spcAft>
+                        <a:buNone/>
+                      </a:pPr>
+                      <a:r>
+                        <a:t/>
+                      </a:r>
+                      <a:endParaRPr b="1" sz="800">
+                        <a:latin typeface="Calibri"/>
+                        <a:ea typeface="Calibri"/>
+                        <a:cs typeface="Calibri"/>
+                        <a:sym typeface="Calibri"/>
+                      </a:endParaRPr>
+                    </a:p>
+                  </a:txBody>
+                  <a:tcPr marT="0" marB="0" marR="68575" marL="68575">
+                    <a:solidFill>
+                      <a:srgbClr val="FFFFFF"/>
+                    </a:solidFill>
+                  </a:tcPr>
+                </a:tc>
+                <a:tc>
+                  <a:txBody>
+                    <a:bodyPr/>
+                    <a:lstStyle/>
+                    <a:p>
+                      <a:pPr indent="0" lvl="0" marL="0" rtl="0" algn="just">
+                        <a:lnSpc>
+                          <a:spcPct val="150000"/>
+                        </a:lnSpc>
+                        <a:spcBef>
+                          <a:spcPts val="0"/>
+                        </a:spcBef>
+                        <a:spcAft>
+                          <a:spcPts val="800"/>
+                        </a:spcAft>
+                        <a:buNone/>
+                      </a:pPr>
+                      <a:r>
+                        <a:t/>
+                      </a:r>
+                      <a:endParaRPr b="1" sz="800">
+                        <a:latin typeface="Calibri"/>
+                        <a:ea typeface="Calibri"/>
+                        <a:cs typeface="Calibri"/>
+                        <a:sym typeface="Calibri"/>
+                      </a:endParaRPr>
+                    </a:p>
+                  </a:txBody>
+                  <a:tcPr marT="0" marB="0" marR="68575" marL="68575">
+                    <a:solidFill>
+                      <a:srgbClr val="FFFFFF"/>
+                    </a:solidFill>
+                  </a:tcPr>
+                </a:tc>
+                <a:tc>
+                  <a:txBody>
+                    <a:bodyPr/>
+                    <a:lstStyle/>
+                    <a:p>
+                      <a:pPr indent="0" lvl="0" marL="0" rtl="0" algn="just">
+                        <a:lnSpc>
+                          <a:spcPct val="150000"/>
+                        </a:lnSpc>
+                        <a:spcBef>
+                          <a:spcPts val="0"/>
+                        </a:spcBef>
+                        <a:spcAft>
+                          <a:spcPts val="800"/>
+                        </a:spcAft>
+                        <a:buNone/>
+                      </a:pPr>
+                      <a:r>
+                        <a:t/>
+                      </a:r>
+                      <a:endParaRPr b="1" sz="800">
+                        <a:latin typeface="Calibri"/>
+                        <a:ea typeface="Calibri"/>
+                        <a:cs typeface="Calibri"/>
+                        <a:sym typeface="Calibri"/>
+                      </a:endParaRPr>
+                    </a:p>
+                  </a:txBody>
+                  <a:tcPr marT="0" marB="0" marR="68575" marL="68575">
+                    <a:solidFill>
+                      <a:srgbClr val="FFFFFF"/>
+                    </a:solidFill>
+                  </a:tcPr>
+                </a:tc>
+                <a:tc>
+                  <a:txBody>
+                    <a:bodyPr/>
+                    <a:lstStyle/>
+                    <a:p>
+                      <a:pPr indent="0" lvl="0" marL="0" rtl="0" algn="just">
+                        <a:lnSpc>
+                          <a:spcPct val="150000"/>
+                        </a:lnSpc>
+                        <a:spcBef>
+                          <a:spcPts val="0"/>
+                        </a:spcBef>
+                        <a:spcAft>
+                          <a:spcPts val="800"/>
+                        </a:spcAft>
+                        <a:buNone/>
+                      </a:pPr>
+                      <a:r>
+                        <a:t/>
+                      </a:r>
+                      <a:endParaRPr b="1" sz="800">
+                        <a:latin typeface="Calibri"/>
+                        <a:ea typeface="Calibri"/>
+                        <a:cs typeface="Calibri"/>
+                        <a:sym typeface="Calibri"/>
+                      </a:endParaRPr>
+                    </a:p>
+                  </a:txBody>
+                  <a:tcPr marT="0" marB="0" marR="68575" marL="68575">
+                    <a:solidFill>
+                      <a:srgbClr val="FFFFFF"/>
+                    </a:solidFill>
+                  </a:tcPr>
+                </a:tc>
+                <a:tc>
+                  <a:txBody>
+                    <a:bodyPr/>
+                    <a:lstStyle/>
+                    <a:p>
+                      <a:pPr indent="0" lvl="0" marL="0" rtl="0" algn="just">
+                        <a:lnSpc>
+                          <a:spcPct val="150000"/>
+                        </a:lnSpc>
+                        <a:spcBef>
+                          <a:spcPts val="0"/>
+                        </a:spcBef>
+                        <a:spcAft>
+                          <a:spcPts val="800"/>
+                        </a:spcAft>
+                        <a:buNone/>
+                      </a:pPr>
+                      <a:r>
+                        <a:t/>
+                      </a:r>
+                      <a:endParaRPr b="1" sz="800">
+                        <a:latin typeface="Calibri"/>
+                        <a:ea typeface="Calibri"/>
+                        <a:cs typeface="Calibri"/>
+                        <a:sym typeface="Calibri"/>
+                      </a:endParaRPr>
+                    </a:p>
+                  </a:txBody>
+                  <a:tcPr marT="0" marB="0" marR="68575" marL="68575">
+                    <a:solidFill>
+                      <a:srgbClr val="FFFFFF"/>
+                    </a:solidFill>
+                  </a:tcPr>
+                </a:tc>
+                <a:tc>
+                  <a:txBody>
+                    <a:bodyPr/>
+                    <a:lstStyle/>
+                    <a:p>
+                      <a:pPr indent="0" lvl="0" marL="0" rtl="0" algn="just">
+                        <a:lnSpc>
+                          <a:spcPct val="150000"/>
+                        </a:lnSpc>
+                        <a:spcBef>
+                          <a:spcPts val="0"/>
+                        </a:spcBef>
+                        <a:spcAft>
+                          <a:spcPts val="800"/>
+                        </a:spcAft>
+                        <a:buNone/>
+                      </a:pPr>
+                      <a:r>
+                        <a:t/>
+                      </a:r>
+                      <a:endParaRPr b="1" sz="800">
+                        <a:latin typeface="Calibri"/>
+                        <a:ea typeface="Calibri"/>
+                        <a:cs typeface="Calibri"/>
+                        <a:sym typeface="Calibri"/>
+                      </a:endParaRPr>
+                    </a:p>
+                  </a:txBody>
+                  <a:tcPr marT="0" marB="0" marR="68575" marL="68575">
+                    <a:solidFill>
+                      <a:srgbClr val="FFFFFF"/>
+                    </a:solidFill>
+                  </a:tcPr>
+                </a:tc>
+                <a:tc gridSpan="2">
+                  <a:txBody>
+                    <a:bodyPr/>
+                    <a:lstStyle/>
+                    <a:p>
+                      <a:pPr indent="0" lvl="0" marL="0" rtl="0" algn="just">
+                        <a:lnSpc>
+                          <a:spcPct val="150000"/>
+                        </a:lnSpc>
+                        <a:spcBef>
+                          <a:spcPts val="0"/>
+                        </a:spcBef>
+                        <a:spcAft>
+                          <a:spcPts val="800"/>
+                        </a:spcAft>
+                        <a:buNone/>
+                      </a:pPr>
+                      <a:r>
+                        <a:t/>
+                      </a:r>
+                      <a:endParaRPr b="1" sz="800">
+                        <a:latin typeface="Calibri"/>
+                        <a:ea typeface="Calibri"/>
+                        <a:cs typeface="Calibri"/>
+                        <a:sym typeface="Calibri"/>
+                      </a:endParaRPr>
+                    </a:p>
+                  </a:txBody>
+                  <a:tcPr marT="0" marB="0" marR="68575" marL="68575">
+                    <a:solidFill>
+                      <a:srgbClr val="FFFFFF"/>
+                    </a:solidFill>
+                  </a:tcPr>
+                </a:tc>
+                <a:tc hMerge="1"/>
+                <a:tc>
+                  <a:txBody>
+                    <a:bodyPr/>
+                    <a:lstStyle/>
+                    <a:p>
+                      <a:pPr indent="0" lvl="0" marL="0" rtl="0" algn="just">
+                        <a:lnSpc>
+                          <a:spcPct val="150000"/>
+                        </a:lnSpc>
+                        <a:spcBef>
+                          <a:spcPts val="0"/>
+                        </a:spcBef>
+                        <a:spcAft>
+                          <a:spcPts val="800"/>
+                        </a:spcAft>
+                        <a:buNone/>
+                      </a:pPr>
+                      <a:r>
+                        <a:t/>
+                      </a:r>
+                      <a:endParaRPr b="1" sz="800">
+                        <a:latin typeface="Calibri"/>
+                        <a:ea typeface="Calibri"/>
+                        <a:cs typeface="Calibri"/>
+                        <a:sym typeface="Calibri"/>
+                      </a:endParaRPr>
+                    </a:p>
+                  </a:txBody>
+                  <a:tcPr marT="0" marB="0" marR="68575" marL="68575">
+                    <a:solidFill>
+                      <a:srgbClr val="FFFFFF"/>
+                    </a:solidFill>
+                  </a:tcPr>
+                </a:tc>
+                <a:tc>
+                  <a:txBody>
+                    <a:bodyPr/>
+                    <a:lstStyle/>
+                    <a:p>
+                      <a:pPr indent="0" lvl="0" marL="0" rtl="0" algn="just">
+                        <a:lnSpc>
+                          <a:spcPct val="150000"/>
+                        </a:lnSpc>
+                        <a:spcBef>
+                          <a:spcPts val="0"/>
+                        </a:spcBef>
+                        <a:spcAft>
+                          <a:spcPts val="800"/>
+                        </a:spcAft>
+                        <a:buNone/>
+                      </a:pPr>
+                      <a:r>
+                        <a:t/>
+                      </a:r>
+                      <a:endParaRPr b="1" sz="800">
+                        <a:latin typeface="Calibri"/>
+                        <a:ea typeface="Calibri"/>
+                        <a:cs typeface="Calibri"/>
+                        <a:sym typeface="Calibri"/>
+                      </a:endParaRPr>
+                    </a:p>
+                  </a:txBody>
+                  <a:tcPr marT="0" marB="0" marR="68575" marL="68575">
+                    <a:solidFill>
+                      <a:srgbClr val="FBE5D5"/>
+                    </a:solidFill>
+                  </a:tcPr>
+                </a:tc>
+              </a:tr>
+            </a:tbl>
+          </a:graphicData>
+        </a:graphic>
+      </p:graphicFrame>
     </p:spTree>
   </p:cSld>
   <p:clrMapOvr>
@@ -13144,8 +20297,8 @@
         </p:nvSpPr>
         <p:spPr>
           <a:xfrm>
-            <a:off x="5243577" y="273595"/>
-            <a:ext cx="7800846" cy="1014097"/>
+            <a:off x="4006649" y="329025"/>
+            <a:ext cx="10274700" cy="1077600"/>
           </a:xfrm>
           <a:prstGeom prst="rect">
             <a:avLst/>
@@ -13183,7 +20336,7 @@
                 <a:cs typeface="Montserrat"/>
                 <a:sym typeface="Montserrat"/>
               </a:rPr>
-              <a:t>Modelo de datos</a:t>
+              <a:t>Modelo de basedatos</a:t>
             </a:r>
             <a:endParaRPr/>
           </a:p>
@@ -15987,7 +23140,7 @@
                   <a:cs typeface="Montserrat"/>
                   <a:sym typeface="Montserrat"/>
                 </a:rPr>
-                <a:t>Creación y modificador de diseño del sistema, corrección de errores del FrontEnd, Traer los datos del Backend </a:t>
+                <a:t>Creación y modificación del diseño del sistema, corrección de errores del FrontEnd, Integración y consumo de datos del Backend.</a:t>
               </a:r>
               <a:endParaRPr/>
             </a:p>

--- a/Fase 3/Presentación final.pptx
+++ b/Fase 3/Presentación final.pptx
@@ -12860,7 +12860,7 @@
             <a:tbl>
               <a:tblPr bandRow="1">
                 <a:noFill/>
-                <a:tableStyleId>{DC084E46-ECF8-4E6A-96B3-51DBD29C3997}</a:tableStyleId>
+                <a:tableStyleId>{B0992EC9-E086-4C07-B441-F85CB0D95FCE}</a:tableStyleId>
               </a:tblPr>
               <a:tblGrid>
                 <a:gridCol w="1751200"/>
@@ -20297,8 +20297,8 @@
         </p:nvSpPr>
         <p:spPr>
           <a:xfrm>
-            <a:off x="4006649" y="329025"/>
-            <a:ext cx="10274700" cy="1077600"/>
+            <a:off x="3031050" y="329025"/>
+            <a:ext cx="12225900" cy="1077600"/>
           </a:xfrm>
           <a:prstGeom prst="rect">
             <a:avLst/>
@@ -20336,7 +20336,7 @@
                 <a:cs typeface="Montserrat"/>
                 <a:sym typeface="Montserrat"/>
               </a:rPr>
-              <a:t>Modelo de basedatos</a:t>
+              <a:t>Modelo de base de datos</a:t>
             </a:r>
             <a:endParaRPr/>
           </a:p>

--- a/Fase 3/Presentación final.pptx
+++ b/Fase 3/Presentación final.pptx
@@ -27,14 +27,16 @@
     <p:sldId id="272" r:id="rId23"/>
     <p:sldId id="273" r:id="rId24"/>
     <p:sldId id="274" r:id="rId25"/>
+    <p:sldId id="275" r:id="rId26"/>
+    <p:sldId id="276" r:id="rId27"/>
   </p:sldIdLst>
   <p:sldSz cy="10287000" cx="18288000"/>
   <p:notesSz cx="6858000" cy="9144000"/>
   <p:embeddedFontLst>
     <p:embeddedFont>
       <p:font typeface="Montserrat"/>
-      <p:bold r:id="rId26"/>
-      <p:boldItalic r:id="rId27"/>
+      <p:bold r:id="rId28"/>
+      <p:boldItalic r:id="rId29"/>
     </p:embeddedFont>
   </p:embeddedFontLst>
   <p:defaultTextStyle>
@@ -282,7 +284,7 @@
       </p15:sldGuideLst>
     </p:ext>
     <p:ext uri="GoogleSlidesCustomDataVersion2">
-      <go:slidesCustomData xmlns:go="http://customooxmlschemas.google.com/" r:id="rId28" roundtripDataSignature="AMtx7mi6VVAjxtXQvb4+qCgL7Ylo1OSBhw=="/>
+      <go:slidesCustomData xmlns:go="http://customooxmlschemas.google.com/" r:id="rId30" roundtripDataSignature="AMtx7miQLeQbQEWSu4MiH2cRrcLUJuxHRQ=="/>
     </p:ext>
   </p:extLst>
 </p:presentation>
@@ -1228,46 +1230,7 @@
       </p:grpSpPr>
       <p:sp>
         <p:nvSpPr>
-          <p:cNvPr id="204" name="Google Shape;204;p14:notes"/>
-          <p:cNvSpPr txBox="1"/>
-          <p:nvPr>
-            <p:ph idx="1" type="body"/>
-          </p:nvPr>
-        </p:nvSpPr>
-        <p:spPr>
-          <a:xfrm>
-            <a:off x="685800" y="4343400"/>
-            <a:ext cx="5486400" cy="4114800"/>
-          </a:xfrm>
-          <a:prstGeom prst="rect">
-            <a:avLst/>
-          </a:prstGeom>
-        </p:spPr>
-        <p:txBody>
-          <a:bodyPr anchorCtr="0" anchor="t" bIns="91425" lIns="91425" spcFirstLastPara="1" rIns="91425" wrap="square" tIns="91425">
-            <a:noAutofit/>
-          </a:bodyPr>
-          <a:lstStyle/>
-          <a:p>
-            <a:pPr indent="0" lvl="0" marL="0" rtl="0" algn="l">
-              <a:spcBef>
-                <a:spcPts val="0"/>
-              </a:spcBef>
-              <a:spcAft>
-                <a:spcPts val="0"/>
-              </a:spcAft>
-              <a:buNone/>
-            </a:pPr>
-            <a:r>
-              <a:t/>
-            </a:r>
-            <a:endParaRPr/>
-          </a:p>
-        </p:txBody>
-      </p:sp>
-      <p:sp>
-        <p:nvSpPr>
-          <p:cNvPr id="205" name="Google Shape;205;p14:notes"/>
+          <p:cNvPr id="204" name="Google Shape;204;g3913aff3a0d_0_0:notes"/>
           <p:cNvSpPr/>
           <p:nvPr>
             <p:ph idx="2" type="sldImg"/>
@@ -1276,7 +1239,7 @@
         <p:spPr>
           <a:xfrm>
             <a:off x="1143225" y="685800"/>
-            <a:ext cx="4572225" cy="3429000"/>
+            <a:ext cx="4572300" cy="3429000"/>
           </a:xfrm>
           <a:custGeom>
             <a:rect b="b" l="l" r="r" t="t"/>
@@ -1300,34 +1263,9 @@
           </a:custGeom>
         </p:spPr>
       </p:sp>
-    </p:spTree>
-  </p:cSld>
-  <p:clrMapOvr>
-    <a:masterClrMapping/>
-  </p:clrMapOvr>
-</p:notes>
-</file>
-
-<file path=ppt/notesSlides/notesSlide15.xml><?xml version="1.0" encoding="utf-8"?>
-<p:notes xmlns:a="http://schemas.openxmlformats.org/drawingml/2006/main" xmlns:r="http://schemas.openxmlformats.org/officeDocument/2006/relationships" xmlns:mc="http://schemas.openxmlformats.org/markup-compatibility/2006" xmlns:mv="urn:schemas-microsoft-com:mac:vml" xmlns:p="http://schemas.openxmlformats.org/presentationml/2006/main" xmlns:c="http://schemas.openxmlformats.org/drawingml/2006/chart" xmlns:dgm="http://schemas.openxmlformats.org/drawingml/2006/diagram" xmlns:o="urn:schemas-microsoft-com:office:office" xmlns:v="urn:schemas-microsoft-com:vml" xmlns:pvml="urn:schemas-microsoft-com:office:powerpoint" xmlns:com="http://schemas.openxmlformats.org/drawingml/2006/compatibility" xmlns:p14="http://schemas.microsoft.com/office/powerpoint/2010/main" xmlns:p15="http://schemas.microsoft.com/office/powerpoint/2012/main" xmlns:ahyp="http://schemas.microsoft.com/office/drawing/2018/hyperlinkcolor" showMasterPhAnim="0" showMasterSp="0">
-  <p:cSld>
-    <p:spTree>
-      <p:nvGrpSpPr>
-        <p:cNvPr id="223" name="Shape 223"/>
-        <p:cNvGrpSpPr/>
-        <p:nvPr/>
-      </p:nvGrpSpPr>
-      <p:grpSpPr>
-        <a:xfrm>
-          <a:off x="0" y="0"/>
-          <a:ext cx="0" cy="0"/>
-          <a:chOff x="0" y="0"/>
-          <a:chExt cx="0" cy="0"/>
-        </a:xfrm>
-      </p:grpSpPr>
       <p:sp>
         <p:nvSpPr>
-          <p:cNvPr id="224" name="Google Shape;224;p15:notes"/>
+          <p:cNvPr id="205" name="Google Shape;205;g3913aff3a0d_0_0:notes"/>
           <p:cNvSpPr txBox="1"/>
           <p:nvPr>
             <p:ph idx="1" type="body"/>
@@ -1364,9 +1302,73 @@
           </a:p>
         </p:txBody>
       </p:sp>
+    </p:spTree>
+  </p:cSld>
+  <p:clrMapOvr>
+    <a:masterClrMapping/>
+  </p:clrMapOvr>
+</p:notes>
+</file>
+
+<file path=ppt/notesSlides/notesSlide15.xml><?xml version="1.0" encoding="utf-8"?>
+<p:notes xmlns:a="http://schemas.openxmlformats.org/drawingml/2006/main" xmlns:r="http://schemas.openxmlformats.org/officeDocument/2006/relationships" xmlns:mc="http://schemas.openxmlformats.org/markup-compatibility/2006" xmlns:mv="urn:schemas-microsoft-com:mac:vml" xmlns:p="http://schemas.openxmlformats.org/presentationml/2006/main" xmlns:c="http://schemas.openxmlformats.org/drawingml/2006/chart" xmlns:dgm="http://schemas.openxmlformats.org/drawingml/2006/diagram" xmlns:o="urn:schemas-microsoft-com:office:office" xmlns:v="urn:schemas-microsoft-com:vml" xmlns:pvml="urn:schemas-microsoft-com:office:powerpoint" xmlns:com="http://schemas.openxmlformats.org/drawingml/2006/compatibility" xmlns:p14="http://schemas.microsoft.com/office/powerpoint/2010/main" xmlns:p15="http://schemas.microsoft.com/office/powerpoint/2012/main" xmlns:ahyp="http://schemas.microsoft.com/office/drawing/2018/hyperlinkcolor" showMasterPhAnim="0" showMasterSp="0">
+  <p:cSld>
+    <p:spTree>
+      <p:nvGrpSpPr>
+        <p:cNvPr id="208" name="Shape 208"/>
+        <p:cNvGrpSpPr/>
+        <p:nvPr/>
+      </p:nvGrpSpPr>
+      <p:grpSpPr>
+        <a:xfrm>
+          <a:off x="0" y="0"/>
+          <a:ext cx="0" cy="0"/>
+          <a:chOff x="0" y="0"/>
+          <a:chExt cx="0" cy="0"/>
+        </a:xfrm>
+      </p:grpSpPr>
       <p:sp>
         <p:nvSpPr>
-          <p:cNvPr id="225" name="Google Shape;225;p15:notes"/>
+          <p:cNvPr id="209" name="Google Shape;209;p14:notes"/>
+          <p:cNvSpPr txBox="1"/>
+          <p:nvPr>
+            <p:ph idx="1" type="body"/>
+          </p:nvPr>
+        </p:nvSpPr>
+        <p:spPr>
+          <a:xfrm>
+            <a:off x="685800" y="4343400"/>
+            <a:ext cx="5486400" cy="4114800"/>
+          </a:xfrm>
+          <a:prstGeom prst="rect">
+            <a:avLst/>
+          </a:prstGeom>
+        </p:spPr>
+        <p:txBody>
+          <a:bodyPr anchorCtr="0" anchor="t" bIns="91425" lIns="91425" spcFirstLastPara="1" rIns="91425" wrap="square" tIns="91425">
+            <a:noAutofit/>
+          </a:bodyPr>
+          <a:lstStyle/>
+          <a:p>
+            <a:pPr indent="0" lvl="0" marL="0" rtl="0" algn="l">
+              <a:spcBef>
+                <a:spcPts val="0"/>
+              </a:spcBef>
+              <a:spcAft>
+                <a:spcPts val="0"/>
+              </a:spcAft>
+              <a:buNone/>
+            </a:pPr>
+            <a:r>
+              <a:t/>
+            </a:r>
+            <a:endParaRPr/>
+          </a:p>
+        </p:txBody>
+      </p:sp>
+      <p:sp>
+        <p:nvSpPr>
+          <p:cNvPr id="210" name="Google Shape;210;p14:notes"/>
           <p:cNvSpPr/>
           <p:nvPr>
             <p:ph idx="2" type="sldImg"/>
@@ -1412,7 +1414,7 @@
   <p:cSld>
     <p:spTree>
       <p:nvGrpSpPr>
-        <p:cNvPr id="228" name="Shape 228"/>
+        <p:cNvPr id="227" name="Shape 227"/>
         <p:cNvGrpSpPr/>
         <p:nvPr/>
       </p:nvGrpSpPr>
@@ -1426,46 +1428,7 @@
       </p:grpSpPr>
       <p:sp>
         <p:nvSpPr>
-          <p:cNvPr id="229" name="Google Shape;229;p16:notes"/>
-          <p:cNvSpPr txBox="1"/>
-          <p:nvPr>
-            <p:ph idx="1" type="body"/>
-          </p:nvPr>
-        </p:nvSpPr>
-        <p:spPr>
-          <a:xfrm>
-            <a:off x="685800" y="4343400"/>
-            <a:ext cx="5486400" cy="4114800"/>
-          </a:xfrm>
-          <a:prstGeom prst="rect">
-            <a:avLst/>
-          </a:prstGeom>
-        </p:spPr>
-        <p:txBody>
-          <a:bodyPr anchorCtr="0" anchor="t" bIns="91425" lIns="91425" spcFirstLastPara="1" rIns="91425" wrap="square" tIns="91425">
-            <a:noAutofit/>
-          </a:bodyPr>
-          <a:lstStyle/>
-          <a:p>
-            <a:pPr indent="0" lvl="0" marL="0" rtl="0" algn="l">
-              <a:spcBef>
-                <a:spcPts val="0"/>
-              </a:spcBef>
-              <a:spcAft>
-                <a:spcPts val="0"/>
-              </a:spcAft>
-              <a:buNone/>
-            </a:pPr>
-            <a:r>
-              <a:t/>
-            </a:r>
-            <a:endParaRPr/>
-          </a:p>
-        </p:txBody>
-      </p:sp>
-      <p:sp>
-        <p:nvSpPr>
-          <p:cNvPr id="230" name="Google Shape;230;p16:notes"/>
+          <p:cNvPr id="228" name="Google Shape;228;g3913aff3a0d_0_3:notes"/>
           <p:cNvSpPr/>
           <p:nvPr>
             <p:ph idx="2" type="sldImg"/>
@@ -1474,7 +1437,7 @@
         <p:spPr>
           <a:xfrm>
             <a:off x="1143225" y="685800"/>
-            <a:ext cx="4572225" cy="3429000"/>
+            <a:ext cx="4572300" cy="3429000"/>
           </a:xfrm>
           <a:custGeom>
             <a:rect b="b" l="l" r="r" t="t"/>
@@ -1498,34 +1461,9 @@
           </a:custGeom>
         </p:spPr>
       </p:sp>
-    </p:spTree>
-  </p:cSld>
-  <p:clrMapOvr>
-    <a:masterClrMapping/>
-  </p:clrMapOvr>
-</p:notes>
-</file>
-
-<file path=ppt/notesSlides/notesSlide17.xml><?xml version="1.0" encoding="utf-8"?>
-<p:notes xmlns:a="http://schemas.openxmlformats.org/drawingml/2006/main" xmlns:r="http://schemas.openxmlformats.org/officeDocument/2006/relationships" xmlns:mc="http://schemas.openxmlformats.org/markup-compatibility/2006" xmlns:mv="urn:schemas-microsoft-com:mac:vml" xmlns:p="http://schemas.openxmlformats.org/presentationml/2006/main" xmlns:c="http://schemas.openxmlformats.org/drawingml/2006/chart" xmlns:dgm="http://schemas.openxmlformats.org/drawingml/2006/diagram" xmlns:o="urn:schemas-microsoft-com:office:office" xmlns:v="urn:schemas-microsoft-com:vml" xmlns:pvml="urn:schemas-microsoft-com:office:powerpoint" xmlns:com="http://schemas.openxmlformats.org/drawingml/2006/compatibility" xmlns:p14="http://schemas.microsoft.com/office/powerpoint/2010/main" xmlns:p15="http://schemas.microsoft.com/office/powerpoint/2012/main" xmlns:ahyp="http://schemas.microsoft.com/office/drawing/2018/hyperlinkcolor" showMasterPhAnim="0" showMasterSp="0">
-  <p:cSld>
-    <p:spTree>
-      <p:nvGrpSpPr>
-        <p:cNvPr id="236" name="Shape 236"/>
-        <p:cNvGrpSpPr/>
-        <p:nvPr/>
-      </p:nvGrpSpPr>
-      <p:grpSpPr>
-        <a:xfrm>
-          <a:off x="0" y="0"/>
-          <a:ext cx="0" cy="0"/>
-          <a:chOff x="0" y="0"/>
-          <a:chExt cx="0" cy="0"/>
-        </a:xfrm>
-      </p:grpSpPr>
       <p:sp>
         <p:nvSpPr>
-          <p:cNvPr id="237" name="Google Shape;237;p17:notes"/>
+          <p:cNvPr id="229" name="Google Shape;229;g3913aff3a0d_0_3:notes"/>
           <p:cNvSpPr txBox="1"/>
           <p:nvPr>
             <p:ph idx="1" type="body"/>
@@ -1562,9 +1500,73 @@
           </a:p>
         </p:txBody>
       </p:sp>
+    </p:spTree>
+  </p:cSld>
+  <p:clrMapOvr>
+    <a:masterClrMapping/>
+  </p:clrMapOvr>
+</p:notes>
+</file>
+
+<file path=ppt/notesSlides/notesSlide17.xml><?xml version="1.0" encoding="utf-8"?>
+<p:notes xmlns:a="http://schemas.openxmlformats.org/drawingml/2006/main" xmlns:r="http://schemas.openxmlformats.org/officeDocument/2006/relationships" xmlns:mc="http://schemas.openxmlformats.org/markup-compatibility/2006" xmlns:mv="urn:schemas-microsoft-com:mac:vml" xmlns:p="http://schemas.openxmlformats.org/presentationml/2006/main" xmlns:c="http://schemas.openxmlformats.org/drawingml/2006/chart" xmlns:dgm="http://schemas.openxmlformats.org/drawingml/2006/diagram" xmlns:o="urn:schemas-microsoft-com:office:office" xmlns:v="urn:schemas-microsoft-com:vml" xmlns:pvml="urn:schemas-microsoft-com:office:powerpoint" xmlns:com="http://schemas.openxmlformats.org/drawingml/2006/compatibility" xmlns:p14="http://schemas.microsoft.com/office/powerpoint/2010/main" xmlns:p15="http://schemas.microsoft.com/office/powerpoint/2012/main" xmlns:ahyp="http://schemas.microsoft.com/office/drawing/2018/hyperlinkcolor" showMasterPhAnim="0" showMasterSp="0">
+  <p:cSld>
+    <p:spTree>
+      <p:nvGrpSpPr>
+        <p:cNvPr id="234" name="Shape 234"/>
+        <p:cNvGrpSpPr/>
+        <p:nvPr/>
+      </p:nvGrpSpPr>
+      <p:grpSpPr>
+        <a:xfrm>
+          <a:off x="0" y="0"/>
+          <a:ext cx="0" cy="0"/>
+          <a:chOff x="0" y="0"/>
+          <a:chExt cx="0" cy="0"/>
+        </a:xfrm>
+      </p:grpSpPr>
       <p:sp>
         <p:nvSpPr>
-          <p:cNvPr id="238" name="Google Shape;238;p17:notes"/>
+          <p:cNvPr id="235" name="Google Shape;235;p15:notes"/>
+          <p:cNvSpPr txBox="1"/>
+          <p:nvPr>
+            <p:ph idx="1" type="body"/>
+          </p:nvPr>
+        </p:nvSpPr>
+        <p:spPr>
+          <a:xfrm>
+            <a:off x="685800" y="4343400"/>
+            <a:ext cx="5486400" cy="4114800"/>
+          </a:xfrm>
+          <a:prstGeom prst="rect">
+            <a:avLst/>
+          </a:prstGeom>
+        </p:spPr>
+        <p:txBody>
+          <a:bodyPr anchorCtr="0" anchor="t" bIns="91425" lIns="91425" spcFirstLastPara="1" rIns="91425" wrap="square" tIns="91425">
+            <a:noAutofit/>
+          </a:bodyPr>
+          <a:lstStyle/>
+          <a:p>
+            <a:pPr indent="0" lvl="0" marL="0" rtl="0" algn="l">
+              <a:spcBef>
+                <a:spcPts val="0"/>
+              </a:spcBef>
+              <a:spcAft>
+                <a:spcPts val="0"/>
+              </a:spcAft>
+              <a:buNone/>
+            </a:pPr>
+            <a:r>
+              <a:t/>
+            </a:r>
+            <a:endParaRPr/>
+          </a:p>
+        </p:txBody>
+      </p:sp>
+      <p:sp>
+        <p:nvSpPr>
+          <p:cNvPr id="236" name="Google Shape;236;p15:notes"/>
           <p:cNvSpPr/>
           <p:nvPr>
             <p:ph idx="2" type="sldImg"/>
@@ -1610,7 +1612,7 @@
   <p:cSld>
     <p:spTree>
       <p:nvGrpSpPr>
-        <p:cNvPr id="244" name="Shape 244"/>
+        <p:cNvPr id="239" name="Shape 239"/>
         <p:cNvGrpSpPr/>
         <p:nvPr/>
       </p:nvGrpSpPr>
@@ -1624,7 +1626,7 @@
       </p:grpSpPr>
       <p:sp>
         <p:nvSpPr>
-          <p:cNvPr id="245" name="Google Shape;245;p18:notes"/>
+          <p:cNvPr id="240" name="Google Shape;240;p16:notes"/>
           <p:cNvSpPr txBox="1"/>
           <p:nvPr>
             <p:ph idx="1" type="body"/>
@@ -1663,7 +1665,7 @@
       </p:sp>
       <p:sp>
         <p:nvSpPr>
-          <p:cNvPr id="246" name="Google Shape;246;p18:notes"/>
+          <p:cNvPr id="241" name="Google Shape;241;p16:notes"/>
           <p:cNvSpPr/>
           <p:nvPr>
             <p:ph idx="2" type="sldImg"/>
@@ -1709,7 +1711,7 @@
   <p:cSld>
     <p:spTree>
       <p:nvGrpSpPr>
-        <p:cNvPr id="252" name="Shape 252"/>
+        <p:cNvPr id="247" name="Shape 247"/>
         <p:cNvGrpSpPr/>
         <p:nvPr/>
       </p:nvGrpSpPr>
@@ -1723,7 +1725,7 @@
       </p:grpSpPr>
       <p:sp>
         <p:nvSpPr>
-          <p:cNvPr id="253" name="Google Shape;253;p19:notes"/>
+          <p:cNvPr id="248" name="Google Shape;248;p17:notes"/>
           <p:cNvSpPr txBox="1"/>
           <p:nvPr>
             <p:ph idx="1" type="body"/>
@@ -1762,7 +1764,7 @@
       </p:sp>
       <p:sp>
         <p:nvSpPr>
-          <p:cNvPr id="254" name="Google Shape;254;p19:notes"/>
+          <p:cNvPr id="249" name="Google Shape;249;p17:notes"/>
           <p:cNvSpPr/>
           <p:nvPr>
             <p:ph idx="2" type="sldImg"/>
@@ -1862,6 +1864,204 @@
       <p:sp>
         <p:nvSpPr>
           <p:cNvPr id="92" name="Google Shape;92;p2:notes"/>
+          <p:cNvSpPr/>
+          <p:nvPr>
+            <p:ph idx="2" type="sldImg"/>
+          </p:nvPr>
+        </p:nvSpPr>
+        <p:spPr>
+          <a:xfrm>
+            <a:off x="1143225" y="685800"/>
+            <a:ext cx="4572225" cy="3429000"/>
+          </a:xfrm>
+          <a:custGeom>
+            <a:rect b="b" l="l" r="r" t="t"/>
+            <a:pathLst>
+              <a:path extrusionOk="0" h="120000" w="120000">
+                <a:moveTo>
+                  <a:pt x="0" y="0"/>
+                </a:moveTo>
+                <a:lnTo>
+                  <a:pt x="120000" y="0"/>
+                </a:lnTo>
+                <a:lnTo>
+                  <a:pt x="120000" y="120000"/>
+                </a:lnTo>
+                <a:lnTo>
+                  <a:pt x="0" y="120000"/>
+                </a:lnTo>
+                <a:close/>
+              </a:path>
+            </a:pathLst>
+          </a:custGeom>
+        </p:spPr>
+      </p:sp>
+    </p:spTree>
+  </p:cSld>
+  <p:clrMapOvr>
+    <a:masterClrMapping/>
+  </p:clrMapOvr>
+</p:notes>
+</file>
+
+<file path=ppt/notesSlides/notesSlide20.xml><?xml version="1.0" encoding="utf-8"?>
+<p:notes xmlns:a="http://schemas.openxmlformats.org/drawingml/2006/main" xmlns:r="http://schemas.openxmlformats.org/officeDocument/2006/relationships" xmlns:mc="http://schemas.openxmlformats.org/markup-compatibility/2006" xmlns:mv="urn:schemas-microsoft-com:mac:vml" xmlns:p="http://schemas.openxmlformats.org/presentationml/2006/main" xmlns:c="http://schemas.openxmlformats.org/drawingml/2006/chart" xmlns:dgm="http://schemas.openxmlformats.org/drawingml/2006/diagram" xmlns:o="urn:schemas-microsoft-com:office:office" xmlns:v="urn:schemas-microsoft-com:vml" xmlns:pvml="urn:schemas-microsoft-com:office:powerpoint" xmlns:com="http://schemas.openxmlformats.org/drawingml/2006/compatibility" xmlns:p14="http://schemas.microsoft.com/office/powerpoint/2010/main" xmlns:p15="http://schemas.microsoft.com/office/powerpoint/2012/main" xmlns:ahyp="http://schemas.microsoft.com/office/drawing/2018/hyperlinkcolor" showMasterPhAnim="0" showMasterSp="0">
+  <p:cSld>
+    <p:spTree>
+      <p:nvGrpSpPr>
+        <p:cNvPr id="255" name="Shape 255"/>
+        <p:cNvGrpSpPr/>
+        <p:nvPr/>
+      </p:nvGrpSpPr>
+      <p:grpSpPr>
+        <a:xfrm>
+          <a:off x="0" y="0"/>
+          <a:ext cx="0" cy="0"/>
+          <a:chOff x="0" y="0"/>
+          <a:chExt cx="0" cy="0"/>
+        </a:xfrm>
+      </p:grpSpPr>
+      <p:sp>
+        <p:nvSpPr>
+          <p:cNvPr id="256" name="Google Shape;256;p18:notes"/>
+          <p:cNvSpPr txBox="1"/>
+          <p:nvPr>
+            <p:ph idx="1" type="body"/>
+          </p:nvPr>
+        </p:nvSpPr>
+        <p:spPr>
+          <a:xfrm>
+            <a:off x="685800" y="4343400"/>
+            <a:ext cx="5486400" cy="4114800"/>
+          </a:xfrm>
+          <a:prstGeom prst="rect">
+            <a:avLst/>
+          </a:prstGeom>
+        </p:spPr>
+        <p:txBody>
+          <a:bodyPr anchorCtr="0" anchor="t" bIns="91425" lIns="91425" spcFirstLastPara="1" rIns="91425" wrap="square" tIns="91425">
+            <a:noAutofit/>
+          </a:bodyPr>
+          <a:lstStyle/>
+          <a:p>
+            <a:pPr indent="0" lvl="0" marL="0" rtl="0" algn="l">
+              <a:spcBef>
+                <a:spcPts val="0"/>
+              </a:spcBef>
+              <a:spcAft>
+                <a:spcPts val="0"/>
+              </a:spcAft>
+              <a:buNone/>
+            </a:pPr>
+            <a:r>
+              <a:t/>
+            </a:r>
+            <a:endParaRPr/>
+          </a:p>
+        </p:txBody>
+      </p:sp>
+      <p:sp>
+        <p:nvSpPr>
+          <p:cNvPr id="257" name="Google Shape;257;p18:notes"/>
+          <p:cNvSpPr/>
+          <p:nvPr>
+            <p:ph idx="2" type="sldImg"/>
+          </p:nvPr>
+        </p:nvSpPr>
+        <p:spPr>
+          <a:xfrm>
+            <a:off x="1143225" y="685800"/>
+            <a:ext cx="4572225" cy="3429000"/>
+          </a:xfrm>
+          <a:custGeom>
+            <a:rect b="b" l="l" r="r" t="t"/>
+            <a:pathLst>
+              <a:path extrusionOk="0" h="120000" w="120000">
+                <a:moveTo>
+                  <a:pt x="0" y="0"/>
+                </a:moveTo>
+                <a:lnTo>
+                  <a:pt x="120000" y="0"/>
+                </a:lnTo>
+                <a:lnTo>
+                  <a:pt x="120000" y="120000"/>
+                </a:lnTo>
+                <a:lnTo>
+                  <a:pt x="0" y="120000"/>
+                </a:lnTo>
+                <a:close/>
+              </a:path>
+            </a:pathLst>
+          </a:custGeom>
+        </p:spPr>
+      </p:sp>
+    </p:spTree>
+  </p:cSld>
+  <p:clrMapOvr>
+    <a:masterClrMapping/>
+  </p:clrMapOvr>
+</p:notes>
+</file>
+
+<file path=ppt/notesSlides/notesSlide21.xml><?xml version="1.0" encoding="utf-8"?>
+<p:notes xmlns:a="http://schemas.openxmlformats.org/drawingml/2006/main" xmlns:r="http://schemas.openxmlformats.org/officeDocument/2006/relationships" xmlns:mc="http://schemas.openxmlformats.org/markup-compatibility/2006" xmlns:mv="urn:schemas-microsoft-com:mac:vml" xmlns:p="http://schemas.openxmlformats.org/presentationml/2006/main" xmlns:c="http://schemas.openxmlformats.org/drawingml/2006/chart" xmlns:dgm="http://schemas.openxmlformats.org/drawingml/2006/diagram" xmlns:o="urn:schemas-microsoft-com:office:office" xmlns:v="urn:schemas-microsoft-com:vml" xmlns:pvml="urn:schemas-microsoft-com:office:powerpoint" xmlns:com="http://schemas.openxmlformats.org/drawingml/2006/compatibility" xmlns:p14="http://schemas.microsoft.com/office/powerpoint/2010/main" xmlns:p15="http://schemas.microsoft.com/office/powerpoint/2012/main" xmlns:ahyp="http://schemas.microsoft.com/office/drawing/2018/hyperlinkcolor" showMasterPhAnim="0" showMasterSp="0">
+  <p:cSld>
+    <p:spTree>
+      <p:nvGrpSpPr>
+        <p:cNvPr id="263" name="Shape 263"/>
+        <p:cNvGrpSpPr/>
+        <p:nvPr/>
+      </p:nvGrpSpPr>
+      <p:grpSpPr>
+        <a:xfrm>
+          <a:off x="0" y="0"/>
+          <a:ext cx="0" cy="0"/>
+          <a:chOff x="0" y="0"/>
+          <a:chExt cx="0" cy="0"/>
+        </a:xfrm>
+      </p:grpSpPr>
+      <p:sp>
+        <p:nvSpPr>
+          <p:cNvPr id="264" name="Google Shape;264;p19:notes"/>
+          <p:cNvSpPr txBox="1"/>
+          <p:nvPr>
+            <p:ph idx="1" type="body"/>
+          </p:nvPr>
+        </p:nvSpPr>
+        <p:spPr>
+          <a:xfrm>
+            <a:off x="685800" y="4343400"/>
+            <a:ext cx="5486400" cy="4114800"/>
+          </a:xfrm>
+          <a:prstGeom prst="rect">
+            <a:avLst/>
+          </a:prstGeom>
+        </p:spPr>
+        <p:txBody>
+          <a:bodyPr anchorCtr="0" anchor="t" bIns="91425" lIns="91425" spcFirstLastPara="1" rIns="91425" wrap="square" tIns="91425">
+            <a:noAutofit/>
+          </a:bodyPr>
+          <a:lstStyle/>
+          <a:p>
+            <a:pPr indent="0" lvl="0" marL="0" rtl="0" algn="l">
+              <a:spcBef>
+                <a:spcPts val="0"/>
+              </a:spcBef>
+              <a:spcAft>
+                <a:spcPts val="0"/>
+              </a:spcAft>
+              <a:buNone/>
+            </a:pPr>
+            <a:r>
+              <a:t/>
+            </a:r>
+            <a:endParaRPr/>
+          </a:p>
+        </p:txBody>
+      </p:sp>
+      <p:sp>
+        <p:nvSpPr>
+          <p:cNvPr id="265" name="Google Shape;265;p19:notes"/>
           <p:cNvSpPr/>
           <p:nvPr>
             <p:ph idx="2" type="sldImg"/>
@@ -12860,7 +13060,7 @@
             <a:tbl>
               <a:tblPr bandRow="1">
                 <a:noFill/>
-                <a:tableStyleId>{B0992EC9-E086-4C07-B441-F85CB0D95FCE}</a:tableStyleId>
+                <a:tableStyleId>{9745C8EF-3922-48ED-AAD0-3AA5F39FECB8}</a:tableStyleId>
               </a:tblPr>
               <a:tblGrid>
                 <a:gridCol w="1751200"/>
@@ -20353,13 +20553,6 @@
 <file path=ppt/slides/slide14.xml><?xml version="1.0" encoding="utf-8"?>
 <p:sld xmlns:a="http://schemas.openxmlformats.org/drawingml/2006/main" xmlns:r="http://schemas.openxmlformats.org/officeDocument/2006/relationships" xmlns:mc="http://schemas.openxmlformats.org/markup-compatibility/2006" xmlns:mv="urn:schemas-microsoft-com:mac:vml" xmlns:p="http://schemas.openxmlformats.org/presentationml/2006/main" xmlns:c="http://schemas.openxmlformats.org/drawingml/2006/chart" xmlns:dgm="http://schemas.openxmlformats.org/drawingml/2006/diagram" xmlns:o="urn:schemas-microsoft-com:office:office" xmlns:v="urn:schemas-microsoft-com:vml" xmlns:pvml="urn:schemas-microsoft-com:office:powerpoint" xmlns:com="http://schemas.openxmlformats.org/drawingml/2006/compatibility" xmlns:p14="http://schemas.microsoft.com/office/powerpoint/2010/main" xmlns:p15="http://schemas.microsoft.com/office/powerpoint/2012/main" xmlns:ahyp="http://schemas.microsoft.com/office/drawing/2018/hyperlinkcolor">
   <p:cSld>
-    <p:bg>
-      <p:bgPr>
-        <a:solidFill>
-          <a:srgbClr val="F3F4F6"/>
-        </a:solidFill>
-      </p:bgPr>
-    </p:bg>
     <p:spTree>
       <p:nvGrpSpPr>
         <p:cNvPr id="206" name="Shape 206"/>
@@ -20374,9 +20567,69 @@
           <a:chExt cx="0" cy="0"/>
         </a:xfrm>
       </p:grpSpPr>
+      <p:pic>
+        <p:nvPicPr>
+          <p:cNvPr id="207" name="Google Shape;207;g3913aff3a0d_0_0"/>
+          <p:cNvPicPr preferRelativeResize="0"/>
+          <p:nvPr/>
+        </p:nvPicPr>
+        <p:blipFill>
+          <a:blip r:embed="rId3">
+            <a:alphaModFix/>
+          </a:blip>
+          <a:stretch>
+            <a:fillRect/>
+          </a:stretch>
+        </p:blipFill>
+        <p:spPr>
+          <a:xfrm>
+            <a:off x="982925" y="1303500"/>
+            <a:ext cx="15821601" cy="7424425"/>
+          </a:xfrm>
+          <a:prstGeom prst="rect">
+            <a:avLst/>
+          </a:prstGeom>
+          <a:noFill/>
+          <a:ln>
+            <a:noFill/>
+          </a:ln>
+        </p:spPr>
+      </p:pic>
+    </p:spTree>
+  </p:cSld>
+  <p:clrMapOvr>
+    <a:masterClrMapping/>
+  </p:clrMapOvr>
+</p:sld>
+</file>
+
+<file path=ppt/slides/slide15.xml><?xml version="1.0" encoding="utf-8"?>
+<p:sld xmlns:a="http://schemas.openxmlformats.org/drawingml/2006/main" xmlns:r="http://schemas.openxmlformats.org/officeDocument/2006/relationships" xmlns:mc="http://schemas.openxmlformats.org/markup-compatibility/2006" xmlns:mv="urn:schemas-microsoft-com:mac:vml" xmlns:p="http://schemas.openxmlformats.org/presentationml/2006/main" xmlns:c="http://schemas.openxmlformats.org/drawingml/2006/chart" xmlns:dgm="http://schemas.openxmlformats.org/drawingml/2006/diagram" xmlns:o="urn:schemas-microsoft-com:office:office" xmlns:v="urn:schemas-microsoft-com:vml" xmlns:pvml="urn:schemas-microsoft-com:office:powerpoint" xmlns:com="http://schemas.openxmlformats.org/drawingml/2006/compatibility" xmlns:p14="http://schemas.microsoft.com/office/powerpoint/2010/main" xmlns:p15="http://schemas.microsoft.com/office/powerpoint/2012/main" xmlns:ahyp="http://schemas.microsoft.com/office/drawing/2018/hyperlinkcolor">
+  <p:cSld>
+    <p:bg>
+      <p:bgPr>
+        <a:solidFill>
+          <a:srgbClr val="F3F4F6"/>
+        </a:solidFill>
+      </p:bgPr>
+    </p:bg>
+    <p:spTree>
+      <p:nvGrpSpPr>
+        <p:cNvPr id="211" name="Shape 211"/>
+        <p:cNvGrpSpPr/>
+        <p:nvPr/>
+      </p:nvGrpSpPr>
+      <p:grpSpPr>
+        <a:xfrm>
+          <a:off x="0" y="0"/>
+          <a:ext cx="0" cy="0"/>
+          <a:chOff x="0" y="0"/>
+          <a:chExt cx="0" cy="0"/>
+        </a:xfrm>
+      </p:grpSpPr>
       <p:sp>
         <p:nvSpPr>
-          <p:cNvPr id="207" name="Google Shape;207;p14"/>
+          <p:cNvPr id="212" name="Google Shape;212;p14"/>
           <p:cNvSpPr/>
           <p:nvPr/>
         </p:nvSpPr>
@@ -20423,7 +20676,7 @@
       </p:sp>
       <p:sp>
         <p:nvSpPr>
-          <p:cNvPr id="208" name="Google Shape;208;p14"/>
+          <p:cNvPr id="213" name="Google Shape;213;p14"/>
           <p:cNvSpPr/>
           <p:nvPr/>
         </p:nvSpPr>
@@ -20470,7 +20723,7 @@
       </p:sp>
       <p:sp>
         <p:nvSpPr>
-          <p:cNvPr id="209" name="Google Shape;209;p14"/>
+          <p:cNvPr id="214" name="Google Shape;214;p14"/>
           <p:cNvSpPr/>
           <p:nvPr/>
         </p:nvSpPr>
@@ -20517,7 +20770,7 @@
       </p:sp>
       <p:sp>
         <p:nvSpPr>
-          <p:cNvPr id="210" name="Google Shape;210;p14"/>
+          <p:cNvPr id="215" name="Google Shape;215;p14"/>
           <p:cNvSpPr/>
           <p:nvPr/>
         </p:nvSpPr>
@@ -20564,7 +20817,7 @@
       </p:sp>
       <p:sp>
         <p:nvSpPr>
-          <p:cNvPr id="211" name="Google Shape;211;p14"/>
+          <p:cNvPr id="216" name="Google Shape;216;p14"/>
           <p:cNvSpPr/>
           <p:nvPr/>
         </p:nvSpPr>
@@ -20611,13 +20864,13 @@
       </p:sp>
       <p:sp>
         <p:nvSpPr>
-          <p:cNvPr id="212" name="Google Shape;212;p14"/>
+          <p:cNvPr id="217" name="Google Shape;217;p14"/>
           <p:cNvSpPr/>
           <p:nvPr/>
         </p:nvSpPr>
         <p:spPr>
           <a:xfrm>
-            <a:off x="10450513" y="2633590"/>
+            <a:off x="9498013" y="2633590"/>
             <a:ext cx="1985612" cy="1991540"/>
           </a:xfrm>
           <a:custGeom>
@@ -20658,7 +20911,7 @@
       </p:sp>
       <p:sp>
         <p:nvSpPr>
-          <p:cNvPr id="213" name="Google Shape;213;p14"/>
+          <p:cNvPr id="218" name="Google Shape;218;p14"/>
           <p:cNvSpPr/>
           <p:nvPr/>
         </p:nvSpPr>
@@ -20705,7 +20958,7 @@
       </p:sp>
       <p:sp>
         <p:nvSpPr>
-          <p:cNvPr id="214" name="Google Shape;214;p14"/>
+          <p:cNvPr id="219" name="Google Shape;219;p14"/>
           <p:cNvSpPr/>
           <p:nvPr/>
         </p:nvSpPr>
@@ -20752,7 +21005,7 @@
       </p:sp>
       <p:sp>
         <p:nvSpPr>
-          <p:cNvPr id="215" name="Google Shape;215;p14"/>
+          <p:cNvPr id="220" name="Google Shape;220;p14"/>
           <p:cNvSpPr/>
           <p:nvPr/>
         </p:nvSpPr>
@@ -20799,7 +21052,7 @@
       </p:sp>
       <p:sp>
         <p:nvSpPr>
-          <p:cNvPr id="216" name="Google Shape;216;p14"/>
+          <p:cNvPr id="221" name="Google Shape;221;p14"/>
           <p:cNvSpPr/>
           <p:nvPr/>
         </p:nvSpPr>
@@ -20846,7 +21099,7 @@
       </p:sp>
       <p:sp>
         <p:nvSpPr>
-          <p:cNvPr id="217" name="Google Shape;217;p14"/>
+          <p:cNvPr id="222" name="Google Shape;222;p14"/>
           <p:cNvSpPr/>
           <p:nvPr/>
         </p:nvSpPr>
@@ -20893,60 +21146,13 @@
       </p:sp>
       <p:sp>
         <p:nvSpPr>
-          <p:cNvPr id="218" name="Google Shape;218;p14"/>
+          <p:cNvPr id="223" name="Google Shape;223;p14"/>
           <p:cNvSpPr/>
           <p:nvPr/>
         </p:nvSpPr>
         <p:spPr>
           <a:xfrm>
-            <a:off x="3956676" y="2455772"/>
-            <a:ext cx="2833722" cy="1735654"/>
-          </a:xfrm>
-          <a:custGeom>
-            <a:rect b="b" l="l" r="r" t="t"/>
-            <a:pathLst>
-              <a:path extrusionOk="0" h="1735654" w="2833722">
-                <a:moveTo>
-                  <a:pt x="0" y="0"/>
-                </a:moveTo>
-                <a:lnTo>
-                  <a:pt x="2833722" y="0"/>
-                </a:lnTo>
-                <a:lnTo>
-                  <a:pt x="2833722" y="1735655"/>
-                </a:lnTo>
-                <a:lnTo>
-                  <a:pt x="0" y="1735655"/>
-                </a:lnTo>
-                <a:lnTo>
-                  <a:pt x="0" y="0"/>
-                </a:lnTo>
-                <a:close/>
-              </a:path>
-            </a:pathLst>
-          </a:custGeom>
-          <a:blipFill rotWithShape="1">
-            <a:blip r:embed="rId14">
-              <a:alphaModFix/>
-            </a:blip>
-            <a:stretch>
-              <a:fillRect b="0" l="0" r="0" t="0"/>
-            </a:stretch>
-          </a:blipFill>
-          <a:ln>
-            <a:noFill/>
-          </a:ln>
-        </p:spPr>
-      </p:sp>
-      <p:sp>
-        <p:nvSpPr>
-          <p:cNvPr id="219" name="Google Shape;219;p14"/>
-          <p:cNvSpPr/>
-          <p:nvPr/>
-        </p:nvSpPr>
-        <p:spPr>
-          <a:xfrm>
-            <a:off x="7546594" y="2651594"/>
+            <a:off x="5730894" y="2848519"/>
             <a:ext cx="1493345" cy="1344011"/>
           </a:xfrm>
           <a:custGeom>
@@ -20973,7 +21179,7 @@
             </a:pathLst>
           </a:custGeom>
           <a:blipFill rotWithShape="1">
-            <a:blip r:embed="rId15">
+            <a:blip r:embed="rId14">
               <a:alphaModFix/>
             </a:blip>
             <a:stretch>
@@ -20987,7 +21193,7 @@
       </p:sp>
       <p:sp>
         <p:nvSpPr>
-          <p:cNvPr id="220" name="Google Shape;220;p14"/>
+          <p:cNvPr id="224" name="Google Shape;224;p14"/>
           <p:cNvSpPr/>
           <p:nvPr/>
         </p:nvSpPr>
@@ -21020,7 +21226,7 @@
             </a:pathLst>
           </a:custGeom>
           <a:blipFill rotWithShape="1">
-            <a:blip r:embed="rId16">
+            <a:blip r:embed="rId15">
               <a:alphaModFix/>
             </a:blip>
             <a:stretch>
@@ -21034,7 +21240,7 @@
       </p:sp>
       <p:sp>
         <p:nvSpPr>
-          <p:cNvPr id="221" name="Google Shape;221;p14"/>
+          <p:cNvPr id="225" name="Google Shape;225;p14"/>
           <p:cNvSpPr txBox="1"/>
           <p:nvPr/>
         </p:nvSpPr>
@@ -21087,7 +21293,7 @@
       </p:sp>
       <p:cxnSp>
         <p:nvCxnSpPr>
-          <p:cNvPr id="222" name="Google Shape;222;p14"/>
+          <p:cNvPr id="226" name="Google Shape;226;p14"/>
           <p:cNvCxnSpPr/>
           <p:nvPr/>
         </p:nvCxnSpPr>
@@ -21119,7 +21325,182 @@
 </p:sld>
 </file>
 
-<file path=ppt/slides/slide15.xml><?xml version="1.0" encoding="utf-8"?>
+<file path=ppt/slides/slide16.xml><?xml version="1.0" encoding="utf-8"?>
+<p:sld xmlns:a="http://schemas.openxmlformats.org/drawingml/2006/main" xmlns:r="http://schemas.openxmlformats.org/officeDocument/2006/relationships" xmlns:mc="http://schemas.openxmlformats.org/markup-compatibility/2006" xmlns:mv="urn:schemas-microsoft-com:mac:vml" xmlns:p="http://schemas.openxmlformats.org/presentationml/2006/main" xmlns:c="http://schemas.openxmlformats.org/drawingml/2006/chart" xmlns:dgm="http://schemas.openxmlformats.org/drawingml/2006/diagram" xmlns:o="urn:schemas-microsoft-com:office:office" xmlns:v="urn:schemas-microsoft-com:vml" xmlns:pvml="urn:schemas-microsoft-com:office:powerpoint" xmlns:com="http://schemas.openxmlformats.org/drawingml/2006/compatibility" xmlns:p14="http://schemas.microsoft.com/office/powerpoint/2010/main" xmlns:p15="http://schemas.microsoft.com/office/powerpoint/2012/main" xmlns:ahyp="http://schemas.microsoft.com/office/drawing/2018/hyperlinkcolor">
+  <p:cSld>
+    <p:spTree>
+      <p:nvGrpSpPr>
+        <p:cNvPr id="230" name="Shape 230"/>
+        <p:cNvGrpSpPr/>
+        <p:nvPr/>
+      </p:nvGrpSpPr>
+      <p:grpSpPr>
+        <a:xfrm>
+          <a:off x="0" y="0"/>
+          <a:ext cx="0" cy="0"/>
+          <a:chOff x="0" y="0"/>
+          <a:chExt cx="0" cy="0"/>
+        </a:xfrm>
+      </p:grpSpPr>
+      <p:pic>
+        <p:nvPicPr>
+          <p:cNvPr id="231" name="Google Shape;231;g3913aff3a0d_0_3" title="Untitled diagram-2025-12-02-233548.png"/>
+          <p:cNvPicPr preferRelativeResize="0"/>
+          <p:nvPr/>
+        </p:nvPicPr>
+        <p:blipFill>
+          <a:blip r:embed="rId3">
+            <a:alphaModFix/>
+          </a:blip>
+          <a:stretch>
+            <a:fillRect/>
+          </a:stretch>
+        </p:blipFill>
+        <p:spPr>
+          <a:xfrm>
+            <a:off x="7137400" y="152400"/>
+            <a:ext cx="3348522" cy="9982203"/>
+          </a:xfrm>
+          <a:prstGeom prst="rect">
+            <a:avLst/>
+          </a:prstGeom>
+          <a:noFill/>
+          <a:ln>
+            <a:noFill/>
+          </a:ln>
+        </p:spPr>
+      </p:pic>
+      <p:sp>
+        <p:nvSpPr>
+          <p:cNvPr id="232" name="Google Shape;232;g3913aff3a0d_0_3"/>
+          <p:cNvSpPr txBox="1"/>
+          <p:nvPr/>
+        </p:nvSpPr>
+        <p:spPr>
+          <a:xfrm>
+            <a:off x="1050725" y="1782950"/>
+            <a:ext cx="5691300" cy="2284200"/>
+          </a:xfrm>
+          <a:prstGeom prst="rect">
+            <a:avLst/>
+          </a:prstGeom>
+          <a:noFill/>
+          <a:ln>
+            <a:noFill/>
+          </a:ln>
+        </p:spPr>
+        <p:txBody>
+          <a:bodyPr anchorCtr="0" anchor="t" bIns="0" lIns="0" spcFirstLastPara="1" rIns="0" wrap="square" tIns="0">
+            <a:spAutoFit/>
+          </a:bodyPr>
+          <a:lstStyle/>
+          <a:p>
+            <a:pPr indent="0" lvl="0" marL="0" marR="0" rtl="0" algn="l">
+              <a:lnSpc>
+                <a:spcPct val="112000"/>
+              </a:lnSpc>
+              <a:spcBef>
+                <a:spcPts val="0"/>
+              </a:spcBef>
+              <a:spcAft>
+                <a:spcPts val="0"/>
+              </a:spcAft>
+              <a:buNone/>
+            </a:pPr>
+            <a:r>
+              <a:rPr b="1" lang="en-US" sz="7000">
+                <a:solidFill>
+                  <a:srgbClr val="307FE2"/>
+                </a:solidFill>
+                <a:latin typeface="Montserrat"/>
+                <a:ea typeface="Montserrat"/>
+                <a:cs typeface="Montserrat"/>
+                <a:sym typeface="Montserrat"/>
+              </a:rPr>
+              <a:t>Diagrama</a:t>
+            </a:r>
+            <a:endParaRPr b="1" sz="7000">
+              <a:solidFill>
+                <a:srgbClr val="307FE2"/>
+              </a:solidFill>
+              <a:latin typeface="Montserrat"/>
+              <a:ea typeface="Montserrat"/>
+              <a:cs typeface="Montserrat"/>
+              <a:sym typeface="Montserrat"/>
+            </a:endParaRPr>
+          </a:p>
+          <a:p>
+            <a:pPr indent="0" lvl="0" marL="0" marR="0" rtl="0" algn="l">
+              <a:lnSpc>
+                <a:spcPct val="112000"/>
+              </a:lnSpc>
+              <a:spcBef>
+                <a:spcPts val="0"/>
+              </a:spcBef>
+              <a:spcAft>
+                <a:spcPts val="0"/>
+              </a:spcAft>
+              <a:buNone/>
+            </a:pPr>
+            <a:r>
+              <a:rPr b="1" lang="en-US" sz="7000">
+                <a:solidFill>
+                  <a:srgbClr val="307FE2"/>
+                </a:solidFill>
+                <a:latin typeface="Montserrat"/>
+                <a:ea typeface="Montserrat"/>
+                <a:cs typeface="Montserrat"/>
+                <a:sym typeface="Montserrat"/>
+              </a:rPr>
+              <a:t>de  agentes</a:t>
+            </a:r>
+            <a:endParaRPr b="1" sz="7000">
+              <a:solidFill>
+                <a:srgbClr val="307FE2"/>
+              </a:solidFill>
+              <a:latin typeface="Montserrat"/>
+              <a:ea typeface="Montserrat"/>
+              <a:cs typeface="Montserrat"/>
+              <a:sym typeface="Montserrat"/>
+            </a:endParaRPr>
+          </a:p>
+        </p:txBody>
+      </p:sp>
+      <p:cxnSp>
+        <p:nvCxnSpPr>
+          <p:cNvPr id="233" name="Google Shape;233;g3913aff3a0d_0_3"/>
+          <p:cNvCxnSpPr/>
+          <p:nvPr/>
+        </p:nvCxnSpPr>
+        <p:spPr>
+          <a:xfrm>
+            <a:off x="1050725" y="4100975"/>
+            <a:ext cx="4620300" cy="0"/>
+          </a:xfrm>
+          <a:prstGeom prst="straightConnector1">
+            <a:avLst/>
+          </a:prstGeom>
+          <a:noFill/>
+          <a:ln cap="flat" cmpd="sng" w="19050">
+            <a:solidFill>
+              <a:srgbClr val="307FE2"/>
+            </a:solidFill>
+            <a:prstDash val="solid"/>
+            <a:round/>
+            <a:headEnd len="sm" w="sm" type="none"/>
+            <a:tailEnd len="sm" w="sm" type="none"/>
+          </a:ln>
+        </p:spPr>
+      </p:cxnSp>
+    </p:spTree>
+  </p:cSld>
+  <p:clrMapOvr>
+    <a:masterClrMapping/>
+  </p:clrMapOvr>
+</p:sld>
+</file>
+
+<file path=ppt/slides/slide17.xml><?xml version="1.0" encoding="utf-8"?>
 <p:sld xmlns:a="http://schemas.openxmlformats.org/drawingml/2006/main" xmlns:r="http://schemas.openxmlformats.org/officeDocument/2006/relationships" xmlns:mc="http://schemas.openxmlformats.org/markup-compatibility/2006" xmlns:mv="urn:schemas-microsoft-com:mac:vml" xmlns:p="http://schemas.openxmlformats.org/presentationml/2006/main" xmlns:c="http://schemas.openxmlformats.org/drawingml/2006/chart" xmlns:dgm="http://schemas.openxmlformats.org/drawingml/2006/diagram" xmlns:o="urn:schemas-microsoft-com:office:office" xmlns:v="urn:schemas-microsoft-com:vml" xmlns:pvml="urn:schemas-microsoft-com:office:powerpoint" xmlns:com="http://schemas.openxmlformats.org/drawingml/2006/compatibility" xmlns:p14="http://schemas.microsoft.com/office/powerpoint/2010/main" xmlns:p15="http://schemas.microsoft.com/office/powerpoint/2012/main" xmlns:ahyp="http://schemas.microsoft.com/office/drawing/2018/hyperlinkcolor">
   <p:cSld>
     <p:bg>
@@ -21131,7 +21512,7 @@
     </p:bg>
     <p:spTree>
       <p:nvGrpSpPr>
-        <p:cNvPr id="226" name="Shape 226"/>
+        <p:cNvPr id="237" name="Shape 237"/>
         <p:cNvGrpSpPr/>
         <p:nvPr/>
       </p:nvGrpSpPr>
@@ -21145,7 +21526,7 @@
       </p:grpSpPr>
       <p:sp>
         <p:nvSpPr>
-          <p:cNvPr id="227" name="Google Shape;227;p15"/>
+          <p:cNvPr id="238" name="Google Shape;238;p15"/>
           <p:cNvSpPr txBox="1"/>
           <p:nvPr/>
         </p:nvSpPr>
@@ -21230,7 +21611,7 @@
 </p:sld>
 </file>
 
-<file path=ppt/slides/slide16.xml><?xml version="1.0" encoding="utf-8"?>
+<file path=ppt/slides/slide18.xml><?xml version="1.0" encoding="utf-8"?>
 <p:sld xmlns:a="http://schemas.openxmlformats.org/drawingml/2006/main" xmlns:r="http://schemas.openxmlformats.org/officeDocument/2006/relationships" xmlns:mc="http://schemas.openxmlformats.org/markup-compatibility/2006" xmlns:mv="urn:schemas-microsoft-com:mac:vml" xmlns:p="http://schemas.openxmlformats.org/presentationml/2006/main" xmlns:c="http://schemas.openxmlformats.org/drawingml/2006/chart" xmlns:dgm="http://schemas.openxmlformats.org/drawingml/2006/diagram" xmlns:o="urn:schemas-microsoft-com:office:office" xmlns:v="urn:schemas-microsoft-com:vml" xmlns:pvml="urn:schemas-microsoft-com:office:powerpoint" xmlns:com="http://schemas.openxmlformats.org/drawingml/2006/compatibility" xmlns:p14="http://schemas.microsoft.com/office/powerpoint/2010/main" xmlns:p15="http://schemas.microsoft.com/office/powerpoint/2012/main" xmlns:ahyp="http://schemas.microsoft.com/office/drawing/2018/hyperlinkcolor">
   <p:cSld>
     <p:bg>
@@ -21242,7 +21623,7 @@
     </p:bg>
     <p:spTree>
       <p:nvGrpSpPr>
-        <p:cNvPr id="231" name="Shape 231"/>
+        <p:cNvPr id="242" name="Shape 242"/>
         <p:cNvGrpSpPr/>
         <p:nvPr/>
       </p:nvGrpSpPr>
@@ -21256,7 +21637,7 @@
       </p:grpSpPr>
       <p:sp>
         <p:nvSpPr>
-          <p:cNvPr id="232" name="Google Shape;232;p16"/>
+          <p:cNvPr id="243" name="Google Shape;243;p16"/>
           <p:cNvSpPr/>
           <p:nvPr/>
         </p:nvSpPr>
@@ -21303,7 +21684,7 @@
       </p:sp>
       <p:sp>
         <p:nvSpPr>
-          <p:cNvPr id="233" name="Google Shape;233;p16"/>
+          <p:cNvPr id="244" name="Google Shape;244;p16"/>
           <p:cNvSpPr txBox="1"/>
           <p:nvPr/>
         </p:nvSpPr>
@@ -21356,7 +21737,7 @@
       </p:sp>
       <p:cxnSp>
         <p:nvCxnSpPr>
-          <p:cNvPr id="234" name="Google Shape;234;p16"/>
+          <p:cNvPr id="245" name="Google Shape;245;p16"/>
           <p:cNvCxnSpPr/>
           <p:nvPr/>
         </p:nvCxnSpPr>
@@ -21382,7 +21763,7 @@
       </p:cxnSp>
       <p:sp>
         <p:nvSpPr>
-          <p:cNvPr id="235" name="Google Shape;235;p16"/>
+          <p:cNvPr id="246" name="Google Shape;246;p16"/>
           <p:cNvSpPr txBox="1"/>
           <p:nvPr/>
         </p:nvSpPr>
@@ -21441,7 +21822,7 @@
 </p:sld>
 </file>
 
-<file path=ppt/slides/slide17.xml><?xml version="1.0" encoding="utf-8"?>
+<file path=ppt/slides/slide19.xml><?xml version="1.0" encoding="utf-8"?>
 <p:sld xmlns:a="http://schemas.openxmlformats.org/drawingml/2006/main" xmlns:r="http://schemas.openxmlformats.org/officeDocument/2006/relationships" xmlns:mc="http://schemas.openxmlformats.org/markup-compatibility/2006" xmlns:mv="urn:schemas-microsoft-com:mac:vml" xmlns:p="http://schemas.openxmlformats.org/presentationml/2006/main" xmlns:c="http://schemas.openxmlformats.org/drawingml/2006/chart" xmlns:dgm="http://schemas.openxmlformats.org/drawingml/2006/diagram" xmlns:o="urn:schemas-microsoft-com:office:office" xmlns:v="urn:schemas-microsoft-com:vml" xmlns:pvml="urn:schemas-microsoft-com:office:powerpoint" xmlns:com="http://schemas.openxmlformats.org/drawingml/2006/compatibility" xmlns:p14="http://schemas.microsoft.com/office/powerpoint/2010/main" xmlns:p15="http://schemas.microsoft.com/office/powerpoint/2012/main" xmlns:ahyp="http://schemas.microsoft.com/office/drawing/2018/hyperlinkcolor">
   <p:cSld>
     <p:bg>
@@ -21453,7 +21834,7 @@
     </p:bg>
     <p:spTree>
       <p:nvGrpSpPr>
-        <p:cNvPr id="239" name="Shape 239"/>
+        <p:cNvPr id="250" name="Shape 250"/>
         <p:cNvGrpSpPr/>
         <p:nvPr/>
       </p:nvGrpSpPr>
@@ -21467,7 +21848,7 @@
       </p:grpSpPr>
       <p:sp>
         <p:nvSpPr>
-          <p:cNvPr id="240" name="Google Shape;240;p17"/>
+          <p:cNvPr id="251" name="Google Shape;251;p17"/>
           <p:cNvSpPr txBox="1"/>
           <p:nvPr/>
         </p:nvSpPr>
@@ -21520,7 +21901,7 @@
       </p:sp>
       <p:cxnSp>
         <p:nvCxnSpPr>
-          <p:cNvPr id="241" name="Google Shape;241;p17"/>
+          <p:cNvPr id="252" name="Google Shape;252;p17"/>
           <p:cNvCxnSpPr/>
           <p:nvPr/>
         </p:nvCxnSpPr>
@@ -21546,7 +21927,7 @@
       </p:cxnSp>
       <p:sp>
         <p:nvSpPr>
-          <p:cNvPr id="242" name="Google Shape;242;p17"/>
+          <p:cNvPr id="253" name="Google Shape;253;p17"/>
           <p:cNvSpPr/>
           <p:nvPr/>
         </p:nvSpPr>
@@ -21593,14 +21974,14 @@
       </p:sp>
       <p:sp>
         <p:nvSpPr>
-          <p:cNvPr id="243" name="Google Shape;243;p17"/>
+          <p:cNvPr id="254" name="Google Shape;254;p17"/>
           <p:cNvSpPr txBox="1"/>
           <p:nvPr/>
         </p:nvSpPr>
         <p:spPr>
           <a:xfrm>
             <a:off x="1028700" y="3851561"/>
-            <a:ext cx="8300027" cy="2133600"/>
+            <a:ext cx="8300100" cy="2154900"/>
           </a:xfrm>
           <a:prstGeom prst="rect">
             <a:avLst/>
@@ -21675,7 +22056,7 @@
                 <a:cs typeface="Montserrat"/>
                 <a:sym typeface="Montserrat"/>
               </a:rPr>
-              <a:t>Errores desconocidos dentro de la implementación del sistema.</a:t>
+              <a:t>Errores dentro de la implementación del sistema.</a:t>
             </a:r>
             <a:endParaRPr/>
           </a:p>
@@ -21730,325 +22111,6 @@
             <a:endParaRPr b="0" i="0" sz="2000" u="none" cap="none" strike="noStrike">
               <a:solidFill>
                 <a:srgbClr val="307FE2"/>
-              </a:solidFill>
-              <a:latin typeface="Montserrat"/>
-              <a:ea typeface="Montserrat"/>
-              <a:cs typeface="Montserrat"/>
-              <a:sym typeface="Montserrat"/>
-            </a:endParaRPr>
-          </a:p>
-        </p:txBody>
-      </p:sp>
-    </p:spTree>
-  </p:cSld>
-  <p:clrMapOvr>
-    <a:masterClrMapping/>
-  </p:clrMapOvr>
-</p:sld>
-</file>
-
-<file path=ppt/slides/slide18.xml><?xml version="1.0" encoding="utf-8"?>
-<p:sld xmlns:a="http://schemas.openxmlformats.org/drawingml/2006/main" xmlns:r="http://schemas.openxmlformats.org/officeDocument/2006/relationships" xmlns:mc="http://schemas.openxmlformats.org/markup-compatibility/2006" xmlns:mv="urn:schemas-microsoft-com:mac:vml" xmlns:p="http://schemas.openxmlformats.org/presentationml/2006/main" xmlns:c="http://schemas.openxmlformats.org/drawingml/2006/chart" xmlns:dgm="http://schemas.openxmlformats.org/drawingml/2006/diagram" xmlns:o="urn:schemas-microsoft-com:office:office" xmlns:v="urn:schemas-microsoft-com:vml" xmlns:pvml="urn:schemas-microsoft-com:office:powerpoint" xmlns:com="http://schemas.openxmlformats.org/drawingml/2006/compatibility" xmlns:p14="http://schemas.microsoft.com/office/powerpoint/2010/main" xmlns:p15="http://schemas.microsoft.com/office/powerpoint/2012/main" xmlns:ahyp="http://schemas.microsoft.com/office/drawing/2018/hyperlinkcolor">
-  <p:cSld>
-    <p:bg>
-      <p:bgPr>
-        <a:solidFill>
-          <a:srgbClr val="F3F4F6"/>
-        </a:solidFill>
-      </p:bgPr>
-    </p:bg>
-    <p:spTree>
-      <p:nvGrpSpPr>
-        <p:cNvPr id="247" name="Shape 247"/>
-        <p:cNvGrpSpPr/>
-        <p:nvPr/>
-      </p:nvGrpSpPr>
-      <p:grpSpPr>
-        <a:xfrm>
-          <a:off x="0" y="0"/>
-          <a:ext cx="0" cy="0"/>
-          <a:chOff x="0" y="0"/>
-          <a:chExt cx="0" cy="0"/>
-        </a:xfrm>
-      </p:grpSpPr>
-      <p:sp>
-        <p:nvSpPr>
-          <p:cNvPr id="248" name="Google Shape;248;p18"/>
-          <p:cNvSpPr/>
-          <p:nvPr/>
-        </p:nvSpPr>
-        <p:spPr>
-          <a:xfrm>
-            <a:off x="10429875" y="0"/>
-            <a:ext cx="7858125" cy="10287000"/>
-          </a:xfrm>
-          <a:custGeom>
-            <a:rect b="b" l="l" r="r" t="t"/>
-            <a:pathLst>
-              <a:path extrusionOk="0" h="1593725" w="1217429">
-                <a:moveTo>
-                  <a:pt x="0" y="0"/>
-                </a:moveTo>
-                <a:lnTo>
-                  <a:pt x="1217429" y="0"/>
-                </a:lnTo>
-                <a:lnTo>
-                  <a:pt x="1217429" y="1593725"/>
-                </a:lnTo>
-                <a:lnTo>
-                  <a:pt x="0" y="1593725"/>
-                </a:lnTo>
-                <a:close/>
-              </a:path>
-            </a:pathLst>
-          </a:custGeom>
-          <a:blipFill rotWithShape="1">
-            <a:blip r:embed="rId3">
-              <a:alphaModFix/>
-            </a:blip>
-            <a:stretch>
-              <a:fillRect b="-253" l="0" r="0" t="-253"/>
-            </a:stretch>
-          </a:blipFill>
-          <a:ln>
-            <a:noFill/>
-          </a:ln>
-        </p:spPr>
-      </p:sp>
-      <p:sp>
-        <p:nvSpPr>
-          <p:cNvPr id="249" name="Google Shape;249;p18"/>
-          <p:cNvSpPr txBox="1"/>
-          <p:nvPr/>
-        </p:nvSpPr>
-        <p:spPr>
-          <a:xfrm>
-            <a:off x="1181100" y="1228725"/>
-            <a:ext cx="8882587" cy="1014097"/>
-          </a:xfrm>
-          <a:prstGeom prst="rect">
-            <a:avLst/>
-          </a:prstGeom>
-          <a:noFill/>
-          <a:ln>
-            <a:noFill/>
-          </a:ln>
-        </p:spPr>
-        <p:txBody>
-          <a:bodyPr anchorCtr="0" anchor="t" bIns="0" lIns="0" spcFirstLastPara="1" rIns="0" wrap="square" tIns="0">
-            <a:spAutoFit/>
-          </a:bodyPr>
-          <a:lstStyle/>
-          <a:p>
-            <a:pPr indent="0" lvl="0" marL="0" marR="0" rtl="0" algn="l">
-              <a:lnSpc>
-                <a:spcPct val="112000"/>
-              </a:lnSpc>
-              <a:spcBef>
-                <a:spcPts val="0"/>
-              </a:spcBef>
-              <a:spcAft>
-                <a:spcPts val="0"/>
-              </a:spcAft>
-              <a:buNone/>
-            </a:pPr>
-            <a:r>
-              <a:rPr b="1" i="0" lang="en-US" sz="7000" u="none" cap="none" strike="noStrike">
-                <a:solidFill>
-                  <a:srgbClr val="307FE2"/>
-                </a:solidFill>
-                <a:latin typeface="Montserrat"/>
-                <a:ea typeface="Montserrat"/>
-                <a:cs typeface="Montserrat"/>
-                <a:sym typeface="Montserrat"/>
-              </a:rPr>
-              <a:t>Conclusiones</a:t>
-            </a:r>
-            <a:endParaRPr/>
-          </a:p>
-        </p:txBody>
-      </p:sp>
-      <p:cxnSp>
-        <p:nvCxnSpPr>
-          <p:cNvPr id="250" name="Google Shape;250;p18"/>
-          <p:cNvCxnSpPr/>
-          <p:nvPr/>
-        </p:nvCxnSpPr>
-        <p:spPr>
-          <a:xfrm>
-            <a:off x="1157612" y="2393767"/>
-            <a:ext cx="7211120" cy="0"/>
-          </a:xfrm>
-          <a:prstGeom prst="straightConnector1">
-            <a:avLst/>
-          </a:prstGeom>
-          <a:noFill/>
-          <a:ln cap="flat" cmpd="sng" w="19050">
-            <a:solidFill>
-              <a:srgbClr val="307FE2"/>
-            </a:solidFill>
-            <a:prstDash val="solid"/>
-            <a:round/>
-            <a:headEnd len="sm" w="sm" type="none"/>
-            <a:tailEnd len="sm" w="sm" type="none"/>
-          </a:ln>
-        </p:spPr>
-      </p:cxnSp>
-      <p:sp>
-        <p:nvSpPr>
-          <p:cNvPr id="251" name="Google Shape;251;p18"/>
-          <p:cNvSpPr txBox="1"/>
-          <p:nvPr/>
-        </p:nvSpPr>
-        <p:spPr>
-          <a:xfrm>
-            <a:off x="1157612" y="2997599"/>
-            <a:ext cx="8811362" cy="1828800"/>
-          </a:xfrm>
-          <a:prstGeom prst="rect">
-            <a:avLst/>
-          </a:prstGeom>
-          <a:noFill/>
-          <a:ln>
-            <a:noFill/>
-          </a:ln>
-        </p:spPr>
-        <p:txBody>
-          <a:bodyPr anchorCtr="0" anchor="t" bIns="0" lIns="0" spcFirstLastPara="1" rIns="0" wrap="square" tIns="0">
-            <a:spAutoFit/>
-          </a:bodyPr>
-          <a:lstStyle/>
-          <a:p>
-            <a:pPr indent="0" lvl="0" marL="0" marR="0" rtl="0" algn="just">
-              <a:lnSpc>
-                <a:spcPct val="120000"/>
-              </a:lnSpc>
-              <a:spcBef>
-                <a:spcPts val="0"/>
-              </a:spcBef>
-              <a:spcAft>
-                <a:spcPts val="0"/>
-              </a:spcAft>
-              <a:buNone/>
-            </a:pPr>
-            <a:r>
-              <a:rPr b="0" i="0" lang="en-US" sz="2000" u="none" cap="none" strike="noStrike">
-                <a:solidFill>
-                  <a:srgbClr val="307FE2"/>
-                </a:solidFill>
-                <a:latin typeface="Montserrat"/>
-                <a:ea typeface="Montserrat"/>
-                <a:cs typeface="Montserrat"/>
-                <a:sym typeface="Montserrat"/>
-              </a:rPr>
-              <a:t>La evaluación asistida por IA ha demostrado ser una solución eficaz para los desafíos actuales en la corrección de evaluaciones. Este enfoque no solo mejora la precisión y diversidad en la calificación, sino que también permite a los docentes mantener el control sobre el proceso educativo mientras se benefician de la asistencia tecnológica.</a:t>
-            </a:r>
-            <a:endParaRPr/>
-          </a:p>
-        </p:txBody>
-      </p:sp>
-    </p:spTree>
-  </p:cSld>
-  <p:clrMapOvr>
-    <a:masterClrMapping/>
-  </p:clrMapOvr>
-</p:sld>
-</file>
-
-<file path=ppt/slides/slide19.xml><?xml version="1.0" encoding="utf-8"?>
-<p:sld xmlns:a="http://schemas.openxmlformats.org/drawingml/2006/main" xmlns:r="http://schemas.openxmlformats.org/officeDocument/2006/relationships" xmlns:mc="http://schemas.openxmlformats.org/markup-compatibility/2006" xmlns:mv="urn:schemas-microsoft-com:mac:vml" xmlns:p="http://schemas.openxmlformats.org/presentationml/2006/main" xmlns:c="http://schemas.openxmlformats.org/drawingml/2006/chart" xmlns:dgm="http://schemas.openxmlformats.org/drawingml/2006/diagram" xmlns:o="urn:schemas-microsoft-com:office:office" xmlns:v="urn:schemas-microsoft-com:vml" xmlns:pvml="urn:schemas-microsoft-com:office:powerpoint" xmlns:com="http://schemas.openxmlformats.org/drawingml/2006/compatibility" xmlns:p14="http://schemas.microsoft.com/office/powerpoint/2010/main" xmlns:p15="http://schemas.microsoft.com/office/powerpoint/2012/main" xmlns:ahyp="http://schemas.microsoft.com/office/drawing/2018/hyperlinkcolor">
-  <p:cSld>
-    <p:bg>
-      <p:bgPr>
-        <a:solidFill>
-          <a:srgbClr val="F3F4F6"/>
-        </a:solidFill>
-      </p:bgPr>
-    </p:bg>
-    <p:spTree>
-      <p:nvGrpSpPr>
-        <p:cNvPr id="255" name="Shape 255"/>
-        <p:cNvGrpSpPr/>
-        <p:nvPr/>
-      </p:nvGrpSpPr>
-      <p:grpSpPr>
-        <a:xfrm>
-          <a:off x="0" y="0"/>
-          <a:ext cx="0" cy="0"/>
-          <a:chOff x="0" y="0"/>
-          <a:chExt cx="0" cy="0"/>
-        </a:xfrm>
-      </p:grpSpPr>
-      <p:sp>
-        <p:nvSpPr>
-          <p:cNvPr id="256" name="Google Shape;256;p19"/>
-          <p:cNvSpPr txBox="1"/>
-          <p:nvPr/>
-        </p:nvSpPr>
-        <p:spPr>
-          <a:xfrm>
-            <a:off x="3430246" y="3669664"/>
-            <a:ext cx="11427508" cy="2995297"/>
-          </a:xfrm>
-          <a:prstGeom prst="rect">
-            <a:avLst/>
-          </a:prstGeom>
-          <a:noFill/>
-          <a:ln>
-            <a:noFill/>
-          </a:ln>
-        </p:spPr>
-        <p:txBody>
-          <a:bodyPr anchorCtr="0" anchor="t" bIns="0" lIns="0" spcFirstLastPara="1" rIns="0" wrap="square" tIns="0">
-            <a:spAutoFit/>
-          </a:bodyPr>
-          <a:lstStyle/>
-          <a:p>
-            <a:pPr indent="0" lvl="0" marL="0" marR="0" rtl="0" algn="l">
-              <a:lnSpc>
-                <a:spcPct val="112000"/>
-              </a:lnSpc>
-              <a:spcBef>
-                <a:spcPts val="0"/>
-              </a:spcBef>
-              <a:spcAft>
-                <a:spcPts val="0"/>
-              </a:spcAft>
-              <a:buNone/>
-            </a:pPr>
-            <a:r>
-              <a:rPr b="1" i="0" lang="en-US" sz="7000" u="none" cap="none" strike="noStrike">
-                <a:solidFill>
-                  <a:srgbClr val="0A6ED8"/>
-                </a:solidFill>
-                <a:latin typeface="Montserrat"/>
-                <a:ea typeface="Montserrat"/>
-                <a:cs typeface="Montserrat"/>
-                <a:sym typeface="Montserrat"/>
-              </a:rPr>
-              <a:t>PREGUNTAS DE LA COMISIÓN</a:t>
-            </a:r>
-            <a:endParaRPr/>
-          </a:p>
-          <a:p>
-            <a:pPr indent="0" lvl="0" marL="0" marR="0" rtl="0" algn="l">
-              <a:lnSpc>
-                <a:spcPct val="112000"/>
-              </a:lnSpc>
-              <a:spcBef>
-                <a:spcPts val="0"/>
-              </a:spcBef>
-              <a:spcAft>
-                <a:spcPts val="0"/>
-              </a:spcAft>
-              <a:buNone/>
-            </a:pPr>
-            <a:r>
-              <a:t/>
-            </a:r>
-            <a:endParaRPr b="1" i="0" sz="7000" u="none" cap="none" strike="noStrike">
-              <a:solidFill>
-                <a:srgbClr val="0A6ED8"/>
               </a:solidFill>
               <a:latin typeface="Montserrat"/>
               <a:ea typeface="Montserrat"/>
@@ -22840,9 +22902,9 @@
         <p:grpSpPr>
           <a:xfrm>
             <a:off x="4268345" y="1021556"/>
-            <a:ext cx="6641360" cy="2064544"/>
+            <a:ext cx="6641325" cy="2326144"/>
             <a:chOff x="0" y="-9525"/>
-            <a:chExt cx="8855147" cy="2752725"/>
+            <a:chExt cx="8855100" cy="3101525"/>
           </a:xfrm>
         </p:grpSpPr>
         <p:sp>
@@ -22907,7 +22969,7 @@
           <p:spPr>
             <a:xfrm>
               <a:off x="0" y="711200"/>
-              <a:ext cx="8855147" cy="2032000"/>
+              <a:ext cx="8855100" cy="2380800"/>
             </a:xfrm>
             <a:prstGeom prst="rect">
               <a:avLst/>
@@ -22982,7 +23044,79 @@
                   <a:cs typeface="Montserrat"/>
                   <a:sym typeface="Montserrat"/>
                 </a:rPr>
-                <a:t>Creación y mantención  de  arquitectura  en la nube, Asignacion de tareas, creacion de endpoints, Creacion de pipelines de despliegue </a:t>
+                <a:t>Creación y mantención  de  arquitectura  en la nube, </a:t>
+              </a:r>
+              <a:r>
+                <a:rPr b="1" lang="en-US" sz="2000">
+                  <a:solidFill>
+                    <a:srgbClr val="FFFFFF"/>
+                  </a:solidFill>
+                  <a:latin typeface="Montserrat"/>
+                  <a:ea typeface="Montserrat"/>
+                  <a:cs typeface="Montserrat"/>
+                  <a:sym typeface="Montserrat"/>
+                </a:rPr>
+                <a:t>a</a:t>
+              </a:r>
+              <a:r>
+                <a:rPr b="1" i="0" lang="en-US" sz="2000" u="none" cap="none" strike="noStrike">
+                  <a:solidFill>
+                    <a:srgbClr val="FFFFFF"/>
+                  </a:solidFill>
+                  <a:latin typeface="Montserrat"/>
+                  <a:ea typeface="Montserrat"/>
+                  <a:cs typeface="Montserrat"/>
+                  <a:sym typeface="Montserrat"/>
+                </a:rPr>
+                <a:t>signaci</a:t>
+              </a:r>
+              <a:r>
+                <a:rPr b="1" lang="en-US" sz="2000">
+                  <a:solidFill>
+                    <a:srgbClr val="FFFFFF"/>
+                  </a:solidFill>
+                  <a:latin typeface="Montserrat"/>
+                  <a:ea typeface="Montserrat"/>
+                  <a:cs typeface="Montserrat"/>
+                  <a:sym typeface="Montserrat"/>
+                </a:rPr>
+                <a:t>ó</a:t>
+              </a:r>
+              <a:r>
+                <a:rPr b="1" i="0" lang="en-US" sz="2000" u="none" cap="none" strike="noStrike">
+                  <a:solidFill>
+                    <a:srgbClr val="FFFFFF"/>
+                  </a:solidFill>
+                  <a:latin typeface="Montserrat"/>
+                  <a:ea typeface="Montserrat"/>
+                  <a:cs typeface="Montserrat"/>
+                  <a:sym typeface="Montserrat"/>
+                </a:rPr>
+                <a:t>n de tareas, creacion de endpoints, </a:t>
+              </a:r>
+              <a:r>
+                <a:rPr b="1" lang="en-US" sz="2000">
+                  <a:solidFill>
+                    <a:srgbClr val="FFFFFF"/>
+                  </a:solidFill>
+                  <a:latin typeface="Montserrat"/>
+                  <a:ea typeface="Montserrat"/>
+                  <a:cs typeface="Montserrat"/>
+                  <a:sym typeface="Montserrat"/>
+                </a:rPr>
+                <a:t>creación</a:t>
+              </a:r>
+              <a:r>
+                <a:rPr b="1" i="0" lang="en-US" sz="2000" u="none" cap="none" strike="noStrike">
+                  <a:solidFill>
+                    <a:srgbClr val="FFFFFF"/>
+                  </a:solidFill>
+                  <a:latin typeface="Montserrat"/>
+                  <a:ea typeface="Montserrat"/>
+                  <a:cs typeface="Montserrat"/>
+                  <a:sym typeface="Montserrat"/>
+                </a:rPr>
+                <a:t> de pipelines de despliegue </a:t>
               </a:r>
               <a:endParaRPr/>
             </a:p>
@@ -23324,6 +23458,325 @@
 </p:sld>
 </file>
 
+<file path=ppt/slides/slide20.xml><?xml version="1.0" encoding="utf-8"?>
+<p:sld xmlns:a="http://schemas.openxmlformats.org/drawingml/2006/main" xmlns:r="http://schemas.openxmlformats.org/officeDocument/2006/relationships" xmlns:mc="http://schemas.openxmlformats.org/markup-compatibility/2006" xmlns:mv="urn:schemas-microsoft-com:mac:vml" xmlns:p="http://schemas.openxmlformats.org/presentationml/2006/main" xmlns:c="http://schemas.openxmlformats.org/drawingml/2006/chart" xmlns:dgm="http://schemas.openxmlformats.org/drawingml/2006/diagram" xmlns:o="urn:schemas-microsoft-com:office:office" xmlns:v="urn:schemas-microsoft-com:vml" xmlns:pvml="urn:schemas-microsoft-com:office:powerpoint" xmlns:com="http://schemas.openxmlformats.org/drawingml/2006/compatibility" xmlns:p14="http://schemas.microsoft.com/office/powerpoint/2010/main" xmlns:p15="http://schemas.microsoft.com/office/powerpoint/2012/main" xmlns:ahyp="http://schemas.microsoft.com/office/drawing/2018/hyperlinkcolor">
+  <p:cSld>
+    <p:bg>
+      <p:bgPr>
+        <a:solidFill>
+          <a:srgbClr val="F3F4F6"/>
+        </a:solidFill>
+      </p:bgPr>
+    </p:bg>
+    <p:spTree>
+      <p:nvGrpSpPr>
+        <p:cNvPr id="258" name="Shape 258"/>
+        <p:cNvGrpSpPr/>
+        <p:nvPr/>
+      </p:nvGrpSpPr>
+      <p:grpSpPr>
+        <a:xfrm>
+          <a:off x="0" y="0"/>
+          <a:ext cx="0" cy="0"/>
+          <a:chOff x="0" y="0"/>
+          <a:chExt cx="0" cy="0"/>
+        </a:xfrm>
+      </p:grpSpPr>
+      <p:sp>
+        <p:nvSpPr>
+          <p:cNvPr id="259" name="Google Shape;259;p18"/>
+          <p:cNvSpPr/>
+          <p:nvPr/>
+        </p:nvSpPr>
+        <p:spPr>
+          <a:xfrm>
+            <a:off x="10429875" y="0"/>
+            <a:ext cx="7858125" cy="10287000"/>
+          </a:xfrm>
+          <a:custGeom>
+            <a:rect b="b" l="l" r="r" t="t"/>
+            <a:pathLst>
+              <a:path extrusionOk="0" h="1593725" w="1217429">
+                <a:moveTo>
+                  <a:pt x="0" y="0"/>
+                </a:moveTo>
+                <a:lnTo>
+                  <a:pt x="1217429" y="0"/>
+                </a:lnTo>
+                <a:lnTo>
+                  <a:pt x="1217429" y="1593725"/>
+                </a:lnTo>
+                <a:lnTo>
+                  <a:pt x="0" y="1593725"/>
+                </a:lnTo>
+                <a:close/>
+              </a:path>
+            </a:pathLst>
+          </a:custGeom>
+          <a:blipFill rotWithShape="1">
+            <a:blip r:embed="rId3">
+              <a:alphaModFix/>
+            </a:blip>
+            <a:stretch>
+              <a:fillRect b="-253" l="0" r="0" t="-253"/>
+            </a:stretch>
+          </a:blipFill>
+          <a:ln>
+            <a:noFill/>
+          </a:ln>
+        </p:spPr>
+      </p:sp>
+      <p:sp>
+        <p:nvSpPr>
+          <p:cNvPr id="260" name="Google Shape;260;p18"/>
+          <p:cNvSpPr txBox="1"/>
+          <p:nvPr/>
+        </p:nvSpPr>
+        <p:spPr>
+          <a:xfrm>
+            <a:off x="1181100" y="1228725"/>
+            <a:ext cx="8882587" cy="1014097"/>
+          </a:xfrm>
+          <a:prstGeom prst="rect">
+            <a:avLst/>
+          </a:prstGeom>
+          <a:noFill/>
+          <a:ln>
+            <a:noFill/>
+          </a:ln>
+        </p:spPr>
+        <p:txBody>
+          <a:bodyPr anchorCtr="0" anchor="t" bIns="0" lIns="0" spcFirstLastPara="1" rIns="0" wrap="square" tIns="0">
+            <a:spAutoFit/>
+          </a:bodyPr>
+          <a:lstStyle/>
+          <a:p>
+            <a:pPr indent="0" lvl="0" marL="0" marR="0" rtl="0" algn="l">
+              <a:lnSpc>
+                <a:spcPct val="112000"/>
+              </a:lnSpc>
+              <a:spcBef>
+                <a:spcPts val="0"/>
+              </a:spcBef>
+              <a:spcAft>
+                <a:spcPts val="0"/>
+              </a:spcAft>
+              <a:buNone/>
+            </a:pPr>
+            <a:r>
+              <a:rPr b="1" i="0" lang="en-US" sz="7000" u="none" cap="none" strike="noStrike">
+                <a:solidFill>
+                  <a:srgbClr val="307FE2"/>
+                </a:solidFill>
+                <a:latin typeface="Montserrat"/>
+                <a:ea typeface="Montserrat"/>
+                <a:cs typeface="Montserrat"/>
+                <a:sym typeface="Montserrat"/>
+              </a:rPr>
+              <a:t>Conclusiones</a:t>
+            </a:r>
+            <a:endParaRPr/>
+          </a:p>
+        </p:txBody>
+      </p:sp>
+      <p:cxnSp>
+        <p:nvCxnSpPr>
+          <p:cNvPr id="261" name="Google Shape;261;p18"/>
+          <p:cNvCxnSpPr/>
+          <p:nvPr/>
+        </p:nvCxnSpPr>
+        <p:spPr>
+          <a:xfrm>
+            <a:off x="1157612" y="2393767"/>
+            <a:ext cx="7211120" cy="0"/>
+          </a:xfrm>
+          <a:prstGeom prst="straightConnector1">
+            <a:avLst/>
+          </a:prstGeom>
+          <a:noFill/>
+          <a:ln cap="flat" cmpd="sng" w="19050">
+            <a:solidFill>
+              <a:srgbClr val="307FE2"/>
+            </a:solidFill>
+            <a:prstDash val="solid"/>
+            <a:round/>
+            <a:headEnd len="sm" w="sm" type="none"/>
+            <a:tailEnd len="sm" w="sm" type="none"/>
+          </a:ln>
+        </p:spPr>
+      </p:cxnSp>
+      <p:sp>
+        <p:nvSpPr>
+          <p:cNvPr id="262" name="Google Shape;262;p18"/>
+          <p:cNvSpPr txBox="1"/>
+          <p:nvPr/>
+        </p:nvSpPr>
+        <p:spPr>
+          <a:xfrm>
+            <a:off x="1157612" y="2997599"/>
+            <a:ext cx="8811362" cy="1828800"/>
+          </a:xfrm>
+          <a:prstGeom prst="rect">
+            <a:avLst/>
+          </a:prstGeom>
+          <a:noFill/>
+          <a:ln>
+            <a:noFill/>
+          </a:ln>
+        </p:spPr>
+        <p:txBody>
+          <a:bodyPr anchorCtr="0" anchor="t" bIns="0" lIns="0" spcFirstLastPara="1" rIns="0" wrap="square" tIns="0">
+            <a:spAutoFit/>
+          </a:bodyPr>
+          <a:lstStyle/>
+          <a:p>
+            <a:pPr indent="0" lvl="0" marL="0" marR="0" rtl="0" algn="just">
+              <a:lnSpc>
+                <a:spcPct val="120000"/>
+              </a:lnSpc>
+              <a:spcBef>
+                <a:spcPts val="0"/>
+              </a:spcBef>
+              <a:spcAft>
+                <a:spcPts val="0"/>
+              </a:spcAft>
+              <a:buNone/>
+            </a:pPr>
+            <a:r>
+              <a:rPr b="0" i="0" lang="en-US" sz="2000" u="none" cap="none" strike="noStrike">
+                <a:solidFill>
+                  <a:srgbClr val="307FE2"/>
+                </a:solidFill>
+                <a:latin typeface="Montserrat"/>
+                <a:ea typeface="Montserrat"/>
+                <a:cs typeface="Montserrat"/>
+                <a:sym typeface="Montserrat"/>
+              </a:rPr>
+              <a:t>La evaluación asistida por IA ha demostrado ser una solución eficaz para los desafíos actuales en la corrección de evaluaciones. Este enfoque no solo mejora la precisión y diversidad en la calificación, sino que también permite a los docentes mantener el control sobre el proceso educativo mientras se benefician de la asistencia tecnológica.</a:t>
+            </a:r>
+            <a:endParaRPr/>
+          </a:p>
+        </p:txBody>
+      </p:sp>
+    </p:spTree>
+  </p:cSld>
+  <p:clrMapOvr>
+    <a:masterClrMapping/>
+  </p:clrMapOvr>
+</p:sld>
+</file>
+
+<file path=ppt/slides/slide21.xml><?xml version="1.0" encoding="utf-8"?>
+<p:sld xmlns:a="http://schemas.openxmlformats.org/drawingml/2006/main" xmlns:r="http://schemas.openxmlformats.org/officeDocument/2006/relationships" xmlns:mc="http://schemas.openxmlformats.org/markup-compatibility/2006" xmlns:mv="urn:schemas-microsoft-com:mac:vml" xmlns:p="http://schemas.openxmlformats.org/presentationml/2006/main" xmlns:c="http://schemas.openxmlformats.org/drawingml/2006/chart" xmlns:dgm="http://schemas.openxmlformats.org/drawingml/2006/diagram" xmlns:o="urn:schemas-microsoft-com:office:office" xmlns:v="urn:schemas-microsoft-com:vml" xmlns:pvml="urn:schemas-microsoft-com:office:powerpoint" xmlns:com="http://schemas.openxmlformats.org/drawingml/2006/compatibility" xmlns:p14="http://schemas.microsoft.com/office/powerpoint/2010/main" xmlns:p15="http://schemas.microsoft.com/office/powerpoint/2012/main" xmlns:ahyp="http://schemas.microsoft.com/office/drawing/2018/hyperlinkcolor">
+  <p:cSld>
+    <p:bg>
+      <p:bgPr>
+        <a:solidFill>
+          <a:srgbClr val="F3F4F6"/>
+        </a:solidFill>
+      </p:bgPr>
+    </p:bg>
+    <p:spTree>
+      <p:nvGrpSpPr>
+        <p:cNvPr id="266" name="Shape 266"/>
+        <p:cNvGrpSpPr/>
+        <p:nvPr/>
+      </p:nvGrpSpPr>
+      <p:grpSpPr>
+        <a:xfrm>
+          <a:off x="0" y="0"/>
+          <a:ext cx="0" cy="0"/>
+          <a:chOff x="0" y="0"/>
+          <a:chExt cx="0" cy="0"/>
+        </a:xfrm>
+      </p:grpSpPr>
+      <p:sp>
+        <p:nvSpPr>
+          <p:cNvPr id="267" name="Google Shape;267;p19"/>
+          <p:cNvSpPr txBox="1"/>
+          <p:nvPr/>
+        </p:nvSpPr>
+        <p:spPr>
+          <a:xfrm>
+            <a:off x="3430246" y="3669664"/>
+            <a:ext cx="11427508" cy="2995297"/>
+          </a:xfrm>
+          <a:prstGeom prst="rect">
+            <a:avLst/>
+          </a:prstGeom>
+          <a:noFill/>
+          <a:ln>
+            <a:noFill/>
+          </a:ln>
+        </p:spPr>
+        <p:txBody>
+          <a:bodyPr anchorCtr="0" anchor="t" bIns="0" lIns="0" spcFirstLastPara="1" rIns="0" wrap="square" tIns="0">
+            <a:spAutoFit/>
+          </a:bodyPr>
+          <a:lstStyle/>
+          <a:p>
+            <a:pPr indent="0" lvl="0" marL="0" marR="0" rtl="0" algn="l">
+              <a:lnSpc>
+                <a:spcPct val="112000"/>
+              </a:lnSpc>
+              <a:spcBef>
+                <a:spcPts val="0"/>
+              </a:spcBef>
+              <a:spcAft>
+                <a:spcPts val="0"/>
+              </a:spcAft>
+              <a:buNone/>
+            </a:pPr>
+            <a:r>
+              <a:rPr b="1" i="0" lang="en-US" sz="7000" u="none" cap="none" strike="noStrike">
+                <a:solidFill>
+                  <a:srgbClr val="0A6ED8"/>
+                </a:solidFill>
+                <a:latin typeface="Montserrat"/>
+                <a:ea typeface="Montserrat"/>
+                <a:cs typeface="Montserrat"/>
+                <a:sym typeface="Montserrat"/>
+              </a:rPr>
+              <a:t>PREGUNTAS DE LA COMISIÓN</a:t>
+            </a:r>
+            <a:endParaRPr/>
+          </a:p>
+          <a:p>
+            <a:pPr indent="0" lvl="0" marL="0" marR="0" rtl="0" algn="l">
+              <a:lnSpc>
+                <a:spcPct val="112000"/>
+              </a:lnSpc>
+              <a:spcBef>
+                <a:spcPts val="0"/>
+              </a:spcBef>
+              <a:spcAft>
+                <a:spcPts val="0"/>
+              </a:spcAft>
+              <a:buNone/>
+            </a:pPr>
+            <a:r>
+              <a:t/>
+            </a:r>
+            <a:endParaRPr b="1" i="0" sz="7000" u="none" cap="none" strike="noStrike">
+              <a:solidFill>
+                <a:srgbClr val="0A6ED8"/>
+              </a:solidFill>
+              <a:latin typeface="Montserrat"/>
+              <a:ea typeface="Montserrat"/>
+              <a:cs typeface="Montserrat"/>
+              <a:sym typeface="Montserrat"/>
+            </a:endParaRPr>
+          </a:p>
+        </p:txBody>
+      </p:sp>
+    </p:spTree>
+  </p:cSld>
+  <p:clrMapOvr>
+    <a:masterClrMapping/>
+  </p:clrMapOvr>
+</p:sld>
+</file>
+
 <file path=ppt/slides/slide3.xml><?xml version="1.0" encoding="utf-8"?>
 <p:sld xmlns:a="http://schemas.openxmlformats.org/drawingml/2006/main" xmlns:r="http://schemas.openxmlformats.org/officeDocument/2006/relationships" xmlns:mc="http://schemas.openxmlformats.org/markup-compatibility/2006" xmlns:mv="urn:schemas-microsoft-com:mac:vml" xmlns:p="http://schemas.openxmlformats.org/presentationml/2006/main" xmlns:c="http://schemas.openxmlformats.org/drawingml/2006/chart" xmlns:dgm="http://schemas.openxmlformats.org/drawingml/2006/diagram" xmlns:o="urn:schemas-microsoft-com:office:office" xmlns:v="urn:schemas-microsoft-com:vml" xmlns:pvml="urn:schemas-microsoft-com:office:powerpoint" xmlns:com="http://schemas.openxmlformats.org/drawingml/2006/compatibility" xmlns:p14="http://schemas.microsoft.com/office/powerpoint/2010/main" xmlns:p15="http://schemas.microsoft.com/office/powerpoint/2012/main" xmlns:ahyp="http://schemas.microsoft.com/office/drawing/2018/hyperlinkcolor">
   <p:cSld>
@@ -23483,7 +23936,7 @@
         <p:spPr>
           <a:xfrm>
             <a:off x="1157612" y="2997599"/>
-            <a:ext cx="8811362" cy="1219200"/>
+            <a:ext cx="8811300" cy="1416000"/>
           </a:xfrm>
           <a:prstGeom prst="rect">
             <a:avLst/>
@@ -23521,7 +23974,55 @@
                 <a:cs typeface="Montserrat"/>
                 <a:sym typeface="Montserrat"/>
               </a:rPr>
-              <a:t>Actualmente, Duoc UC no cuenta con un sistema especializado para apoyar la corrección de evaluaciones. El proceso depende totalmente del trabajo manual del docente, lo que hace que la revisión sea lenta, pesada y difícil de estandarizar.</a:t>
+              <a:t>Actualmente, </a:t>
+            </a:r>
+            <a:r>
+              <a:rPr lang="en-US" sz="2000">
+                <a:solidFill>
+                  <a:srgbClr val="307FE2"/>
+                </a:solidFill>
+                <a:latin typeface="Montserrat"/>
+                <a:ea typeface="Montserrat"/>
+                <a:cs typeface="Montserrat"/>
+                <a:sym typeface="Montserrat"/>
+              </a:rPr>
+              <a:t>no existe </a:t>
+            </a:r>
+            <a:r>
+              <a:rPr b="0" i="0" lang="en-US" sz="2000" u="none" cap="none" strike="noStrike">
+                <a:solidFill>
+                  <a:srgbClr val="307FE2"/>
+                </a:solidFill>
+                <a:latin typeface="Montserrat"/>
+                <a:ea typeface="Montserrat"/>
+                <a:cs typeface="Montserrat"/>
+                <a:sym typeface="Montserrat"/>
+              </a:rPr>
+              <a:t>un sistema especializado para apoyar la corrección de evaluaciones. El proceso depende totalmente del trabajo manual del docente, lo que hace que la revisión sea lenta, pesada y </a:t>
+            </a:r>
+            <a:r>
+              <a:rPr lang="en-US" sz="2000">
+                <a:solidFill>
+                  <a:srgbClr val="307FE2"/>
+                </a:solidFill>
+                <a:latin typeface="Montserrat"/>
+                <a:ea typeface="Montserrat"/>
+                <a:cs typeface="Montserrat"/>
+                <a:sym typeface="Montserrat"/>
+              </a:rPr>
+              <a:t>sin sesgos</a:t>
+            </a:r>
+            <a:r>
+              <a:rPr b="0" i="0" lang="en-US" sz="2000" u="none" cap="none" strike="noStrike">
+                <a:solidFill>
+                  <a:srgbClr val="307FE2"/>
+                </a:solidFill>
+                <a:latin typeface="Montserrat"/>
+                <a:ea typeface="Montserrat"/>
+                <a:cs typeface="Montserrat"/>
+                <a:sym typeface="Montserrat"/>
+              </a:rPr>
+              <a:t>.</a:t>
             </a:r>
             <a:endParaRPr/>
           </a:p>
@@ -24024,7 +24525,7 @@
         <p:spPr>
           <a:xfrm>
             <a:off x="1157612" y="2997599"/>
-            <a:ext cx="8811362" cy="3657600"/>
+            <a:ext cx="8811300" cy="4371300"/>
           </a:xfrm>
           <a:prstGeom prst="rect">
             <a:avLst/>
@@ -24062,7 +24563,7 @@
                 <a:cs typeface="Montserrat"/>
                 <a:sym typeface="Montserrat"/>
               </a:rPr>
-              <a:t>Desarrollar Krino Insight, una plataforma web que integra inteligencia artificial para automatizar y optimizar el proceso de corrección académica. El sistema permite cargar evaluaciones y rúbricas, aplicar automáticamente los criterios definidos mediante un agente de IA, y generar puntajes preliminares junto con retroalimentación detallada.</a:t>
+              <a:t>Krino Insight, una plataforma web que integra inteligencia artificial para automatizar y optimizar el proceso de corrección académica. El sistema permite cargar evaluaciones y rúbricas, aplicar automáticamente los criterios definidos mediante un sistema multi-agentes de IA, y generar puntajes preliminares junto con retroalimentación detallada.</a:t>
             </a:r>
             <a:endParaRPr/>
           </a:p>
@@ -24288,7 +24789,7 @@
         <p:spPr>
           <a:xfrm>
             <a:off x="1157612" y="2997599"/>
-            <a:ext cx="8811362" cy="2133600"/>
+            <a:ext cx="8811300" cy="2524500"/>
           </a:xfrm>
           <a:prstGeom prst="rect">
             <a:avLst/>
@@ -24326,7 +24827,31 @@
                 <a:cs typeface="Montserrat"/>
                 <a:sym typeface="Montserrat"/>
               </a:rPr>
-              <a:t>Desarrollar una plataforma web denominada Krino Insight que permita la gestión y corrección automatizada de evaluaciones en Duoc UC, integrando inteligencia artificial para asistir en la asignación preliminar de puntajes y la generación de retroalimentación, asegurando un proceso más eficiente, consistente y escalable para los docentes, en línea con los criterios definidos en rúbricas académicas.</a:t>
+              <a:t>Desarrollar Krino Insight, </a:t>
+            </a:r>
+            <a:r>
+              <a:rPr lang="en-US" sz="2000">
+                <a:solidFill>
+                  <a:srgbClr val="307FE2"/>
+                </a:solidFill>
+                <a:latin typeface="Montserrat"/>
+                <a:ea typeface="Montserrat"/>
+                <a:cs typeface="Montserrat"/>
+                <a:sym typeface="Montserrat"/>
+              </a:rPr>
+              <a:t>una plataforma web </a:t>
+            </a:r>
+            <a:r>
+              <a:rPr b="0" i="0" lang="en-US" sz="2000" u="none" cap="none" strike="noStrike">
+                <a:solidFill>
+                  <a:srgbClr val="307FE2"/>
+                </a:solidFill>
+                <a:latin typeface="Montserrat"/>
+                <a:ea typeface="Montserrat"/>
+                <a:cs typeface="Montserrat"/>
+                <a:sym typeface="Montserrat"/>
+              </a:rPr>
+              <a:t>que permita la gestión y corrección automatizada de evaluaciones en Duoc UC, integrando agentes con inteligencia artificial para asistir en la asignación preliminar de puntajes y la generación de retroalimentación, asegurando un proceso más eficiente, consistente y escalable para los docentes, en línea con los criterios definidos en rúbricas académicas.</a:t>
             </a:r>
             <a:endParaRPr/>
           </a:p>
@@ -24499,7 +25024,7 @@
         <p:spPr>
           <a:xfrm>
             <a:off x="1157612" y="2997599"/>
-            <a:ext cx="8811362" cy="4572000"/>
+            <a:ext cx="8811300" cy="5479800"/>
           </a:xfrm>
           <a:prstGeom prst="rect">
             <a:avLst/>
@@ -24542,7 +25067,31 @@
                 <a:cs typeface="Montserrat"/>
                 <a:sym typeface="Montserrat"/>
               </a:rPr>
-              <a:t>Implementar una base web segura y escalable para gestionar usuarios y roles.</a:t>
+              <a:t>Implementar una </a:t>
+            </a:r>
+            <a:r>
+              <a:rPr lang="en-US" sz="2000">
+                <a:solidFill>
+                  <a:srgbClr val="307FE2"/>
+                </a:solidFill>
+                <a:latin typeface="Montserrat"/>
+                <a:ea typeface="Montserrat"/>
+                <a:cs typeface="Montserrat"/>
+                <a:sym typeface="Montserrat"/>
+              </a:rPr>
+              <a:t>sistema </a:t>
+            </a:r>
+            <a:r>
+              <a:rPr b="0" i="0" lang="en-US" sz="2000" u="none" cap="none" strike="noStrike">
+                <a:solidFill>
+                  <a:srgbClr val="307FE2"/>
+                </a:solidFill>
+                <a:latin typeface="Montserrat"/>
+                <a:ea typeface="Montserrat"/>
+                <a:cs typeface="Montserrat"/>
+                <a:sym typeface="Montserrat"/>
+              </a:rPr>
+              <a:t>web segura y escalable para gestionar usuarios y roles.</a:t>
             </a:r>
             <a:endParaRPr/>
           </a:p>
@@ -24894,7 +25443,7 @@
         <p:spPr>
           <a:xfrm>
             <a:off x="1157612" y="2997599"/>
-            <a:ext cx="8811362" cy="5791200"/>
+            <a:ext cx="8811300" cy="5849100"/>
           </a:xfrm>
           <a:prstGeom prst="rect">
             <a:avLst/>
@@ -24937,9 +25486,49 @@
                 <a:cs typeface="Montserrat"/>
                 <a:sym typeface="Montserrat"/>
               </a:rPr>
-              <a:t>Se cumplió el objetivo de implementar la corrección asistida por IA (API de OpenAI). El sistema está operativo para esta tarea.</a:t>
+              <a:t>Se </a:t>
             </a:r>
-            <a:endParaRPr/>
+            <a:r>
+              <a:rPr lang="en-US" sz="2000">
+                <a:solidFill>
+                  <a:srgbClr val="307FE2"/>
+                </a:solidFill>
+                <a:latin typeface="Montserrat"/>
+                <a:ea typeface="Montserrat"/>
+                <a:cs typeface="Montserrat"/>
+                <a:sym typeface="Montserrat"/>
+              </a:rPr>
+              <a:t>implementa</a:t>
+            </a:r>
+            <a:r>
+              <a:rPr b="0" i="0" lang="en-US" sz="2000" u="none" cap="none" strike="noStrike">
+                <a:solidFill>
+                  <a:srgbClr val="307FE2"/>
+                </a:solidFill>
+                <a:latin typeface="Montserrat"/>
+                <a:ea typeface="Montserrat"/>
+                <a:cs typeface="Montserrat"/>
+                <a:sym typeface="Montserrat"/>
+              </a:rPr>
+              <a:t> la corrección asistida por IA (API de OpenAI). </a:t>
+            </a:r>
+            <a:r>
+              <a:rPr lang="en-US" sz="2000">
+                <a:solidFill>
+                  <a:srgbClr val="307FE2"/>
+                </a:solidFill>
+                <a:latin typeface="Montserrat"/>
+                <a:ea typeface="Montserrat"/>
+                <a:cs typeface="Montserrat"/>
+                <a:sym typeface="Montserrat"/>
+              </a:rPr>
+              <a:t>Los docentes pueden ver sus secciones, la lista de estudiantes, las evaluaciones y las notas obtenidas correspondientes.</a:t>
+            </a:r>
+            <a:endParaRPr>
+              <a:solidFill>
+                <a:schemeClr val="dk1"/>
+              </a:solidFill>
+            </a:endParaRPr>
           </a:p>
           <a:p>
             <a:pPr indent="0" lvl="0" marL="0" marR="0" rtl="0" algn="just">
@@ -24995,9 +25584,41 @@
                 <a:cs typeface="Montserrat"/>
                 <a:sym typeface="Montserrat"/>
               </a:rPr>
-              <a:t>El sistema fue validado y logra evaluar correctamente las asignaturas de "Desarrollo Orientado a Objetos" y "Fundamentos de Programación".</a:t>
+              <a:t>El sistema </a:t>
             </a:r>
-            <a:endParaRPr/>
+            <a:r>
+              <a:rPr lang="en-US" sz="2000">
+                <a:solidFill>
+                  <a:srgbClr val="307FE2"/>
+                </a:solidFill>
+                <a:latin typeface="Montserrat"/>
+                <a:ea typeface="Montserrat"/>
+                <a:cs typeface="Montserrat"/>
+                <a:sym typeface="Montserrat"/>
+              </a:rPr>
+              <a:t>evalúa</a:t>
+            </a:r>
+            <a:r>
+              <a:rPr b="0" i="0" lang="en-US" sz="2000" u="none" cap="none" strike="noStrike">
+                <a:solidFill>
+                  <a:srgbClr val="307FE2"/>
+                </a:solidFill>
+                <a:latin typeface="Montserrat"/>
+                <a:ea typeface="Montserrat"/>
+                <a:cs typeface="Montserrat"/>
+                <a:sym typeface="Montserrat"/>
+              </a:rPr>
+              <a:t> de manera correcta las asignaturas de "Desarrollo Orientado a Objetos" y "Fundamentos de Programación".</a:t>
+            </a:r>
+            <a:endParaRPr b="0" i="0" sz="2000" u="none" cap="none" strike="noStrike">
+              <a:solidFill>
+                <a:srgbClr val="307FE2"/>
+              </a:solidFill>
+              <a:latin typeface="Montserrat"/>
+              <a:ea typeface="Montserrat"/>
+              <a:cs typeface="Montserrat"/>
+              <a:sym typeface="Montserrat"/>
+            </a:endParaRPr>
           </a:p>
           <a:p>
             <a:pPr indent="0" lvl="0" marL="0" marR="0" rtl="0" algn="just">
@@ -25053,54 +25674,20 @@
                 <a:cs typeface="Montserrat"/>
                 <a:sym typeface="Montserrat"/>
               </a:rPr>
-              <a:t>Los docentes pueden ver sus secciones, la lista de estudiantes, las evaluaciones y las notas obtenidas correspondientes.</a:t>
+              <a:t>El agente inteligente evalúa </a:t>
             </a:r>
-            <a:endParaRPr/>
-          </a:p>
-          <a:p>
-            <a:pPr indent="0" lvl="0" marL="0" marR="0" rtl="0" algn="just">
-              <a:lnSpc>
-                <a:spcPct val="120000"/>
-              </a:lnSpc>
-              <a:spcBef>
-                <a:spcPts val="0"/>
-              </a:spcBef>
-              <a:spcAft>
-                <a:spcPts val="0"/>
-              </a:spcAft>
-              <a:buNone/>
-            </a:pPr>
             <a:r>
-              <a:t/>
+              <a:rPr lang="en-US" sz="2000">
+                <a:solidFill>
+                  <a:srgbClr val="307FE2"/>
+                </a:solidFill>
+                <a:latin typeface="Montserrat"/>
+                <a:ea typeface="Montserrat"/>
+                <a:cs typeface="Montserrat"/>
+                <a:sym typeface="Montserrat"/>
+              </a:rPr>
+              <a:t>correctamente</a:t>
             </a:r>
-            <a:endParaRPr b="0" i="0" sz="2000" u="none" cap="none" strike="noStrike">
-              <a:solidFill>
-                <a:srgbClr val="307FE2"/>
-              </a:solidFill>
-              <a:latin typeface="Montserrat"/>
-              <a:ea typeface="Montserrat"/>
-              <a:cs typeface="Montserrat"/>
-              <a:sym typeface="Montserrat"/>
-            </a:endParaRPr>
-          </a:p>
-          <a:p>
-            <a:pPr indent="-215900" lvl="1" marL="431801" marR="0" rtl="0" algn="just">
-              <a:lnSpc>
-                <a:spcPct val="120000"/>
-              </a:lnSpc>
-              <a:spcBef>
-                <a:spcPts val="0"/>
-              </a:spcBef>
-              <a:spcAft>
-                <a:spcPts val="0"/>
-              </a:spcAft>
-              <a:buClr>
-                <a:srgbClr val="307FE2"/>
-              </a:buClr>
-              <a:buSzPts val="2000"/>
-              <a:buFont typeface="Arial"/>
-              <a:buChar char="•"/>
-            </a:pPr>
             <a:r>
               <a:rPr b="0" i="0" lang="en-US" sz="2000" u="none" cap="none" strike="noStrike">
                 <a:solidFill>
@@ -25111,7 +25698,7 @@
                 <a:cs typeface="Montserrat"/>
                 <a:sym typeface="Montserrat"/>
               </a:rPr>
-              <a:t>El agente inteligente evalúa mucho mejor que al inicio, mostrando una mayor diversidad en las notas entregadas. Esto se logró adaptando las rúbricas (con más puntaje) y dando más "libertad" al modelo.</a:t>
+              <a:t>, mostrando una mayor diversidad en las notas entregadas. Esto se logró adaptando las rúbricas (con más puntaje) y dando más "libertad" al modelo.</a:t>
             </a:r>
             <a:endParaRPr/>
           </a:p>
@@ -25447,7 +26034,7 @@
         <p:spPr>
           <a:xfrm>
             <a:off x="1157612" y="2997599"/>
-            <a:ext cx="8811362" cy="3352800"/>
+            <a:ext cx="8811300" cy="4371300"/>
           </a:xfrm>
           <a:prstGeom prst="rect">
             <a:avLst/>
@@ -25606,7 +26193,43 @@
                 <a:cs typeface="Montserrat"/>
                 <a:sym typeface="Montserrat"/>
               </a:rPr>
-              <a:t>Limitación de uso del Microsoft Azure, ya que estamos destinados a solamente las herramientas que nos proporciona.</a:t>
+              <a:t>Limitación de uso del Microsoft Azure, ya que estamos destinados a solamente las herramientas que nos proporciona. No </a:t>
+            </a:r>
+            <a:r>
+              <a:rPr lang="en-US" sz="2000">
+                <a:solidFill>
+                  <a:srgbClr val="307FE2"/>
+                </a:solidFill>
+                <a:latin typeface="Montserrat"/>
+                <a:ea typeface="Montserrat"/>
+                <a:cs typeface="Montserrat"/>
+                <a:sym typeface="Montserrat"/>
+              </a:rPr>
+              <a:t>está</a:t>
+            </a:r>
+            <a:r>
+              <a:rPr b="0" i="0" lang="en-US" sz="2000" u="none" cap="none" strike="noStrike">
+                <a:solidFill>
+                  <a:srgbClr val="307FE2"/>
+                </a:solidFill>
+                <a:latin typeface="Montserrat"/>
+                <a:ea typeface="Montserrat"/>
+                <a:cs typeface="Montserrat"/>
+                <a:sym typeface="Montserrat"/>
+              </a:rPr>
+              <a:t> bien </a:t>
+            </a:r>
+            <a:r>
+              <a:rPr lang="en-US" sz="2000">
+                <a:solidFill>
+                  <a:srgbClr val="307FE2"/>
+                </a:solidFill>
+                <a:latin typeface="Montserrat"/>
+                <a:ea typeface="Montserrat"/>
+                <a:cs typeface="Montserrat"/>
+                <a:sym typeface="Montserrat"/>
+              </a:rPr>
+              <a:t>implementado para el uso de agentes con Inteligencia artificial.</a:t>
             </a:r>
             <a:endParaRPr/>
           </a:p>
@@ -25647,6 +26270,285 @@
 </file>
 
 <file path=ppt/theme/theme1.xml><?xml version="1.0" encoding="utf-8"?>
+<a:theme xmlns:a="http://schemas.openxmlformats.org/drawingml/2006/main" xmlns:r="http://schemas.openxmlformats.org/officeDocument/2006/relationships" name="Office Theme">
+  <a:themeElements>
+    <a:clrScheme name="Office">
+      <a:dk1>
+        <a:srgbClr val="000000"/>
+      </a:dk1>
+      <a:lt1>
+        <a:srgbClr val="FFFFFF"/>
+      </a:lt1>
+      <a:dk2>
+        <a:srgbClr val="1F497D"/>
+      </a:dk2>
+      <a:lt2>
+        <a:srgbClr val="EEECE1"/>
+      </a:lt2>
+      <a:accent1>
+        <a:srgbClr val="4F81BD"/>
+      </a:accent1>
+      <a:accent2>
+        <a:srgbClr val="C0504D"/>
+      </a:accent2>
+      <a:accent3>
+        <a:srgbClr val="9BBB59"/>
+      </a:accent3>
+      <a:accent4>
+        <a:srgbClr val="8064A2"/>
+      </a:accent4>
+      <a:accent5>
+        <a:srgbClr val="4BACC6"/>
+      </a:accent5>
+      <a:accent6>
+        <a:srgbClr val="F79646"/>
+      </a:accent6>
+      <a:hlink>
+        <a:srgbClr val="0000FF"/>
+      </a:hlink>
+      <a:folHlink>
+        <a:srgbClr val="800080"/>
+      </a:folHlink>
+    </a:clrScheme>
+    <a:fontScheme name="Office">
+      <a:majorFont>
+        <a:latin typeface="Arial"/>
+        <a:ea typeface=""/>
+        <a:cs typeface=""/>
+        <a:font script="Jpan" typeface="ＭＳ Ｐゴシック"/>
+        <a:font script="Hang" typeface="맑은 고딕"/>
+        <a:font script="Hans" typeface="宋体"/>
+        <a:font script="Hant" typeface="新細明體"/>
+        <a:font script="Arab" typeface="Times New Roman"/>
+        <a:font script="Hebr" typeface="Times New Roman"/>
+        <a:font script="Thai" typeface="Angsana New"/>
+        <a:font script="Ethi" typeface="Nyala"/>
+        <a:font script="Beng" typeface="Vrinda"/>
+        <a:font script="Gujr" typeface="Shruti"/>
+        <a:font script="Khmr" typeface="MoolBoran"/>
+        <a:font script="Knda" typeface="Tunga"/>
+        <a:font script="Guru" typeface="Raavi"/>
+        <a:font script="Cans" typeface="Euphemia"/>
+        <a:font script="Cher" typeface="Plantagenet Cherokee"/>
+        <a:font script="Yiii" typeface="Microsoft Yi Baiti"/>
+        <a:font script="Tibt" typeface="Microsoft Himalaya"/>
+        <a:font script="Thaa" typeface="MV Boli"/>
+        <a:font script="Deva" typeface="Mangal"/>
+        <a:font script="Telu" typeface="Gautami"/>
+        <a:font script="Taml" typeface="Latha"/>
+        <a:font script="Syrc" typeface="Estrangelo Edessa"/>
+        <a:font script="Orya" typeface="Kalinga"/>
+        <a:font script="Mlym" typeface="Kartika"/>
+        <a:font script="Laoo" typeface="DokChampa"/>
+        <a:font script="Sinh" typeface="Iskoola Pota"/>
+        <a:font script="Mong" typeface="Mongolian Baiti"/>
+        <a:font script="Viet" typeface="Times New Roman"/>
+        <a:font script="Uigh" typeface="Microsoft Uighur"/>
+        <a:font script="Geor" typeface="Sylfaen"/>
+      </a:majorFont>
+      <a:minorFont>
+        <a:latin typeface="Arial"/>
+        <a:ea typeface=""/>
+        <a:cs typeface=""/>
+        <a:font script="Jpan" typeface="ＭＳ Ｐゴシック"/>
+        <a:font script="Hang" typeface="맑은 고딕"/>
+        <a:font script="Hans" typeface="宋体"/>
+        <a:font script="Hant" typeface="新細明體"/>
+        <a:font script="Arab" typeface="Arial"/>
+        <a:font script="Hebr" typeface="Arial"/>
+        <a:font script="Thai" typeface="Cordia New"/>
+        <a:font script="Ethi" typeface="Nyala"/>
+        <a:font script="Beng" typeface="Vrinda"/>
+        <a:font script="Gujr" typeface="Shruti"/>
+        <a:font script="Khmr" typeface="DaunPenh"/>
+        <a:font script="Knda" typeface="Tunga"/>
+        <a:font script="Guru" typeface="Raavi"/>
+        <a:font script="Cans" typeface="Euphemia"/>
+        <a:font script="Cher" typeface="Plantagenet Cherokee"/>
+        <a:font script="Yiii" typeface="Microsoft Yi Baiti"/>
+        <a:font script="Tibt" typeface="Microsoft Himalaya"/>
+        <a:font script="Thaa" typeface="MV Boli"/>
+        <a:font script="Deva" typeface="Mangal"/>
+        <a:font script="Telu" typeface="Gautami"/>
+        <a:font script="Taml" typeface="Latha"/>
+        <a:font script="Syrc" typeface="Estrangelo Edessa"/>
+        <a:font script="Orya" typeface="Kalinga"/>
+        <a:font script="Mlym" typeface="Kartika"/>
+        <a:font script="Laoo" typeface="DokChampa"/>
+        <a:font script="Sinh" typeface="Iskoola Pota"/>
+        <a:font script="Mong" typeface="Mongolian Baiti"/>
+        <a:font script="Viet" typeface="Arial"/>
+        <a:font script="Uigh" typeface="Microsoft Uighur"/>
+        <a:font script="Geor" typeface="Sylfaen"/>
+      </a:minorFont>
+    </a:fontScheme>
+    <a:fmtScheme name="Office">
+      <a:fillStyleLst>
+        <a:solidFill>
+          <a:schemeClr val="phClr"/>
+        </a:solidFill>
+        <a:gradFill rotWithShape="1">
+          <a:gsLst>
+            <a:gs pos="0">
+              <a:schemeClr val="phClr">
+                <a:tint val="50000"/>
+                <a:satMod val="300000"/>
+              </a:schemeClr>
+            </a:gs>
+            <a:gs pos="35000">
+              <a:schemeClr val="phClr">
+                <a:tint val="37000"/>
+                <a:satMod val="300000"/>
+              </a:schemeClr>
+            </a:gs>
+            <a:gs pos="100000">
+              <a:schemeClr val="phClr">
+                <a:tint val="15000"/>
+                <a:satMod val="350000"/>
+              </a:schemeClr>
+            </a:gs>
+          </a:gsLst>
+          <a:lin ang="16200000" scaled="1"/>
+        </a:gradFill>
+        <a:gradFill rotWithShape="1">
+          <a:gsLst>
+            <a:gs pos="0">
+              <a:schemeClr val="phClr">
+                <a:tint val="100000"/>
+                <a:shade val="100000"/>
+                <a:satMod val="130000"/>
+              </a:schemeClr>
+            </a:gs>
+            <a:gs pos="100000">
+              <a:schemeClr val="phClr">
+                <a:tint val="50000"/>
+                <a:shade val="100000"/>
+                <a:satMod val="350000"/>
+              </a:schemeClr>
+            </a:gs>
+          </a:gsLst>
+          <a:lin ang="16200000" scaled="0"/>
+        </a:gradFill>
+      </a:fillStyleLst>
+      <a:lnStyleLst>
+        <a:ln w="9525" cap="flat" cmpd="sng" algn="ctr">
+          <a:solidFill>
+            <a:schemeClr val="phClr">
+              <a:shade val="95000"/>
+              <a:satMod val="105000"/>
+            </a:schemeClr>
+          </a:solidFill>
+          <a:prstDash val="solid"/>
+        </a:ln>
+        <a:ln w="25400" cap="flat" cmpd="sng" algn="ctr">
+          <a:solidFill>
+            <a:schemeClr val="phClr"/>
+          </a:solidFill>
+          <a:prstDash val="solid"/>
+        </a:ln>
+        <a:ln w="38100" cap="flat" cmpd="sng" algn="ctr">
+          <a:solidFill>
+            <a:schemeClr val="phClr"/>
+          </a:solidFill>
+          <a:prstDash val="solid"/>
+        </a:ln>
+      </a:lnStyleLst>
+      <a:effectStyleLst>
+        <a:effectStyle>
+          <a:effectLst>
+            <a:outerShdw blurRad="40000" dist="20000" dir="5400000" rotWithShape="0">
+              <a:srgbClr val="000000">
+                <a:alpha val="38000"/>
+              </a:srgbClr>
+            </a:outerShdw>
+          </a:effectLst>
+        </a:effectStyle>
+        <a:effectStyle>
+          <a:effectLst>
+            <a:outerShdw blurRad="40000" dist="23000" dir="5400000" rotWithShape="0">
+              <a:srgbClr val="000000">
+                <a:alpha val="35000"/>
+              </a:srgbClr>
+            </a:outerShdw>
+          </a:effectLst>
+        </a:effectStyle>
+        <a:effectStyle>
+          <a:effectLst>
+            <a:outerShdw blurRad="40000" dist="23000" dir="5400000" rotWithShape="0">
+              <a:srgbClr val="000000">
+                <a:alpha val="35000"/>
+              </a:srgbClr>
+            </a:outerShdw>
+          </a:effectLst>
+          <a:scene3d>
+            <a:camera prst="orthographicFront">
+              <a:rot lat="0" lon="0" rev="0"/>
+            </a:camera>
+            <a:lightRig rig="threePt" dir="t">
+              <a:rot lat="0" lon="0" rev="1200000"/>
+            </a:lightRig>
+          </a:scene3d>
+          <a:sp3d>
+            <a:bevelT w="63500" h="25400"/>
+          </a:sp3d>
+        </a:effectStyle>
+      </a:effectStyleLst>
+      <a:bgFillStyleLst>
+        <a:solidFill>
+          <a:schemeClr val="phClr"/>
+        </a:solidFill>
+        <a:gradFill rotWithShape="1">
+          <a:gsLst>
+            <a:gs pos="0">
+              <a:schemeClr val="phClr">
+                <a:tint val="40000"/>
+                <a:satMod val="350000"/>
+              </a:schemeClr>
+            </a:gs>
+            <a:gs pos="40000">
+              <a:schemeClr val="phClr">
+                <a:tint val="45000"/>
+                <a:shade val="99000"/>
+                <a:satMod val="350000"/>
+              </a:schemeClr>
+            </a:gs>
+            <a:gs pos="100000">
+              <a:schemeClr val="phClr">
+                <a:shade val="20000"/>
+                <a:satMod val="255000"/>
+              </a:schemeClr>
+            </a:gs>
+          </a:gsLst>
+          <a:path path="circle">
+            <a:fillToRect l="50000" t="-80000" r="50000" b="180000"/>
+          </a:path>
+        </a:gradFill>
+        <a:gradFill rotWithShape="1">
+          <a:gsLst>
+            <a:gs pos="0">
+              <a:schemeClr val="phClr">
+                <a:tint val="80000"/>
+                <a:satMod val="300000"/>
+              </a:schemeClr>
+            </a:gs>
+            <a:gs pos="100000">
+              <a:schemeClr val="phClr">
+                <a:shade val="30000"/>
+                <a:satMod val="200000"/>
+              </a:schemeClr>
+            </a:gs>
+          </a:gsLst>
+          <a:path path="circle">
+            <a:fillToRect l="50000" t="50000" r="50000" b="50000"/>
+          </a:path>
+        </a:gradFill>
+      </a:bgFillStyleLst>
+    </a:fmtScheme>
+  </a:themeElements>
+</a:theme>
+</file>
+
+<file path=ppt/theme/theme2.xml><?xml version="1.0" encoding="utf-8"?>
 <a:theme xmlns:a="http://schemas.openxmlformats.org/drawingml/2006/main" xmlns:r="http://schemas.openxmlformats.org/officeDocument/2006/relationships">
   <a:themeElements>
     <a:clrScheme name="Default">
@@ -25923,283 +26825,4 @@
     </a:fmtScheme>
   </a:themeElements>
 </a:theme>
-</file>
-
-<file path=ppt/theme/theme2.xml><?xml version="1.0" encoding="utf-8"?>
-<a:theme xmlns:a="http://schemas.openxmlformats.org/drawingml/2006/main" xmlns:r="http://schemas.openxmlformats.org/officeDocument/2006/relationships" name="Office Theme">
-  <a:themeElements>
-    <a:clrScheme name="Office">
-      <a:dk1>
-        <a:srgbClr val="000000"/>
-      </a:dk1>
-      <a:lt1>
-        <a:srgbClr val="FFFFFF"/>
-      </a:lt1>
-      <a:dk2>
-        <a:srgbClr val="1F497D"/>
-      </a:dk2>
-      <a:lt2>
-        <a:srgbClr val="EEECE1"/>
-      </a:lt2>
-      <a:accent1>
-        <a:srgbClr val="4F81BD"/>
-      </a:accent1>
-      <a:accent2>
-        <a:srgbClr val="C0504D"/>
-      </a:accent2>
-      <a:accent3>
-        <a:srgbClr val="9BBB59"/>
-      </a:accent3>
-      <a:accent4>
-        <a:srgbClr val="8064A2"/>
-      </a:accent4>
-      <a:accent5>
-        <a:srgbClr val="4BACC6"/>
-      </a:accent5>
-      <a:accent6>
-        <a:srgbClr val="F79646"/>
-      </a:accent6>
-      <a:hlink>
-        <a:srgbClr val="0000FF"/>
-      </a:hlink>
-      <a:folHlink>
-        <a:srgbClr val="800080"/>
-      </a:folHlink>
-    </a:clrScheme>
-    <a:fontScheme name="Office">
-      <a:majorFont>
-        <a:latin typeface="Arial"/>
-        <a:ea typeface=""/>
-        <a:cs typeface=""/>
-        <a:font script="Jpan" typeface="ＭＳ Ｐゴシック"/>
-        <a:font script="Hang" typeface="맑은 고딕"/>
-        <a:font script="Hans" typeface="宋体"/>
-        <a:font script="Hant" typeface="新細明體"/>
-        <a:font script="Arab" typeface="Times New Roman"/>
-        <a:font script="Hebr" typeface="Times New Roman"/>
-        <a:font script="Thai" typeface="Angsana New"/>
-        <a:font script="Ethi" typeface="Nyala"/>
-        <a:font script="Beng" typeface="Vrinda"/>
-        <a:font script="Gujr" typeface="Shruti"/>
-        <a:font script="Khmr" typeface="MoolBoran"/>
-        <a:font script="Knda" typeface="Tunga"/>
-        <a:font script="Guru" typeface="Raavi"/>
-        <a:font script="Cans" typeface="Euphemia"/>
-        <a:font script="Cher" typeface="Plantagenet Cherokee"/>
-        <a:font script="Yiii" typeface="Microsoft Yi Baiti"/>
-        <a:font script="Tibt" typeface="Microsoft Himalaya"/>
-        <a:font script="Thaa" typeface="MV Boli"/>
-        <a:font script="Deva" typeface="Mangal"/>
-        <a:font script="Telu" typeface="Gautami"/>
-        <a:font script="Taml" typeface="Latha"/>
-        <a:font script="Syrc" typeface="Estrangelo Edessa"/>
-        <a:font script="Orya" typeface="Kalinga"/>
-        <a:font script="Mlym" typeface="Kartika"/>
-        <a:font script="Laoo" typeface="DokChampa"/>
-        <a:font script="Sinh" typeface="Iskoola Pota"/>
-        <a:font script="Mong" typeface="Mongolian Baiti"/>
-        <a:font script="Viet" typeface="Times New Roman"/>
-        <a:font script="Uigh" typeface="Microsoft Uighur"/>
-        <a:font script="Geor" typeface="Sylfaen"/>
-      </a:majorFont>
-      <a:minorFont>
-        <a:latin typeface="Arial"/>
-        <a:ea typeface=""/>
-        <a:cs typeface=""/>
-        <a:font script="Jpan" typeface="ＭＳ Ｐゴシック"/>
-        <a:font script="Hang" typeface="맑은 고딕"/>
-        <a:font script="Hans" typeface="宋体"/>
-        <a:font script="Hant" typeface="新細明體"/>
-        <a:font script="Arab" typeface="Arial"/>
-        <a:font script="Hebr" typeface="Arial"/>
-        <a:font script="Thai" typeface="Cordia New"/>
-        <a:font script="Ethi" typeface="Nyala"/>
-        <a:font script="Beng" typeface="Vrinda"/>
-        <a:font script="Gujr" typeface="Shruti"/>
-        <a:font script="Khmr" typeface="DaunPenh"/>
-        <a:font script="Knda" typeface="Tunga"/>
-        <a:font script="Guru" typeface="Raavi"/>
-        <a:font script="Cans" typeface="Euphemia"/>
-        <a:font script="Cher" typeface="Plantagenet Cherokee"/>
-        <a:font script="Yiii" typeface="Microsoft Yi Baiti"/>
-        <a:font script="Tibt" typeface="Microsoft Himalaya"/>
-        <a:font script="Thaa" typeface="MV Boli"/>
-        <a:font script="Deva" typeface="Mangal"/>
-        <a:font script="Telu" typeface="Gautami"/>
-        <a:font script="Taml" typeface="Latha"/>
-        <a:font script="Syrc" typeface="Estrangelo Edessa"/>
-        <a:font script="Orya" typeface="Kalinga"/>
-        <a:font script="Mlym" typeface="Kartika"/>
-        <a:font script="Laoo" typeface="DokChampa"/>
-        <a:font script="Sinh" typeface="Iskoola Pota"/>
-        <a:font script="Mong" typeface="Mongolian Baiti"/>
-        <a:font script="Viet" typeface="Arial"/>
-        <a:font script="Uigh" typeface="Microsoft Uighur"/>
-        <a:font script="Geor" typeface="Sylfaen"/>
-      </a:minorFont>
-    </a:fontScheme>
-    <a:fmtScheme name="Office">
-      <a:fillStyleLst>
-        <a:solidFill>
-          <a:schemeClr val="phClr"/>
-        </a:solidFill>
-        <a:gradFill rotWithShape="1">
-          <a:gsLst>
-            <a:gs pos="0">
-              <a:schemeClr val="phClr">
-                <a:tint val="50000"/>
-                <a:satMod val="300000"/>
-              </a:schemeClr>
-            </a:gs>
-            <a:gs pos="35000">
-              <a:schemeClr val="phClr">
-                <a:tint val="37000"/>
-                <a:satMod val="300000"/>
-              </a:schemeClr>
-            </a:gs>
-            <a:gs pos="100000">
-              <a:schemeClr val="phClr">
-                <a:tint val="15000"/>
-                <a:satMod val="350000"/>
-              </a:schemeClr>
-            </a:gs>
-          </a:gsLst>
-          <a:lin ang="16200000" scaled="1"/>
-        </a:gradFill>
-        <a:gradFill rotWithShape="1">
-          <a:gsLst>
-            <a:gs pos="0">
-              <a:schemeClr val="phClr">
-                <a:tint val="100000"/>
-                <a:shade val="100000"/>
-                <a:satMod val="130000"/>
-              </a:schemeClr>
-            </a:gs>
-            <a:gs pos="100000">
-              <a:schemeClr val="phClr">
-                <a:tint val="50000"/>
-                <a:shade val="100000"/>
-                <a:satMod val="350000"/>
-              </a:schemeClr>
-            </a:gs>
-          </a:gsLst>
-          <a:lin ang="16200000" scaled="0"/>
-        </a:gradFill>
-      </a:fillStyleLst>
-      <a:lnStyleLst>
-        <a:ln w="9525" cap="flat" cmpd="sng" algn="ctr">
-          <a:solidFill>
-            <a:schemeClr val="phClr">
-              <a:shade val="95000"/>
-              <a:satMod val="105000"/>
-            </a:schemeClr>
-          </a:solidFill>
-          <a:prstDash val="solid"/>
-        </a:ln>
-        <a:ln w="25400" cap="flat" cmpd="sng" algn="ctr">
-          <a:solidFill>
-            <a:schemeClr val="phClr"/>
-          </a:solidFill>
-          <a:prstDash val="solid"/>
-        </a:ln>
-        <a:ln w="38100" cap="flat" cmpd="sng" algn="ctr">
-          <a:solidFill>
-            <a:schemeClr val="phClr"/>
-          </a:solidFill>
-          <a:prstDash val="solid"/>
-        </a:ln>
-      </a:lnStyleLst>
-      <a:effectStyleLst>
-        <a:effectStyle>
-          <a:effectLst>
-            <a:outerShdw blurRad="40000" dist="20000" dir="5400000" rotWithShape="0">
-              <a:srgbClr val="000000">
-                <a:alpha val="38000"/>
-              </a:srgbClr>
-            </a:outerShdw>
-          </a:effectLst>
-        </a:effectStyle>
-        <a:effectStyle>
-          <a:effectLst>
-            <a:outerShdw blurRad="40000" dist="23000" dir="5400000" rotWithShape="0">
-              <a:srgbClr val="000000">
-                <a:alpha val="35000"/>
-              </a:srgbClr>
-            </a:outerShdw>
-          </a:effectLst>
-        </a:effectStyle>
-        <a:effectStyle>
-          <a:effectLst>
-            <a:outerShdw blurRad="40000" dist="23000" dir="5400000" rotWithShape="0">
-              <a:srgbClr val="000000">
-                <a:alpha val="35000"/>
-              </a:srgbClr>
-            </a:outerShdw>
-          </a:effectLst>
-          <a:scene3d>
-            <a:camera prst="orthographicFront">
-              <a:rot lat="0" lon="0" rev="0"/>
-            </a:camera>
-            <a:lightRig rig="threePt" dir="t">
-              <a:rot lat="0" lon="0" rev="1200000"/>
-            </a:lightRig>
-          </a:scene3d>
-          <a:sp3d>
-            <a:bevelT w="63500" h="25400"/>
-          </a:sp3d>
-        </a:effectStyle>
-      </a:effectStyleLst>
-      <a:bgFillStyleLst>
-        <a:solidFill>
-          <a:schemeClr val="phClr"/>
-        </a:solidFill>
-        <a:gradFill rotWithShape="1">
-          <a:gsLst>
-            <a:gs pos="0">
-              <a:schemeClr val="phClr">
-                <a:tint val="40000"/>
-                <a:satMod val="350000"/>
-              </a:schemeClr>
-            </a:gs>
-            <a:gs pos="40000">
-              <a:schemeClr val="phClr">
-                <a:tint val="45000"/>
-                <a:shade val="99000"/>
-                <a:satMod val="350000"/>
-              </a:schemeClr>
-            </a:gs>
-            <a:gs pos="100000">
-              <a:schemeClr val="phClr">
-                <a:shade val="20000"/>
-                <a:satMod val="255000"/>
-              </a:schemeClr>
-            </a:gs>
-          </a:gsLst>
-          <a:path path="circle">
-            <a:fillToRect l="50000" t="-80000" r="50000" b="180000"/>
-          </a:path>
-        </a:gradFill>
-        <a:gradFill rotWithShape="1">
-          <a:gsLst>
-            <a:gs pos="0">
-              <a:schemeClr val="phClr">
-                <a:tint val="80000"/>
-                <a:satMod val="300000"/>
-              </a:schemeClr>
-            </a:gs>
-            <a:gs pos="100000">
-              <a:schemeClr val="phClr">
-                <a:shade val="30000"/>
-                <a:satMod val="200000"/>
-              </a:schemeClr>
-            </a:gs>
-          </a:gsLst>
-          <a:path path="circle">
-            <a:fillToRect l="50000" t="50000" r="50000" b="50000"/>
-          </a:path>
-        </a:gradFill>
-      </a:bgFillStyleLst>
-    </a:fmtScheme>
-  </a:themeElements>
-</a:theme>
 </file>